--- a/Integrated Text Editor New.pptx
+++ b/Integrated Text Editor New.pptx
@@ -9,15 +9,15 @@
     <p:sldId id="257" r:id="rId3"/>
     <p:sldId id="258" r:id="rId4"/>
     <p:sldId id="259" r:id="rId5"/>
-    <p:sldId id="270" r:id="rId6"/>
-    <p:sldId id="266" r:id="rId7"/>
-    <p:sldId id="260" r:id="rId8"/>
-    <p:sldId id="263" r:id="rId9"/>
-    <p:sldId id="264" r:id="rId10"/>
-    <p:sldId id="265" r:id="rId11"/>
-    <p:sldId id="267" r:id="rId12"/>
-    <p:sldId id="268" r:id="rId13"/>
-    <p:sldId id="269" r:id="rId14"/>
+    <p:sldId id="266" r:id="rId6"/>
+    <p:sldId id="260" r:id="rId7"/>
+    <p:sldId id="263" r:id="rId8"/>
+    <p:sldId id="264" r:id="rId9"/>
+    <p:sldId id="265" r:id="rId10"/>
+    <p:sldId id="267" r:id="rId11"/>
+    <p:sldId id="268" r:id="rId12"/>
+    <p:sldId id="269" r:id="rId13"/>
+    <p:sldId id="271" r:id="rId14"/>
     <p:sldId id="262" r:id="rId15"/>
   </p:sldIdLst>
   <p:sldSz cx="12192000" cy="6858000"/>
@@ -6164,25 +6164,25 @@
         </p:nvSpPr>
         <p:spPr>
           <a:xfrm>
-            <a:off x="323687" y="1462210"/>
-            <a:ext cx="4006127" cy="1203158"/>
+            <a:off x="481652" y="1696453"/>
+            <a:ext cx="3680885" cy="895238"/>
           </a:xfrm>
         </p:spPr>
         <p:txBody>
           <a:bodyPr>
-            <a:noAutofit/>
+            <a:normAutofit/>
           </a:bodyPr>
           <a:lstStyle/>
           <a:p>
             <a:pPr algn="ctr"/>
             <a:r>
-              <a:rPr lang="en-US" sz="3600" dirty="0" smtClean="0">
-                <a:latin typeface="Segoe UI Light" panose="020B0502040204020203" pitchFamily="34" charset="0"/>
-                <a:cs typeface="Segoe UI Light" panose="020B0502040204020203" pitchFamily="34" charset="0"/>
-              </a:rPr>
-              <a:t>AUTO COMPLETE</a:t>
-            </a:r>
-            <a:endParaRPr lang="en-US" sz="3600" dirty="0">
+              <a:rPr lang="en-US" sz="4000" dirty="0" smtClean="0">
+                <a:latin typeface="Segoe UI Light" panose="020B0502040204020203" pitchFamily="34" charset="0"/>
+                <a:cs typeface="Segoe UI Light" panose="020B0502040204020203" pitchFamily="34" charset="0"/>
+              </a:rPr>
+              <a:t>FIND</a:t>
+            </a:r>
+            <a:endParaRPr lang="en-US" sz="2000" dirty="0">
               <a:latin typeface="Segoe UI Light" panose="020B0502040204020203" pitchFamily="34" charset="0"/>
               <a:cs typeface="Segoe UI Light" panose="020B0502040204020203" pitchFamily="34" charset="0"/>
             </a:endParaRPr>
@@ -6201,17 +6201,37 @@
         </p:nvSpPr>
         <p:spPr>
           <a:xfrm>
-            <a:off x="707143" y="2873318"/>
-            <a:ext cx="3239213" cy="1722744"/>
+            <a:off x="757989" y="2591691"/>
+            <a:ext cx="3128209" cy="2444638"/>
           </a:xfrm>
         </p:spPr>
         <p:txBody>
           <a:bodyPr>
-            <a:normAutofit lnSpcReduction="10000"/>
+            <a:normAutofit/>
           </a:bodyPr>
           <a:lstStyle/>
           <a:p>
             <a:pPr algn="ctr"/>
+            <a:r>
+              <a:rPr lang="en-US" sz="900" dirty="0">
+                <a:latin typeface="Segoe UI Light" panose="020B0502040204020203" pitchFamily="34" charset="0"/>
+                <a:cs typeface="Segoe UI Light" panose="020B0502040204020203" pitchFamily="34" charset="0"/>
+              </a:rPr>
+              <a:t> </a:t>
+            </a:r>
+            <a:r>
+              <a:rPr lang="en-US" sz="1800" dirty="0">
+                <a:latin typeface="Segoe UI Light" panose="020B0502040204020203" pitchFamily="34" charset="0"/>
+                <a:cs typeface="Segoe UI Light" panose="020B0502040204020203" pitchFamily="34" charset="0"/>
+              </a:rPr>
+              <a:t/>
+            </a:r>
+            <a:br>
+              <a:rPr lang="en-US" sz="1800" dirty="0">
+                <a:latin typeface="Segoe UI Light" panose="020B0502040204020203" pitchFamily="34" charset="0"/>
+                <a:cs typeface="Segoe UI Light" panose="020B0502040204020203" pitchFamily="34" charset="0"/>
+              </a:rPr>
+            </a:br>
             <a:r>
               <a:rPr lang="en-US" sz="1800" dirty="0" smtClean="0">
                 <a:solidFill>
@@ -6223,59 +6243,7 @@
                 <a:latin typeface="Segoe UI Light" panose="020B0502040204020203" pitchFamily="34" charset="0"/>
                 <a:cs typeface="Segoe UI Light" panose="020B0502040204020203" pitchFamily="34" charset="0"/>
               </a:rPr>
-              <a:t>A live feature, that </a:t>
-            </a:r>
-            <a:r>
-              <a:rPr lang="en-US" sz="1800" dirty="0">
-                <a:solidFill>
-                  <a:schemeClr val="accent2">
-                    <a:lumMod val="40000"/>
-                    <a:lumOff val="60000"/>
-                  </a:schemeClr>
-                </a:solidFill>
-                <a:latin typeface="Segoe UI Light" panose="020B0502040204020203" pitchFamily="34" charset="0"/>
-                <a:cs typeface="Segoe UI Light" panose="020B0502040204020203" pitchFamily="34" charset="0"/>
-              </a:rPr>
-              <a:t>continuously scans for long words and </a:t>
-            </a:r>
-            <a:r>
-              <a:rPr lang="en-US" sz="1800" dirty="0" smtClean="0">
-                <a:solidFill>
-                  <a:schemeClr val="accent2">
-                    <a:lumMod val="40000"/>
-                    <a:lumOff val="60000"/>
-                  </a:schemeClr>
-                </a:solidFill>
-                <a:latin typeface="Segoe UI Light" panose="020B0502040204020203" pitchFamily="34" charset="0"/>
-                <a:cs typeface="Segoe UI Light" panose="020B0502040204020203" pitchFamily="34" charset="0"/>
-              </a:rPr>
-              <a:t>attempts to complete </a:t>
-            </a:r>
-            <a:r>
-              <a:rPr lang="en-US" sz="1800" dirty="0">
-                <a:solidFill>
-                  <a:schemeClr val="accent2">
-                    <a:lumMod val="40000"/>
-                    <a:lumOff val="60000"/>
-                  </a:schemeClr>
-                </a:solidFill>
-                <a:latin typeface="Segoe UI Light" panose="020B0502040204020203" pitchFamily="34" charset="0"/>
-                <a:cs typeface="Segoe UI Light" panose="020B0502040204020203" pitchFamily="34" charset="0"/>
-              </a:rPr>
-              <a:t>them automatically </a:t>
-            </a:r>
-            <a:r>
-              <a:rPr lang="en-US" sz="1800" dirty="0" smtClean="0">
-                <a:solidFill>
-                  <a:schemeClr val="accent2">
-                    <a:lumMod val="40000"/>
-                    <a:lumOff val="60000"/>
-                  </a:schemeClr>
-                </a:solidFill>
-                <a:latin typeface="Segoe UI Light" panose="020B0502040204020203" pitchFamily="34" charset="0"/>
-                <a:cs typeface="Segoe UI Light" panose="020B0502040204020203" pitchFamily="34" charset="0"/>
-              </a:rPr>
-              <a:t>as and when the user tries to enter the same word</a:t>
+              <a:t>An option to perform a search within the document. Highlighting happen as the user types. An advance option of replace the found text also available</a:t>
             </a:r>
             <a:endParaRPr lang="en-US" sz="1800" dirty="0">
               <a:solidFill>
@@ -6296,8 +6264,8 @@
         </p:nvSpPr>
         <p:spPr>
           <a:xfrm>
-            <a:off x="4752473" y="1281736"/>
-            <a:ext cx="7110663" cy="4585871"/>
+            <a:off x="4800601" y="950495"/>
+            <a:ext cx="6581273" cy="4585871"/>
           </a:xfrm>
           <a:prstGeom prst="rect">
             <a:avLst/>
@@ -6321,7 +6289,7 @@
                 <a:latin typeface="Segoe UI Light" panose="020B0502040204020203" pitchFamily="34" charset="0"/>
                 <a:cs typeface="Segoe UI Light" panose="020B0502040204020203" pitchFamily="34" charset="0"/>
               </a:rPr>
-              <a:t>Building a saved list</a:t>
+              <a:t>Dynamic find (As you type)</a:t>
             </a:r>
           </a:p>
           <a:p>
@@ -6331,77 +6299,168 @@
                 <a:latin typeface="Segoe UI Light" panose="020B0502040204020203" pitchFamily="34" charset="0"/>
                 <a:cs typeface="Segoe UI Light" panose="020B0502040204020203" pitchFamily="34" charset="0"/>
               </a:rPr>
-              <a:t>Scans </a:t>
+              <a:t>Includes a </a:t>
+            </a:r>
+            <a:r>
+              <a:rPr lang="en-US" dirty="0" err="1" smtClean="0">
+                <a:latin typeface="Segoe UI Light" panose="020B0502040204020203" pitchFamily="34" charset="0"/>
+                <a:cs typeface="Segoe UI Light" panose="020B0502040204020203" pitchFamily="34" charset="0"/>
+              </a:rPr>
+              <a:t>textfield</a:t>
             </a:r>
             <a:r>
               <a:rPr lang="en-US" dirty="0" smtClean="0">
                 <a:latin typeface="Segoe UI Light" panose="020B0502040204020203" pitchFamily="34" charset="0"/>
                 <a:cs typeface="Segoe UI Light" panose="020B0502040204020203" pitchFamily="34" charset="0"/>
               </a:rPr>
-              <a:t>the document continuously for words that exceed a specific </a:t>
+              <a:t> that takes in the input from the user. A </a:t>
+            </a:r>
+            <a:r>
+              <a:rPr lang="en-US" dirty="0" err="1" smtClean="0">
+                <a:latin typeface="Segoe UI Light" panose="020B0502040204020203" pitchFamily="34" charset="0"/>
+                <a:cs typeface="Segoe UI Light" panose="020B0502040204020203" pitchFamily="34" charset="0"/>
+              </a:rPr>
+              <a:t>keylistener</a:t>
             </a:r>
             <a:r>
               <a:rPr lang="en-US" dirty="0" smtClean="0">
                 <a:latin typeface="Segoe UI Light" panose="020B0502040204020203" pitchFamily="34" charset="0"/>
                 <a:cs typeface="Segoe UI Light" panose="020B0502040204020203" pitchFamily="34" charset="0"/>
               </a:rPr>
-              <a:t>threshold</a:t>
-            </a:r>
-            <a:r>
-              <a:rPr lang="en-US" dirty="0">
-                <a:latin typeface="Segoe UI Light" panose="020B0502040204020203" pitchFamily="34" charset="0"/>
-                <a:cs typeface="Segoe UI Light" panose="020B0502040204020203" pitchFamily="34" charset="0"/>
-              </a:rPr>
-              <a:t> </a:t>
-            </a:r>
-            <a:r>
-              <a:rPr lang="en-US" dirty="0" smtClean="0">
-                <a:latin typeface="Segoe UI Light" panose="020B0502040204020203" pitchFamily="34" charset="0"/>
-                <a:cs typeface="Segoe UI Light" panose="020B0502040204020203" pitchFamily="34" charset="0"/>
-              </a:rPr>
-              <a:t>(7 </a:t>
-            </a:r>
-            <a:r>
-              <a:rPr lang="en-US" dirty="0" smtClean="0">
-                <a:latin typeface="Segoe UI Light" panose="020B0502040204020203" pitchFamily="34" charset="0"/>
-                <a:cs typeface="Segoe UI Light" panose="020B0502040204020203" pitchFamily="34" charset="0"/>
-              </a:rPr>
-              <a:t>letters</a:t>
-            </a:r>
-            <a:r>
-              <a:rPr lang="en-US" dirty="0" smtClean="0">
-                <a:latin typeface="Segoe UI Light" panose="020B0502040204020203" pitchFamily="34" charset="0"/>
-                <a:cs typeface="Segoe UI Light" panose="020B0502040204020203" pitchFamily="34" charset="0"/>
-              </a:rPr>
-              <a:t>). Every time a long word is typed, the word is added to a </a:t>
-            </a:r>
-            <a:r>
-              <a:rPr lang="en-US" dirty="0" err="1" smtClean="0">
-                <a:latin typeface="Segoe UI Light" panose="020B0502040204020203" pitchFamily="34" charset="0"/>
-                <a:cs typeface="Segoe UI Light" panose="020B0502040204020203" pitchFamily="34" charset="0"/>
-              </a:rPr>
-              <a:t>Completable</a:t>
-            </a:r>
-            <a:r>
-              <a:rPr lang="en-US" dirty="0" smtClean="0">
-                <a:latin typeface="Segoe UI Light" panose="020B0502040204020203" pitchFamily="34" charset="0"/>
-                <a:cs typeface="Segoe UI Light" panose="020B0502040204020203" pitchFamily="34" charset="0"/>
-              </a:rPr>
-              <a:t> List.</a:t>
-            </a:r>
-            <a:endParaRPr lang="en-US" dirty="0" smtClean="0">
+              <a:t>, will continuously look for character, and simultaneously highest the parts within the document, that match the text field</a:t>
+            </a:r>
+          </a:p>
+          <a:p>
+            <a:pPr lvl="1"/>
+            <a:endParaRPr lang="en-US" sz="2000" dirty="0">
               <a:latin typeface="Segoe UI Light" panose="020B0502040204020203" pitchFamily="34" charset="0"/>
               <a:cs typeface="Segoe UI Light" panose="020B0502040204020203" pitchFamily="34" charset="0"/>
             </a:endParaRPr>
           </a:p>
           <a:p>
-            <a:pPr lvl="1"/>
-            <a:endParaRPr lang="en-US" sz="2000" dirty="0" smtClean="0">
+            <a:r>
+              <a:rPr lang="en-US" sz="2400" dirty="0" smtClean="0">
+                <a:solidFill>
+                  <a:schemeClr val="accent2">
+                    <a:lumMod val="40000"/>
+                    <a:lumOff val="60000"/>
+                  </a:schemeClr>
+                </a:solidFill>
+                <a:latin typeface="Segoe UI Light" panose="020B0502040204020203" pitchFamily="34" charset="0"/>
+                <a:cs typeface="Segoe UI Light" panose="020B0502040204020203" pitchFamily="34" charset="0"/>
+              </a:rPr>
+              <a:t>Regex find</a:t>
+            </a:r>
+            <a:endParaRPr lang="en-US" sz="2400" dirty="0">
+              <a:solidFill>
+                <a:schemeClr val="accent2">
+                  <a:lumMod val="40000"/>
+                  <a:lumOff val="60000"/>
+                </a:schemeClr>
+              </a:solidFill>
               <a:latin typeface="Segoe UI Light" panose="020B0502040204020203" pitchFamily="34" charset="0"/>
               <a:cs typeface="Segoe UI Light" panose="020B0502040204020203" pitchFamily="34" charset="0"/>
             </a:endParaRPr>
           </a:p>
           <a:p>
+            <a:pPr lvl="1"/>
+            <a:r>
+              <a:rPr lang="en-US" dirty="0" smtClean="0">
+                <a:latin typeface="Segoe UI Light" panose="020B0502040204020203" pitchFamily="34" charset="0"/>
+                <a:cs typeface="Segoe UI Light" panose="020B0502040204020203" pitchFamily="34" charset="0"/>
+              </a:rPr>
+              <a:t>The java regex library is used to perform the search. As such, the user may prefer to include a regular expression within the </a:t>
+            </a:r>
+            <a:r>
+              <a:rPr lang="en-US" dirty="0">
+                <a:latin typeface="Segoe UI Light" panose="020B0502040204020203" pitchFamily="34" charset="0"/>
+                <a:cs typeface="Segoe UI Light" panose="020B0502040204020203" pitchFamily="34" charset="0"/>
+              </a:rPr>
+              <a:t>F</a:t>
+            </a:r>
+            <a:r>
+              <a:rPr lang="en-US" dirty="0" smtClean="0">
+                <a:latin typeface="Segoe UI Light" panose="020B0502040204020203" pitchFamily="34" charset="0"/>
+                <a:cs typeface="Segoe UI Light" panose="020B0502040204020203" pitchFamily="34" charset="0"/>
+              </a:rPr>
+              <a:t>ind </a:t>
+            </a:r>
+            <a:r>
+              <a:rPr lang="en-US" dirty="0" err="1" smtClean="0">
+                <a:latin typeface="Segoe UI Light" panose="020B0502040204020203" pitchFamily="34" charset="0"/>
+                <a:cs typeface="Segoe UI Light" panose="020B0502040204020203" pitchFamily="34" charset="0"/>
+              </a:rPr>
+              <a:t>textfield</a:t>
+            </a:r>
+            <a:r>
+              <a:rPr lang="en-US" dirty="0" smtClean="0">
+                <a:latin typeface="Segoe UI Light" panose="020B0502040204020203" pitchFamily="34" charset="0"/>
+                <a:cs typeface="Segoe UI Light" panose="020B0502040204020203" pitchFamily="34" charset="0"/>
+              </a:rPr>
+              <a:t>. (</a:t>
+            </a:r>
+            <a:r>
+              <a:rPr lang="en-US" dirty="0" err="1" smtClean="0">
+                <a:latin typeface="Segoe UI Light" panose="020B0502040204020203" pitchFamily="34" charset="0"/>
+                <a:cs typeface="Segoe UI Light" panose="020B0502040204020203" pitchFamily="34" charset="0"/>
+              </a:rPr>
+              <a:t>Eg</a:t>
+            </a:r>
+            <a:r>
+              <a:rPr lang="en-US" dirty="0" smtClean="0">
+                <a:latin typeface="Segoe UI Light" panose="020B0502040204020203" pitchFamily="34" charset="0"/>
+                <a:cs typeface="Segoe UI Light" panose="020B0502040204020203" pitchFamily="34" charset="0"/>
+              </a:rPr>
+              <a:t>. Find all words ending with </a:t>
+            </a:r>
+            <a:r>
+              <a:rPr lang="en-US" dirty="0" err="1" smtClean="0">
+                <a:latin typeface="Segoe UI Light" panose="020B0502040204020203" pitchFamily="34" charset="0"/>
+                <a:cs typeface="Segoe UI Light" panose="020B0502040204020203" pitchFamily="34" charset="0"/>
+              </a:rPr>
+              <a:t>ing</a:t>
+            </a:r>
+            <a:r>
+              <a:rPr lang="en-US" dirty="0">
+                <a:latin typeface="Segoe UI Light" panose="020B0502040204020203" pitchFamily="34" charset="0"/>
+                <a:cs typeface="Segoe UI Light" panose="020B0502040204020203" pitchFamily="34" charset="0"/>
+              </a:rPr>
+              <a:t> </a:t>
+            </a:r>
+            <a:r>
+              <a:rPr lang="en-US" dirty="0" smtClean="0">
+                <a:latin typeface="Segoe UI Light" panose="020B0502040204020203" pitchFamily="34" charset="0"/>
+                <a:cs typeface="Segoe UI Light" panose="020B0502040204020203" pitchFamily="34" charset="0"/>
+              </a:rPr>
+              <a:t>by searching for “[a-z]*</a:t>
+            </a:r>
+            <a:r>
+              <a:rPr lang="en-US" dirty="0" err="1" smtClean="0">
+                <a:latin typeface="Segoe UI Light" panose="020B0502040204020203" pitchFamily="34" charset="0"/>
+                <a:cs typeface="Segoe UI Light" panose="020B0502040204020203" pitchFamily="34" charset="0"/>
+              </a:rPr>
+              <a:t>ing</a:t>
+            </a:r>
+            <a:r>
+              <a:rPr lang="en-US" dirty="0" smtClean="0">
+                <a:latin typeface="Segoe UI Light" panose="020B0502040204020203" pitchFamily="34" charset="0"/>
+                <a:cs typeface="Segoe UI Light" panose="020B0502040204020203" pitchFamily="34" charset="0"/>
+              </a:rPr>
+              <a:t>” ). </a:t>
+            </a:r>
+            <a:endParaRPr lang="en-US" dirty="0">
+              <a:latin typeface="Segoe UI Light" panose="020B0502040204020203" pitchFamily="34" charset="0"/>
+              <a:cs typeface="Segoe UI Light" panose="020B0502040204020203" pitchFamily="34" charset="0"/>
+            </a:endParaRPr>
+          </a:p>
+          <a:p>
+            <a:pPr lvl="1"/>
+            <a:endParaRPr lang="en-US" sz="2000" dirty="0">
+              <a:latin typeface="Segoe UI Light" panose="020B0502040204020203" pitchFamily="34" charset="0"/>
+              <a:cs typeface="Segoe UI Light" panose="020B0502040204020203" pitchFamily="34" charset="0"/>
+            </a:endParaRPr>
+          </a:p>
+          <a:p>
             <a:r>
               <a:rPr lang="en-US" sz="2400" dirty="0" smtClean="0">
                 <a:solidFill>
@@ -6413,83 +6472,35 @@
                 <a:latin typeface="Segoe UI Light" panose="020B0502040204020203" pitchFamily="34" charset="0"/>
                 <a:cs typeface="Segoe UI Light" panose="020B0502040204020203" pitchFamily="34" charset="0"/>
               </a:rPr>
-              <a:t>Continuous listeners</a:t>
-            </a:r>
-          </a:p>
-          <a:p>
-            <a:pPr lvl="1"/>
-            <a:r>
-              <a:rPr lang="en-US" dirty="0" smtClean="0">
-                <a:latin typeface="Segoe UI Light" panose="020B0502040204020203" pitchFamily="34" charset="0"/>
-                <a:cs typeface="Segoe UI Light" panose="020B0502040204020203" pitchFamily="34" charset="0"/>
-              </a:rPr>
-              <a:t>Suggestions are shown when the user has typed at least 3 character of a new word. Based on the word bein</a:t>
-            </a:r>
-            <a:r>
-              <a:rPr lang="en-US" dirty="0" smtClean="0">
-                <a:latin typeface="Segoe UI Light" panose="020B0502040204020203" pitchFamily="34" charset="0"/>
-                <a:cs typeface="Segoe UI Light" panose="020B0502040204020203" pitchFamily="34" charset="0"/>
-              </a:rPr>
-              <a:t>g typed, and the words present in the </a:t>
-            </a:r>
-            <a:r>
-              <a:rPr lang="en-US" dirty="0" err="1" smtClean="0">
-                <a:latin typeface="Segoe UI Light" panose="020B0502040204020203" pitchFamily="34" charset="0"/>
-                <a:cs typeface="Segoe UI Light" panose="020B0502040204020203" pitchFamily="34" charset="0"/>
-              </a:rPr>
-              <a:t>Completable</a:t>
-            </a:r>
-            <a:r>
-              <a:rPr lang="en-US" dirty="0" smtClean="0">
-                <a:latin typeface="Segoe UI Light" panose="020B0502040204020203" pitchFamily="34" charset="0"/>
-                <a:cs typeface="Segoe UI Light" panose="020B0502040204020203" pitchFamily="34" charset="0"/>
-              </a:rPr>
-              <a:t> List, a new list of AutoComplete words is generated based on the matches.</a:t>
-            </a:r>
-            <a:endParaRPr lang="en-US" dirty="0" smtClean="0">
+              <a:t>Find and Replace</a:t>
+            </a:r>
+            <a:endParaRPr lang="en-US" sz="2400" dirty="0">
+              <a:solidFill>
+                <a:schemeClr val="accent2">
+                  <a:lumMod val="40000"/>
+                  <a:lumOff val="60000"/>
+                </a:schemeClr>
+              </a:solidFill>
               <a:latin typeface="Segoe UI Light" panose="020B0502040204020203" pitchFamily="34" charset="0"/>
               <a:cs typeface="Segoe UI Light" panose="020B0502040204020203" pitchFamily="34" charset="0"/>
             </a:endParaRPr>
           </a:p>
           <a:p>
             <a:pPr lvl="1"/>
-            <a:endParaRPr lang="en-US" sz="2000" dirty="0" smtClean="0">
-              <a:latin typeface="Segoe UI Light" panose="020B0502040204020203" pitchFamily="34" charset="0"/>
-              <a:cs typeface="Segoe UI Light" panose="020B0502040204020203" pitchFamily="34" charset="0"/>
-            </a:endParaRPr>
-          </a:p>
-          <a:p>
-            <a:r>
-              <a:rPr lang="en-US" sz="2400" dirty="0" smtClean="0">
-                <a:solidFill>
-                  <a:schemeClr val="accent2">
-                    <a:lumMod val="40000"/>
-                    <a:lumOff val="60000"/>
-                  </a:schemeClr>
-                </a:solidFill>
-                <a:latin typeface="Segoe UI Light" panose="020B0502040204020203" pitchFamily="34" charset="0"/>
-                <a:cs typeface="Segoe UI Light" panose="020B0502040204020203" pitchFamily="34" charset="0"/>
-              </a:rPr>
-              <a:t>Popup feature</a:t>
-            </a:r>
-          </a:p>
-          <a:p>
-            <a:pPr lvl="1"/>
             <a:r>
               <a:rPr lang="en-US" dirty="0" smtClean="0">
                 <a:latin typeface="Segoe UI Light" panose="020B0502040204020203" pitchFamily="34" charset="0"/>
                 <a:cs typeface="Segoe UI Light" panose="020B0502040204020203" pitchFamily="34" charset="0"/>
               </a:rPr>
-              <a:t>The list of AutoComplete suggestions, is shown just below the cursor location, as a popup. The user may used keys, or the mouse to select one of the suggestions in order to use it, and save time. </a:t>
-            </a:r>
-            <a:endParaRPr lang="en-US" dirty="0"/>
+              <a:t>An advance option is available, which allows the user to replace all strings that are highlighted, by a specific word.</a:t>
+            </a:r>
           </a:p>
         </p:txBody>
       </p:sp>
     </p:spTree>
     <p:extLst>
       <p:ext uri="{BB962C8B-B14F-4D97-AF65-F5344CB8AC3E}">
-        <p14:creationId xmlns:p14="http://schemas.microsoft.com/office/powerpoint/2010/main" val="829728112"/>
+        <p14:creationId xmlns:p14="http://schemas.microsoft.com/office/powerpoint/2010/main" val="3661870640"/>
       </p:ext>
     </p:extLst>
   </p:cSld>
@@ -6535,8 +6546,52 @@
         </p:nvSpPr>
         <p:spPr>
           <a:xfrm>
-            <a:off x="481652" y="1696453"/>
-            <a:ext cx="3680885" cy="895238"/>
+            <a:off x="475633" y="1641197"/>
+            <a:ext cx="3741433" cy="1159933"/>
+          </a:xfrm>
+        </p:spPr>
+        <p:txBody>
+          <a:bodyPr>
+            <a:normAutofit fontScale="90000"/>
+          </a:bodyPr>
+          <a:lstStyle/>
+          <a:p>
+            <a:pPr algn="ctr"/>
+            <a:r>
+              <a:rPr lang="en-US" sz="4000" dirty="0" smtClean="0">
+                <a:latin typeface="Segoe UI Light" panose="020B0502040204020203" pitchFamily="34" charset="0"/>
+                <a:cs typeface="Segoe UI Light" panose="020B0502040204020203" pitchFamily="34" charset="0"/>
+              </a:rPr>
+              <a:t>TOPIC EXTRACTIO</a:t>
+            </a:r>
+            <a:r>
+              <a:rPr lang="en-US" sz="4000" dirty="0">
+                <a:latin typeface="Segoe UI Light" panose="020B0502040204020203" pitchFamily="34" charset="0"/>
+                <a:cs typeface="Segoe UI Light" panose="020B0502040204020203" pitchFamily="34" charset="0"/>
+              </a:rPr>
+              <a:t>N</a:t>
+            </a:r>
+            <a:endParaRPr lang="en-US" sz="2000" dirty="0">
+              <a:latin typeface="Segoe UI Light" panose="020B0502040204020203" pitchFamily="34" charset="0"/>
+              <a:cs typeface="Segoe UI Light" panose="020B0502040204020203" pitchFamily="34" charset="0"/>
+            </a:endParaRPr>
+          </a:p>
+        </p:txBody>
+      </p:sp>
+      <p:sp>
+        <p:nvSpPr>
+          <p:cNvPr id="4" name="Text Placeholder 3"/>
+          <p:cNvSpPr>
+            <a:spLocks noGrp="1"/>
+          </p:cNvSpPr>
+          <p:nvPr>
+            <p:ph type="body" sz="half" idx="2"/>
+          </p:nvPr>
+        </p:nvSpPr>
+        <p:spPr>
+          <a:xfrm>
+            <a:off x="782246" y="3065825"/>
+            <a:ext cx="3128209" cy="2444638"/>
           </a:xfrm>
         </p:spPr>
         <p:txBody>
@@ -6547,43 +6602,6 @@
           <a:p>
             <a:pPr algn="ctr"/>
             <a:r>
-              <a:rPr lang="en-US" sz="4000" dirty="0" smtClean="0">
-                <a:latin typeface="Segoe UI Light" panose="020B0502040204020203" pitchFamily="34" charset="0"/>
-                <a:cs typeface="Segoe UI Light" panose="020B0502040204020203" pitchFamily="34" charset="0"/>
-              </a:rPr>
-              <a:t>FIND</a:t>
-            </a:r>
-            <a:endParaRPr lang="en-US" sz="2000" dirty="0">
-              <a:latin typeface="Segoe UI Light" panose="020B0502040204020203" pitchFamily="34" charset="0"/>
-              <a:cs typeface="Segoe UI Light" panose="020B0502040204020203" pitchFamily="34" charset="0"/>
-            </a:endParaRPr>
-          </a:p>
-        </p:txBody>
-      </p:sp>
-      <p:sp>
-        <p:nvSpPr>
-          <p:cNvPr id="4" name="Text Placeholder 3"/>
-          <p:cNvSpPr>
-            <a:spLocks noGrp="1"/>
-          </p:cNvSpPr>
-          <p:nvPr>
-            <p:ph type="body" sz="half" idx="2"/>
-          </p:nvPr>
-        </p:nvSpPr>
-        <p:spPr>
-          <a:xfrm>
-            <a:off x="757989" y="2591691"/>
-            <a:ext cx="3128209" cy="2444638"/>
-          </a:xfrm>
-        </p:spPr>
-        <p:txBody>
-          <a:bodyPr>
-            <a:normAutofit/>
-          </a:bodyPr>
-          <a:lstStyle/>
-          <a:p>
-            <a:pPr algn="ctr"/>
-            <a:r>
               <a:rPr lang="en-US" sz="900" dirty="0">
                 <a:latin typeface="Segoe UI Light" panose="020B0502040204020203" pitchFamily="34" charset="0"/>
                 <a:cs typeface="Segoe UI Light" panose="020B0502040204020203" pitchFamily="34" charset="0"/>
@@ -6614,7 +6632,7 @@
                 <a:latin typeface="Segoe UI Light" panose="020B0502040204020203" pitchFamily="34" charset="0"/>
                 <a:cs typeface="Segoe UI Light" panose="020B0502040204020203" pitchFamily="34" charset="0"/>
               </a:rPr>
-              <a:t>An option to perform a search within the document. Highlighting happen as the user types. An advance option of replace the found text also available</a:t>
+              <a:t>The editor tries to detect what the user is trying to type within the document. Letter, Resume, or just information about a topic. After recognition, Search results are shown as a popup</a:t>
             </a:r>
             <a:endParaRPr lang="en-US" sz="1800" dirty="0">
               <a:solidFill>
@@ -6635,8 +6653,8 @@
         </p:nvSpPr>
         <p:spPr>
           <a:xfrm>
-            <a:off x="4800601" y="950495"/>
-            <a:ext cx="6581273" cy="4585871"/>
+            <a:off x="4632157" y="457200"/>
+            <a:ext cx="7110663" cy="6124754"/>
           </a:xfrm>
           <a:prstGeom prst="rect">
             <a:avLst/>
@@ -6660,80 +6678,7 @@
                 <a:latin typeface="Segoe UI Light" panose="020B0502040204020203" pitchFamily="34" charset="0"/>
                 <a:cs typeface="Segoe UI Light" panose="020B0502040204020203" pitchFamily="34" charset="0"/>
               </a:rPr>
-              <a:t>Dynamic find (As you type</a:t>
-            </a:r>
-            <a:r>
-              <a:rPr lang="en-US" sz="2400" dirty="0" smtClean="0">
-                <a:solidFill>
-                  <a:schemeClr val="accent2">
-                    <a:lumMod val="40000"/>
-                    <a:lumOff val="60000"/>
-                  </a:schemeClr>
-                </a:solidFill>
-                <a:latin typeface="Segoe UI Light" panose="020B0502040204020203" pitchFamily="34" charset="0"/>
-                <a:cs typeface="Segoe UI Light" panose="020B0502040204020203" pitchFamily="34" charset="0"/>
-              </a:rPr>
-              <a:t>)</a:t>
-            </a:r>
-          </a:p>
-          <a:p>
-            <a:pPr lvl="1"/>
-            <a:r>
-              <a:rPr lang="en-US" dirty="0" smtClean="0">
-                <a:latin typeface="Segoe UI Light" panose="020B0502040204020203" pitchFamily="34" charset="0"/>
-                <a:cs typeface="Segoe UI Light" panose="020B0502040204020203" pitchFamily="34" charset="0"/>
-              </a:rPr>
-              <a:t>Includes a </a:t>
-            </a:r>
-            <a:r>
-              <a:rPr lang="en-US" dirty="0" err="1" smtClean="0">
-                <a:latin typeface="Segoe UI Light" panose="020B0502040204020203" pitchFamily="34" charset="0"/>
-                <a:cs typeface="Segoe UI Light" panose="020B0502040204020203" pitchFamily="34" charset="0"/>
-              </a:rPr>
-              <a:t>textfield</a:t>
-            </a:r>
-            <a:r>
-              <a:rPr lang="en-US" dirty="0" smtClean="0">
-                <a:latin typeface="Segoe UI Light" panose="020B0502040204020203" pitchFamily="34" charset="0"/>
-                <a:cs typeface="Segoe UI Light" panose="020B0502040204020203" pitchFamily="34" charset="0"/>
-              </a:rPr>
-              <a:t> that takes in the input from the user. A </a:t>
-            </a:r>
-            <a:r>
-              <a:rPr lang="en-US" dirty="0" err="1" smtClean="0">
-                <a:latin typeface="Segoe UI Light" panose="020B0502040204020203" pitchFamily="34" charset="0"/>
-                <a:cs typeface="Segoe UI Light" panose="020B0502040204020203" pitchFamily="34" charset="0"/>
-              </a:rPr>
-              <a:t>keylistener</a:t>
-            </a:r>
-            <a:r>
-              <a:rPr lang="en-US" dirty="0" smtClean="0">
-                <a:latin typeface="Segoe UI Light" panose="020B0502040204020203" pitchFamily="34" charset="0"/>
-                <a:cs typeface="Segoe UI Light" panose="020B0502040204020203" pitchFamily="34" charset="0"/>
-              </a:rPr>
-              <a:t>, will continuously look for character, and simultaneously highest the parts within the document, that match the text field</a:t>
-            </a:r>
-          </a:p>
-          <a:p>
-            <a:pPr lvl="1"/>
-            <a:endParaRPr lang="en-US" sz="2000" dirty="0">
-              <a:latin typeface="Segoe UI Light" panose="020B0502040204020203" pitchFamily="34" charset="0"/>
-              <a:cs typeface="Segoe UI Light" panose="020B0502040204020203" pitchFamily="34" charset="0"/>
-            </a:endParaRPr>
-          </a:p>
-          <a:p>
-            <a:r>
-              <a:rPr lang="en-US" sz="2400" dirty="0" smtClean="0">
-                <a:solidFill>
-                  <a:schemeClr val="accent2">
-                    <a:lumMod val="40000"/>
-                    <a:lumOff val="60000"/>
-                  </a:schemeClr>
-                </a:solidFill>
-                <a:latin typeface="Segoe UI Light" panose="020B0502040204020203" pitchFamily="34" charset="0"/>
-                <a:cs typeface="Segoe UI Light" panose="020B0502040204020203" pitchFamily="34" charset="0"/>
-              </a:rPr>
-              <a:t>Regex find</a:t>
+              <a:t>Context Recognition using tags</a:t>
             </a:r>
             <a:endParaRPr lang="en-US" sz="2400" dirty="0">
               <a:solidFill>
@@ -6753,91 +6698,7 @@
                 <a:latin typeface="Segoe UI Light" panose="020B0502040204020203" pitchFamily="34" charset="0"/>
                 <a:cs typeface="Segoe UI Light" panose="020B0502040204020203" pitchFamily="34" charset="0"/>
               </a:rPr>
-              <a:t>The java regex library is used to perform the search. As such, the user may prefer to include a regular expression within the </a:t>
-            </a:r>
-            <a:r>
-              <a:rPr lang="en-US" dirty="0">
-                <a:latin typeface="Segoe UI Light" panose="020B0502040204020203" pitchFamily="34" charset="0"/>
-                <a:cs typeface="Segoe UI Light" panose="020B0502040204020203" pitchFamily="34" charset="0"/>
-              </a:rPr>
-              <a:t>F</a:t>
-            </a:r>
-            <a:r>
-              <a:rPr lang="en-US" dirty="0" smtClean="0">
-                <a:latin typeface="Segoe UI Light" panose="020B0502040204020203" pitchFamily="34" charset="0"/>
-                <a:cs typeface="Segoe UI Light" panose="020B0502040204020203" pitchFamily="34" charset="0"/>
-              </a:rPr>
-              <a:t>ind </a:t>
-            </a:r>
-            <a:r>
-              <a:rPr lang="en-US" dirty="0" err="1" smtClean="0">
-                <a:latin typeface="Segoe UI Light" panose="020B0502040204020203" pitchFamily="34" charset="0"/>
-                <a:cs typeface="Segoe UI Light" panose="020B0502040204020203" pitchFamily="34" charset="0"/>
-              </a:rPr>
-              <a:t>textfield</a:t>
-            </a:r>
-            <a:r>
-              <a:rPr lang="en-US" dirty="0" smtClean="0">
-                <a:latin typeface="Segoe UI Light" panose="020B0502040204020203" pitchFamily="34" charset="0"/>
-                <a:cs typeface="Segoe UI Light" panose="020B0502040204020203" pitchFamily="34" charset="0"/>
-              </a:rPr>
-              <a:t>. (</a:t>
-            </a:r>
-            <a:r>
-              <a:rPr lang="en-US" dirty="0" err="1" smtClean="0">
-                <a:latin typeface="Segoe UI Light" panose="020B0502040204020203" pitchFamily="34" charset="0"/>
-                <a:cs typeface="Segoe UI Light" panose="020B0502040204020203" pitchFamily="34" charset="0"/>
-              </a:rPr>
-              <a:t>Eg</a:t>
-            </a:r>
-            <a:r>
-              <a:rPr lang="en-US" dirty="0" smtClean="0">
-                <a:latin typeface="Segoe UI Light" panose="020B0502040204020203" pitchFamily="34" charset="0"/>
-                <a:cs typeface="Segoe UI Light" panose="020B0502040204020203" pitchFamily="34" charset="0"/>
-              </a:rPr>
-              <a:t>. Find all words ending with </a:t>
-            </a:r>
-            <a:r>
-              <a:rPr lang="en-US" dirty="0" err="1" smtClean="0">
-                <a:latin typeface="Segoe UI Light" panose="020B0502040204020203" pitchFamily="34" charset="0"/>
-                <a:cs typeface="Segoe UI Light" panose="020B0502040204020203" pitchFamily="34" charset="0"/>
-              </a:rPr>
-              <a:t>ing</a:t>
-            </a:r>
-            <a:r>
-              <a:rPr lang="en-US" dirty="0">
-                <a:latin typeface="Segoe UI Light" panose="020B0502040204020203" pitchFamily="34" charset="0"/>
-                <a:cs typeface="Segoe UI Light" panose="020B0502040204020203" pitchFamily="34" charset="0"/>
-              </a:rPr>
-              <a:t> </a:t>
-            </a:r>
-            <a:r>
-              <a:rPr lang="en-US" dirty="0" smtClean="0">
-                <a:latin typeface="Segoe UI Light" panose="020B0502040204020203" pitchFamily="34" charset="0"/>
-                <a:cs typeface="Segoe UI Light" panose="020B0502040204020203" pitchFamily="34" charset="0"/>
-              </a:rPr>
-              <a:t>by searching for “[a-z]*</a:t>
-            </a:r>
-            <a:r>
-              <a:rPr lang="en-US" dirty="0" err="1" smtClean="0">
-                <a:latin typeface="Segoe UI Light" panose="020B0502040204020203" pitchFamily="34" charset="0"/>
-                <a:cs typeface="Segoe UI Light" panose="020B0502040204020203" pitchFamily="34" charset="0"/>
-              </a:rPr>
-              <a:t>ing</a:t>
-            </a:r>
-            <a:r>
-              <a:rPr lang="en-US" dirty="0" smtClean="0">
-                <a:latin typeface="Segoe UI Light" panose="020B0502040204020203" pitchFamily="34" charset="0"/>
-                <a:cs typeface="Segoe UI Light" panose="020B0502040204020203" pitchFamily="34" charset="0"/>
-              </a:rPr>
-              <a:t>” </a:t>
-            </a:r>
-            <a:r>
-              <a:rPr lang="en-US" dirty="0" smtClean="0">
-                <a:latin typeface="Segoe UI Light" panose="020B0502040204020203" pitchFamily="34" charset="0"/>
-                <a:cs typeface="Segoe UI Light" panose="020B0502040204020203" pitchFamily="34" charset="0"/>
-              </a:rPr>
-              <a:t>). </a:t>
+              <a:t>Detecting simple themes, like Letters, Resumes, Programs, etc. are taken care of, using a sets of tags associated with the theme</a:t>
             </a:r>
             <a:endParaRPr lang="en-US" dirty="0">
               <a:latin typeface="Segoe UI Light" panose="020B0502040204020203" pitchFamily="34" charset="0"/>
@@ -6863,7 +6724,7 @@
                 <a:latin typeface="Segoe UI Light" panose="020B0502040204020203" pitchFamily="34" charset="0"/>
                 <a:cs typeface="Segoe UI Light" panose="020B0502040204020203" pitchFamily="34" charset="0"/>
               </a:rPr>
-              <a:t>Find and Replace</a:t>
+              <a:t>Topic extraction</a:t>
             </a:r>
             <a:endParaRPr lang="en-US" sz="2400" dirty="0">
               <a:solidFill>
@@ -6883,19 +6744,181 @@
                 <a:latin typeface="Segoe UI Light" panose="020B0502040204020203" pitchFamily="34" charset="0"/>
                 <a:cs typeface="Segoe UI Light" panose="020B0502040204020203" pitchFamily="34" charset="0"/>
               </a:rPr>
-              <a:t>An advance option is available, which allows the user to replace all strings that are highlighted, by a specific word.</a:t>
+              <a:t>Heading Extraction- Check for a heading format, within the </a:t>
+            </a:r>
+            <a:r>
+              <a:rPr lang="en-US" dirty="0" err="1" smtClean="0">
+                <a:latin typeface="Segoe UI Light" panose="020B0502040204020203" pitchFamily="34" charset="0"/>
+                <a:cs typeface="Segoe UI Light" panose="020B0502040204020203" pitchFamily="34" charset="0"/>
+              </a:rPr>
+              <a:t>Textarea</a:t>
+            </a:r>
+            <a:r>
+              <a:rPr lang="en-US" dirty="0" smtClean="0">
+                <a:latin typeface="Segoe UI Light" panose="020B0502040204020203" pitchFamily="34" charset="0"/>
+                <a:cs typeface="Segoe UI Light" panose="020B0502040204020203" pitchFamily="34" charset="0"/>
+              </a:rPr>
+              <a:t/>
+            </a:r>
+            <a:br>
+              <a:rPr lang="en-US" dirty="0" smtClean="0">
+                <a:latin typeface="Segoe UI Light" panose="020B0502040204020203" pitchFamily="34" charset="0"/>
+                <a:cs typeface="Segoe UI Light" panose="020B0502040204020203" pitchFamily="34" charset="0"/>
+              </a:rPr>
+            </a:br>
+            <a:r>
+              <a:rPr lang="en-US" dirty="0" smtClean="0">
+                <a:latin typeface="Segoe UI Light" panose="020B0502040204020203" pitchFamily="34" charset="0"/>
+                <a:cs typeface="Segoe UI Light" panose="020B0502040204020203" pitchFamily="34" charset="0"/>
+              </a:rPr>
+              <a:t>Keyword Extraction- Word Frequency Analysis, which includes using a mathematical formula, to detect the most frequent words that are key to the document.</a:t>
+            </a:r>
+            <a:endParaRPr lang="en-US" dirty="0">
+              <a:latin typeface="Segoe UI Light" panose="020B0502040204020203" pitchFamily="34" charset="0"/>
+              <a:cs typeface="Segoe UI Light" panose="020B0502040204020203" pitchFamily="34" charset="0"/>
+            </a:endParaRPr>
+          </a:p>
+          <a:p>
+            <a:pPr lvl="1"/>
+            <a:endParaRPr lang="en-US" sz="2000" dirty="0">
+              <a:latin typeface="Segoe UI Light" panose="020B0502040204020203" pitchFamily="34" charset="0"/>
+              <a:cs typeface="Segoe UI Light" panose="020B0502040204020203" pitchFamily="34" charset="0"/>
+            </a:endParaRPr>
+          </a:p>
+          <a:p>
+            <a:r>
+              <a:rPr lang="en-US" sz="2400" dirty="0">
+                <a:solidFill>
+                  <a:schemeClr val="accent2">
+                    <a:lumMod val="40000"/>
+                    <a:lumOff val="60000"/>
+                  </a:schemeClr>
+                </a:solidFill>
+                <a:latin typeface="Segoe UI Light" panose="020B0502040204020203" pitchFamily="34" charset="0"/>
+                <a:cs typeface="Segoe UI Light" panose="020B0502040204020203" pitchFamily="34" charset="0"/>
+              </a:rPr>
+              <a:t>Extracting Google Search Results</a:t>
+            </a:r>
+          </a:p>
+          <a:p>
+            <a:pPr lvl="1"/>
+            <a:r>
+              <a:rPr lang="en-US" dirty="0" smtClean="0">
+                <a:latin typeface="Segoe UI Light" panose="020B0502040204020203" pitchFamily="34" charset="0"/>
+                <a:cs typeface="Segoe UI Light" panose="020B0502040204020203" pitchFamily="34" charset="0"/>
+              </a:rPr>
+              <a:t>Using Google </a:t>
+            </a:r>
+            <a:r>
+              <a:rPr lang="en-US" dirty="0" err="1" smtClean="0">
+                <a:latin typeface="Segoe UI Light" panose="020B0502040204020203" pitchFamily="34" charset="0"/>
+                <a:cs typeface="Segoe UI Light" panose="020B0502040204020203" pitchFamily="34" charset="0"/>
+              </a:rPr>
+              <a:t>Gson</a:t>
+            </a:r>
+            <a:r>
+              <a:rPr lang="en-US" dirty="0" smtClean="0">
+                <a:latin typeface="Segoe UI Light" panose="020B0502040204020203" pitchFamily="34" charset="0"/>
+                <a:cs typeface="Segoe UI Light" panose="020B0502040204020203" pitchFamily="34" charset="0"/>
+              </a:rPr>
+              <a:t> (</a:t>
+            </a:r>
+            <a:r>
+              <a:rPr lang="en-US" dirty="0" err="1">
+                <a:latin typeface="Segoe UI Light" panose="020B0502040204020203" pitchFamily="34" charset="0"/>
+                <a:cs typeface="Segoe UI Light" panose="020B0502040204020203" pitchFamily="34" charset="0"/>
+              </a:rPr>
+              <a:t>J</a:t>
+            </a:r>
+            <a:r>
+              <a:rPr lang="en-US" dirty="0" err="1" smtClean="0">
+                <a:latin typeface="Segoe UI Light" panose="020B0502040204020203" pitchFamily="34" charset="0"/>
+                <a:cs typeface="Segoe UI Light" panose="020B0502040204020203" pitchFamily="34" charset="0"/>
+              </a:rPr>
+              <a:t>son</a:t>
+            </a:r>
+            <a:r>
+              <a:rPr lang="en-US" dirty="0" smtClean="0">
+                <a:latin typeface="Segoe UI Light" panose="020B0502040204020203" pitchFamily="34" charset="0"/>
+                <a:cs typeface="Segoe UI Light" panose="020B0502040204020203" pitchFamily="34" charset="0"/>
+              </a:rPr>
+              <a:t> or Java) to perform a query search from an online google search API, and retrieve top 4 search results and their links. </a:t>
+            </a:r>
+            <a:endParaRPr lang="en-US" sz="2000" dirty="0" smtClean="0">
+              <a:latin typeface="Segoe UI Light" panose="020B0502040204020203" pitchFamily="34" charset="0"/>
+              <a:cs typeface="Segoe UI Light" panose="020B0502040204020203" pitchFamily="34" charset="0"/>
+            </a:endParaRPr>
+          </a:p>
+          <a:p>
+            <a:pPr lvl="1"/>
+            <a:endParaRPr lang="en-US" sz="2000" dirty="0">
+              <a:latin typeface="Segoe UI Light" panose="020B0502040204020203" pitchFamily="34" charset="0"/>
+              <a:cs typeface="Segoe UI Light" panose="020B0502040204020203" pitchFamily="34" charset="0"/>
+            </a:endParaRPr>
+          </a:p>
+          <a:p>
+            <a:r>
+              <a:rPr lang="en-US" sz="2400" dirty="0">
+                <a:solidFill>
+                  <a:schemeClr val="accent2">
+                    <a:lumMod val="40000"/>
+                    <a:lumOff val="60000"/>
+                  </a:schemeClr>
+                </a:solidFill>
+                <a:latin typeface="Segoe UI Light" panose="020B0502040204020203" pitchFamily="34" charset="0"/>
+                <a:cs typeface="Segoe UI Light" panose="020B0502040204020203" pitchFamily="34" charset="0"/>
+              </a:rPr>
+              <a:t>Popup menu</a:t>
+            </a:r>
+          </a:p>
+          <a:p>
+            <a:pPr lvl="1"/>
+            <a:r>
+              <a:rPr lang="en-US" dirty="0" smtClean="0">
+                <a:latin typeface="Segoe UI Light" panose="020B0502040204020203" pitchFamily="34" charset="0"/>
+                <a:cs typeface="Segoe UI Light" panose="020B0502040204020203" pitchFamily="34" charset="0"/>
+              </a:rPr>
+              <a:t>The search results, are then populated on a temporary popup, which appears on the screen. User may choose to click on them, and he will </a:t>
+            </a:r>
+            <a:r>
+              <a:rPr lang="en-US" smtClean="0">
+                <a:latin typeface="Segoe UI Light" panose="020B0502040204020203" pitchFamily="34" charset="0"/>
+                <a:cs typeface="Segoe UI Light" panose="020B0502040204020203" pitchFamily="34" charset="0"/>
+              </a:rPr>
+              <a:t>be redirected </a:t>
+            </a:r>
+            <a:r>
+              <a:rPr lang="en-US" dirty="0" smtClean="0">
+                <a:latin typeface="Segoe UI Light" panose="020B0502040204020203" pitchFamily="34" charset="0"/>
+                <a:cs typeface="Segoe UI Light" panose="020B0502040204020203" pitchFamily="34" charset="0"/>
+              </a:rPr>
+              <a:t>to </a:t>
+            </a:r>
+            <a:r>
+              <a:rPr lang="en-US" smtClean="0">
+                <a:latin typeface="Segoe UI Light" panose="020B0502040204020203" pitchFamily="34" charset="0"/>
+                <a:cs typeface="Segoe UI Light" panose="020B0502040204020203" pitchFamily="34" charset="0"/>
+              </a:rPr>
+              <a:t>that website.</a:t>
             </a:r>
             <a:endParaRPr lang="en-US" dirty="0" smtClean="0">
               <a:latin typeface="Segoe UI Light" panose="020B0502040204020203" pitchFamily="34" charset="0"/>
               <a:cs typeface="Segoe UI Light" panose="020B0502040204020203" pitchFamily="34" charset="0"/>
             </a:endParaRPr>
           </a:p>
+          <a:p>
+            <a:pPr lvl="1"/>
+            <a:endParaRPr lang="en-US" sz="2000" dirty="0">
+              <a:latin typeface="Segoe UI Light" panose="020B0502040204020203" pitchFamily="34" charset="0"/>
+              <a:cs typeface="Segoe UI Light" panose="020B0502040204020203" pitchFamily="34" charset="0"/>
+            </a:endParaRPr>
+          </a:p>
         </p:txBody>
       </p:sp>
     </p:spTree>
     <p:extLst>
       <p:ext uri="{BB962C8B-B14F-4D97-AF65-F5344CB8AC3E}">
-        <p14:creationId xmlns:p14="http://schemas.microsoft.com/office/powerpoint/2010/main" val="3661870640"/>
+        <p14:creationId xmlns:p14="http://schemas.microsoft.com/office/powerpoint/2010/main" val="1357805838"/>
       </p:ext>
     </p:extLst>
   </p:cSld>
@@ -6941,8 +6964,8 @@
         </p:nvSpPr>
         <p:spPr>
           <a:xfrm>
-            <a:off x="475633" y="1641197"/>
-            <a:ext cx="3741433" cy="1159933"/>
+            <a:off x="577517" y="1852863"/>
+            <a:ext cx="3512831" cy="931333"/>
           </a:xfrm>
         </p:spPr>
         <p:txBody>
@@ -6957,14 +6980,7 @@
                 <a:latin typeface="Segoe UI Light" panose="020B0502040204020203" pitchFamily="34" charset="0"/>
                 <a:cs typeface="Segoe UI Light" panose="020B0502040204020203" pitchFamily="34" charset="0"/>
               </a:rPr>
-              <a:t>TOPIC EXTRACTIO</a:t>
-            </a:r>
-            <a:r>
-              <a:rPr lang="en-US" sz="4000" dirty="0">
-                <a:latin typeface="Segoe UI Light" panose="020B0502040204020203" pitchFamily="34" charset="0"/>
-                <a:cs typeface="Segoe UI Light" panose="020B0502040204020203" pitchFamily="34" charset="0"/>
-              </a:rPr>
-              <a:t>N</a:t>
+              <a:t>EDITOR FEATURES</a:t>
             </a:r>
             <a:endParaRPr lang="en-US" sz="2000" dirty="0">
               <a:latin typeface="Segoe UI Light" panose="020B0502040204020203" pitchFamily="34" charset="0"/>
@@ -6985,7 +7001,7 @@
         </p:nvSpPr>
         <p:spPr>
           <a:xfrm>
-            <a:off x="782246" y="3065825"/>
+            <a:off x="769827" y="3073704"/>
             <a:ext cx="3128209" cy="2444638"/>
           </a:xfrm>
         </p:spPr>
@@ -7027,7 +7043,124 @@
                 <a:latin typeface="Segoe UI Light" panose="020B0502040204020203" pitchFamily="34" charset="0"/>
                 <a:cs typeface="Segoe UI Light" panose="020B0502040204020203" pitchFamily="34" charset="0"/>
               </a:rPr>
-              <a:t>The editor tries to detect what the user is trying to type within the document. Letter, Resume, or just information about a topic. After recognition, Search results are shown as a popup</a:t>
+              <a:t>Simple features like New</a:t>
+            </a:r>
+            <a:r>
+              <a:rPr lang="en-US" sz="1800" dirty="0">
+                <a:solidFill>
+                  <a:schemeClr val="accent2">
+                    <a:lumMod val="40000"/>
+                    <a:lumOff val="60000"/>
+                  </a:schemeClr>
+                </a:solidFill>
+                <a:latin typeface="Segoe UI Light" panose="020B0502040204020203" pitchFamily="34" charset="0"/>
+                <a:cs typeface="Segoe UI Light" panose="020B0502040204020203" pitchFamily="34" charset="0"/>
+              </a:rPr>
+              <a:t>, Open, Save, Save As, Cut, Copy, </a:t>
+            </a:r>
+            <a:r>
+              <a:rPr lang="en-US" sz="1800" dirty="0" smtClean="0">
+                <a:solidFill>
+                  <a:schemeClr val="accent2">
+                    <a:lumMod val="40000"/>
+                    <a:lumOff val="60000"/>
+                  </a:schemeClr>
+                </a:solidFill>
+                <a:latin typeface="Segoe UI Light" panose="020B0502040204020203" pitchFamily="34" charset="0"/>
+                <a:cs typeface="Segoe UI Light" panose="020B0502040204020203" pitchFamily="34" charset="0"/>
+              </a:rPr>
+              <a:t>Paste included in a </a:t>
+            </a:r>
+            <a:r>
+              <a:rPr lang="en-US" sz="1800" dirty="0">
+                <a:solidFill>
+                  <a:schemeClr val="accent2">
+                    <a:lumMod val="40000"/>
+                    <a:lumOff val="60000"/>
+                  </a:schemeClr>
+                </a:solidFill>
+                <a:latin typeface="Segoe UI Light" panose="020B0502040204020203" pitchFamily="34" charset="0"/>
+                <a:cs typeface="Segoe UI Light" panose="020B0502040204020203" pitchFamily="34" charset="0"/>
+              </a:rPr>
+              <a:t>Toolbar </a:t>
+            </a:r>
+            <a:r>
+              <a:rPr lang="en-US" sz="1800" dirty="0" smtClean="0">
+                <a:solidFill>
+                  <a:schemeClr val="accent2">
+                    <a:lumMod val="40000"/>
+                    <a:lumOff val="60000"/>
+                  </a:schemeClr>
+                </a:solidFill>
+                <a:latin typeface="Segoe UI Light" panose="020B0502040204020203" pitchFamily="34" charset="0"/>
+                <a:cs typeface="Segoe UI Light" panose="020B0502040204020203" pitchFamily="34" charset="0"/>
+              </a:rPr>
+              <a:t>and a </a:t>
+            </a:r>
+            <a:r>
+              <a:rPr lang="en-US" sz="1800" dirty="0" err="1" smtClean="0">
+                <a:solidFill>
+                  <a:schemeClr val="accent2">
+                    <a:lumMod val="40000"/>
+                    <a:lumOff val="60000"/>
+                  </a:schemeClr>
+                </a:solidFill>
+                <a:latin typeface="Segoe UI Light" panose="020B0502040204020203" pitchFamily="34" charset="0"/>
+                <a:cs typeface="Segoe UI Light" panose="020B0502040204020203" pitchFamily="34" charset="0"/>
+              </a:rPr>
+              <a:t>Menubar</a:t>
+            </a:r>
+            <a:r>
+              <a:rPr lang="en-US" sz="1800" dirty="0">
+                <a:solidFill>
+                  <a:schemeClr val="accent2">
+                    <a:lumMod val="40000"/>
+                    <a:lumOff val="60000"/>
+                  </a:schemeClr>
+                </a:solidFill>
+                <a:latin typeface="Segoe UI Light" panose="020B0502040204020203" pitchFamily="34" charset="0"/>
+                <a:cs typeface="Segoe UI Light" panose="020B0502040204020203" pitchFamily="34" charset="0"/>
+              </a:rPr>
+              <a:t>.</a:t>
+            </a:r>
+            <a:r>
+              <a:rPr lang="en-US" sz="1800" dirty="0" smtClean="0">
+                <a:solidFill>
+                  <a:schemeClr val="accent2">
+                    <a:lumMod val="40000"/>
+                    <a:lumOff val="60000"/>
+                  </a:schemeClr>
+                </a:solidFill>
+                <a:latin typeface="Segoe UI Light" panose="020B0502040204020203" pitchFamily="34" charset="0"/>
+                <a:cs typeface="Segoe UI Light" panose="020B0502040204020203" pitchFamily="34" charset="0"/>
+              </a:rPr>
+              <a:t> </a:t>
+            </a:r>
+            <a:r>
+              <a:rPr lang="en-US" sz="1800" dirty="0">
+                <a:solidFill>
+                  <a:schemeClr val="accent2">
+                    <a:lumMod val="40000"/>
+                    <a:lumOff val="60000"/>
+                  </a:schemeClr>
+                </a:solidFill>
+                <a:latin typeface="Segoe UI Light" panose="020B0502040204020203" pitchFamily="34" charset="0"/>
+                <a:cs typeface="Segoe UI Light" panose="020B0502040204020203" pitchFamily="34" charset="0"/>
+              </a:rPr>
+              <a:t>Preferences and </a:t>
+            </a:r>
+            <a:r>
+              <a:rPr lang="en-US" sz="1800" dirty="0" smtClean="0">
+                <a:solidFill>
+                  <a:schemeClr val="accent2">
+                    <a:lumMod val="40000"/>
+                    <a:lumOff val="60000"/>
+                  </a:schemeClr>
+                </a:solidFill>
+                <a:latin typeface="Segoe UI Light" panose="020B0502040204020203" pitchFamily="34" charset="0"/>
+                <a:cs typeface="Segoe UI Light" panose="020B0502040204020203" pitchFamily="34" charset="0"/>
+              </a:rPr>
+              <a:t>Optionality, to select the NLP</a:t>
             </a:r>
             <a:endParaRPr lang="en-US" sz="1800" dirty="0">
               <a:solidFill>
@@ -7048,8 +7181,8 @@
         </p:nvSpPr>
         <p:spPr>
           <a:xfrm>
-            <a:off x="4632157" y="457200"/>
-            <a:ext cx="7110663" cy="6124754"/>
+            <a:off x="4728410" y="926432"/>
+            <a:ext cx="7110663" cy="5262979"/>
           </a:xfrm>
           <a:prstGeom prst="rect">
             <a:avLst/>
@@ -7073,7 +7206,20 @@
                 <a:latin typeface="Segoe UI Light" panose="020B0502040204020203" pitchFamily="34" charset="0"/>
                 <a:cs typeface="Segoe UI Light" panose="020B0502040204020203" pitchFamily="34" charset="0"/>
               </a:rPr>
-              <a:t>Context Recognition using tags</a:t>
+              <a:t>New, Open, Save, </a:t>
+            </a:r>
+            <a:r>
+              <a:rPr lang="en-US" sz="2400" dirty="0" err="1" smtClean="0">
+                <a:solidFill>
+                  <a:schemeClr val="accent2">
+                    <a:lumMod val="40000"/>
+                    <a:lumOff val="60000"/>
+                  </a:schemeClr>
+                </a:solidFill>
+                <a:latin typeface="Segoe UI Light" panose="020B0502040204020203" pitchFamily="34" charset="0"/>
+                <a:cs typeface="Segoe UI Light" panose="020B0502040204020203" pitchFamily="34" charset="0"/>
+              </a:rPr>
+              <a:t>SaveAs</a:t>
             </a:r>
             <a:endParaRPr lang="en-US" sz="2400" dirty="0">
               <a:solidFill>
@@ -7093,7 +7239,63 @@
                 <a:latin typeface="Segoe UI Light" panose="020B0502040204020203" pitchFamily="34" charset="0"/>
                 <a:cs typeface="Segoe UI Light" panose="020B0502040204020203" pitchFamily="34" charset="0"/>
               </a:rPr>
-              <a:t>Detecting simple themes, like Letters, Resumes, Programs, etc. are taken care of, using a sets of tags associated with the theme</a:t>
+              <a:t>Implemented </a:t>
+            </a:r>
+            <a:r>
+              <a:rPr lang="en-US" dirty="0">
+                <a:latin typeface="Segoe UI Light" panose="020B0502040204020203" pitchFamily="34" charset="0"/>
+                <a:cs typeface="Segoe UI Light" panose="020B0502040204020203" pitchFamily="34" charset="0"/>
+              </a:rPr>
+              <a:t>using </a:t>
+            </a:r>
+            <a:r>
+              <a:rPr lang="en-US" dirty="0" smtClean="0">
+                <a:latin typeface="Segoe UI Light" panose="020B0502040204020203" pitchFamily="34" charset="0"/>
+                <a:cs typeface="Segoe UI Light" panose="020B0502040204020203" pitchFamily="34" charset="0"/>
+              </a:rPr>
+              <a:t>the Swing options of </a:t>
+            </a:r>
+            <a:r>
+              <a:rPr lang="en-US" dirty="0" err="1" smtClean="0">
+                <a:latin typeface="Segoe UI Light" panose="020B0502040204020203" pitchFamily="34" charset="0"/>
+                <a:cs typeface="Segoe UI Light" panose="020B0502040204020203" pitchFamily="34" charset="0"/>
+              </a:rPr>
+              <a:t>FileReader</a:t>
+            </a:r>
+            <a:r>
+              <a:rPr lang="en-US" dirty="0" smtClean="0">
+                <a:latin typeface="Segoe UI Light" panose="020B0502040204020203" pitchFamily="34" charset="0"/>
+                <a:cs typeface="Segoe UI Light" panose="020B0502040204020203" pitchFamily="34" charset="0"/>
+              </a:rPr>
+              <a:t> and </a:t>
+            </a:r>
+            <a:r>
+              <a:rPr lang="en-US" dirty="0" err="1" smtClean="0">
+                <a:latin typeface="Segoe UI Light" panose="020B0502040204020203" pitchFamily="34" charset="0"/>
+                <a:cs typeface="Segoe UI Light" panose="020B0502040204020203" pitchFamily="34" charset="0"/>
+              </a:rPr>
+              <a:t>FileWriter</a:t>
+            </a:r>
+            <a:r>
+              <a:rPr lang="en-US" dirty="0" smtClean="0">
+                <a:latin typeface="Segoe UI Light" panose="020B0502040204020203" pitchFamily="34" charset="0"/>
+                <a:cs typeface="Segoe UI Light" panose="020B0502040204020203" pitchFamily="34" charset="0"/>
+              </a:rPr>
+              <a:t>, and the </a:t>
+            </a:r>
+            <a:r>
+              <a:rPr lang="en-US" dirty="0" err="1" smtClean="0">
+                <a:latin typeface="Segoe UI Light" panose="020B0502040204020203" pitchFamily="34" charset="0"/>
+                <a:cs typeface="Segoe UI Light" panose="020B0502040204020203" pitchFamily="34" charset="0"/>
+              </a:rPr>
+              <a:t>JFileChooser</a:t>
+            </a:r>
+            <a:r>
+              <a:rPr lang="en-US" dirty="0" smtClean="0">
+                <a:latin typeface="Segoe UI Light" panose="020B0502040204020203" pitchFamily="34" charset="0"/>
+                <a:cs typeface="Segoe UI Light" panose="020B0502040204020203" pitchFamily="34" charset="0"/>
+              </a:rPr>
+              <a:t> option for windows dialog box.</a:t>
             </a:r>
             <a:endParaRPr lang="en-US" dirty="0">
               <a:latin typeface="Segoe UI Light" panose="020B0502040204020203" pitchFamily="34" charset="0"/>
@@ -7119,7 +7321,7 @@
                 <a:latin typeface="Segoe UI Light" panose="020B0502040204020203" pitchFamily="34" charset="0"/>
                 <a:cs typeface="Segoe UI Light" panose="020B0502040204020203" pitchFamily="34" charset="0"/>
               </a:rPr>
-              <a:t>Topic extraction</a:t>
+              <a:t>Cut, Copy, Paste</a:t>
             </a:r>
             <a:endParaRPr lang="en-US" sz="2400" dirty="0">
               <a:solidFill>
@@ -7139,46 +7341,145 @@
                 <a:latin typeface="Segoe UI Light" panose="020B0502040204020203" pitchFamily="34" charset="0"/>
                 <a:cs typeface="Segoe UI Light" panose="020B0502040204020203" pitchFamily="34" charset="0"/>
               </a:rPr>
-              <a:t>Heading Extraction- Check for a heading format, within th</a:t>
+              <a:t>Implemented by applying their respective Action (like </a:t>
+            </a:r>
+            <a:r>
+              <a:rPr lang="en-US" dirty="0" err="1" smtClean="0">
+                <a:latin typeface="Segoe UI Light" panose="020B0502040204020203" pitchFamily="34" charset="0"/>
+                <a:cs typeface="Segoe UI Light" panose="020B0502040204020203" pitchFamily="34" charset="0"/>
+              </a:rPr>
+              <a:t>cutAction</a:t>
             </a:r>
             <a:r>
               <a:rPr lang="en-US" dirty="0" smtClean="0">
                 <a:latin typeface="Segoe UI Light" panose="020B0502040204020203" pitchFamily="34" charset="0"/>
                 <a:cs typeface="Segoe UI Light" panose="020B0502040204020203" pitchFamily="34" charset="0"/>
               </a:rPr>
-              <a:t>e </a:t>
+              <a:t>) present in </a:t>
+            </a:r>
+            <a:r>
+              <a:rPr lang="en-US" dirty="0">
+                <a:latin typeface="Segoe UI Light" panose="020B0502040204020203" pitchFamily="34" charset="0"/>
+                <a:cs typeface="Segoe UI Light" panose="020B0502040204020203" pitchFamily="34" charset="0"/>
+              </a:rPr>
+              <a:t>the </a:t>
             </a:r>
             <a:r>
               <a:rPr lang="en-US" dirty="0" err="1" smtClean="0">
                 <a:latin typeface="Segoe UI Light" panose="020B0502040204020203" pitchFamily="34" charset="0"/>
                 <a:cs typeface="Segoe UI Light" panose="020B0502040204020203" pitchFamily="34" charset="0"/>
               </a:rPr>
-              <a:t>Textarea</a:t>
+              <a:t>DefaultEditorKit</a:t>
             </a:r>
             <a:r>
               <a:rPr lang="en-US" dirty="0" smtClean="0">
                 <a:latin typeface="Segoe UI Light" panose="020B0502040204020203" pitchFamily="34" charset="0"/>
                 <a:cs typeface="Segoe UI Light" panose="020B0502040204020203" pitchFamily="34" charset="0"/>
               </a:rPr>
-              <a:t/>
-            </a:r>
-            <a:br>
-              <a:rPr lang="en-US" dirty="0" smtClean="0">
-                <a:latin typeface="Segoe UI Light" panose="020B0502040204020203" pitchFamily="34" charset="0"/>
-                <a:cs typeface="Segoe UI Light" panose="020B0502040204020203" pitchFamily="34" charset="0"/>
-              </a:rPr>
-            </a:br>
-            <a:r>
-              <a:rPr lang="en-US" dirty="0" smtClean="0">
-                <a:latin typeface="Segoe UI Light" panose="020B0502040204020203" pitchFamily="34" charset="0"/>
-                <a:cs typeface="Segoe UI Light" panose="020B0502040204020203" pitchFamily="34" charset="0"/>
-              </a:rPr>
-              <a:t>Keyword Extraction- Word Frequency Analysis, which includes using a mathematical formula, to detect the most frequent words that are key to the document.</a:t>
-            </a:r>
-            <a:endParaRPr lang="en-US" dirty="0">
+              <a:t> Class. </a:t>
+            </a:r>
+          </a:p>
+          <a:p>
+            <a:pPr lvl="1"/>
+            <a:endParaRPr lang="en-US" sz="2000" dirty="0" smtClean="0">
               <a:latin typeface="Segoe UI Light" panose="020B0502040204020203" pitchFamily="34" charset="0"/>
               <a:cs typeface="Segoe UI Light" panose="020B0502040204020203" pitchFamily="34" charset="0"/>
             </a:endParaRPr>
+          </a:p>
+          <a:p>
+            <a:r>
+              <a:rPr lang="en-US" sz="2400" dirty="0" err="1" smtClean="0">
+                <a:solidFill>
+                  <a:schemeClr val="accent2">
+                    <a:lumMod val="40000"/>
+                    <a:lumOff val="60000"/>
+                  </a:schemeClr>
+                </a:solidFill>
+                <a:latin typeface="Segoe UI Light" panose="020B0502040204020203" pitchFamily="34" charset="0"/>
+                <a:cs typeface="Segoe UI Light" panose="020B0502040204020203" pitchFamily="34" charset="0"/>
+              </a:rPr>
+              <a:t>ToolBar</a:t>
+            </a:r>
+            <a:r>
+              <a:rPr lang="en-US" sz="2400" dirty="0" smtClean="0">
+                <a:solidFill>
+                  <a:schemeClr val="accent2">
+                    <a:lumMod val="40000"/>
+                    <a:lumOff val="60000"/>
+                  </a:schemeClr>
+                </a:solidFill>
+                <a:latin typeface="Segoe UI Light" panose="020B0502040204020203" pitchFamily="34" charset="0"/>
+                <a:cs typeface="Segoe UI Light" panose="020B0502040204020203" pitchFamily="34" charset="0"/>
+              </a:rPr>
+              <a:t> </a:t>
+            </a:r>
+            <a:r>
+              <a:rPr lang="en-US" sz="2400" dirty="0">
+                <a:solidFill>
+                  <a:schemeClr val="accent2">
+                    <a:lumMod val="40000"/>
+                    <a:lumOff val="60000"/>
+                  </a:schemeClr>
+                </a:solidFill>
+                <a:latin typeface="Segoe UI Light" panose="020B0502040204020203" pitchFamily="34" charset="0"/>
+                <a:cs typeface="Segoe UI Light" panose="020B0502040204020203" pitchFamily="34" charset="0"/>
+              </a:rPr>
+              <a:t>and </a:t>
+            </a:r>
+            <a:r>
+              <a:rPr lang="en-US" sz="2400" dirty="0" err="1">
+                <a:solidFill>
+                  <a:schemeClr val="accent2">
+                    <a:lumMod val="40000"/>
+                    <a:lumOff val="60000"/>
+                  </a:schemeClr>
+                </a:solidFill>
+                <a:latin typeface="Segoe UI Light" panose="020B0502040204020203" pitchFamily="34" charset="0"/>
+                <a:cs typeface="Segoe UI Light" panose="020B0502040204020203" pitchFamily="34" charset="0"/>
+              </a:rPr>
+              <a:t>MenuBar</a:t>
+            </a:r>
+            <a:endParaRPr lang="en-US" sz="2400" dirty="0">
+              <a:solidFill>
+                <a:schemeClr val="accent2">
+                  <a:lumMod val="40000"/>
+                  <a:lumOff val="60000"/>
+                </a:schemeClr>
+              </a:solidFill>
+              <a:latin typeface="Segoe UI Light" panose="020B0502040204020203" pitchFamily="34" charset="0"/>
+              <a:cs typeface="Segoe UI Light" panose="020B0502040204020203" pitchFamily="34" charset="0"/>
+            </a:endParaRPr>
+          </a:p>
+          <a:p>
+            <a:pPr lvl="1"/>
+            <a:r>
+              <a:rPr lang="en-US" dirty="0">
+                <a:latin typeface="Segoe UI Light" panose="020B0502040204020203" pitchFamily="34" charset="0"/>
+                <a:cs typeface="Segoe UI Light" panose="020B0502040204020203" pitchFamily="34" charset="0"/>
+              </a:rPr>
+              <a:t>All options are </a:t>
+            </a:r>
+            <a:r>
+              <a:rPr lang="en-US" dirty="0" smtClean="0">
+                <a:latin typeface="Segoe UI Light" panose="020B0502040204020203" pitchFamily="34" charset="0"/>
+                <a:cs typeface="Segoe UI Light" panose="020B0502040204020203" pitchFamily="34" charset="0"/>
+              </a:rPr>
+              <a:t>added onto a </a:t>
+            </a:r>
+            <a:r>
+              <a:rPr lang="en-US" dirty="0" err="1" smtClean="0">
+                <a:latin typeface="Segoe UI Light" panose="020B0502040204020203" pitchFamily="34" charset="0"/>
+                <a:cs typeface="Segoe UI Light" panose="020B0502040204020203" pitchFamily="34" charset="0"/>
+              </a:rPr>
+              <a:t>MenuBar</a:t>
+            </a:r>
+            <a:r>
+              <a:rPr lang="en-US" dirty="0" smtClean="0">
+                <a:latin typeface="Segoe UI Light" panose="020B0502040204020203" pitchFamily="34" charset="0"/>
+                <a:cs typeface="Segoe UI Light" panose="020B0502040204020203" pitchFamily="34" charset="0"/>
+              </a:rPr>
+              <a:t> and Toolbar, for quick access. Buttons have been included for the purpose as well.</a:t>
+            </a:r>
           </a:p>
           <a:p>
             <a:pPr lvl="1"/>
@@ -7189,7 +7490,7 @@
           </a:p>
           <a:p>
             <a:r>
-              <a:rPr lang="en-US" sz="2400" dirty="0">
+              <a:rPr lang="en-US" sz="2400" dirty="0" smtClean="0">
                 <a:solidFill>
                   <a:schemeClr val="accent2">
                     <a:lumMod val="40000"/>
@@ -7199,128 +7500,46 @@
                 <a:latin typeface="Segoe UI Light" panose="020B0502040204020203" pitchFamily="34" charset="0"/>
                 <a:cs typeface="Segoe UI Light" panose="020B0502040204020203" pitchFamily="34" charset="0"/>
               </a:rPr>
-              <a:t>Extracting Google Search Results</a:t>
-            </a:r>
-          </a:p>
-          <a:p>
-            <a:pPr lvl="1"/>
-            <a:r>
-              <a:rPr lang="en-US" dirty="0" smtClean="0">
-                <a:latin typeface="Segoe UI Light" panose="020B0502040204020203" pitchFamily="34" charset="0"/>
-                <a:cs typeface="Segoe UI Light" panose="020B0502040204020203" pitchFamily="34" charset="0"/>
-              </a:rPr>
-              <a:t>Using Google </a:t>
-            </a:r>
-            <a:r>
-              <a:rPr lang="en-US" dirty="0" err="1" smtClean="0">
-                <a:latin typeface="Segoe UI Light" panose="020B0502040204020203" pitchFamily="34" charset="0"/>
-                <a:cs typeface="Segoe UI Light" panose="020B0502040204020203" pitchFamily="34" charset="0"/>
-              </a:rPr>
-              <a:t>Gson</a:t>
-            </a:r>
-            <a:r>
-              <a:rPr lang="en-US" dirty="0" smtClean="0">
-                <a:latin typeface="Segoe UI Light" panose="020B0502040204020203" pitchFamily="34" charset="0"/>
-                <a:cs typeface="Segoe UI Light" panose="020B0502040204020203" pitchFamily="34" charset="0"/>
-              </a:rPr>
-              <a:t> (</a:t>
-            </a:r>
-            <a:r>
-              <a:rPr lang="en-US" dirty="0" err="1">
-                <a:latin typeface="Segoe UI Light" panose="020B0502040204020203" pitchFamily="34" charset="0"/>
-                <a:cs typeface="Segoe UI Light" panose="020B0502040204020203" pitchFamily="34" charset="0"/>
-              </a:rPr>
-              <a:t>J</a:t>
-            </a:r>
-            <a:r>
-              <a:rPr lang="en-US" dirty="0" err="1" smtClean="0">
-                <a:latin typeface="Segoe UI Light" panose="020B0502040204020203" pitchFamily="34" charset="0"/>
-                <a:cs typeface="Segoe UI Light" panose="020B0502040204020203" pitchFamily="34" charset="0"/>
-              </a:rPr>
-              <a:t>son</a:t>
-            </a:r>
-            <a:r>
-              <a:rPr lang="en-US" dirty="0" smtClean="0">
-                <a:latin typeface="Segoe UI Light" panose="020B0502040204020203" pitchFamily="34" charset="0"/>
-                <a:cs typeface="Segoe UI Light" panose="020B0502040204020203" pitchFamily="34" charset="0"/>
-              </a:rPr>
-              <a:t> or Java) to perform a query search from an online google search API, and retrieve top 4 search results and their links. </a:t>
-            </a:r>
-            <a:endParaRPr lang="en-US" sz="2000" dirty="0" smtClean="0">
+              <a:t>Preferences and Optionality</a:t>
+            </a:r>
+            <a:endParaRPr lang="en-US" sz="2400" dirty="0">
+              <a:solidFill>
+                <a:schemeClr val="accent2">
+                  <a:lumMod val="40000"/>
+                  <a:lumOff val="60000"/>
+                </a:schemeClr>
+              </a:solidFill>
               <a:latin typeface="Segoe UI Light" panose="020B0502040204020203" pitchFamily="34" charset="0"/>
               <a:cs typeface="Segoe UI Light" panose="020B0502040204020203" pitchFamily="34" charset="0"/>
             </a:endParaRPr>
           </a:p>
           <a:p>
             <a:pPr lvl="1"/>
-            <a:endParaRPr lang="en-US" sz="2000" dirty="0">
+            <a:r>
+              <a:rPr lang="en-US" dirty="0" smtClean="0">
+                <a:latin typeface="Segoe UI Light" panose="020B0502040204020203" pitchFamily="34" charset="0"/>
+                <a:cs typeface="Segoe UI Light" panose="020B0502040204020203" pitchFamily="34" charset="0"/>
+              </a:rPr>
+              <a:t>Based on the preferences of the user, he may choose to select only those features of NLP included in the editor, which he wishes to use. And can switch off the features he does not want.</a:t>
+            </a:r>
+            <a:endParaRPr lang="en-US" dirty="0">
               <a:latin typeface="Segoe UI Light" panose="020B0502040204020203" pitchFamily="34" charset="0"/>
               <a:cs typeface="Segoe UI Light" panose="020B0502040204020203" pitchFamily="34" charset="0"/>
             </a:endParaRPr>
           </a:p>
           <a:p>
-            <a:r>
-              <a:rPr lang="en-US" sz="2400" dirty="0">
-                <a:solidFill>
-                  <a:schemeClr val="accent2">
-                    <a:lumMod val="40000"/>
-                    <a:lumOff val="60000"/>
-                  </a:schemeClr>
-                </a:solidFill>
-                <a:latin typeface="Segoe UI Light" panose="020B0502040204020203" pitchFamily="34" charset="0"/>
-                <a:cs typeface="Segoe UI Light" panose="020B0502040204020203" pitchFamily="34" charset="0"/>
-              </a:rPr>
-              <a:t>Popup menu</a:t>
-            </a:r>
-          </a:p>
-          <a:p>
             <a:pPr lvl="1"/>
-            <a:r>
-              <a:rPr lang="en-US" dirty="0" smtClean="0">
-                <a:latin typeface="Segoe UI Light" panose="020B0502040204020203" pitchFamily="34" charset="0"/>
-                <a:cs typeface="Segoe UI Light" panose="020B0502040204020203" pitchFamily="34" charset="0"/>
-              </a:rPr>
-              <a:t>The search results, are then populated on a temporary popup, which appears on the screen. User may choose to click on them, and he will </a:t>
-            </a:r>
-            <a:r>
-              <a:rPr lang="en-US" smtClean="0">
-                <a:latin typeface="Segoe UI Light" panose="020B0502040204020203" pitchFamily="34" charset="0"/>
-                <a:cs typeface="Segoe UI Light" panose="020B0502040204020203" pitchFamily="34" charset="0"/>
-              </a:rPr>
-              <a:t>be redirected </a:t>
-            </a:r>
-            <a:r>
-              <a:rPr lang="en-US" dirty="0" smtClean="0">
-                <a:latin typeface="Segoe UI Light" panose="020B0502040204020203" pitchFamily="34" charset="0"/>
-                <a:cs typeface="Segoe UI Light" panose="020B0502040204020203" pitchFamily="34" charset="0"/>
-              </a:rPr>
-              <a:t>to </a:t>
-            </a:r>
-            <a:r>
-              <a:rPr lang="en-US" smtClean="0">
-                <a:latin typeface="Segoe UI Light" panose="020B0502040204020203" pitchFamily="34" charset="0"/>
-                <a:cs typeface="Segoe UI Light" panose="020B0502040204020203" pitchFamily="34" charset="0"/>
-              </a:rPr>
-              <a:t>that website.</a:t>
-            </a:r>
-            <a:endParaRPr lang="en-US" dirty="0" smtClean="0">
+            <a:endParaRPr lang="en-US" dirty="0">
               <a:latin typeface="Segoe UI Light" panose="020B0502040204020203" pitchFamily="34" charset="0"/>
               <a:cs typeface="Segoe UI Light" panose="020B0502040204020203" pitchFamily="34" charset="0"/>
             </a:endParaRPr>
           </a:p>
-          <a:p>
-            <a:pPr lvl="1"/>
-            <a:endParaRPr lang="en-US" sz="2000" dirty="0">
-              <a:latin typeface="Segoe UI Light" panose="020B0502040204020203" pitchFamily="34" charset="0"/>
-              <a:cs typeface="Segoe UI Light" panose="020B0502040204020203" pitchFamily="34" charset="0"/>
-            </a:endParaRPr>
-          </a:p>
         </p:txBody>
       </p:sp>
     </p:spTree>
     <p:extLst>
       <p:ext uri="{BB962C8B-B14F-4D97-AF65-F5344CB8AC3E}">
-        <p14:creationId xmlns:p14="http://schemas.microsoft.com/office/powerpoint/2010/main" val="1357805838"/>
+        <p14:creationId xmlns:p14="http://schemas.microsoft.com/office/powerpoint/2010/main" val="3662129702"/>
       </p:ext>
     </p:extLst>
   </p:cSld>
@@ -7364,249 +7583,64 @@
             <p:ph type="title"/>
           </p:nvPr>
         </p:nvSpPr>
-        <p:spPr>
-          <a:xfrm>
-            <a:off x="469232" y="1792705"/>
-            <a:ext cx="3512831" cy="931333"/>
-          </a:xfrm>
-        </p:spPr>
-        <p:txBody>
-          <a:bodyPr>
-            <a:normAutofit fontScale="90000"/>
-          </a:bodyPr>
+        <p:spPr/>
+        <p:txBody>
+          <a:bodyPr/>
           <a:lstStyle/>
           <a:p>
             <a:pPr algn="ctr"/>
             <a:r>
-              <a:rPr lang="en-US" sz="4000" dirty="0" smtClean="0">
-                <a:latin typeface="Segoe UI Light" panose="020B0502040204020203" pitchFamily="34" charset="0"/>
-                <a:cs typeface="Segoe UI Light" panose="020B0502040204020203" pitchFamily="34" charset="0"/>
-              </a:rPr>
-              <a:t>EDITOR FEATURES</a:t>
-            </a:r>
-            <a:endParaRPr lang="en-US" sz="2000" dirty="0">
-              <a:latin typeface="Segoe UI Light" panose="020B0502040204020203" pitchFamily="34" charset="0"/>
-              <a:cs typeface="Segoe UI Light" panose="020B0502040204020203" pitchFamily="34" charset="0"/>
-            </a:endParaRPr>
-          </a:p>
-        </p:txBody>
-      </p:sp>
-      <p:sp>
-        <p:nvSpPr>
-          <p:cNvPr id="4" name="Text Placeholder 3"/>
-          <p:cNvSpPr>
-            <a:spLocks noGrp="1"/>
-          </p:cNvSpPr>
-          <p:nvPr>
-            <p:ph type="body" sz="half" idx="2"/>
-          </p:nvPr>
-        </p:nvSpPr>
-        <p:spPr>
-          <a:xfrm>
-            <a:off x="577517" y="2897383"/>
-            <a:ext cx="3128209" cy="2444638"/>
-          </a:xfrm>
-        </p:spPr>
-        <p:txBody>
-          <a:bodyPr>
-            <a:normAutofit/>
-          </a:bodyPr>
-          <a:lstStyle/>
-          <a:p>
-            <a:pPr algn="ctr"/>
-            <a:r>
-              <a:rPr lang="en-US" sz="900" dirty="0">
-                <a:latin typeface="Segoe UI Light" panose="020B0502040204020203" pitchFamily="34" charset="0"/>
-                <a:cs typeface="Segoe UI Light" panose="020B0502040204020203" pitchFamily="34" charset="0"/>
-              </a:rPr>
-              <a:t> </a:t>
-            </a:r>
-            <a:r>
-              <a:rPr lang="en-US" sz="1800" dirty="0">
-                <a:latin typeface="Segoe UI Light" panose="020B0502040204020203" pitchFamily="34" charset="0"/>
-                <a:cs typeface="Segoe UI Light" panose="020B0502040204020203" pitchFamily="34" charset="0"/>
-              </a:rPr>
-              <a:t/>
-            </a:r>
-            <a:br>
-              <a:rPr lang="en-US" sz="1800" dirty="0">
-                <a:latin typeface="Segoe UI Light" panose="020B0502040204020203" pitchFamily="34" charset="0"/>
-                <a:cs typeface="Segoe UI Light" panose="020B0502040204020203" pitchFamily="34" charset="0"/>
-              </a:rPr>
-            </a:br>
-            <a:r>
-              <a:rPr lang="en-US" sz="1800">
-                <a:solidFill>
-                  <a:schemeClr val="accent2">
-                    <a:lumMod val="40000"/>
-                    <a:lumOff val="60000"/>
-                  </a:schemeClr>
-                </a:solidFill>
-                <a:latin typeface="Segoe UI Light" panose="020B0502040204020203" pitchFamily="34" charset="0"/>
-                <a:cs typeface="Segoe UI Light" panose="020B0502040204020203" pitchFamily="34" charset="0"/>
-              </a:rPr>
-              <a:t>A </a:t>
-            </a:r>
-            <a:r>
-              <a:rPr lang="en-US" sz="1800" smtClean="0">
-                <a:solidFill>
-                  <a:schemeClr val="accent2">
-                    <a:lumMod val="40000"/>
-                    <a:lumOff val="60000"/>
-                  </a:schemeClr>
-                </a:solidFill>
-                <a:latin typeface="Segoe UI Light" panose="020B0502040204020203" pitchFamily="34" charset="0"/>
-                <a:cs typeface="Segoe UI Light" panose="020B0502040204020203" pitchFamily="34" charset="0"/>
-              </a:rPr>
-              <a:t>...</a:t>
-            </a:r>
-            <a:endParaRPr lang="en-US" sz="1800" dirty="0">
-              <a:solidFill>
-                <a:schemeClr val="accent2">
-                  <a:lumMod val="40000"/>
-                  <a:lumOff val="60000"/>
-                </a:schemeClr>
-              </a:solidFill>
-            </a:endParaRPr>
-          </a:p>
-        </p:txBody>
-      </p:sp>
-      <p:sp>
-        <p:nvSpPr>
-          <p:cNvPr id="5" name="TextBox 4"/>
-          <p:cNvSpPr txBox="1"/>
-          <p:nvPr/>
-        </p:nvSpPr>
-        <p:spPr>
-          <a:xfrm>
-            <a:off x="4728410" y="818148"/>
-            <a:ext cx="7110663" cy="3477875"/>
-          </a:xfrm>
-          <a:prstGeom prst="rect">
-            <a:avLst/>
-          </a:prstGeom>
-          <a:noFill/>
-        </p:spPr>
-        <p:txBody>
-          <a:bodyPr wrap="square" rtlCol="0">
-            <a:spAutoFit/>
-          </a:bodyPr>
-          <a:lstStyle/>
-          <a:p>
-            <a:r>
-              <a:rPr lang="en-US" sz="2400" dirty="0">
-                <a:solidFill>
-                  <a:schemeClr val="accent2">
-                    <a:lumMod val="40000"/>
-                    <a:lumOff val="60000"/>
-                  </a:schemeClr>
-                </a:solidFill>
-                <a:latin typeface="Segoe UI Light" panose="020B0502040204020203" pitchFamily="34" charset="0"/>
-                <a:cs typeface="Segoe UI Light" panose="020B0502040204020203" pitchFamily="34" charset="0"/>
-              </a:rPr>
-              <a:t>Non Word spelling error detection</a:t>
-            </a:r>
-          </a:p>
-          <a:p>
-            <a:pPr lvl="1"/>
-            <a:r>
               <a:rPr lang="en-US" dirty="0" smtClean="0">
                 <a:latin typeface="Segoe UI Light" panose="020B0502040204020203" pitchFamily="34" charset="0"/>
                 <a:cs typeface="Segoe UI Light" panose="020B0502040204020203" pitchFamily="34" charset="0"/>
               </a:rPr>
-              <a:t>Implemented </a:t>
-            </a:r>
-            <a:r>
-              <a:rPr lang="en-US" dirty="0">
-                <a:latin typeface="Segoe UI Light" panose="020B0502040204020203" pitchFamily="34" charset="0"/>
-                <a:cs typeface="Segoe UI Light" panose="020B0502040204020203" pitchFamily="34" charset="0"/>
-              </a:rPr>
-              <a:t>using the brown corpus, stored in a </a:t>
-            </a:r>
-            <a:r>
-              <a:rPr lang="en-US" dirty="0" err="1">
-                <a:latin typeface="Segoe UI Light" panose="020B0502040204020203" pitchFamily="34" charset="0"/>
-                <a:cs typeface="Segoe UI Light" panose="020B0502040204020203" pitchFamily="34" charset="0"/>
-              </a:rPr>
-              <a:t>HashMap</a:t>
-            </a:r>
-            <a:r>
-              <a:rPr lang="en-US" dirty="0">
-                <a:latin typeface="Segoe UI Light" panose="020B0502040204020203" pitchFamily="34" charset="0"/>
-                <a:cs typeface="Segoe UI Light" panose="020B0502040204020203" pitchFamily="34" charset="0"/>
-              </a:rPr>
-              <a:t>, which is serialized into a file</a:t>
-            </a:r>
-            <a:r>
-              <a:rPr lang="en-US" dirty="0" smtClean="0">
-                <a:latin typeface="Segoe UI Light" panose="020B0502040204020203" pitchFamily="34" charset="0"/>
-                <a:cs typeface="Segoe UI Light" panose="020B0502040204020203" pitchFamily="34" charset="0"/>
-              </a:rPr>
-              <a:t>. This </a:t>
-            </a:r>
-            <a:r>
-              <a:rPr lang="en-US" dirty="0" err="1" smtClean="0">
-                <a:latin typeface="Segoe UI Light" panose="020B0502040204020203" pitchFamily="34" charset="0"/>
-                <a:cs typeface="Segoe UI Light" panose="020B0502040204020203" pitchFamily="34" charset="0"/>
-              </a:rPr>
-              <a:t>HaspMap</a:t>
-            </a:r>
-            <a:r>
-              <a:rPr lang="en-US" dirty="0" smtClean="0">
-                <a:latin typeface="Segoe UI Light" panose="020B0502040204020203" pitchFamily="34" charset="0"/>
-                <a:cs typeface="Segoe UI Light" panose="020B0502040204020203" pitchFamily="34" charset="0"/>
-              </a:rPr>
-              <a:t> is later used, to search for the word typed by the user (in constant time)</a:t>
+              <a:t>References</a:t>
             </a:r>
             <a:endParaRPr lang="en-US" dirty="0">
               <a:latin typeface="Segoe UI Light" panose="020B0502040204020203" pitchFamily="34" charset="0"/>
               <a:cs typeface="Segoe UI Light" panose="020B0502040204020203" pitchFamily="34" charset="0"/>
             </a:endParaRPr>
           </a:p>
-          <a:p>
-            <a:pPr lvl="1"/>
-            <a:endParaRPr lang="en-US" sz="2000" dirty="0">
-              <a:latin typeface="Segoe UI Light" panose="020B0502040204020203" pitchFamily="34" charset="0"/>
-              <a:cs typeface="Segoe UI Light" panose="020B0502040204020203" pitchFamily="34" charset="0"/>
-            </a:endParaRPr>
-          </a:p>
-          <a:p>
-            <a:r>
-              <a:rPr lang="en-US" sz="2400" dirty="0">
-                <a:solidFill>
-                  <a:schemeClr val="accent2">
-                    <a:lumMod val="40000"/>
-                    <a:lumOff val="60000"/>
-                  </a:schemeClr>
-                </a:solidFill>
-                <a:latin typeface="Segoe UI Light" panose="020B0502040204020203" pitchFamily="34" charset="0"/>
-                <a:cs typeface="Segoe UI Light" panose="020B0502040204020203" pitchFamily="34" charset="0"/>
-              </a:rPr>
-              <a:t>Generation of candidate words</a:t>
-            </a:r>
-          </a:p>
-          <a:p>
-            <a:pPr lvl="1"/>
+        </p:txBody>
+      </p:sp>
+      <p:sp>
+        <p:nvSpPr>
+          <p:cNvPr id="3" name="Content Placeholder 2"/>
+          <p:cNvSpPr>
+            <a:spLocks noGrp="1"/>
+          </p:cNvSpPr>
+          <p:nvPr>
+            <p:ph idx="1"/>
+          </p:nvPr>
+        </p:nvSpPr>
+        <p:spPr/>
+        <p:txBody>
+          <a:bodyPr/>
+          <a:lstStyle/>
+          <a:p>
+            <a:pPr marL="0" indent="0" algn="ctr">
+              <a:buNone/>
+            </a:pPr>
+            <a:r>
+              <a:rPr lang="en-US" dirty="0" smtClean="0">
+                <a:latin typeface="Segoe UI Light" panose="020B0502040204020203" pitchFamily="34" charset="0"/>
+                <a:cs typeface="Segoe UI Light" panose="020B0502040204020203" pitchFamily="34" charset="0"/>
+              </a:rPr>
+              <a:t>Speech </a:t>
+            </a:r>
+            <a:r>
+              <a:rPr lang="en-US" dirty="0">
+                <a:latin typeface="Segoe UI Light" panose="020B0502040204020203" pitchFamily="34" charset="0"/>
+                <a:cs typeface="Segoe UI Light" panose="020B0502040204020203" pitchFamily="34" charset="0"/>
+              </a:rPr>
+              <a:t>and Language Processing by Daniel </a:t>
+            </a:r>
             <a:r>
               <a:rPr lang="en-US" dirty="0" err="1">
                 <a:latin typeface="Segoe UI Light" panose="020B0502040204020203" pitchFamily="34" charset="0"/>
                 <a:cs typeface="Segoe UI Light" panose="020B0502040204020203" pitchFamily="34" charset="0"/>
               </a:rPr>
-              <a:t>Levenstein’s</a:t>
-            </a:r>
-            <a:r>
-              <a:rPr lang="en-US" dirty="0">
-                <a:latin typeface="Segoe UI Light" panose="020B0502040204020203" pitchFamily="34" charset="0"/>
-                <a:cs typeface="Segoe UI Light" panose="020B0502040204020203" pitchFamily="34" charset="0"/>
-              </a:rPr>
-              <a:t> Edit Distance </a:t>
-            </a:r>
-            <a:r>
-              <a:rPr lang="en-US" dirty="0" smtClean="0">
-                <a:latin typeface="Segoe UI Light" panose="020B0502040204020203" pitchFamily="34" charset="0"/>
-                <a:cs typeface="Segoe UI Light" panose="020B0502040204020203" pitchFamily="34" charset="0"/>
-              </a:rPr>
-              <a:t>Algorithm, used to generate the candidate words (of edit distance 2) </a:t>
+              <a:t>Jurafsky</a:t>
             </a:r>
             <a:endParaRPr lang="en-US" dirty="0">
               <a:latin typeface="Segoe UI Light" panose="020B0502040204020203" pitchFamily="34" charset="0"/>
@@ -7614,66 +7648,141 @@
             </a:endParaRPr>
           </a:p>
           <a:p>
-            <a:pPr lvl="1"/>
-            <a:endParaRPr lang="en-US" sz="2000" dirty="0">
+            <a:pPr marL="0" indent="0" algn="ctr">
+              <a:buNone/>
+            </a:pPr>
+            <a:r>
+              <a:rPr lang="en-US" dirty="0" smtClean="0">
+                <a:latin typeface="Segoe UI Light" panose="020B0502040204020203" pitchFamily="34" charset="0"/>
+                <a:cs typeface="Segoe UI Light" panose="020B0502040204020203" pitchFamily="34" charset="0"/>
+              </a:rPr>
+              <a:t>A </a:t>
+            </a:r>
+            <a:r>
+              <a:rPr lang="en-US" dirty="0">
+                <a:latin typeface="Segoe UI Light" panose="020B0502040204020203" pitchFamily="34" charset="0"/>
+                <a:cs typeface="Segoe UI Light" panose="020B0502040204020203" pitchFamily="34" charset="0"/>
+              </a:rPr>
+              <a:t>Spelling Correction Methodology Based on a Noisy Channel Model Mark D. </a:t>
+            </a:r>
+            <a:r>
+              <a:rPr lang="en-US" dirty="0" err="1">
+                <a:latin typeface="Segoe UI Light" panose="020B0502040204020203" pitchFamily="34" charset="0"/>
+                <a:cs typeface="Segoe UI Light" panose="020B0502040204020203" pitchFamily="34" charset="0"/>
+              </a:rPr>
+              <a:t>Kemighan</a:t>
+            </a:r>
+            <a:r>
+              <a:rPr lang="en-US" dirty="0">
+                <a:latin typeface="Segoe UI Light" panose="020B0502040204020203" pitchFamily="34" charset="0"/>
+                <a:cs typeface="Segoe UI Light" panose="020B0502040204020203" pitchFamily="34" charset="0"/>
+              </a:rPr>
+              <a:t> Kenneth W. Church William A. Gale</a:t>
+            </a:r>
+          </a:p>
+          <a:p>
+            <a:pPr marL="0" indent="0" algn="ctr">
+              <a:buNone/>
+            </a:pPr>
+            <a:r>
+              <a:rPr lang="en-US" dirty="0" smtClean="0">
+                <a:latin typeface="Segoe UI Light" panose="020B0502040204020203" pitchFamily="34" charset="0"/>
+                <a:cs typeface="Segoe UI Light" panose="020B0502040204020203" pitchFamily="34" charset="0"/>
+              </a:rPr>
+              <a:t>Natural </a:t>
+            </a:r>
+            <a:r>
+              <a:rPr lang="en-US" dirty="0">
+                <a:latin typeface="Segoe UI Light" panose="020B0502040204020203" pitchFamily="34" charset="0"/>
+                <a:cs typeface="Segoe UI Light" panose="020B0502040204020203" pitchFamily="34" charset="0"/>
+              </a:rPr>
+              <a:t>Language Corpus Data: Beautiful Data by Peter </a:t>
+            </a:r>
+            <a:r>
+              <a:rPr lang="en-US" dirty="0" err="1">
+                <a:latin typeface="Segoe UI Light" panose="020B0502040204020203" pitchFamily="34" charset="0"/>
+                <a:cs typeface="Segoe UI Light" panose="020B0502040204020203" pitchFamily="34" charset="0"/>
+              </a:rPr>
+              <a:t>Norvig</a:t>
+            </a:r>
+            <a:endParaRPr lang="en-US" dirty="0">
               <a:latin typeface="Segoe UI Light" panose="020B0502040204020203" pitchFamily="34" charset="0"/>
               <a:cs typeface="Segoe UI Light" panose="020B0502040204020203" pitchFamily="34" charset="0"/>
             </a:endParaRPr>
           </a:p>
           <a:p>
-            <a:r>
-              <a:rPr lang="en-US" sz="2400" dirty="0" smtClean="0">
-                <a:solidFill>
-                  <a:schemeClr val="accent2">
-                    <a:lumMod val="40000"/>
-                    <a:lumOff val="60000"/>
-                  </a:schemeClr>
-                </a:solidFill>
-                <a:latin typeface="Segoe UI Light" panose="020B0502040204020203" pitchFamily="34" charset="0"/>
-                <a:cs typeface="Segoe UI Light" panose="020B0502040204020203" pitchFamily="34" charset="0"/>
-              </a:rPr>
-              <a:t>Automatic Correction</a:t>
-            </a:r>
-            <a:endParaRPr lang="en-US" sz="2400" dirty="0">
-              <a:solidFill>
-                <a:schemeClr val="accent2">
-                  <a:lumMod val="40000"/>
-                  <a:lumOff val="60000"/>
-                </a:schemeClr>
-              </a:solidFill>
+            <a:pPr marL="0" indent="0" algn="ctr">
+              <a:buNone/>
+            </a:pPr>
+            <a:r>
+              <a:rPr lang="en-US" dirty="0" smtClean="0">
+                <a:latin typeface="Segoe UI Light" panose="020B0502040204020203" pitchFamily="34" charset="0"/>
+                <a:cs typeface="Segoe UI Light" panose="020B0502040204020203" pitchFamily="34" charset="0"/>
+              </a:rPr>
+              <a:t>Wikipedia</a:t>
+            </a:r>
+            <a:endParaRPr lang="en-US" dirty="0">
               <a:latin typeface="Segoe UI Light" panose="020B0502040204020203" pitchFamily="34" charset="0"/>
               <a:cs typeface="Segoe UI Light" panose="020B0502040204020203" pitchFamily="34" charset="0"/>
             </a:endParaRPr>
           </a:p>
           <a:p>
-            <a:pPr lvl="1"/>
+            <a:pPr marL="0" indent="0" algn="ctr">
+              <a:buNone/>
+            </a:pPr>
             <a:r>
               <a:rPr lang="en-US" dirty="0" smtClean="0">
                 <a:latin typeface="Segoe UI Light" panose="020B0502040204020203" pitchFamily="34" charset="0"/>
                 <a:cs typeface="Segoe UI Light" panose="020B0502040204020203" pitchFamily="34" charset="0"/>
               </a:rPr>
-              <a:t>Bayesian Model ******</a:t>
-            </a:r>
+              <a:t>Java</a:t>
+            </a:r>
+            <a:r>
+              <a:rPr lang="en-US" dirty="0">
+                <a:latin typeface="Segoe UI Light" panose="020B0502040204020203" pitchFamily="34" charset="0"/>
+                <a:cs typeface="Segoe UI Light" panose="020B0502040204020203" pitchFamily="34" charset="0"/>
+              </a:rPr>
+              <a:t>: The complete reference, 8th edition</a:t>
+            </a:r>
+          </a:p>
+          <a:p>
+            <a:pPr marL="0" indent="0" algn="ctr">
+              <a:buNone/>
+            </a:pPr>
+            <a:r>
+              <a:rPr lang="en-US" dirty="0" smtClean="0">
+                <a:latin typeface="Segoe UI Light" panose="020B0502040204020203" pitchFamily="34" charset="0"/>
+                <a:cs typeface="Segoe UI Light" panose="020B0502040204020203" pitchFamily="34" charset="0"/>
+              </a:rPr>
+              <a:t>Dive </a:t>
+            </a:r>
+            <a:r>
+              <a:rPr lang="en-US" dirty="0">
+                <a:latin typeface="Segoe UI Light" panose="020B0502040204020203" pitchFamily="34" charset="0"/>
+                <a:cs typeface="Segoe UI Light" panose="020B0502040204020203" pitchFamily="34" charset="0"/>
+              </a:rPr>
+              <a:t>into Python 3 by Mark Pilgrim</a:t>
+            </a:r>
+          </a:p>
+          <a:p>
+            <a:pPr algn="ctr"/>
+            <a:endParaRPr lang="en-US" dirty="0">
+              <a:latin typeface="Segoe UI Light" panose="020B0502040204020203" pitchFamily="34" charset="0"/>
+              <a:cs typeface="Segoe UI Light" panose="020B0502040204020203" pitchFamily="34" charset="0"/>
+            </a:endParaRPr>
           </a:p>
         </p:txBody>
       </p:sp>
     </p:spTree>
     <p:extLst>
       <p:ext uri="{BB962C8B-B14F-4D97-AF65-F5344CB8AC3E}">
-        <p14:creationId xmlns:p14="http://schemas.microsoft.com/office/powerpoint/2010/main" val="3662129702"/>
+        <p14:creationId xmlns:p14="http://schemas.microsoft.com/office/powerpoint/2010/main" val="4290761473"/>
       </p:ext>
     </p:extLst>
   </p:cSld>
   <p:clrMapOvr>
     <a:masterClrMapping/>
   </p:clrMapOvr>
-  <p:timing>
-    <p:tnLst>
-      <p:par>
-        <p:cTn id="1" dur="indefinite" restart="never" nodeType="tmRoot"/>
-      </p:par>
-    </p:tnLst>
-  </p:timing>
 </p:sld>
 </file>
 
@@ -8006,7 +8115,20 @@
                 <a:latin typeface="Segoe UI Light" panose="020B0502040204020203" pitchFamily="34" charset="0"/>
                 <a:cs typeface="Segoe UI Light" panose="020B0502040204020203" pitchFamily="34" charset="0"/>
               </a:rPr>
-              <a:t>languages. Some Applications include </a:t>
+              <a:t>languages. Some Applications </a:t>
+            </a:r>
+            <a:r>
+              <a:rPr lang="en-US" sz="2000" dirty="0" smtClean="0">
+                <a:solidFill>
+                  <a:schemeClr val="accent2">
+                    <a:lumMod val="40000"/>
+                    <a:lumOff val="60000"/>
+                  </a:schemeClr>
+                </a:solidFill>
+                <a:latin typeface="Segoe UI Light" panose="020B0502040204020203" pitchFamily="34" charset="0"/>
+                <a:cs typeface="Segoe UI Light" panose="020B0502040204020203" pitchFamily="34" charset="0"/>
+              </a:rPr>
+              <a:t>include:</a:t>
             </a:r>
             <a:r>
               <a:rPr lang="en-US" dirty="0">
@@ -8455,8 +8577,8 @@
         </p:nvSpPr>
         <p:spPr>
           <a:xfrm>
-            <a:off x="96249" y="433134"/>
-            <a:ext cx="5065294" cy="2890522"/>
+            <a:off x="932442" y="565951"/>
+            <a:ext cx="5065294" cy="2520615"/>
           </a:xfrm>
         </p:spPr>
         <p:txBody>
@@ -8505,26 +8627,6 @@
                 <a:cs typeface="Segoe UI Light" panose="020B0502040204020203" pitchFamily="34" charset="0"/>
               </a:rPr>
             </a:br>
-            <a:r>
-              <a:rPr lang="en-US" sz="3600" dirty="0">
-                <a:latin typeface="Segoe UI Light" panose="020B0502040204020203" pitchFamily="34" charset="0"/>
-                <a:cs typeface="Segoe UI Light" panose="020B0502040204020203" pitchFamily="34" charset="0"/>
-              </a:rPr>
-              <a:t/>
-            </a:r>
-            <a:br>
-              <a:rPr lang="en-US" sz="3600" dirty="0">
-                <a:latin typeface="Segoe UI Light" panose="020B0502040204020203" pitchFamily="34" charset="0"/>
-                <a:cs typeface="Segoe UI Light" panose="020B0502040204020203" pitchFamily="34" charset="0"/>
-              </a:rPr>
-            </a:br>
-            <a:r>
-              <a:rPr lang="en-US" sz="2800" dirty="0" smtClean="0">
-                <a:latin typeface="Segoe UI Light" panose="020B0502040204020203" pitchFamily="34" charset="0"/>
-                <a:cs typeface="Segoe UI Light" panose="020B0502040204020203" pitchFamily="34" charset="0"/>
-              </a:rPr>
-              <a:t>THE FEATURES</a:t>
-            </a:r>
             <a:endParaRPr lang="en-US" sz="2800" dirty="0">
               <a:latin typeface="Segoe UI Light" panose="020B0502040204020203" pitchFamily="34" charset="0"/>
               <a:cs typeface="Segoe UI Light" panose="020B0502040204020203" pitchFamily="34" charset="0"/>
@@ -8544,7 +8646,7 @@
         </p:nvSpPr>
         <p:spPr>
           <a:xfrm>
-            <a:off x="4776537" y="914868"/>
+            <a:off x="5570621" y="914868"/>
             <a:ext cx="6268453" cy="5153526"/>
           </a:xfrm>
         </p:spPr>
@@ -8559,12 +8661,6 @@
             </a:pPr>
             <a:r>
               <a:rPr lang="en-US" sz="2800" dirty="0" smtClean="0">
-                <a:solidFill>
-                  <a:schemeClr val="accent2">
-                    <a:lumMod val="40000"/>
-                    <a:lumOff val="60000"/>
-                  </a:schemeClr>
-                </a:solidFill>
                 <a:latin typeface="Segoe UI Light" panose="020B0502040204020203" pitchFamily="34" charset="0"/>
                 <a:cs typeface="Segoe UI Light" panose="020B0502040204020203" pitchFamily="34" charset="0"/>
               </a:rPr>
@@ -8572,23 +8668,11 @@
             </a:r>
             <a:br>
               <a:rPr lang="en-US" sz="2800" dirty="0" smtClean="0">
-                <a:solidFill>
-                  <a:schemeClr val="accent2">
-                    <a:lumMod val="40000"/>
-                    <a:lumOff val="60000"/>
-                  </a:schemeClr>
-                </a:solidFill>
                 <a:latin typeface="Segoe UI Light" panose="020B0502040204020203" pitchFamily="34" charset="0"/>
                 <a:cs typeface="Segoe UI Light" panose="020B0502040204020203" pitchFamily="34" charset="0"/>
               </a:rPr>
             </a:br>
             <a:endParaRPr lang="en-US" sz="2800" dirty="0" smtClean="0">
-              <a:solidFill>
-                <a:schemeClr val="accent2">
-                  <a:lumMod val="40000"/>
-                  <a:lumOff val="60000"/>
-                </a:schemeClr>
-              </a:solidFill>
               <a:latin typeface="Segoe UI Light" panose="020B0502040204020203" pitchFamily="34" charset="0"/>
               <a:cs typeface="Segoe UI Light" panose="020B0502040204020203" pitchFamily="34" charset="0"/>
             </a:endParaRPr>
@@ -8599,12 +8683,6 @@
             </a:pPr>
             <a:r>
               <a:rPr lang="en-US" sz="2800" dirty="0" smtClean="0">
-                <a:solidFill>
-                  <a:schemeClr val="accent2">
-                    <a:lumMod val="40000"/>
-                    <a:lumOff val="60000"/>
-                  </a:schemeClr>
-                </a:solidFill>
                 <a:latin typeface="Segoe UI Light" panose="020B0502040204020203" pitchFamily="34" charset="0"/>
                 <a:cs typeface="Segoe UI Light" panose="020B0502040204020203" pitchFamily="34" charset="0"/>
               </a:rPr>
@@ -8612,23 +8690,11 @@
             </a:r>
             <a:br>
               <a:rPr lang="en-US" sz="2800" dirty="0" smtClean="0">
-                <a:solidFill>
-                  <a:schemeClr val="accent2">
-                    <a:lumMod val="40000"/>
-                    <a:lumOff val="60000"/>
-                  </a:schemeClr>
-                </a:solidFill>
                 <a:latin typeface="Segoe UI Light" panose="020B0502040204020203" pitchFamily="34" charset="0"/>
                 <a:cs typeface="Segoe UI Light" panose="020B0502040204020203" pitchFamily="34" charset="0"/>
               </a:rPr>
             </a:br>
             <a:endParaRPr lang="en-US" sz="2800" dirty="0" smtClean="0">
-              <a:solidFill>
-                <a:schemeClr val="tx1">
-                  <a:lumMod val="65000"/>
-                  <a:lumOff val="35000"/>
-                </a:schemeClr>
-              </a:solidFill>
               <a:latin typeface="Segoe UI Light" panose="020B0502040204020203" pitchFamily="34" charset="0"/>
               <a:cs typeface="Segoe UI Light" panose="020B0502040204020203" pitchFamily="34" charset="0"/>
             </a:endParaRPr>
@@ -8639,12 +8705,6 @@
             </a:pPr>
             <a:r>
               <a:rPr lang="en-US" sz="2800" dirty="0" smtClean="0">
-                <a:solidFill>
-                  <a:schemeClr val="accent2">
-                    <a:lumMod val="40000"/>
-                    <a:lumOff val="60000"/>
-                  </a:schemeClr>
-                </a:solidFill>
                 <a:latin typeface="Segoe UI Light" panose="020B0502040204020203" pitchFamily="34" charset="0"/>
                 <a:cs typeface="Segoe UI Light" panose="020B0502040204020203" pitchFamily="34" charset="0"/>
               </a:rPr>
@@ -8652,23 +8712,11 @@
             </a:r>
             <a:br>
               <a:rPr lang="en-US" sz="2800" dirty="0" smtClean="0">
-                <a:solidFill>
-                  <a:schemeClr val="accent2">
-                    <a:lumMod val="40000"/>
-                    <a:lumOff val="60000"/>
-                  </a:schemeClr>
-                </a:solidFill>
                 <a:latin typeface="Segoe UI Light" panose="020B0502040204020203" pitchFamily="34" charset="0"/>
                 <a:cs typeface="Segoe UI Light" panose="020B0502040204020203" pitchFamily="34" charset="0"/>
               </a:rPr>
             </a:br>
             <a:endParaRPr lang="en-US" sz="2800" dirty="0" smtClean="0">
-              <a:solidFill>
-                <a:schemeClr val="accent2">
-                  <a:lumMod val="40000"/>
-                  <a:lumOff val="60000"/>
-                </a:schemeClr>
-              </a:solidFill>
               <a:latin typeface="Segoe UI Light" panose="020B0502040204020203" pitchFamily="34" charset="0"/>
               <a:cs typeface="Segoe UI Light" panose="020B0502040204020203" pitchFamily="34" charset="0"/>
             </a:endParaRPr>
@@ -8679,12 +8727,6 @@
             </a:pPr>
             <a:r>
               <a:rPr lang="en-US" sz="2800" dirty="0" smtClean="0">
-                <a:solidFill>
-                  <a:schemeClr val="accent2">
-                    <a:lumMod val="40000"/>
-                    <a:lumOff val="60000"/>
-                  </a:schemeClr>
-                </a:solidFill>
                 <a:latin typeface="Segoe UI Light" panose="020B0502040204020203" pitchFamily="34" charset="0"/>
                 <a:cs typeface="Segoe UI Light" panose="020B0502040204020203" pitchFamily="34" charset="0"/>
               </a:rPr>
@@ -8692,23 +8734,11 @@
             </a:r>
             <a:br>
               <a:rPr lang="en-US" sz="2800" dirty="0" smtClean="0">
-                <a:solidFill>
-                  <a:schemeClr val="accent2">
-                    <a:lumMod val="40000"/>
-                    <a:lumOff val="60000"/>
-                  </a:schemeClr>
-                </a:solidFill>
                 <a:latin typeface="Segoe UI Light" panose="020B0502040204020203" pitchFamily="34" charset="0"/>
                 <a:cs typeface="Segoe UI Light" panose="020B0502040204020203" pitchFamily="34" charset="0"/>
               </a:rPr>
             </a:br>
             <a:endParaRPr lang="en-US" sz="2800" dirty="0" smtClean="0">
-              <a:solidFill>
-                <a:schemeClr val="accent2">
-                  <a:lumMod val="40000"/>
-                  <a:lumOff val="60000"/>
-                </a:schemeClr>
-              </a:solidFill>
               <a:latin typeface="Segoe UI Light" panose="020B0502040204020203" pitchFamily="34" charset="0"/>
               <a:cs typeface="Segoe UI Light" panose="020B0502040204020203" pitchFamily="34" charset="0"/>
             </a:endParaRPr>
@@ -8719,12 +8749,6 @@
             </a:pPr>
             <a:r>
               <a:rPr lang="en-US" sz="2800" dirty="0" smtClean="0">
-                <a:solidFill>
-                  <a:schemeClr val="accent2">
-                    <a:lumMod val="40000"/>
-                    <a:lumOff val="60000"/>
-                  </a:schemeClr>
-                </a:solidFill>
                 <a:latin typeface="Segoe UI Light" panose="020B0502040204020203" pitchFamily="34" charset="0"/>
                 <a:cs typeface="Segoe UI Light" panose="020B0502040204020203" pitchFamily="34" charset="0"/>
               </a:rPr>
@@ -8732,23 +8756,11 @@
             </a:r>
             <a:br>
               <a:rPr lang="en-US" sz="2800" dirty="0" smtClean="0">
-                <a:solidFill>
-                  <a:schemeClr val="accent2">
-                    <a:lumMod val="40000"/>
-                    <a:lumOff val="60000"/>
-                  </a:schemeClr>
-                </a:solidFill>
                 <a:latin typeface="Segoe UI Light" panose="020B0502040204020203" pitchFamily="34" charset="0"/>
                 <a:cs typeface="Segoe UI Light" panose="020B0502040204020203" pitchFamily="34" charset="0"/>
               </a:rPr>
             </a:br>
             <a:endParaRPr lang="en-US" sz="2800" dirty="0" smtClean="0">
-              <a:solidFill>
-                <a:schemeClr val="accent2">
-                  <a:lumMod val="40000"/>
-                  <a:lumOff val="60000"/>
-                </a:schemeClr>
-              </a:solidFill>
               <a:latin typeface="Segoe UI Light" panose="020B0502040204020203" pitchFamily="34" charset="0"/>
               <a:cs typeface="Segoe UI Light" panose="020B0502040204020203" pitchFamily="34" charset="0"/>
             </a:endParaRPr>
@@ -8759,49 +8771,18 @@
             </a:pPr>
             <a:r>
               <a:rPr lang="en-US" sz="2800" dirty="0" smtClean="0">
-                <a:solidFill>
-                  <a:schemeClr val="accent2">
-                    <a:lumMod val="40000"/>
-                    <a:lumOff val="60000"/>
-                  </a:schemeClr>
-                </a:solidFill>
                 <a:latin typeface="Segoe UI Light" panose="020B0502040204020203" pitchFamily="34" charset="0"/>
                 <a:cs typeface="Segoe UI Light" panose="020B0502040204020203" pitchFamily="34" charset="0"/>
               </a:rPr>
               <a:t>EDITOR FEATURES</a:t>
-            </a:r>
-            <a:r>
-              <a:rPr lang="en-US" sz="2800" dirty="0" smtClean="0">
-                <a:solidFill>
-                  <a:schemeClr val="tx1">
-                    <a:lumMod val="65000"/>
-                    <a:lumOff val="35000"/>
-                  </a:schemeClr>
-                </a:solidFill>
-                <a:latin typeface="Segoe UI Light" panose="020B0502040204020203" pitchFamily="34" charset="0"/>
-                <a:cs typeface="Segoe UI Light" panose="020B0502040204020203" pitchFamily="34" charset="0"/>
-              </a:rPr>
-              <a:t/>
             </a:r>
             <a:br>
               <a:rPr lang="en-US" sz="2800" dirty="0" smtClean="0">
-                <a:solidFill>
-                  <a:schemeClr val="tx1">
-                    <a:lumMod val="65000"/>
-                    <a:lumOff val="35000"/>
-                  </a:schemeClr>
-                </a:solidFill>
                 <a:latin typeface="Segoe UI Light" panose="020B0502040204020203" pitchFamily="34" charset="0"/>
                 <a:cs typeface="Segoe UI Light" panose="020B0502040204020203" pitchFamily="34" charset="0"/>
               </a:rPr>
             </a:br>
             <a:endParaRPr lang="en-US" sz="2800" dirty="0" smtClean="0">
-              <a:solidFill>
-                <a:schemeClr val="accent2">
-                  <a:lumMod val="40000"/>
-                  <a:lumOff val="60000"/>
-                </a:schemeClr>
-              </a:solidFill>
               <a:latin typeface="Segoe UI Light" panose="020B0502040204020203" pitchFamily="34" charset="0"/>
               <a:cs typeface="Segoe UI Light" panose="020B0502040204020203" pitchFamily="34" charset="0"/>
             </a:endParaRPr>
@@ -8820,8 +8801,8 @@
         </p:nvSpPr>
         <p:spPr>
           <a:xfrm>
-            <a:off x="932444" y="3659605"/>
-            <a:ext cx="3392904" cy="2258994"/>
+            <a:off x="1168557" y="2841926"/>
+            <a:ext cx="4593063" cy="3226468"/>
           </a:xfrm>
         </p:spPr>
         <p:txBody>
@@ -8832,7 +8813,7 @@
           <a:p>
             <a:pPr algn="ctr"/>
             <a:r>
-              <a:rPr lang="en-US" sz="2000" dirty="0" smtClean="0">
+              <a:rPr lang="en-US" sz="2000" dirty="0">
                 <a:solidFill>
                   <a:schemeClr val="accent2">
                     <a:lumMod val="40000"/>
@@ -8842,7 +8823,114 @@
                 <a:latin typeface="Segoe UI Light" panose="020B0502040204020203" pitchFamily="34" charset="0"/>
                 <a:cs typeface="Segoe UI Light" panose="020B0502040204020203" pitchFamily="34" charset="0"/>
               </a:rPr>
-              <a:t>Our aim was to build a text editor which implements new concepts, ideas, features and tools that normal text processors (like MS Word) does not offer</a:t>
+              <a:t>Text processors are one of the basic applications of NLP. Products like </a:t>
+            </a:r>
+            <a:r>
+              <a:rPr lang="en-US" sz="2000" dirty="0" smtClean="0">
+                <a:solidFill>
+                  <a:schemeClr val="accent2">
+                    <a:lumMod val="40000"/>
+                    <a:lumOff val="60000"/>
+                  </a:schemeClr>
+                </a:solidFill>
+                <a:latin typeface="Segoe UI Light" panose="020B0502040204020203" pitchFamily="34" charset="0"/>
+                <a:cs typeface="Segoe UI Light" panose="020B0502040204020203" pitchFamily="34" charset="0"/>
+              </a:rPr>
+              <a:t>MS Word</a:t>
+            </a:r>
+            <a:r>
+              <a:rPr lang="en-US" sz="2000" dirty="0">
+                <a:solidFill>
+                  <a:schemeClr val="accent2">
+                    <a:lumMod val="40000"/>
+                    <a:lumOff val="60000"/>
+                  </a:schemeClr>
+                </a:solidFill>
+                <a:latin typeface="Segoe UI Light" panose="020B0502040204020203" pitchFamily="34" charset="0"/>
+                <a:cs typeface="Segoe UI Light" panose="020B0502040204020203" pitchFamily="34" charset="0"/>
+              </a:rPr>
+              <a:t>, </a:t>
+            </a:r>
+            <a:r>
+              <a:rPr lang="en-US" sz="2000" dirty="0" err="1">
+                <a:solidFill>
+                  <a:schemeClr val="accent2">
+                    <a:lumMod val="40000"/>
+                    <a:lumOff val="60000"/>
+                  </a:schemeClr>
+                </a:solidFill>
+                <a:latin typeface="Segoe UI Light" panose="020B0502040204020203" pitchFamily="34" charset="0"/>
+                <a:cs typeface="Segoe UI Light" panose="020B0502040204020203" pitchFamily="34" charset="0"/>
+              </a:rPr>
+              <a:t>Libre</a:t>
+            </a:r>
+            <a:r>
+              <a:rPr lang="en-US" sz="2000" dirty="0">
+                <a:solidFill>
+                  <a:schemeClr val="accent2">
+                    <a:lumMod val="40000"/>
+                    <a:lumOff val="60000"/>
+                  </a:schemeClr>
+                </a:solidFill>
+                <a:latin typeface="Segoe UI Light" panose="020B0502040204020203" pitchFamily="34" charset="0"/>
+                <a:cs typeface="Segoe UI Light" panose="020B0502040204020203" pitchFamily="34" charset="0"/>
+              </a:rPr>
+              <a:t> office, are famous for utilizing numerous NLP algorithms and concepts thoroughly</a:t>
+            </a:r>
+            <a:r>
+              <a:rPr lang="en-US" sz="2000" dirty="0" smtClean="0">
+                <a:solidFill>
+                  <a:schemeClr val="accent2">
+                    <a:lumMod val="40000"/>
+                    <a:lumOff val="60000"/>
+                  </a:schemeClr>
+                </a:solidFill>
+                <a:latin typeface="Segoe UI Light" panose="020B0502040204020203" pitchFamily="34" charset="0"/>
+                <a:cs typeface="Segoe UI Light" panose="020B0502040204020203" pitchFamily="34" charset="0"/>
+              </a:rPr>
+              <a:t>. </a:t>
+            </a:r>
+          </a:p>
+          <a:p>
+            <a:pPr algn="ctr"/>
+            <a:r>
+              <a:rPr lang="en-US" sz="2000" dirty="0" smtClean="0">
+                <a:solidFill>
+                  <a:schemeClr val="accent2">
+                    <a:lumMod val="40000"/>
+                    <a:lumOff val="60000"/>
+                  </a:schemeClr>
+                </a:solidFill>
+                <a:latin typeface="Segoe UI Light" panose="020B0502040204020203" pitchFamily="34" charset="0"/>
+                <a:cs typeface="Segoe UI Light" panose="020B0502040204020203" pitchFamily="34" charset="0"/>
+              </a:rPr>
+              <a:t>Our </a:t>
+            </a:r>
+            <a:r>
+              <a:rPr lang="en-US" sz="2000" dirty="0" smtClean="0">
+                <a:solidFill>
+                  <a:schemeClr val="accent2">
+                    <a:lumMod val="40000"/>
+                    <a:lumOff val="60000"/>
+                  </a:schemeClr>
+                </a:solidFill>
+                <a:latin typeface="Segoe UI Light" panose="020B0502040204020203" pitchFamily="34" charset="0"/>
+                <a:cs typeface="Segoe UI Light" panose="020B0502040204020203" pitchFamily="34" charset="0"/>
+              </a:rPr>
+              <a:t>aim was to build a text editor which implements new concepts, ideas, features and tools that normal text processors (like MS Word) does not </a:t>
+            </a:r>
+            <a:r>
+              <a:rPr lang="en-US" sz="2000" dirty="0" smtClean="0">
+                <a:solidFill>
+                  <a:schemeClr val="accent2">
+                    <a:lumMod val="40000"/>
+                    <a:lumOff val="60000"/>
+                  </a:schemeClr>
+                </a:solidFill>
+                <a:latin typeface="Segoe UI Light" panose="020B0502040204020203" pitchFamily="34" charset="0"/>
+                <a:cs typeface="Segoe UI Light" panose="020B0502040204020203" pitchFamily="34" charset="0"/>
+              </a:rPr>
+              <a:t>offer.</a:t>
             </a:r>
             <a:endParaRPr lang="en-US" sz="2000" dirty="0">
               <a:solidFill>
@@ -8906,8 +8994,43 @@
         </p:nvSpPr>
         <p:spPr>
           <a:xfrm>
-            <a:off x="96249" y="433134"/>
-            <a:ext cx="5065294" cy="2890522"/>
+            <a:off x="1040315" y="168442"/>
+            <a:ext cx="10131425" cy="1456267"/>
+          </a:xfrm>
+        </p:spPr>
+        <p:txBody>
+          <a:bodyPr/>
+          <a:lstStyle/>
+          <a:p>
+            <a:pPr algn="ctr"/>
+            <a:r>
+              <a:rPr lang="en-US" dirty="0" smtClean="0">
+                <a:latin typeface="Segoe UI Light" panose="020B0502040204020203" pitchFamily="34" charset="0"/>
+                <a:cs typeface="Segoe UI Light" panose="020B0502040204020203" pitchFamily="34" charset="0"/>
+              </a:rPr>
+              <a:t>BASICS</a:t>
+            </a:r>
+            <a:endParaRPr lang="en-US" dirty="0">
+              <a:latin typeface="Segoe UI Light" panose="020B0502040204020203" pitchFamily="34" charset="0"/>
+              <a:cs typeface="Segoe UI Light" panose="020B0502040204020203" pitchFamily="34" charset="0"/>
+            </a:endParaRPr>
+          </a:p>
+        </p:txBody>
+      </p:sp>
+      <p:sp>
+        <p:nvSpPr>
+          <p:cNvPr id="3" name="Content Placeholder 2"/>
+          <p:cNvSpPr>
+            <a:spLocks noGrp="1"/>
+          </p:cNvSpPr>
+          <p:nvPr>
+            <p:ph idx="1"/>
+          </p:nvPr>
+        </p:nvSpPr>
+        <p:spPr>
+          <a:xfrm>
+            <a:off x="1082842" y="1624708"/>
+            <a:ext cx="10088897" cy="4715933"/>
           </a:xfrm>
         </p:spPr>
         <p:txBody>
@@ -8916,98 +9039,59 @@
           </a:bodyPr>
           <a:lstStyle/>
           <a:p>
-            <a:pPr algn="ctr"/>
-            <a:r>
-              <a:rPr lang="en-US" sz="3600" dirty="0" smtClean="0">
-                <a:latin typeface="Segoe UI Light" panose="020B0502040204020203" pitchFamily="34" charset="0"/>
-                <a:cs typeface="Segoe UI Light" panose="020B0502040204020203" pitchFamily="34" charset="0"/>
-              </a:rPr>
-              <a:t>Integrated </a:t>
+            <a:pPr marL="0" indent="0" algn="ctr">
+              <a:buNone/>
+            </a:pPr>
+            <a:r>
+              <a:rPr lang="en-US" dirty="0" smtClean="0">
+                <a:latin typeface="Segoe UI Light" panose="020B0502040204020203" pitchFamily="34" charset="0"/>
+                <a:cs typeface="Segoe UI Light" panose="020B0502040204020203" pitchFamily="34" charset="0"/>
+              </a:rPr>
+              <a:t>The entire project has been completed using </a:t>
+            </a:r>
+            <a:r>
+              <a:rPr lang="en-US" b="1" dirty="0" smtClean="0">
+                <a:latin typeface="Segoe UI Light" panose="020B0502040204020203" pitchFamily="34" charset="0"/>
+                <a:cs typeface="Segoe UI Light" panose="020B0502040204020203" pitchFamily="34" charset="0"/>
+              </a:rPr>
+              <a:t>Java Swing</a:t>
+            </a:r>
+            <a:r>
+              <a:rPr lang="en-US" dirty="0" smtClean="0">
+                <a:latin typeface="Segoe UI Light" panose="020B0502040204020203" pitchFamily="34" charset="0"/>
+                <a:cs typeface="Segoe UI Light" panose="020B0502040204020203" pitchFamily="34" charset="0"/>
+              </a:rPr>
+              <a:t>, on the eclipse IDE</a:t>
+            </a:r>
+          </a:p>
+          <a:p>
+            <a:pPr marL="0" indent="0" algn="ctr">
+              <a:buNone/>
+            </a:pPr>
+            <a:r>
+              <a:rPr lang="en-US" dirty="0" smtClean="0">
+                <a:latin typeface="Segoe UI Light" panose="020B0502040204020203" pitchFamily="34" charset="0"/>
+                <a:cs typeface="Segoe UI Light" panose="020B0502040204020203" pitchFamily="34" charset="0"/>
+              </a:rPr>
+              <a:t>Our Editor includes</a:t>
             </a:r>
             <a:br>
-              <a:rPr lang="en-US" sz="3600" dirty="0" smtClean="0">
+              <a:rPr lang="en-US" dirty="0" smtClean="0">
                 <a:latin typeface="Segoe UI Light" panose="020B0502040204020203" pitchFamily="34" charset="0"/>
                 <a:cs typeface="Segoe UI Light" panose="020B0502040204020203" pitchFamily="34" charset="0"/>
               </a:rPr>
             </a:br>
-            <a:r>
-              <a:rPr lang="en-US" sz="3600" dirty="0" smtClean="0">
-                <a:latin typeface="Segoe UI Light" panose="020B0502040204020203" pitchFamily="34" charset="0"/>
-                <a:cs typeface="Segoe UI Light" panose="020B0502040204020203" pitchFamily="34" charset="0"/>
-              </a:rPr>
-              <a:t>Text </a:t>
-            </a:r>
-            <a:br>
-              <a:rPr lang="en-US" sz="3600" dirty="0" smtClean="0">
-                <a:latin typeface="Segoe UI Light" panose="020B0502040204020203" pitchFamily="34" charset="0"/>
-                <a:cs typeface="Segoe UI Light" panose="020B0502040204020203" pitchFamily="34" charset="0"/>
-              </a:rPr>
-            </a:br>
-            <a:r>
-              <a:rPr lang="en-US" sz="3600" dirty="0" smtClean="0">
-                <a:latin typeface="Segoe UI Light" panose="020B0502040204020203" pitchFamily="34" charset="0"/>
-                <a:cs typeface="Segoe UI Light" panose="020B0502040204020203" pitchFamily="34" charset="0"/>
-              </a:rPr>
-              <a:t>Editor</a:t>
-            </a:r>
-            <a:br>
-              <a:rPr lang="en-US" sz="3600" dirty="0" smtClean="0">
-                <a:latin typeface="Segoe UI Light" panose="020B0502040204020203" pitchFamily="34" charset="0"/>
-                <a:cs typeface="Segoe UI Light" panose="020B0502040204020203" pitchFamily="34" charset="0"/>
-              </a:rPr>
-            </a:br>
-            <a:r>
-              <a:rPr lang="en-US" sz="3600" dirty="0">
-                <a:latin typeface="Segoe UI Light" panose="020B0502040204020203" pitchFamily="34" charset="0"/>
-                <a:cs typeface="Segoe UI Light" panose="020B0502040204020203" pitchFamily="34" charset="0"/>
-              </a:rPr>
-              <a:t/>
-            </a:r>
-            <a:br>
-              <a:rPr lang="en-US" sz="3600" dirty="0">
-                <a:latin typeface="Segoe UI Light" panose="020B0502040204020203" pitchFamily="34" charset="0"/>
-                <a:cs typeface="Segoe UI Light" panose="020B0502040204020203" pitchFamily="34" charset="0"/>
-              </a:rPr>
-            </a:br>
-            <a:r>
-              <a:rPr lang="en-US" sz="2800" dirty="0" smtClean="0">
-                <a:latin typeface="Segoe UI Light" panose="020B0502040204020203" pitchFamily="34" charset="0"/>
-                <a:cs typeface="Segoe UI Light" panose="020B0502040204020203" pitchFamily="34" charset="0"/>
-              </a:rPr>
-              <a:t>THE FEATURES</a:t>
-            </a:r>
-            <a:endParaRPr lang="en-US" sz="2800" dirty="0">
+            <a:endParaRPr lang="en-US" dirty="0" smtClean="0">
               <a:latin typeface="Segoe UI Light" panose="020B0502040204020203" pitchFamily="34" charset="0"/>
               <a:cs typeface="Segoe UI Light" panose="020B0502040204020203" pitchFamily="34" charset="0"/>
             </a:endParaRPr>
           </a:p>
-        </p:txBody>
-      </p:sp>
-      <p:sp>
-        <p:nvSpPr>
-          <p:cNvPr id="3" name="Content Placeholder 2"/>
-          <p:cNvSpPr>
-            <a:spLocks noGrp="1"/>
-          </p:cNvSpPr>
-          <p:nvPr>
-            <p:ph idx="1"/>
-          </p:nvPr>
-        </p:nvSpPr>
-        <p:spPr>
-          <a:xfrm>
-            <a:off x="5342021" y="1082842"/>
-            <a:ext cx="6268453" cy="5153526"/>
-          </a:xfrm>
-        </p:spPr>
-        <p:txBody>
-          <a:bodyPr>
-            <a:normAutofit lnSpcReduction="10000"/>
-          </a:bodyPr>
-          <a:lstStyle/>
-          <a:p>
-            <a:pPr lvl="0"/>
-            <a:r>
-              <a:rPr lang="en-US" sz="2000" dirty="0">
+          <a:p>
+            <a:pPr marL="0" indent="0" algn="ctr">
+              <a:buNone/>
+            </a:pPr>
+            <a:r>
+              <a:rPr lang="en-US" sz="2000" dirty="0" smtClean="0">
                 <a:solidFill>
                   <a:schemeClr val="accent2">
                     <a:lumMod val="40000"/>
@@ -9017,36 +9101,43 @@
                 <a:latin typeface="Segoe UI Light" panose="020B0502040204020203" pitchFamily="34" charset="0"/>
                 <a:cs typeface="Segoe UI Light" panose="020B0502040204020203" pitchFamily="34" charset="0"/>
               </a:rPr>
-              <a:t>Spell Checker : </a:t>
-            </a:r>
-            <a:r>
-              <a:rPr lang="en-US" sz="2000" dirty="0">
-                <a:solidFill>
-                  <a:schemeClr val="tx1">
-                    <a:lumMod val="65000"/>
-                    <a:lumOff val="35000"/>
-                  </a:schemeClr>
-                </a:solidFill>
-                <a:latin typeface="Segoe UI Light" panose="020B0502040204020203" pitchFamily="34" charset="0"/>
-                <a:cs typeface="Segoe UI Light" panose="020B0502040204020203" pitchFamily="34" charset="0"/>
-              </a:rPr>
-              <a:t>A live automated spell checker that detects and corrects misspelt </a:t>
-            </a:r>
-            <a:r>
-              <a:rPr lang="en-US" sz="2000" dirty="0" smtClean="0">
-                <a:solidFill>
-                  <a:schemeClr val="tx1">
-                    <a:lumMod val="65000"/>
-                    <a:lumOff val="35000"/>
-                  </a:schemeClr>
-                </a:solidFill>
-                <a:latin typeface="Segoe UI Light" panose="020B0502040204020203" pitchFamily="34" charset="0"/>
-                <a:cs typeface="Segoe UI Light" panose="020B0502040204020203" pitchFamily="34" charset="0"/>
-              </a:rPr>
-              <a:t>errors, automatically based on preferences.</a:t>
-            </a:r>
-          </a:p>
-          <a:p>
+              <a:t>TEXT AREA</a:t>
+            </a:r>
+            <a:r>
+              <a:rPr lang="en-US" dirty="0" smtClean="0">
+                <a:latin typeface="Segoe UI Light" panose="020B0502040204020203" pitchFamily="34" charset="0"/>
+                <a:cs typeface="Segoe UI Light" panose="020B0502040204020203" pitchFamily="34" charset="0"/>
+              </a:rPr>
+              <a:t/>
+            </a:r>
+            <a:br>
+              <a:rPr lang="en-US" dirty="0" smtClean="0">
+                <a:latin typeface="Segoe UI Light" panose="020B0502040204020203" pitchFamily="34" charset="0"/>
+                <a:cs typeface="Segoe UI Light" panose="020B0502040204020203" pitchFamily="34" charset="0"/>
+              </a:rPr>
+            </a:br>
+            <a:r>
+              <a:rPr lang="en-US" dirty="0" smtClean="0">
+                <a:latin typeface="Segoe UI Light" panose="020B0502040204020203" pitchFamily="34" charset="0"/>
+                <a:cs typeface="Segoe UI Light" panose="020B0502040204020203" pitchFamily="34" charset="0"/>
+              </a:rPr>
+              <a:t>A simple swing component that allows the user to type in content, which is placed in a scroll pane</a:t>
+            </a:r>
+            <a:br>
+              <a:rPr lang="en-US" dirty="0" smtClean="0">
+                <a:latin typeface="Segoe UI Light" panose="020B0502040204020203" pitchFamily="34" charset="0"/>
+                <a:cs typeface="Segoe UI Light" panose="020B0502040204020203" pitchFamily="34" charset="0"/>
+              </a:rPr>
+            </a:br>
+            <a:endParaRPr lang="en-US" dirty="0">
+              <a:latin typeface="Segoe UI Light" panose="020B0502040204020203" pitchFamily="34" charset="0"/>
+              <a:cs typeface="Segoe UI Light" panose="020B0502040204020203" pitchFamily="34" charset="0"/>
+            </a:endParaRPr>
+          </a:p>
+          <a:p>
+            <a:pPr marL="0" indent="0" algn="ctr">
+              <a:buNone/>
+            </a:pPr>
             <a:r>
               <a:rPr lang="en-US" sz="2000" dirty="0" smtClean="0">
                 <a:solidFill>
@@ -9058,23 +9149,43 @@
                 <a:latin typeface="Segoe UI Light" panose="020B0502040204020203" pitchFamily="34" charset="0"/>
                 <a:cs typeface="Segoe UI Light" panose="020B0502040204020203" pitchFamily="34" charset="0"/>
               </a:rPr>
-              <a:t>Segmentation : </a:t>
-            </a:r>
-            <a:r>
-              <a:rPr lang="en-US" sz="2000" dirty="0" smtClean="0">
-                <a:solidFill>
-                  <a:schemeClr val="tx1">
-                    <a:lumMod val="65000"/>
-                    <a:lumOff val="35000"/>
-                  </a:schemeClr>
-                </a:solidFill>
-                <a:latin typeface="Segoe UI Light" panose="020B0502040204020203" pitchFamily="34" charset="0"/>
-                <a:cs typeface="Segoe UI Light" panose="020B0502040204020203" pitchFamily="34" charset="0"/>
-              </a:rPr>
-              <a:t>A live feature, that automatically adds spaces between words, if the user failed to do so.</a:t>
-            </a:r>
-          </a:p>
-          <a:p>
+              <a:t>LISTENERS TO THE TEXT AREA</a:t>
+            </a:r>
+            <a:r>
+              <a:rPr lang="en-US" dirty="0" smtClean="0">
+                <a:latin typeface="Segoe UI Light" panose="020B0502040204020203" pitchFamily="34" charset="0"/>
+                <a:cs typeface="Segoe UI Light" panose="020B0502040204020203" pitchFamily="34" charset="0"/>
+              </a:rPr>
+              <a:t/>
+            </a:r>
+            <a:br>
+              <a:rPr lang="en-US" dirty="0" smtClean="0">
+                <a:latin typeface="Segoe UI Light" panose="020B0502040204020203" pitchFamily="34" charset="0"/>
+                <a:cs typeface="Segoe UI Light" panose="020B0502040204020203" pitchFamily="34" charset="0"/>
+              </a:rPr>
+            </a:br>
+            <a:r>
+              <a:rPr lang="en-US" dirty="0" smtClean="0">
+                <a:latin typeface="Segoe UI Light" panose="020B0502040204020203" pitchFamily="34" charset="0"/>
+                <a:cs typeface="Segoe UI Light" panose="020B0502040204020203" pitchFamily="34" charset="0"/>
+              </a:rPr>
+              <a:t>Keyboard and mouse events, that are triggered automatically</a:t>
+            </a:r>
+            <a:br>
+              <a:rPr lang="en-US" dirty="0" smtClean="0">
+                <a:latin typeface="Segoe UI Light" panose="020B0502040204020203" pitchFamily="34" charset="0"/>
+                <a:cs typeface="Segoe UI Light" panose="020B0502040204020203" pitchFamily="34" charset="0"/>
+              </a:rPr>
+            </a:br>
+            <a:endParaRPr lang="en-US" dirty="0" smtClean="0">
+              <a:latin typeface="Segoe UI Light" panose="020B0502040204020203" pitchFamily="34" charset="0"/>
+              <a:cs typeface="Segoe UI Light" panose="020B0502040204020203" pitchFamily="34" charset="0"/>
+            </a:endParaRPr>
+          </a:p>
+          <a:p>
+            <a:pPr marL="0" indent="0" algn="ctr">
+              <a:buNone/>
+            </a:pPr>
             <a:r>
               <a:rPr lang="en-US" sz="2000" dirty="0" smtClean="0">
                 <a:solidFill>
@@ -9086,24 +9197,43 @@
                 <a:latin typeface="Segoe UI Light" panose="020B0502040204020203" pitchFamily="34" charset="0"/>
                 <a:cs typeface="Segoe UI Light" panose="020B0502040204020203" pitchFamily="34" charset="0"/>
               </a:rPr>
-              <a:t>Auto-complete : </a:t>
-            </a:r>
-            <a:r>
-              <a:rPr lang="en-US" sz="2000" dirty="0" smtClean="0">
-                <a:solidFill>
-                  <a:schemeClr val="tx1">
-                    <a:lumMod val="65000"/>
-                    <a:lumOff val="35000"/>
-                  </a:schemeClr>
-                </a:solidFill>
-                <a:latin typeface="Segoe UI Light" panose="020B0502040204020203" pitchFamily="34" charset="0"/>
-                <a:cs typeface="Segoe UI Light" panose="020B0502040204020203" pitchFamily="34" charset="0"/>
-              </a:rPr>
-              <a:t>An option that continuously scans for long words and completes them automatically whenever applicable.</a:t>
-            </a:r>
-          </a:p>
-          <a:p>
-            <a:pPr lvl="0"/>
+              <a:t>STORED DATA</a:t>
+            </a:r>
+            <a:r>
+              <a:rPr lang="en-US" dirty="0" smtClean="0">
+                <a:latin typeface="Segoe UI Light" panose="020B0502040204020203" pitchFamily="34" charset="0"/>
+                <a:cs typeface="Segoe UI Light" panose="020B0502040204020203" pitchFamily="34" charset="0"/>
+              </a:rPr>
+              <a:t/>
+            </a:r>
+            <a:br>
+              <a:rPr lang="en-US" dirty="0" smtClean="0">
+                <a:latin typeface="Segoe UI Light" panose="020B0502040204020203" pitchFamily="34" charset="0"/>
+                <a:cs typeface="Segoe UI Light" panose="020B0502040204020203" pitchFamily="34" charset="0"/>
+              </a:rPr>
+            </a:br>
+            <a:r>
+              <a:rPr lang="en-US" dirty="0" smtClean="0">
+                <a:latin typeface="Segoe UI Light" panose="020B0502040204020203" pitchFamily="34" charset="0"/>
+                <a:cs typeface="Segoe UI Light" panose="020B0502040204020203" pitchFamily="34" charset="0"/>
+              </a:rPr>
+              <a:t>Which includes the corpus text files, serialized files.</a:t>
+            </a:r>
+            <a:br>
+              <a:rPr lang="en-US" dirty="0" smtClean="0">
+                <a:latin typeface="Segoe UI Light" panose="020B0502040204020203" pitchFamily="34" charset="0"/>
+                <a:cs typeface="Segoe UI Light" panose="020B0502040204020203" pitchFamily="34" charset="0"/>
+              </a:rPr>
+            </a:br>
+            <a:endParaRPr lang="en-US" dirty="0" smtClean="0">
+              <a:latin typeface="Segoe UI Light" panose="020B0502040204020203" pitchFamily="34" charset="0"/>
+              <a:cs typeface="Segoe UI Light" panose="020B0502040204020203" pitchFamily="34" charset="0"/>
+            </a:endParaRPr>
+          </a:p>
+          <a:p>
+            <a:pPr marL="0" indent="0" algn="ctr">
+              <a:buNone/>
+            </a:pPr>
             <a:r>
               <a:rPr lang="en-US" sz="2000" dirty="0" smtClean="0">
                 <a:solidFill>
@@ -9115,171 +9245,35 @@
                 <a:latin typeface="Segoe UI Light" panose="020B0502040204020203" pitchFamily="34" charset="0"/>
                 <a:cs typeface="Segoe UI Light" panose="020B0502040204020203" pitchFamily="34" charset="0"/>
               </a:rPr>
-              <a:t>Dynamic find : </a:t>
-            </a:r>
-            <a:r>
-              <a:rPr lang="en-US" sz="2000" dirty="0" smtClean="0">
-                <a:solidFill>
-                  <a:schemeClr val="tx1">
-                    <a:lumMod val="65000"/>
-                    <a:lumOff val="35000"/>
-                  </a:schemeClr>
-                </a:solidFill>
-                <a:latin typeface="Segoe UI Light" panose="020B0502040204020203" pitchFamily="34" charset="0"/>
-                <a:cs typeface="Segoe UI Light" panose="020B0502040204020203" pitchFamily="34" charset="0"/>
-              </a:rPr>
-              <a:t>An option to automatically provides </a:t>
-            </a:r>
-            <a:r>
-              <a:rPr lang="en-US" sz="2000" dirty="0">
-                <a:solidFill>
-                  <a:schemeClr val="tx1">
-                    <a:lumMod val="65000"/>
-                    <a:lumOff val="35000"/>
-                  </a:schemeClr>
-                </a:solidFill>
-                <a:latin typeface="Segoe UI Light" panose="020B0502040204020203" pitchFamily="34" charset="0"/>
-                <a:cs typeface="Segoe UI Light" panose="020B0502040204020203" pitchFamily="34" charset="0"/>
-              </a:rPr>
-              <a:t>an option to the user to search for regular expressions</a:t>
-            </a:r>
-          </a:p>
-          <a:p>
-            <a:pPr lvl="0"/>
-            <a:r>
-              <a:rPr lang="en-US" sz="2000" dirty="0" smtClean="0">
-                <a:solidFill>
-                  <a:schemeClr val="accent2">
-                    <a:lumMod val="40000"/>
-                    <a:lumOff val="60000"/>
-                  </a:schemeClr>
-                </a:solidFill>
-                <a:latin typeface="Segoe UI Light" panose="020B0502040204020203" pitchFamily="34" charset="0"/>
-                <a:cs typeface="Segoe UI Light" panose="020B0502040204020203" pitchFamily="34" charset="0"/>
-              </a:rPr>
-              <a:t>Topic Extraction: </a:t>
-            </a:r>
-            <a:r>
-              <a:rPr lang="en-US" sz="2000" dirty="0">
-                <a:solidFill>
-                  <a:schemeClr val="tx1">
-                    <a:lumMod val="65000"/>
-                    <a:lumOff val="35000"/>
-                  </a:schemeClr>
-                </a:solidFill>
-                <a:latin typeface="Segoe UI Light" panose="020B0502040204020203" pitchFamily="34" charset="0"/>
-                <a:cs typeface="Segoe UI Light" panose="020B0502040204020203" pitchFamily="34" charset="0"/>
-              </a:rPr>
-              <a:t>To provide search links to the user to arrange for the privilege of easily searching for additional information on text being typed</a:t>
-            </a:r>
-            <a:r>
-              <a:rPr lang="en-US" sz="2000" dirty="0" smtClean="0">
-                <a:solidFill>
-                  <a:schemeClr val="tx1">
-                    <a:lumMod val="65000"/>
-                    <a:lumOff val="35000"/>
-                  </a:schemeClr>
-                </a:solidFill>
-                <a:latin typeface="Segoe UI Light" panose="020B0502040204020203" pitchFamily="34" charset="0"/>
-                <a:cs typeface="Segoe UI Light" panose="020B0502040204020203" pitchFamily="34" charset="0"/>
-              </a:rPr>
-              <a:t>.</a:t>
-            </a:r>
-          </a:p>
-          <a:p>
-            <a:pPr lvl="0"/>
-            <a:r>
-              <a:rPr lang="en-US" sz="2000" dirty="0" smtClean="0">
-                <a:solidFill>
-                  <a:schemeClr val="accent2">
-                    <a:lumMod val="40000"/>
-                    <a:lumOff val="60000"/>
-                  </a:schemeClr>
-                </a:solidFill>
-                <a:latin typeface="Segoe UI Light" panose="020B0502040204020203" pitchFamily="34" charset="0"/>
-                <a:cs typeface="Segoe UI Light" panose="020B0502040204020203" pitchFamily="34" charset="0"/>
-              </a:rPr>
-              <a:t>Editor Features: </a:t>
-            </a:r>
-            <a:r>
-              <a:rPr lang="en-US" sz="2000" dirty="0" smtClean="0">
-                <a:solidFill>
-                  <a:schemeClr val="tx1">
-                    <a:lumMod val="65000"/>
-                    <a:lumOff val="35000"/>
-                  </a:schemeClr>
-                </a:solidFill>
-                <a:latin typeface="Segoe UI Light" panose="020B0502040204020203" pitchFamily="34" charset="0"/>
-                <a:cs typeface="Segoe UI Light" panose="020B0502040204020203" pitchFamily="34" charset="0"/>
-              </a:rPr>
-              <a:t>New, Open, Save, Save As, Cut, Copy, Paste. Preferences and Optionality. Toolbar</a:t>
-            </a:r>
-            <a:endParaRPr lang="en-US" sz="2000" dirty="0">
-              <a:solidFill>
-                <a:schemeClr val="tx1">
-                  <a:lumMod val="65000"/>
-                  <a:lumOff val="35000"/>
-                </a:schemeClr>
-              </a:solidFill>
-              <a:latin typeface="Segoe UI Light" panose="020B0502040204020203" pitchFamily="34" charset="0"/>
-              <a:cs typeface="Segoe UI Light" panose="020B0502040204020203" pitchFamily="34" charset="0"/>
-            </a:endParaRPr>
-          </a:p>
-        </p:txBody>
-      </p:sp>
-      <p:sp>
-        <p:nvSpPr>
-          <p:cNvPr id="4" name="Text Placeholder 3"/>
-          <p:cNvSpPr>
-            <a:spLocks noGrp="1"/>
-          </p:cNvSpPr>
-          <p:nvPr>
-            <p:ph type="body" sz="half" idx="2"/>
-          </p:nvPr>
-        </p:nvSpPr>
-        <p:spPr>
-          <a:xfrm>
-            <a:off x="932444" y="3659605"/>
-            <a:ext cx="3392904" cy="2258994"/>
-          </a:xfrm>
-        </p:spPr>
-        <p:txBody>
-          <a:bodyPr>
-            <a:noAutofit/>
-          </a:bodyPr>
-          <a:lstStyle/>
-          <a:p>
-            <a:pPr algn="ctr"/>
-            <a:r>
-              <a:rPr lang="en-US" sz="2000" dirty="0" smtClean="0">
-                <a:solidFill>
-                  <a:schemeClr val="accent2">
-                    <a:lumMod val="40000"/>
-                    <a:lumOff val="60000"/>
-                  </a:schemeClr>
-                </a:solidFill>
-                <a:latin typeface="Segoe UI Light" panose="020B0502040204020203" pitchFamily="34" charset="0"/>
-                <a:cs typeface="Segoe UI Light" panose="020B0502040204020203" pitchFamily="34" charset="0"/>
-              </a:rPr>
-              <a:t>Our aim was to build a text editor which implements new concepts, ideas, features and tools that normal text processors (like MS Word) does not offer</a:t>
-            </a:r>
-            <a:endParaRPr lang="en-US" sz="2000" dirty="0">
-              <a:solidFill>
-                <a:schemeClr val="accent2">
-                  <a:lumMod val="40000"/>
-                  <a:lumOff val="60000"/>
-                </a:schemeClr>
-              </a:solidFill>
-              <a:latin typeface="Segoe UI Light" panose="020B0502040204020203" pitchFamily="34" charset="0"/>
-              <a:cs typeface="Segoe UI Light" panose="020B0502040204020203" pitchFamily="34" charset="0"/>
-            </a:endParaRPr>
+              <a:t>BACKEND ALGORITHMS</a:t>
+            </a:r>
+            <a:r>
+              <a:rPr lang="en-US" dirty="0" smtClean="0">
+                <a:latin typeface="Segoe UI Light" panose="020B0502040204020203" pitchFamily="34" charset="0"/>
+                <a:cs typeface="Segoe UI Light" panose="020B0502040204020203" pitchFamily="34" charset="0"/>
+              </a:rPr>
+              <a:t/>
+            </a:r>
+            <a:br>
+              <a:rPr lang="en-US" dirty="0" smtClean="0">
+                <a:latin typeface="Segoe UI Light" panose="020B0502040204020203" pitchFamily="34" charset="0"/>
+                <a:cs typeface="Segoe UI Light" panose="020B0502040204020203" pitchFamily="34" charset="0"/>
+              </a:rPr>
+            </a:br>
+            <a:r>
+              <a:rPr lang="en-US" dirty="0" smtClean="0">
+                <a:latin typeface="Segoe UI Light" panose="020B0502040204020203" pitchFamily="34" charset="0"/>
+                <a:cs typeface="Segoe UI Light" panose="020B0502040204020203" pitchFamily="34" charset="0"/>
+              </a:rPr>
+              <a:t>Concepts of Natural Language Processing</a:t>
+            </a:r>
           </a:p>
         </p:txBody>
       </p:sp>
     </p:spTree>
     <p:extLst>
       <p:ext uri="{BB962C8B-B14F-4D97-AF65-F5344CB8AC3E}">
-        <p14:creationId xmlns:p14="http://schemas.microsoft.com/office/powerpoint/2010/main" val="3507553564"/>
+        <p14:creationId xmlns:p14="http://schemas.microsoft.com/office/powerpoint/2010/main" val="576298351"/>
       </p:ext>
     </p:extLst>
   </p:cSld>
@@ -9325,43 +9319,8 @@
         </p:nvSpPr>
         <p:spPr>
           <a:xfrm>
-            <a:off x="1040315" y="168442"/>
-            <a:ext cx="10131425" cy="1456267"/>
-          </a:xfrm>
-        </p:spPr>
-        <p:txBody>
-          <a:bodyPr/>
-          <a:lstStyle/>
-          <a:p>
-            <a:pPr algn="ctr"/>
-            <a:r>
-              <a:rPr lang="en-US" dirty="0" smtClean="0">
-                <a:latin typeface="Segoe UI Light" panose="020B0502040204020203" pitchFamily="34" charset="0"/>
-                <a:cs typeface="Segoe UI Light" panose="020B0502040204020203" pitchFamily="34" charset="0"/>
-              </a:rPr>
-              <a:t>BASICS</a:t>
-            </a:r>
-            <a:endParaRPr lang="en-US" dirty="0">
-              <a:latin typeface="Segoe UI Light" panose="020B0502040204020203" pitchFamily="34" charset="0"/>
-              <a:cs typeface="Segoe UI Light" panose="020B0502040204020203" pitchFamily="34" charset="0"/>
-            </a:endParaRPr>
-          </a:p>
-        </p:txBody>
-      </p:sp>
-      <p:sp>
-        <p:nvSpPr>
-          <p:cNvPr id="3" name="Content Placeholder 2"/>
-          <p:cNvSpPr>
-            <a:spLocks noGrp="1"/>
-          </p:cNvSpPr>
-          <p:nvPr>
-            <p:ph idx="1"/>
-          </p:nvPr>
-        </p:nvSpPr>
-        <p:spPr>
-          <a:xfrm>
-            <a:off x="1082842" y="1624708"/>
-            <a:ext cx="10088897" cy="4715933"/>
+            <a:off x="445557" y="1732548"/>
+            <a:ext cx="3680885" cy="895238"/>
           </a:xfrm>
         </p:spPr>
         <p:txBody>
@@ -9370,73 +9329,66 @@
           </a:bodyPr>
           <a:lstStyle/>
           <a:p>
-            <a:pPr marL="0" indent="0" algn="ctr">
-              <a:buNone/>
-            </a:pPr>
-            <a:r>
-              <a:rPr lang="en-US" dirty="0" smtClean="0">
-                <a:latin typeface="Segoe UI Light" panose="020B0502040204020203" pitchFamily="34" charset="0"/>
-                <a:cs typeface="Segoe UI Light" panose="020B0502040204020203" pitchFamily="34" charset="0"/>
-              </a:rPr>
-              <a:t>The entire project has been completed using </a:t>
-            </a:r>
-            <a:r>
-              <a:rPr lang="en-US" b="1" dirty="0" smtClean="0">
-                <a:latin typeface="Segoe UI Light" panose="020B0502040204020203" pitchFamily="34" charset="0"/>
-                <a:cs typeface="Segoe UI Light" panose="020B0502040204020203" pitchFamily="34" charset="0"/>
-              </a:rPr>
-              <a:t>Java </a:t>
-            </a:r>
-            <a:r>
-              <a:rPr lang="en-US" b="1" dirty="0" smtClean="0">
-                <a:latin typeface="Segoe UI Light" panose="020B0502040204020203" pitchFamily="34" charset="0"/>
-                <a:cs typeface="Segoe UI Light" panose="020B0502040204020203" pitchFamily="34" charset="0"/>
-              </a:rPr>
-              <a:t>Swing</a:t>
-            </a:r>
-            <a:r>
-              <a:rPr lang="en-US" dirty="0" smtClean="0">
-                <a:latin typeface="Segoe UI Light" panose="020B0502040204020203" pitchFamily="34" charset="0"/>
-                <a:cs typeface="Segoe UI Light" panose="020B0502040204020203" pitchFamily="34" charset="0"/>
-              </a:rPr>
-              <a:t>, </a:t>
-            </a:r>
-            <a:r>
-              <a:rPr lang="en-US" dirty="0" smtClean="0">
-                <a:latin typeface="Segoe UI Light" panose="020B0502040204020203" pitchFamily="34" charset="0"/>
-                <a:cs typeface="Segoe UI Light" panose="020B0502040204020203" pitchFamily="34" charset="0"/>
-              </a:rPr>
-              <a:t>on the eclipse IDE</a:t>
-            </a:r>
-          </a:p>
-          <a:p>
-            <a:pPr marL="0" indent="0" algn="ctr">
-              <a:buNone/>
-            </a:pPr>
-            <a:r>
-              <a:rPr lang="en-US" dirty="0" smtClean="0">
-                <a:latin typeface="Segoe UI Light" panose="020B0502040204020203" pitchFamily="34" charset="0"/>
-                <a:cs typeface="Segoe UI Light" panose="020B0502040204020203" pitchFamily="34" charset="0"/>
-              </a:rPr>
-              <a:t>Our Editor includes</a:t>
-            </a:r>
-            <a:br>
-              <a:rPr lang="en-US" dirty="0" smtClean="0">
-                <a:latin typeface="Segoe UI Light" panose="020B0502040204020203" pitchFamily="34" charset="0"/>
-                <a:cs typeface="Segoe UI Light" panose="020B0502040204020203" pitchFamily="34" charset="0"/>
-              </a:rPr>
-            </a:br>
-            <a:endParaRPr lang="en-US" dirty="0" smtClean="0">
+            <a:pPr algn="ctr"/>
+            <a:r>
+              <a:rPr lang="en-US" sz="4000" dirty="0" smtClean="0">
+                <a:latin typeface="Segoe UI Light" panose="020B0502040204020203" pitchFamily="34" charset="0"/>
+                <a:cs typeface="Segoe UI Light" panose="020B0502040204020203" pitchFamily="34" charset="0"/>
+              </a:rPr>
+              <a:t>Spell Checker</a:t>
+            </a:r>
+            <a:endParaRPr lang="en-US" sz="2000" dirty="0">
               <a:latin typeface="Segoe UI Light" panose="020B0502040204020203" pitchFamily="34" charset="0"/>
               <a:cs typeface="Segoe UI Light" panose="020B0502040204020203" pitchFamily="34" charset="0"/>
             </a:endParaRPr>
           </a:p>
-          <a:p>
-            <a:pPr marL="0" indent="0" algn="ctr">
-              <a:buNone/>
-            </a:pPr>
-            <a:r>
-              <a:rPr lang="en-US" sz="2000" dirty="0" smtClean="0">
+        </p:txBody>
+      </p:sp>
+      <p:sp>
+        <p:nvSpPr>
+          <p:cNvPr id="4" name="Text Placeholder 3"/>
+          <p:cNvSpPr>
+            <a:spLocks noGrp="1"/>
+          </p:cNvSpPr>
+          <p:nvPr>
+            <p:ph type="body" sz="half" idx="2"/>
+          </p:nvPr>
+        </p:nvSpPr>
+        <p:spPr>
+          <a:xfrm>
+            <a:off x="721894" y="2765034"/>
+            <a:ext cx="3128209" cy="2444638"/>
+          </a:xfrm>
+        </p:spPr>
+        <p:txBody>
+          <a:bodyPr>
+            <a:normAutofit/>
+          </a:bodyPr>
+          <a:lstStyle/>
+          <a:p>
+            <a:pPr algn="ctr"/>
+            <a:r>
+              <a:rPr lang="en-US" sz="900" dirty="0">
+                <a:latin typeface="Segoe UI Light" panose="020B0502040204020203" pitchFamily="34" charset="0"/>
+                <a:cs typeface="Segoe UI Light" panose="020B0502040204020203" pitchFamily="34" charset="0"/>
+              </a:rPr>
+              <a:t> </a:t>
+            </a:r>
+            <a:r>
+              <a:rPr lang="en-US" sz="1800" dirty="0">
+                <a:latin typeface="Segoe UI Light" panose="020B0502040204020203" pitchFamily="34" charset="0"/>
+                <a:cs typeface="Segoe UI Light" panose="020B0502040204020203" pitchFamily="34" charset="0"/>
+              </a:rPr>
+              <a:t/>
+            </a:r>
+            <a:br>
+              <a:rPr lang="en-US" sz="1800" dirty="0">
+                <a:latin typeface="Segoe UI Light" panose="020B0502040204020203" pitchFamily="34" charset="0"/>
+                <a:cs typeface="Segoe UI Light" panose="020B0502040204020203" pitchFamily="34" charset="0"/>
+              </a:rPr>
+            </a:br>
+            <a:r>
+              <a:rPr lang="en-US" sz="1800" dirty="0">
                 <a:solidFill>
                   <a:schemeClr val="accent2">
                     <a:lumMod val="40000"/>
@@ -9446,27 +9398,141 @@
                 <a:latin typeface="Segoe UI Light" panose="020B0502040204020203" pitchFamily="34" charset="0"/>
                 <a:cs typeface="Segoe UI Light" panose="020B0502040204020203" pitchFamily="34" charset="0"/>
               </a:rPr>
-              <a:t>TEXT AREA</a:t>
-            </a:r>
+              <a:t>A live automated spell checker that detects and corrects misspelt errors and also, corrects contextual errors. Underlines words that are not in the dictionary, option to </a:t>
+            </a:r>
+            <a:r>
+              <a:rPr lang="en-US" sz="1800" dirty="0" smtClean="0">
+                <a:solidFill>
+                  <a:schemeClr val="accent2">
+                    <a:lumMod val="40000"/>
+                    <a:lumOff val="60000"/>
+                  </a:schemeClr>
+                </a:solidFill>
+                <a:latin typeface="Segoe UI Light" panose="020B0502040204020203" pitchFamily="34" charset="0"/>
+                <a:cs typeface="Segoe UI Light" panose="020B0502040204020203" pitchFamily="34" charset="0"/>
+              </a:rPr>
+              <a:t>add </a:t>
+            </a:r>
+            <a:r>
+              <a:rPr lang="en-US" sz="1800" dirty="0">
+                <a:solidFill>
+                  <a:schemeClr val="accent2">
+                    <a:lumMod val="40000"/>
+                    <a:lumOff val="60000"/>
+                  </a:schemeClr>
+                </a:solidFill>
+                <a:latin typeface="Segoe UI Light" panose="020B0502040204020203" pitchFamily="34" charset="0"/>
+                <a:cs typeface="Segoe UI Light" panose="020B0502040204020203" pitchFamily="34" charset="0"/>
+              </a:rPr>
+              <a:t>words into the dictionary</a:t>
+            </a:r>
+            <a:endParaRPr lang="en-US" sz="1800" dirty="0">
+              <a:solidFill>
+                <a:schemeClr val="accent2">
+                  <a:lumMod val="40000"/>
+                  <a:lumOff val="60000"/>
+                </a:schemeClr>
+              </a:solidFill>
+            </a:endParaRPr>
+          </a:p>
+        </p:txBody>
+      </p:sp>
+      <p:sp>
+        <p:nvSpPr>
+          <p:cNvPr id="5" name="TextBox 4"/>
+          <p:cNvSpPr txBox="1"/>
+          <p:nvPr/>
+        </p:nvSpPr>
+        <p:spPr>
+          <a:xfrm>
+            <a:off x="4800601" y="584676"/>
+            <a:ext cx="7110663" cy="5755422"/>
+          </a:xfrm>
+          <a:prstGeom prst="rect">
+            <a:avLst/>
+          </a:prstGeom>
+          <a:noFill/>
+        </p:spPr>
+        <p:txBody>
+          <a:bodyPr wrap="square" rtlCol="0">
+            <a:spAutoFit/>
+          </a:bodyPr>
+          <a:lstStyle/>
+          <a:p>
+            <a:r>
+              <a:rPr lang="en-US" sz="2400" dirty="0" smtClean="0">
+                <a:solidFill>
+                  <a:schemeClr val="accent2">
+                    <a:lumMod val="40000"/>
+                    <a:lumOff val="60000"/>
+                  </a:schemeClr>
+                </a:solidFill>
+                <a:latin typeface="Segoe UI Light" panose="020B0502040204020203" pitchFamily="34" charset="0"/>
+                <a:cs typeface="Segoe UI Light" panose="020B0502040204020203" pitchFamily="34" charset="0"/>
+              </a:rPr>
+              <a:t>Populating a dictionary</a:t>
+            </a:r>
+            <a:endParaRPr lang="en-US" sz="2400" dirty="0">
+              <a:solidFill>
+                <a:schemeClr val="accent2">
+                  <a:lumMod val="40000"/>
+                  <a:lumOff val="60000"/>
+                </a:schemeClr>
+              </a:solidFill>
+              <a:latin typeface="Segoe UI Light" panose="020B0502040204020203" pitchFamily="34" charset="0"/>
+              <a:cs typeface="Segoe UI Light" panose="020B0502040204020203" pitchFamily="34" charset="0"/>
+            </a:endParaRPr>
+          </a:p>
+          <a:p>
+            <a:pPr lvl="1"/>
             <a:r>
               <a:rPr lang="en-US" dirty="0" smtClean="0">
                 <a:latin typeface="Segoe UI Light" panose="020B0502040204020203" pitchFamily="34" charset="0"/>
                 <a:cs typeface="Segoe UI Light" panose="020B0502040204020203" pitchFamily="34" charset="0"/>
               </a:rPr>
-              <a:t/>
-            </a:r>
-            <a:br>
+              <a:t>A dictionary was populated from scratch, using the </a:t>
+            </a:r>
+            <a:r>
+              <a:rPr lang="en-US" dirty="0">
+                <a:latin typeface="Segoe UI Light" panose="020B0502040204020203" pitchFamily="34" charset="0"/>
+                <a:cs typeface="Segoe UI Light" panose="020B0502040204020203" pitchFamily="34" charset="0"/>
+              </a:rPr>
+              <a:t>B</a:t>
+            </a:r>
+            <a:r>
               <a:rPr lang="en-US" dirty="0" smtClean="0">
                 <a:latin typeface="Segoe UI Light" panose="020B0502040204020203" pitchFamily="34" charset="0"/>
                 <a:cs typeface="Segoe UI Light" panose="020B0502040204020203" pitchFamily="34" charset="0"/>
               </a:rPr>
-            </a:br>
+              <a:t>rown corpus, which is a set of documents, which by and far includes almost all possible English words. Words are tokenized, and stored in a </a:t>
+            </a:r>
+            <a:r>
+              <a:rPr lang="en-US" dirty="0" err="1" smtClean="0">
+                <a:latin typeface="Segoe UI Light" panose="020B0502040204020203" pitchFamily="34" charset="0"/>
+                <a:cs typeface="Segoe UI Light" panose="020B0502040204020203" pitchFamily="34" charset="0"/>
+              </a:rPr>
+              <a:t>HashMap</a:t>
+            </a:r>
             <a:r>
               <a:rPr lang="en-US" dirty="0" smtClean="0">
                 <a:latin typeface="Segoe UI Light" panose="020B0502040204020203" pitchFamily="34" charset="0"/>
                 <a:cs typeface="Segoe UI Light" panose="020B0502040204020203" pitchFamily="34" charset="0"/>
               </a:rPr>
-              <a:t>A simple swing component that allows the user to type in content, which is placed in a scroll pane</a:t>
+              <a:t> (with its count) which is serialized into a .</a:t>
+            </a:r>
+            <a:r>
+              <a:rPr lang="en-US" dirty="0" err="1" smtClean="0">
+                <a:latin typeface="Segoe UI Light" panose="020B0502040204020203" pitchFamily="34" charset="0"/>
+                <a:cs typeface="Segoe UI Light" panose="020B0502040204020203" pitchFamily="34" charset="0"/>
+              </a:rPr>
+              <a:t>ser</a:t>
+            </a:r>
+            <a:r>
+              <a:rPr lang="en-US" dirty="0" smtClean="0">
+                <a:latin typeface="Segoe UI Light" panose="020B0502040204020203" pitchFamily="34" charset="0"/>
+                <a:cs typeface="Segoe UI Light" panose="020B0502040204020203" pitchFamily="34" charset="0"/>
+              </a:rPr>
+              <a:t> file. </a:t>
             </a:r>
             <a:br>
               <a:rPr lang="en-US" dirty="0" smtClean="0">
@@ -9480,11 +9546,8 @@
             </a:endParaRPr>
           </a:p>
           <a:p>
-            <a:pPr marL="0" indent="0" algn="ctr">
-              <a:buNone/>
-            </a:pPr>
-            <a:r>
-              <a:rPr lang="en-US" sz="2000" dirty="0" smtClean="0">
+            <a:r>
+              <a:rPr lang="en-US" sz="2400" dirty="0">
                 <a:solidFill>
                   <a:schemeClr val="accent2">
                     <a:lumMod val="40000"/>
@@ -9494,14 +9557,31 @@
                 <a:latin typeface="Segoe UI Light" panose="020B0502040204020203" pitchFamily="34" charset="0"/>
                 <a:cs typeface="Segoe UI Light" panose="020B0502040204020203" pitchFamily="34" charset="0"/>
               </a:rPr>
-              <a:t>LISTENERS TO THE TEXT AREA</a:t>
-            </a:r>
+              <a:t>Non Word spelling error detection</a:t>
+            </a:r>
+          </a:p>
+          <a:p>
+            <a:pPr lvl="1"/>
             <a:r>
               <a:rPr lang="en-US" dirty="0" smtClean="0">
                 <a:latin typeface="Segoe UI Light" panose="020B0502040204020203" pitchFamily="34" charset="0"/>
                 <a:cs typeface="Segoe UI Light" panose="020B0502040204020203" pitchFamily="34" charset="0"/>
               </a:rPr>
-              <a:t/>
+              <a:t>The dictionary </a:t>
+            </a:r>
+            <a:r>
+              <a:rPr lang="en-US" dirty="0" err="1" smtClean="0">
+                <a:latin typeface="Segoe UI Light" panose="020B0502040204020203" pitchFamily="34" charset="0"/>
+                <a:cs typeface="Segoe UI Light" panose="020B0502040204020203" pitchFamily="34" charset="0"/>
+              </a:rPr>
+              <a:t>HashMap</a:t>
+            </a:r>
+            <a:r>
+              <a:rPr lang="en-US" dirty="0" smtClean="0">
+                <a:latin typeface="Segoe UI Light" panose="020B0502040204020203" pitchFamily="34" charset="0"/>
+                <a:cs typeface="Segoe UI Light" panose="020B0502040204020203" pitchFamily="34" charset="0"/>
+              </a:rPr>
+              <a:t> is used, to search for the word typed by the user in O(1) time. Its absence in the dictionary indicates an error.</a:t>
             </a:r>
             <a:br>
               <a:rPr lang="en-US" dirty="0" smtClean="0">
@@ -9509,30 +9589,14 @@
                 <a:cs typeface="Segoe UI Light" panose="020B0502040204020203" pitchFamily="34" charset="0"/>
               </a:rPr>
             </a:br>
-            <a:r>
-              <a:rPr lang="en-US" dirty="0" smtClean="0">
-                <a:latin typeface="Segoe UI Light" panose="020B0502040204020203" pitchFamily="34" charset="0"/>
-                <a:cs typeface="Segoe UI Light" panose="020B0502040204020203" pitchFamily="34" charset="0"/>
-              </a:rPr>
-              <a:t>Keyboard and mouse events, that are triggered automatically</a:t>
-            </a:r>
-            <a:br>
-              <a:rPr lang="en-US" dirty="0" smtClean="0">
-                <a:latin typeface="Segoe UI Light" panose="020B0502040204020203" pitchFamily="34" charset="0"/>
-                <a:cs typeface="Segoe UI Light" panose="020B0502040204020203" pitchFamily="34" charset="0"/>
-              </a:rPr>
-            </a:br>
-            <a:endParaRPr lang="en-US" dirty="0" smtClean="0">
+            <a:endParaRPr lang="en-US" sz="2000" dirty="0" smtClean="0">
               <a:latin typeface="Segoe UI Light" panose="020B0502040204020203" pitchFamily="34" charset="0"/>
               <a:cs typeface="Segoe UI Light" panose="020B0502040204020203" pitchFamily="34" charset="0"/>
             </a:endParaRPr>
           </a:p>
           <a:p>
-            <a:pPr marL="0" indent="0" algn="ctr">
-              <a:buNone/>
-            </a:pPr>
-            <a:r>
-              <a:rPr lang="en-US" sz="2000" dirty="0" smtClean="0">
+            <a:r>
+              <a:rPr lang="en-US" sz="2400" dirty="0" smtClean="0">
                 <a:solidFill>
                   <a:schemeClr val="accent2">
                     <a:lumMod val="40000"/>
@@ -9542,45 +9606,10 @@
                 <a:latin typeface="Segoe UI Light" panose="020B0502040204020203" pitchFamily="34" charset="0"/>
                 <a:cs typeface="Segoe UI Light" panose="020B0502040204020203" pitchFamily="34" charset="0"/>
               </a:rPr>
-              <a:t>STORED DATA</a:t>
-            </a:r>
-            <a:r>
-              <a:rPr lang="en-US" dirty="0" smtClean="0">
-                <a:latin typeface="Segoe UI Light" panose="020B0502040204020203" pitchFamily="34" charset="0"/>
-                <a:cs typeface="Segoe UI Light" panose="020B0502040204020203" pitchFamily="34" charset="0"/>
-              </a:rPr>
-              <a:t/>
-            </a:r>
-            <a:br>
-              <a:rPr lang="en-US" dirty="0" smtClean="0">
-                <a:latin typeface="Segoe UI Light" panose="020B0502040204020203" pitchFamily="34" charset="0"/>
-                <a:cs typeface="Segoe UI Light" panose="020B0502040204020203" pitchFamily="34" charset="0"/>
-              </a:rPr>
-            </a:br>
-            <a:r>
-              <a:rPr lang="en-US" dirty="0" smtClean="0">
-                <a:latin typeface="Segoe UI Light" panose="020B0502040204020203" pitchFamily="34" charset="0"/>
-                <a:cs typeface="Segoe UI Light" panose="020B0502040204020203" pitchFamily="34" charset="0"/>
-              </a:rPr>
-              <a:t>Which includes the corpus text files, serialized files.</a:t>
-            </a:r>
-            <a:br>
-              <a:rPr lang="en-US" dirty="0" smtClean="0">
-                <a:latin typeface="Segoe UI Light" panose="020B0502040204020203" pitchFamily="34" charset="0"/>
-                <a:cs typeface="Segoe UI Light" panose="020B0502040204020203" pitchFamily="34" charset="0"/>
-              </a:rPr>
-            </a:br>
-            <a:endParaRPr lang="en-US" dirty="0" smtClean="0">
-              <a:latin typeface="Segoe UI Light" panose="020B0502040204020203" pitchFamily="34" charset="0"/>
-              <a:cs typeface="Segoe UI Light" panose="020B0502040204020203" pitchFamily="34" charset="0"/>
-            </a:endParaRPr>
-          </a:p>
-          <a:p>
-            <a:pPr marL="0" indent="0" algn="ctr">
-              <a:buNone/>
-            </a:pPr>
-            <a:r>
-              <a:rPr lang="en-US" sz="2000" dirty="0" smtClean="0">
+              <a:t>Generation </a:t>
+            </a:r>
+            <a:r>
+              <a:rPr lang="en-US" sz="2400" dirty="0">
                 <a:solidFill>
                   <a:schemeClr val="accent2">
                     <a:lumMod val="40000"/>
@@ -9590,8 +9619,27 @@
                 <a:latin typeface="Segoe UI Light" panose="020B0502040204020203" pitchFamily="34" charset="0"/>
                 <a:cs typeface="Segoe UI Light" panose="020B0502040204020203" pitchFamily="34" charset="0"/>
               </a:rPr>
-              <a:t>BACKEND ALGORITHMS</a:t>
-            </a:r>
+              <a:t>of candidate words</a:t>
+            </a:r>
+          </a:p>
+          <a:p>
+            <a:pPr lvl="1"/>
+            <a:r>
+              <a:rPr lang="en-US" dirty="0" err="1" smtClean="0">
+                <a:latin typeface="Segoe UI Light" panose="020B0502040204020203" pitchFamily="34" charset="0"/>
+                <a:cs typeface="Segoe UI Light" panose="020B0502040204020203" pitchFamily="34" charset="0"/>
+              </a:rPr>
+              <a:t>Levenstein’s</a:t>
+            </a:r>
+            <a:r>
+              <a:rPr lang="en-US" dirty="0" smtClean="0">
+                <a:latin typeface="Segoe UI Light" panose="020B0502040204020203" pitchFamily="34" charset="0"/>
+                <a:cs typeface="Segoe UI Light" panose="020B0502040204020203" pitchFamily="34" charset="0"/>
+              </a:rPr>
+              <a:t> Edit Distance Algorithm, used to generate the candidate words (of edit distance 2) for the incorrect word.</a:t>
+            </a:r>
+          </a:p>
+          <a:p>
             <a:r>
               <a:rPr lang="en-US" dirty="0" smtClean="0">
                 <a:latin typeface="Segoe UI Light" panose="020B0502040204020203" pitchFamily="34" charset="0"/>
@@ -9606,11 +9654,27 @@
               </a:rPr>
             </a:br>
             <a:r>
-              <a:rPr lang="en-US" dirty="0" smtClean="0">
-                <a:latin typeface="Segoe UI Light" panose="020B0502040204020203" pitchFamily="34" charset="0"/>
-                <a:cs typeface="Segoe UI Light" panose="020B0502040204020203" pitchFamily="34" charset="0"/>
-              </a:rPr>
-              <a:t>Concepts of Natural Language Processing</a:t>
+              <a:rPr lang="en-US" sz="2400" dirty="0">
+                <a:solidFill>
+                  <a:schemeClr val="accent2">
+                    <a:lumMod val="40000"/>
+                    <a:lumOff val="60000"/>
+                  </a:schemeClr>
+                </a:solidFill>
+                <a:latin typeface="Segoe UI Light" panose="020B0502040204020203" pitchFamily="34" charset="0"/>
+                <a:cs typeface="Segoe UI Light" panose="020B0502040204020203" pitchFamily="34" charset="0"/>
+              </a:rPr>
+              <a:t>Automatic Correction</a:t>
+            </a:r>
+          </a:p>
+          <a:p>
+            <a:pPr lvl="1"/>
+            <a:r>
+              <a:rPr lang="en-US" dirty="0">
+                <a:latin typeface="Segoe UI Light" panose="020B0502040204020203" pitchFamily="34" charset="0"/>
+                <a:cs typeface="Segoe UI Light" panose="020B0502040204020203" pitchFamily="34" charset="0"/>
+              </a:rPr>
+              <a:t>Bayesian Model and the Noisy Channel Model, to select the word from the candidate words, that has the most probability, of being used by the user. The correction happens automatically, when the user has completed the word (and used a separator).</a:t>
             </a:r>
           </a:p>
         </p:txBody>
@@ -9618,7 +9682,7 @@
     </p:spTree>
     <p:extLst>
       <p:ext uri="{BB962C8B-B14F-4D97-AF65-F5344CB8AC3E}">
-        <p14:creationId xmlns:p14="http://schemas.microsoft.com/office/powerpoint/2010/main" val="576298351"/>
+        <p14:creationId xmlns:p14="http://schemas.microsoft.com/office/powerpoint/2010/main" val="3753889178"/>
       </p:ext>
     </p:extLst>
   </p:cSld>
@@ -9654,144 +9718,14 @@
       </p:grpSpPr>
       <p:sp>
         <p:nvSpPr>
-          <p:cNvPr id="2" name="Title 1"/>
-          <p:cNvSpPr>
-            <a:spLocks noGrp="1"/>
-          </p:cNvSpPr>
-          <p:nvPr>
-            <p:ph type="title"/>
-          </p:nvPr>
-        </p:nvSpPr>
-        <p:spPr>
-          <a:xfrm>
-            <a:off x="445557" y="1732548"/>
-            <a:ext cx="3680885" cy="895238"/>
-          </a:xfrm>
-        </p:spPr>
-        <p:txBody>
-          <a:bodyPr>
-            <a:normAutofit/>
-          </a:bodyPr>
-          <a:lstStyle/>
-          <a:p>
-            <a:pPr algn="ctr"/>
-            <a:r>
-              <a:rPr lang="en-US" sz="4000" dirty="0" smtClean="0">
-                <a:latin typeface="Segoe UI Light" panose="020B0502040204020203" pitchFamily="34" charset="0"/>
-                <a:cs typeface="Segoe UI Light" panose="020B0502040204020203" pitchFamily="34" charset="0"/>
-              </a:rPr>
-              <a:t>Spell Checker</a:t>
-            </a:r>
-            <a:endParaRPr lang="en-US" sz="2000" dirty="0">
-              <a:latin typeface="Segoe UI Light" panose="020B0502040204020203" pitchFamily="34" charset="0"/>
-              <a:cs typeface="Segoe UI Light" panose="020B0502040204020203" pitchFamily="34" charset="0"/>
-            </a:endParaRPr>
-          </a:p>
-        </p:txBody>
-      </p:sp>
-      <p:sp>
-        <p:nvSpPr>
-          <p:cNvPr id="4" name="Text Placeholder 3"/>
-          <p:cNvSpPr>
-            <a:spLocks noGrp="1"/>
-          </p:cNvSpPr>
-          <p:nvPr>
-            <p:ph type="body" sz="half" idx="2"/>
-          </p:nvPr>
-        </p:nvSpPr>
-        <p:spPr>
-          <a:xfrm>
-            <a:off x="721894" y="2765034"/>
-            <a:ext cx="3128209" cy="2444638"/>
-          </a:xfrm>
-        </p:spPr>
-        <p:txBody>
-          <a:bodyPr>
-            <a:normAutofit/>
-          </a:bodyPr>
-          <a:lstStyle/>
-          <a:p>
-            <a:pPr algn="ctr"/>
-            <a:r>
-              <a:rPr lang="en-US" sz="900" dirty="0">
-                <a:latin typeface="Segoe UI Light" panose="020B0502040204020203" pitchFamily="34" charset="0"/>
-                <a:cs typeface="Segoe UI Light" panose="020B0502040204020203" pitchFamily="34" charset="0"/>
-              </a:rPr>
-              <a:t> </a:t>
-            </a:r>
-            <a:r>
-              <a:rPr lang="en-US" sz="1800" dirty="0">
-                <a:latin typeface="Segoe UI Light" panose="020B0502040204020203" pitchFamily="34" charset="0"/>
-                <a:cs typeface="Segoe UI Light" panose="020B0502040204020203" pitchFamily="34" charset="0"/>
-              </a:rPr>
-              <a:t/>
-            </a:r>
-            <a:br>
-              <a:rPr lang="en-US" sz="1800" dirty="0">
-                <a:latin typeface="Segoe UI Light" panose="020B0502040204020203" pitchFamily="34" charset="0"/>
-                <a:cs typeface="Segoe UI Light" panose="020B0502040204020203" pitchFamily="34" charset="0"/>
-              </a:rPr>
-            </a:br>
-            <a:r>
-              <a:rPr lang="en-US" sz="1800" dirty="0">
-                <a:solidFill>
-                  <a:schemeClr val="accent2">
-                    <a:lumMod val="40000"/>
-                    <a:lumOff val="60000"/>
-                  </a:schemeClr>
-                </a:solidFill>
-                <a:latin typeface="Segoe UI Light" panose="020B0502040204020203" pitchFamily="34" charset="0"/>
-                <a:cs typeface="Segoe UI Light" panose="020B0502040204020203" pitchFamily="34" charset="0"/>
-              </a:rPr>
-              <a:t>A live automated spell checker that detects and corrects misspelt errors and also, corrects contextual errors. Underlines words that are not in the dictionary, option to </a:t>
-            </a:r>
-            <a:r>
-              <a:rPr lang="en-US" sz="1800" dirty="0" smtClean="0">
-                <a:solidFill>
-                  <a:schemeClr val="accent2">
-                    <a:lumMod val="40000"/>
-                    <a:lumOff val="60000"/>
-                  </a:schemeClr>
-                </a:solidFill>
-                <a:latin typeface="Segoe UI Light" panose="020B0502040204020203" pitchFamily="34" charset="0"/>
-                <a:cs typeface="Segoe UI Light" panose="020B0502040204020203" pitchFamily="34" charset="0"/>
-              </a:rPr>
-              <a:t>add </a:t>
-            </a:r>
-            <a:r>
-              <a:rPr lang="en-US" sz="1800" dirty="0">
-                <a:solidFill>
-                  <a:schemeClr val="accent2">
-                    <a:lumMod val="40000"/>
-                    <a:lumOff val="60000"/>
-                  </a:schemeClr>
-                </a:solidFill>
-                <a:latin typeface="Segoe UI Light" panose="020B0502040204020203" pitchFamily="34" charset="0"/>
-                <a:cs typeface="Segoe UI Light" panose="020B0502040204020203" pitchFamily="34" charset="0"/>
-              </a:rPr>
-              <a:t>words into the dictionary</a:t>
-            </a:r>
-            <a:endParaRPr lang="en-US" sz="1800" dirty="0">
-              <a:solidFill>
-                <a:schemeClr val="accent2">
-                  <a:lumMod val="40000"/>
-                  <a:lumOff val="60000"/>
-                </a:schemeClr>
-              </a:solidFill>
-            </a:endParaRPr>
-          </a:p>
-        </p:txBody>
-      </p:sp>
-      <p:sp>
-        <p:nvSpPr>
           <p:cNvPr id="5" name="TextBox 4"/>
           <p:cNvSpPr txBox="1"/>
           <p:nvPr/>
         </p:nvSpPr>
         <p:spPr>
           <a:xfrm>
-            <a:off x="4800601" y="584676"/>
-            <a:ext cx="7110663" cy="5755422"/>
+            <a:off x="4884820" y="625645"/>
+            <a:ext cx="6809873" cy="5693866"/>
           </a:xfrm>
           <a:prstGeom prst="rect">
             <a:avLst/>
@@ -9815,7 +9749,7 @@
                 <a:latin typeface="Segoe UI Light" panose="020B0502040204020203" pitchFamily="34" charset="0"/>
                 <a:cs typeface="Segoe UI Light" panose="020B0502040204020203" pitchFamily="34" charset="0"/>
               </a:rPr>
-              <a:t>Populating a dictionary</a:t>
+              <a:t>Handling cases</a:t>
             </a:r>
             <a:endParaRPr lang="en-US" sz="2400" dirty="0">
               <a:solidFill>
@@ -9835,49 +9769,21 @@
                 <a:latin typeface="Segoe UI Light" panose="020B0502040204020203" pitchFamily="34" charset="0"/>
                 <a:cs typeface="Segoe UI Light" panose="020B0502040204020203" pitchFamily="34" charset="0"/>
               </a:rPr>
-              <a:t>A dictionary was populated from scratch, using the </a:t>
-            </a:r>
-            <a:r>
-              <a:rPr lang="en-US" dirty="0">
-                <a:latin typeface="Segoe UI Light" panose="020B0502040204020203" pitchFamily="34" charset="0"/>
-                <a:cs typeface="Segoe UI Light" panose="020B0502040204020203" pitchFamily="34" charset="0"/>
-              </a:rPr>
-              <a:t>B</a:t>
+              <a:t>Candidates are generated, having considered the cases (Lowercase, Uppercase, </a:t>
+            </a:r>
+            <a:r>
+              <a:rPr lang="en-US" dirty="0" err="1" smtClean="0">
+                <a:latin typeface="Segoe UI Light" panose="020B0502040204020203" pitchFamily="34" charset="0"/>
+                <a:cs typeface="Segoe UI Light" panose="020B0502040204020203" pitchFamily="34" charset="0"/>
+              </a:rPr>
+              <a:t>Camelcase</a:t>
             </a:r>
             <a:r>
               <a:rPr lang="en-US" dirty="0" smtClean="0">
                 <a:latin typeface="Segoe UI Light" panose="020B0502040204020203" pitchFamily="34" charset="0"/>
                 <a:cs typeface="Segoe UI Light" panose="020B0502040204020203" pitchFamily="34" charset="0"/>
               </a:rPr>
-              <a:t>rown corpus, which is a set of documents, which by and far includes almost all possible English words. Words are tokenized, and stored in a </a:t>
-            </a:r>
-            <a:r>
-              <a:rPr lang="en-US" dirty="0" err="1" smtClean="0">
-                <a:latin typeface="Segoe UI Light" panose="020B0502040204020203" pitchFamily="34" charset="0"/>
-                <a:cs typeface="Segoe UI Light" panose="020B0502040204020203" pitchFamily="34" charset="0"/>
-              </a:rPr>
-              <a:t>HashMap</a:t>
-            </a:r>
-            <a:r>
-              <a:rPr lang="en-US" dirty="0" smtClean="0">
-                <a:latin typeface="Segoe UI Light" panose="020B0502040204020203" pitchFamily="34" charset="0"/>
-                <a:cs typeface="Segoe UI Light" panose="020B0502040204020203" pitchFamily="34" charset="0"/>
-              </a:rPr>
-              <a:t> (with its count) which is serialized into a .</a:t>
-            </a:r>
-            <a:r>
-              <a:rPr lang="en-US" dirty="0" err="1" smtClean="0">
-                <a:latin typeface="Segoe UI Light" panose="020B0502040204020203" pitchFamily="34" charset="0"/>
-                <a:cs typeface="Segoe UI Light" panose="020B0502040204020203" pitchFamily="34" charset="0"/>
-              </a:rPr>
-              <a:t>ser</a:t>
-            </a:r>
-            <a:r>
-              <a:rPr lang="en-US" dirty="0" smtClean="0">
-                <a:latin typeface="Segoe UI Light" panose="020B0502040204020203" pitchFamily="34" charset="0"/>
-                <a:cs typeface="Segoe UI Light" panose="020B0502040204020203" pitchFamily="34" charset="0"/>
-              </a:rPr>
-              <a:t> file. </a:t>
+              <a:t>) of the incorrect word.</a:t>
             </a:r>
             <a:br>
               <a:rPr lang="en-US" dirty="0" smtClean="0">
@@ -9892,7 +9798,7 @@
           </a:p>
           <a:p>
             <a:r>
-              <a:rPr lang="en-US" sz="2400" dirty="0">
+              <a:rPr lang="en-US" sz="2400" dirty="0" smtClean="0">
                 <a:solidFill>
                   <a:schemeClr val="accent2">
                     <a:lumMod val="40000"/>
@@ -9902,44 +9808,46 @@
                 <a:latin typeface="Segoe UI Light" panose="020B0502040204020203" pitchFamily="34" charset="0"/>
                 <a:cs typeface="Segoe UI Light" panose="020B0502040204020203" pitchFamily="34" charset="0"/>
               </a:rPr>
-              <a:t>Non Word spelling error detection</a:t>
-            </a:r>
-          </a:p>
-          <a:p>
-            <a:pPr lvl="1"/>
-            <a:r>
-              <a:rPr lang="en-US" dirty="0" smtClean="0">
-                <a:latin typeface="Segoe UI Light" panose="020B0502040204020203" pitchFamily="34" charset="0"/>
-                <a:cs typeface="Segoe UI Light" panose="020B0502040204020203" pitchFamily="34" charset="0"/>
-              </a:rPr>
-              <a:t>The dictionary </a:t>
-            </a:r>
-            <a:r>
-              <a:rPr lang="en-US" dirty="0" err="1" smtClean="0">
-                <a:latin typeface="Segoe UI Light" panose="020B0502040204020203" pitchFamily="34" charset="0"/>
-                <a:cs typeface="Segoe UI Light" panose="020B0502040204020203" pitchFamily="34" charset="0"/>
-              </a:rPr>
-              <a:t>HashMap</a:t>
-            </a:r>
-            <a:r>
-              <a:rPr lang="en-US" dirty="0" smtClean="0">
-                <a:latin typeface="Segoe UI Light" panose="020B0502040204020203" pitchFamily="34" charset="0"/>
-                <a:cs typeface="Segoe UI Light" panose="020B0502040204020203" pitchFamily="34" charset="0"/>
-              </a:rPr>
-              <a:t> is used, to search for the word typed by the user in O(1) time. Its absence in the dictionary indicates an error.</a:t>
-            </a:r>
-            <a:br>
-              <a:rPr lang="en-US" dirty="0" smtClean="0">
-                <a:latin typeface="Segoe UI Light" panose="020B0502040204020203" pitchFamily="34" charset="0"/>
-                <a:cs typeface="Segoe UI Light" panose="020B0502040204020203" pitchFamily="34" charset="0"/>
-              </a:rPr>
-            </a:br>
-            <a:endParaRPr lang="en-US" sz="2000" dirty="0" smtClean="0">
+              <a:t>Automatic Capitalization</a:t>
+            </a:r>
+            <a:endParaRPr lang="en-US" sz="2400" dirty="0">
+              <a:solidFill>
+                <a:schemeClr val="accent2">
+                  <a:lumMod val="40000"/>
+                  <a:lumOff val="60000"/>
+                </a:schemeClr>
+              </a:solidFill>
               <a:latin typeface="Segoe UI Light" panose="020B0502040204020203" pitchFamily="34" charset="0"/>
               <a:cs typeface="Segoe UI Light" panose="020B0502040204020203" pitchFamily="34" charset="0"/>
             </a:endParaRPr>
           </a:p>
           <a:p>
+            <a:pPr lvl="1"/>
+            <a:r>
+              <a:rPr lang="en-US" dirty="0" smtClean="0">
+                <a:latin typeface="Segoe UI Light" panose="020B0502040204020203" pitchFamily="34" charset="0"/>
+                <a:cs typeface="Segoe UI Light" panose="020B0502040204020203" pitchFamily="34" charset="0"/>
+              </a:rPr>
+              <a:t>Capitalize the first word of a new line.</a:t>
+            </a:r>
+            <a:br>
+              <a:rPr lang="en-US" dirty="0" smtClean="0">
+                <a:latin typeface="Segoe UI Light" panose="020B0502040204020203" pitchFamily="34" charset="0"/>
+                <a:cs typeface="Segoe UI Light" panose="020B0502040204020203" pitchFamily="34" charset="0"/>
+              </a:rPr>
+            </a:br>
+            <a:endParaRPr lang="en-US" sz="2400" dirty="0" smtClean="0">
+              <a:solidFill>
+                <a:schemeClr val="accent2">
+                  <a:lumMod val="40000"/>
+                  <a:lumOff val="60000"/>
+                </a:schemeClr>
+              </a:solidFill>
+              <a:latin typeface="Segoe UI Light" panose="020B0502040204020203" pitchFamily="34" charset="0"/>
+              <a:cs typeface="Segoe UI Light" panose="020B0502040204020203" pitchFamily="34" charset="0"/>
+            </a:endParaRPr>
+          </a:p>
+          <a:p>
             <a:r>
               <a:rPr lang="en-US" sz="2400" dirty="0" smtClean="0">
                 <a:solidFill>
@@ -9951,87 +9859,542 @@
                 <a:latin typeface="Segoe UI Light" panose="020B0502040204020203" pitchFamily="34" charset="0"/>
                 <a:cs typeface="Segoe UI Light" panose="020B0502040204020203" pitchFamily="34" charset="0"/>
               </a:rPr>
-              <a:t>Generation </a:t>
-            </a:r>
-            <a:r>
-              <a:rPr lang="en-US" sz="2400" dirty="0">
-                <a:solidFill>
-                  <a:schemeClr val="accent2">
-                    <a:lumMod val="40000"/>
-                    <a:lumOff val="60000"/>
-                  </a:schemeClr>
-                </a:solidFill>
-                <a:latin typeface="Segoe UI Light" panose="020B0502040204020203" pitchFamily="34" charset="0"/>
-                <a:cs typeface="Segoe UI Light" panose="020B0502040204020203" pitchFamily="34" charset="0"/>
-              </a:rPr>
-              <a:t>of candidate words</a:t>
-            </a:r>
+              <a:t>Add to dictionary</a:t>
+            </a:r>
+            <a:endParaRPr lang="en-US" sz="2400" dirty="0">
+              <a:solidFill>
+                <a:schemeClr val="accent2">
+                  <a:lumMod val="40000"/>
+                  <a:lumOff val="60000"/>
+                </a:schemeClr>
+              </a:solidFill>
+              <a:latin typeface="Segoe UI Light" panose="020B0502040204020203" pitchFamily="34" charset="0"/>
+              <a:cs typeface="Segoe UI Light" panose="020B0502040204020203" pitchFamily="34" charset="0"/>
+            </a:endParaRPr>
           </a:p>
           <a:p>
             <a:pPr lvl="1"/>
             <a:r>
+              <a:rPr lang="en-US" dirty="0" smtClean="0">
+                <a:latin typeface="Segoe UI Light" panose="020B0502040204020203" pitchFamily="34" charset="0"/>
+                <a:cs typeface="Segoe UI Light" panose="020B0502040204020203" pitchFamily="34" charset="0"/>
+              </a:rPr>
+              <a:t>Adding the word to the </a:t>
+            </a:r>
+            <a:r>
               <a:rPr lang="en-US" dirty="0" err="1" smtClean="0">
                 <a:latin typeface="Segoe UI Light" panose="020B0502040204020203" pitchFamily="34" charset="0"/>
                 <a:cs typeface="Segoe UI Light" panose="020B0502040204020203" pitchFamily="34" charset="0"/>
               </a:rPr>
-              <a:t>Levenstein’s</a:t>
+              <a:t>HashMap</a:t>
             </a:r>
             <a:r>
               <a:rPr lang="en-US" dirty="0" smtClean="0">
                 <a:latin typeface="Segoe UI Light" panose="020B0502040204020203" pitchFamily="34" charset="0"/>
                 <a:cs typeface="Segoe UI Light" panose="020B0502040204020203" pitchFamily="34" charset="0"/>
               </a:rPr>
-              <a:t> Edit Distance Algorithm, used to generate the candidate words (of edit distance 2) for the incorrect word.</a:t>
-            </a:r>
-          </a:p>
-          <a:p>
-            <a:r>
-              <a:rPr lang="en-US" dirty="0" smtClean="0">
-                <a:latin typeface="Segoe UI Light" panose="020B0502040204020203" pitchFamily="34" charset="0"/>
-                <a:cs typeface="Segoe UI Light" panose="020B0502040204020203" pitchFamily="34" charset="0"/>
-              </a:rPr>
-              <a:t/>
-            </a:r>
-            <a:br>
-              <a:rPr lang="en-US" dirty="0" smtClean="0">
-                <a:latin typeface="Segoe UI Light" panose="020B0502040204020203" pitchFamily="34" charset="0"/>
-                <a:cs typeface="Segoe UI Light" panose="020B0502040204020203" pitchFamily="34" charset="0"/>
-              </a:rPr>
-            </a:br>
-            <a:r>
-              <a:rPr lang="en-US" sz="2400" dirty="0">
-                <a:solidFill>
-                  <a:schemeClr val="accent2">
-                    <a:lumMod val="40000"/>
-                    <a:lumOff val="60000"/>
-                  </a:schemeClr>
-                </a:solidFill>
-                <a:latin typeface="Segoe UI Light" panose="020B0502040204020203" pitchFamily="34" charset="0"/>
-                <a:cs typeface="Segoe UI Light" panose="020B0502040204020203" pitchFamily="34" charset="0"/>
-              </a:rPr>
-              <a:t>Automatic Correction</a:t>
-            </a:r>
-          </a:p>
-          <a:p>
-            <a:pPr lvl="1"/>
-            <a:r>
-              <a:rPr lang="en-US" dirty="0">
-                <a:latin typeface="Segoe UI Light" panose="020B0502040204020203" pitchFamily="34" charset="0"/>
-                <a:cs typeface="Segoe UI Light" panose="020B0502040204020203" pitchFamily="34" charset="0"/>
-              </a:rPr>
-              <a:t>Bayesian Model and the Noisy Channel Model, to select the word from the candidate words, that has the most probability, of being used by the user. The correction happens automatically, when the user has completed the word (and used a separator).</a:t>
+              <a:t> corpus, and serializing it, for later use. (Option of restoring the standard dictionary available)</a:t>
             </a:r>
             <a:endParaRPr lang="en-US" dirty="0">
               <a:latin typeface="Segoe UI Light" panose="020B0502040204020203" pitchFamily="34" charset="0"/>
               <a:cs typeface="Segoe UI Light" panose="020B0502040204020203" pitchFamily="34" charset="0"/>
             </a:endParaRPr>
           </a:p>
+          <a:p>
+            <a:pPr lvl="1"/>
+            <a:endParaRPr lang="en-US" sz="2000" dirty="0">
+              <a:latin typeface="Segoe UI Light" panose="020B0502040204020203" pitchFamily="34" charset="0"/>
+              <a:cs typeface="Segoe UI Light" panose="020B0502040204020203" pitchFamily="34" charset="0"/>
+            </a:endParaRPr>
+          </a:p>
+          <a:p>
+            <a:r>
+              <a:rPr lang="en-US" sz="2400" dirty="0" smtClean="0">
+                <a:solidFill>
+                  <a:schemeClr val="accent2">
+                    <a:lumMod val="40000"/>
+                    <a:lumOff val="60000"/>
+                  </a:schemeClr>
+                </a:solidFill>
+                <a:latin typeface="Segoe UI Light" panose="020B0502040204020203" pitchFamily="34" charset="0"/>
+                <a:cs typeface="Segoe UI Light" panose="020B0502040204020203" pitchFamily="34" charset="0"/>
+              </a:rPr>
+              <a:t>Underlining misspelt words</a:t>
+            </a:r>
+            <a:endParaRPr lang="en-US" sz="2400" dirty="0">
+              <a:solidFill>
+                <a:schemeClr val="accent2">
+                  <a:lumMod val="40000"/>
+                  <a:lumOff val="60000"/>
+                </a:schemeClr>
+              </a:solidFill>
+              <a:latin typeface="Segoe UI Light" panose="020B0502040204020203" pitchFamily="34" charset="0"/>
+              <a:cs typeface="Segoe UI Light" panose="020B0502040204020203" pitchFamily="34" charset="0"/>
+            </a:endParaRPr>
+          </a:p>
+          <a:p>
+            <a:pPr lvl="1"/>
+            <a:r>
+              <a:rPr lang="en-US" dirty="0" smtClean="0">
+                <a:latin typeface="Segoe UI Light" panose="020B0502040204020203" pitchFamily="34" charset="0"/>
+                <a:cs typeface="Segoe UI Light" panose="020B0502040204020203" pitchFamily="34" charset="0"/>
+              </a:rPr>
+              <a:t>A </a:t>
+            </a:r>
+            <a:r>
+              <a:rPr lang="en-US" dirty="0" err="1" smtClean="0">
+                <a:latin typeface="Segoe UI Light" panose="020B0502040204020203" pitchFamily="34" charset="0"/>
+                <a:cs typeface="Segoe UI Light" panose="020B0502040204020203" pitchFamily="34" charset="0"/>
+              </a:rPr>
+              <a:t>UnderlineHighlighter</a:t>
+            </a:r>
+            <a:r>
+              <a:rPr lang="en-US" dirty="0" smtClean="0">
+                <a:latin typeface="Segoe UI Light" panose="020B0502040204020203" pitchFamily="34" charset="0"/>
+                <a:cs typeface="Segoe UI Light" panose="020B0502040204020203" pitchFamily="34" charset="0"/>
+              </a:rPr>
+              <a:t> object is used for the purpose of underlining words that are not present in the dictionary.</a:t>
+            </a:r>
+          </a:p>
+          <a:p>
+            <a:pPr lvl="1"/>
+            <a:endParaRPr lang="en-US" sz="2000" dirty="0">
+              <a:latin typeface="Segoe UI Light" panose="020B0502040204020203" pitchFamily="34" charset="0"/>
+              <a:cs typeface="Segoe UI Light" panose="020B0502040204020203" pitchFamily="34" charset="0"/>
+            </a:endParaRPr>
+          </a:p>
+          <a:p>
+            <a:r>
+              <a:rPr lang="en-US" sz="2400" dirty="0" smtClean="0">
+                <a:solidFill>
+                  <a:schemeClr val="accent2">
+                    <a:lumMod val="40000"/>
+                    <a:lumOff val="60000"/>
+                  </a:schemeClr>
+                </a:solidFill>
+                <a:latin typeface="Segoe UI Light" panose="020B0502040204020203" pitchFamily="34" charset="0"/>
+                <a:cs typeface="Segoe UI Light" panose="020B0502040204020203" pitchFamily="34" charset="0"/>
+              </a:rPr>
+              <a:t>Right Click feature</a:t>
+            </a:r>
+            <a:endParaRPr lang="en-US" sz="2400" dirty="0">
+              <a:solidFill>
+                <a:schemeClr val="accent2">
+                  <a:lumMod val="40000"/>
+                  <a:lumOff val="60000"/>
+                </a:schemeClr>
+              </a:solidFill>
+              <a:latin typeface="Segoe UI Light" panose="020B0502040204020203" pitchFamily="34" charset="0"/>
+              <a:cs typeface="Segoe UI Light" panose="020B0502040204020203" pitchFamily="34" charset="0"/>
+            </a:endParaRPr>
+          </a:p>
+          <a:p>
+            <a:pPr lvl="1"/>
+            <a:r>
+              <a:rPr lang="en-US" dirty="0" smtClean="0">
+                <a:latin typeface="Segoe UI Light" panose="020B0502040204020203" pitchFamily="34" charset="0"/>
+                <a:cs typeface="Segoe UI Light" panose="020B0502040204020203" pitchFamily="34" charset="0"/>
+              </a:rPr>
+              <a:t>A listener, provides a popup of candidate words, in case the spelling of the word under consideration is incorrect.</a:t>
+            </a:r>
+            <a:endParaRPr lang="en-US" dirty="0"/>
+          </a:p>
+        </p:txBody>
+      </p:sp>
+      <p:sp>
+        <p:nvSpPr>
+          <p:cNvPr id="7" name="Title 1"/>
+          <p:cNvSpPr txBox="1">
+            <a:spLocks/>
+          </p:cNvSpPr>
+          <p:nvPr/>
+        </p:nvSpPr>
+        <p:spPr>
+          <a:xfrm>
+            <a:off x="445557" y="1732548"/>
+            <a:ext cx="3680885" cy="895238"/>
+          </a:xfrm>
+          <a:prstGeom prst="rect">
+            <a:avLst/>
+          </a:prstGeom>
+          <a:effectLst/>
+        </p:spPr>
+        <p:txBody>
+          <a:bodyPr vert="horz" lIns="91440" tIns="45720" rIns="91440" bIns="45720" rtlCol="0" anchor="b">
+            <a:normAutofit/>
+          </a:bodyPr>
+          <a:lstStyle>
+            <a:lvl1pPr algn="l" defTabSz="457200" rtl="0" eaLnBrk="1" latinLnBrk="0" hangingPunct="1">
+              <a:spcBef>
+                <a:spcPct val="0"/>
+              </a:spcBef>
+              <a:buNone/>
+              <a:defRPr sz="2400" b="0" kern="1200" cap="all">
+                <a:ln w="3175" cmpd="sng">
+                  <a:noFill/>
+                </a:ln>
+                <a:solidFill>
+                  <a:schemeClr val="tx1"/>
+                </a:solidFill>
+                <a:effectLst/>
+                <a:latin typeface="+mj-lt"/>
+                <a:ea typeface="+mj-ea"/>
+                <a:cs typeface="+mj-cs"/>
+              </a:defRPr>
+            </a:lvl1pPr>
+            <a:lvl2pPr eaLnBrk="1" hangingPunct="1">
+              <a:defRPr>
+                <a:solidFill>
+                  <a:schemeClr val="tx2"/>
+                </a:solidFill>
+              </a:defRPr>
+            </a:lvl2pPr>
+            <a:lvl3pPr eaLnBrk="1" hangingPunct="1">
+              <a:defRPr>
+                <a:solidFill>
+                  <a:schemeClr val="tx2"/>
+                </a:solidFill>
+              </a:defRPr>
+            </a:lvl3pPr>
+            <a:lvl4pPr eaLnBrk="1" hangingPunct="1">
+              <a:defRPr>
+                <a:solidFill>
+                  <a:schemeClr val="tx2"/>
+                </a:solidFill>
+              </a:defRPr>
+            </a:lvl4pPr>
+            <a:lvl5pPr eaLnBrk="1" hangingPunct="1">
+              <a:defRPr>
+                <a:solidFill>
+                  <a:schemeClr val="tx2"/>
+                </a:solidFill>
+              </a:defRPr>
+            </a:lvl5pPr>
+            <a:lvl6pPr eaLnBrk="1" hangingPunct="1">
+              <a:defRPr>
+                <a:solidFill>
+                  <a:schemeClr val="tx2"/>
+                </a:solidFill>
+              </a:defRPr>
+            </a:lvl6pPr>
+            <a:lvl7pPr eaLnBrk="1" hangingPunct="1">
+              <a:defRPr>
+                <a:solidFill>
+                  <a:schemeClr val="tx2"/>
+                </a:solidFill>
+              </a:defRPr>
+            </a:lvl7pPr>
+            <a:lvl8pPr eaLnBrk="1" hangingPunct="1">
+              <a:defRPr>
+                <a:solidFill>
+                  <a:schemeClr val="tx2"/>
+                </a:solidFill>
+              </a:defRPr>
+            </a:lvl8pPr>
+            <a:lvl9pPr eaLnBrk="1" hangingPunct="1">
+              <a:defRPr>
+                <a:solidFill>
+                  <a:schemeClr val="tx2"/>
+                </a:solidFill>
+              </a:defRPr>
+            </a:lvl9pPr>
+          </a:lstStyle>
+          <a:p>
+            <a:pPr algn="ctr"/>
+            <a:r>
+              <a:rPr lang="en-US" sz="4000" smtClean="0">
+                <a:latin typeface="Segoe UI Light" panose="020B0502040204020203" pitchFamily="34" charset="0"/>
+                <a:cs typeface="Segoe UI Light" panose="020B0502040204020203" pitchFamily="34" charset="0"/>
+              </a:rPr>
+              <a:t>Spell Checker</a:t>
+            </a:r>
+            <a:endParaRPr lang="en-US" sz="2000" dirty="0">
+              <a:latin typeface="Segoe UI Light" panose="020B0502040204020203" pitchFamily="34" charset="0"/>
+              <a:cs typeface="Segoe UI Light" panose="020B0502040204020203" pitchFamily="34" charset="0"/>
+            </a:endParaRPr>
+          </a:p>
+        </p:txBody>
+      </p:sp>
+      <p:sp>
+        <p:nvSpPr>
+          <p:cNvPr id="8" name="Text Placeholder 3"/>
+          <p:cNvSpPr txBox="1">
+            <a:spLocks/>
+          </p:cNvSpPr>
+          <p:nvPr/>
+        </p:nvSpPr>
+        <p:spPr>
+          <a:xfrm>
+            <a:off x="721894" y="2765035"/>
+            <a:ext cx="3128209" cy="2444638"/>
+          </a:xfrm>
+          <a:prstGeom prst="rect">
+            <a:avLst/>
+          </a:prstGeom>
+        </p:spPr>
+        <p:txBody>
+          <a:bodyPr vert="horz" lIns="91440" tIns="45720" rIns="91440" bIns="45720" rtlCol="0" anchor="t">
+            <a:normAutofit/>
+          </a:bodyPr>
+          <a:lstStyle>
+            <a:lvl1pPr marL="0" indent="0" algn="l" defTabSz="457200" rtl="0" eaLnBrk="1" latinLnBrk="0" hangingPunct="1">
+              <a:spcBef>
+                <a:spcPts val="0"/>
+              </a:spcBef>
+              <a:spcAft>
+                <a:spcPts val="1000"/>
+              </a:spcAft>
+              <a:buClr>
+                <a:schemeClr val="tx1"/>
+              </a:buClr>
+              <a:buSzPct val="100000"/>
+              <a:buFont typeface="Arial"/>
+              <a:buNone/>
+              <a:defRPr sz="1600" kern="1200" cap="none">
+                <a:solidFill>
+                  <a:schemeClr val="tx1"/>
+                </a:solidFill>
+                <a:effectLst/>
+                <a:latin typeface="+mn-lt"/>
+                <a:ea typeface="+mn-ea"/>
+                <a:cs typeface="+mn-cs"/>
+              </a:defRPr>
+            </a:lvl1pPr>
+            <a:lvl2pPr marL="457200" indent="0" algn="l" defTabSz="457200" rtl="0" eaLnBrk="1" latinLnBrk="0" hangingPunct="1">
+              <a:spcBef>
+                <a:spcPts val="0"/>
+              </a:spcBef>
+              <a:spcAft>
+                <a:spcPts val="1000"/>
+              </a:spcAft>
+              <a:buClr>
+                <a:schemeClr val="tx1"/>
+              </a:buClr>
+              <a:buSzPct val="100000"/>
+              <a:buFont typeface="Arial"/>
+              <a:buNone/>
+              <a:defRPr sz="1200" kern="1200" cap="none">
+                <a:solidFill>
+                  <a:schemeClr val="tx1"/>
+                </a:solidFill>
+                <a:effectLst/>
+                <a:latin typeface="+mn-lt"/>
+                <a:ea typeface="+mn-ea"/>
+                <a:cs typeface="+mn-cs"/>
+              </a:defRPr>
+            </a:lvl2pPr>
+            <a:lvl3pPr marL="914400" indent="0" algn="l" defTabSz="457200" rtl="0" eaLnBrk="1" latinLnBrk="0" hangingPunct="1">
+              <a:spcBef>
+                <a:spcPts val="0"/>
+              </a:spcBef>
+              <a:spcAft>
+                <a:spcPts val="1000"/>
+              </a:spcAft>
+              <a:buClr>
+                <a:schemeClr val="tx1"/>
+              </a:buClr>
+              <a:buSzPct val="100000"/>
+              <a:buFont typeface="Arial"/>
+              <a:buNone/>
+              <a:defRPr sz="1000" kern="1200" cap="none">
+                <a:solidFill>
+                  <a:schemeClr val="tx1"/>
+                </a:solidFill>
+                <a:effectLst/>
+                <a:latin typeface="+mn-lt"/>
+                <a:ea typeface="+mn-ea"/>
+                <a:cs typeface="+mn-cs"/>
+              </a:defRPr>
+            </a:lvl3pPr>
+            <a:lvl4pPr marL="1371600" indent="0" algn="l" defTabSz="457200" rtl="0" eaLnBrk="1" latinLnBrk="0" hangingPunct="1">
+              <a:spcBef>
+                <a:spcPts val="0"/>
+              </a:spcBef>
+              <a:spcAft>
+                <a:spcPts val="1000"/>
+              </a:spcAft>
+              <a:buClr>
+                <a:schemeClr val="tx1"/>
+              </a:buClr>
+              <a:buSzPct val="100000"/>
+              <a:buFont typeface="Arial"/>
+              <a:buNone/>
+              <a:defRPr sz="900" kern="1200" cap="none">
+                <a:solidFill>
+                  <a:schemeClr val="tx1"/>
+                </a:solidFill>
+                <a:effectLst/>
+                <a:latin typeface="+mn-lt"/>
+                <a:ea typeface="+mn-ea"/>
+                <a:cs typeface="+mn-cs"/>
+              </a:defRPr>
+            </a:lvl4pPr>
+            <a:lvl5pPr marL="1828800" indent="0" algn="l" defTabSz="457200" rtl="0" eaLnBrk="1" latinLnBrk="0" hangingPunct="1">
+              <a:spcBef>
+                <a:spcPts val="0"/>
+              </a:spcBef>
+              <a:spcAft>
+                <a:spcPts val="1000"/>
+              </a:spcAft>
+              <a:buClr>
+                <a:schemeClr val="tx1"/>
+              </a:buClr>
+              <a:buSzPct val="100000"/>
+              <a:buFont typeface="Arial"/>
+              <a:buNone/>
+              <a:defRPr sz="900" kern="1200" cap="none">
+                <a:solidFill>
+                  <a:schemeClr val="tx1"/>
+                </a:solidFill>
+                <a:effectLst/>
+                <a:latin typeface="+mn-lt"/>
+                <a:ea typeface="+mn-ea"/>
+                <a:cs typeface="+mn-cs"/>
+              </a:defRPr>
+            </a:lvl5pPr>
+            <a:lvl6pPr marL="2286000" indent="0" algn="l" defTabSz="457200" rtl="0" eaLnBrk="1" latinLnBrk="0" hangingPunct="1">
+              <a:spcBef>
+                <a:spcPts val="0"/>
+              </a:spcBef>
+              <a:spcAft>
+                <a:spcPts val="1000"/>
+              </a:spcAft>
+              <a:buClr>
+                <a:schemeClr val="tx1"/>
+              </a:buClr>
+              <a:buSzPct val="100000"/>
+              <a:buFont typeface="Arial"/>
+              <a:buNone/>
+              <a:defRPr sz="900" kern="1200" cap="none">
+                <a:solidFill>
+                  <a:schemeClr val="tx1"/>
+                </a:solidFill>
+                <a:effectLst/>
+                <a:latin typeface="+mn-lt"/>
+                <a:ea typeface="+mn-ea"/>
+                <a:cs typeface="+mn-cs"/>
+              </a:defRPr>
+            </a:lvl6pPr>
+            <a:lvl7pPr marL="2743200" indent="0" algn="l" defTabSz="457200" rtl="0" eaLnBrk="1" latinLnBrk="0" hangingPunct="1">
+              <a:spcBef>
+                <a:spcPts val="0"/>
+              </a:spcBef>
+              <a:spcAft>
+                <a:spcPts val="1000"/>
+              </a:spcAft>
+              <a:buClr>
+                <a:schemeClr val="tx1"/>
+              </a:buClr>
+              <a:buSzPct val="100000"/>
+              <a:buFont typeface="Arial"/>
+              <a:buNone/>
+              <a:defRPr sz="900" kern="1200" cap="none">
+                <a:solidFill>
+                  <a:schemeClr val="tx1"/>
+                </a:solidFill>
+                <a:effectLst/>
+                <a:latin typeface="+mn-lt"/>
+                <a:ea typeface="+mn-ea"/>
+                <a:cs typeface="+mn-cs"/>
+              </a:defRPr>
+            </a:lvl7pPr>
+            <a:lvl8pPr marL="3200400" indent="0" algn="l" defTabSz="457200" rtl="0" eaLnBrk="1" latinLnBrk="0" hangingPunct="1">
+              <a:spcBef>
+                <a:spcPts val="0"/>
+              </a:spcBef>
+              <a:spcAft>
+                <a:spcPts val="1000"/>
+              </a:spcAft>
+              <a:buClr>
+                <a:schemeClr val="tx1"/>
+              </a:buClr>
+              <a:buSzPct val="100000"/>
+              <a:buFont typeface="Arial"/>
+              <a:buNone/>
+              <a:defRPr sz="900" kern="1200" cap="none">
+                <a:solidFill>
+                  <a:schemeClr val="tx1"/>
+                </a:solidFill>
+                <a:effectLst/>
+                <a:latin typeface="+mn-lt"/>
+                <a:ea typeface="+mn-ea"/>
+                <a:cs typeface="+mn-cs"/>
+              </a:defRPr>
+            </a:lvl8pPr>
+            <a:lvl9pPr marL="3657600" indent="0" algn="l" defTabSz="457200" rtl="0" eaLnBrk="1" latinLnBrk="0" hangingPunct="1">
+              <a:spcBef>
+                <a:spcPts val="0"/>
+              </a:spcBef>
+              <a:spcAft>
+                <a:spcPts val="1000"/>
+              </a:spcAft>
+              <a:buClr>
+                <a:schemeClr val="tx1"/>
+              </a:buClr>
+              <a:buSzPct val="100000"/>
+              <a:buFont typeface="Arial"/>
+              <a:buNone/>
+              <a:defRPr sz="900" kern="1200" cap="none">
+                <a:solidFill>
+                  <a:schemeClr val="tx1"/>
+                </a:solidFill>
+                <a:effectLst/>
+                <a:latin typeface="+mn-lt"/>
+                <a:ea typeface="+mn-ea"/>
+                <a:cs typeface="+mn-cs"/>
+              </a:defRPr>
+            </a:lvl9pPr>
+          </a:lstStyle>
+          <a:p>
+            <a:pPr algn="ctr"/>
+            <a:r>
+              <a:rPr lang="en-US" sz="900" dirty="0" smtClean="0">
+                <a:latin typeface="Segoe UI Light" panose="020B0502040204020203" pitchFamily="34" charset="0"/>
+                <a:cs typeface="Segoe UI Light" panose="020B0502040204020203" pitchFamily="34" charset="0"/>
+              </a:rPr>
+              <a:t> </a:t>
+            </a:r>
+            <a:r>
+              <a:rPr lang="en-US" sz="1800" dirty="0" smtClean="0">
+                <a:latin typeface="Segoe UI Light" panose="020B0502040204020203" pitchFamily="34" charset="0"/>
+                <a:cs typeface="Segoe UI Light" panose="020B0502040204020203" pitchFamily="34" charset="0"/>
+              </a:rPr>
+              <a:t/>
+            </a:r>
+            <a:br>
+              <a:rPr lang="en-US" sz="1800" dirty="0" smtClean="0">
+                <a:latin typeface="Segoe UI Light" panose="020B0502040204020203" pitchFamily="34" charset="0"/>
+                <a:cs typeface="Segoe UI Light" panose="020B0502040204020203" pitchFamily="34" charset="0"/>
+              </a:rPr>
+            </a:br>
+            <a:r>
+              <a:rPr lang="en-US" sz="1800" dirty="0" smtClean="0">
+                <a:solidFill>
+                  <a:schemeClr val="accent2">
+                    <a:lumMod val="40000"/>
+                    <a:lumOff val="60000"/>
+                  </a:schemeClr>
+                </a:solidFill>
+                <a:latin typeface="Segoe UI Light" panose="020B0502040204020203" pitchFamily="34" charset="0"/>
+                <a:cs typeface="Segoe UI Light" panose="020B0502040204020203" pitchFamily="34" charset="0"/>
+              </a:rPr>
+              <a:t>A live automated spell checker that detects and corrects misspelt errors and also, corrects contextual errors. Underlines words that are not in the dictionary, option to add words into the dictionary</a:t>
+            </a:r>
+            <a:endParaRPr lang="en-US" sz="1800" dirty="0">
+              <a:solidFill>
+                <a:schemeClr val="accent2">
+                  <a:lumMod val="40000"/>
+                  <a:lumOff val="60000"/>
+                </a:schemeClr>
+              </a:solidFill>
+            </a:endParaRPr>
+          </a:p>
         </p:txBody>
       </p:sp>
     </p:spTree>
     <p:extLst>
       <p:ext uri="{BB962C8B-B14F-4D97-AF65-F5344CB8AC3E}">
-        <p14:creationId xmlns:p14="http://schemas.microsoft.com/office/powerpoint/2010/main" val="3753889178"/>
+        <p14:creationId xmlns:p14="http://schemas.microsoft.com/office/powerpoint/2010/main" val="553432582"/>
       </p:ext>
     </p:extLst>
   </p:cSld>
@@ -10067,14 +10430,120 @@
       </p:grpSpPr>
       <p:sp>
         <p:nvSpPr>
+          <p:cNvPr id="2" name="Title 1"/>
+          <p:cNvSpPr>
+            <a:spLocks noGrp="1"/>
+          </p:cNvSpPr>
+          <p:nvPr>
+            <p:ph type="title"/>
+          </p:nvPr>
+        </p:nvSpPr>
+        <p:spPr>
+          <a:xfrm>
+            <a:off x="360947" y="1467853"/>
+            <a:ext cx="3621116" cy="1256185"/>
+          </a:xfrm>
+        </p:spPr>
+        <p:txBody>
+          <a:bodyPr>
+            <a:normAutofit fontScale="90000"/>
+          </a:bodyPr>
+          <a:lstStyle/>
+          <a:p>
+            <a:pPr algn="ctr"/>
+            <a:r>
+              <a:rPr lang="en-US" sz="4000" dirty="0" smtClean="0">
+                <a:latin typeface="Segoe UI Light" panose="020B0502040204020203" pitchFamily="34" charset="0"/>
+                <a:cs typeface="Segoe UI Light" panose="020B0502040204020203" pitchFamily="34" charset="0"/>
+              </a:rPr>
+              <a:t>WORD SEGMENTATION</a:t>
+            </a:r>
+            <a:endParaRPr lang="en-US" sz="2000" dirty="0">
+              <a:latin typeface="Segoe UI Light" panose="020B0502040204020203" pitchFamily="34" charset="0"/>
+              <a:cs typeface="Segoe UI Light" panose="020B0502040204020203" pitchFamily="34" charset="0"/>
+            </a:endParaRPr>
+          </a:p>
+        </p:txBody>
+      </p:sp>
+      <p:sp>
+        <p:nvSpPr>
+          <p:cNvPr id="4" name="Text Placeholder 3"/>
+          <p:cNvSpPr>
+            <a:spLocks noGrp="1"/>
+          </p:cNvSpPr>
+          <p:nvPr>
+            <p:ph type="body" sz="half" idx="2"/>
+          </p:nvPr>
+        </p:nvSpPr>
+        <p:spPr>
+          <a:xfrm>
+            <a:off x="607400" y="2777065"/>
+            <a:ext cx="3128209" cy="2444638"/>
+          </a:xfrm>
+        </p:spPr>
+        <p:txBody>
+          <a:bodyPr>
+            <a:normAutofit/>
+          </a:bodyPr>
+          <a:lstStyle/>
+          <a:p>
+            <a:pPr algn="ctr"/>
+            <a:r>
+              <a:rPr lang="en-US" sz="900" dirty="0" smtClean="0">
+                <a:latin typeface="Segoe UI Light" panose="020B0502040204020203" pitchFamily="34" charset="0"/>
+                <a:cs typeface="Segoe UI Light" panose="020B0502040204020203" pitchFamily="34" charset="0"/>
+              </a:rPr>
+              <a:t> </a:t>
+            </a:r>
+            <a:r>
+              <a:rPr lang="en-US" sz="1800" dirty="0" smtClean="0">
+                <a:latin typeface="Segoe UI Light" panose="020B0502040204020203" pitchFamily="34" charset="0"/>
+                <a:cs typeface="Segoe UI Light" panose="020B0502040204020203" pitchFamily="34" charset="0"/>
+              </a:rPr>
+              <a:t/>
+            </a:r>
+            <a:br>
+              <a:rPr lang="en-US" sz="1800" dirty="0" smtClean="0">
+                <a:latin typeface="Segoe UI Light" panose="020B0502040204020203" pitchFamily="34" charset="0"/>
+                <a:cs typeface="Segoe UI Light" panose="020B0502040204020203" pitchFamily="34" charset="0"/>
+              </a:rPr>
+            </a:br>
+            <a:r>
+              <a:rPr lang="en-US" sz="1800" dirty="0" smtClean="0">
+                <a:solidFill>
+                  <a:schemeClr val="accent2">
+                    <a:lumMod val="40000"/>
+                    <a:lumOff val="60000"/>
+                  </a:schemeClr>
+                </a:solidFill>
+                <a:latin typeface="Segoe UI Light" panose="020B0502040204020203" pitchFamily="34" charset="0"/>
+                <a:cs typeface="Segoe UI Light" panose="020B0502040204020203" pitchFamily="34" charset="0"/>
+              </a:rPr>
+              <a:t>A live feature, that checks if the user, has missed out spaces between words, and tries to automatically add the missing spaces</a:t>
+            </a:r>
+            <a:endParaRPr lang="en-US" sz="1800" dirty="0">
+              <a:solidFill>
+                <a:schemeClr val="accent2">
+                  <a:lumMod val="40000"/>
+                  <a:lumOff val="60000"/>
+                </a:schemeClr>
+              </a:solidFill>
+              <a:latin typeface="Segoe UI Light" panose="020B0502040204020203" pitchFamily="34" charset="0"/>
+              <a:cs typeface="Segoe UI Light" panose="020B0502040204020203" pitchFamily="34" charset="0"/>
+            </a:endParaRPr>
+          </a:p>
+        </p:txBody>
+      </p:sp>
+      <p:sp>
+        <p:nvSpPr>
           <p:cNvPr id="5" name="TextBox 4"/>
           <p:cNvSpPr txBox="1"/>
           <p:nvPr/>
         </p:nvSpPr>
         <p:spPr>
           <a:xfrm>
-            <a:off x="4884820" y="625645"/>
-            <a:ext cx="6809873" cy="5693866"/>
+            <a:off x="4704349" y="522986"/>
+            <a:ext cx="6930188" cy="5940088"/>
           </a:xfrm>
           <a:prstGeom prst="rect">
             <a:avLst/>
@@ -10088,7 +10557,7 @@
           <a:lstStyle/>
           <a:p>
             <a:r>
-              <a:rPr lang="en-US" sz="2400" dirty="0" smtClean="0">
+              <a:rPr lang="en-US" sz="2400" dirty="0">
                 <a:solidFill>
                   <a:schemeClr val="accent2">
                     <a:lumMod val="40000"/>
@@ -10098,7 +10567,73 @@
                 <a:latin typeface="Segoe UI Light" panose="020B0502040204020203" pitchFamily="34" charset="0"/>
                 <a:cs typeface="Segoe UI Light" panose="020B0502040204020203" pitchFamily="34" charset="0"/>
               </a:rPr>
-              <a:t>Handling cases</a:t>
+              <a:t>Generating segments</a:t>
+            </a:r>
+          </a:p>
+          <a:p>
+            <a:pPr lvl="1"/>
+            <a:r>
+              <a:rPr lang="en-US" dirty="0" smtClean="0">
+                <a:latin typeface="Segoe UI Light" panose="020B0502040204020203" pitchFamily="34" charset="0"/>
+                <a:cs typeface="Segoe UI Light" panose="020B0502040204020203" pitchFamily="34" charset="0"/>
+              </a:rPr>
+              <a:t>A </a:t>
+            </a:r>
+            <a:r>
+              <a:rPr lang="en-US" dirty="0">
+                <a:latin typeface="Segoe UI Light" panose="020B0502040204020203" pitchFamily="34" charset="0"/>
+                <a:cs typeface="Segoe UI Light" panose="020B0502040204020203" pitchFamily="34" charset="0"/>
+              </a:rPr>
+              <a:t>function </a:t>
+            </a:r>
+            <a:r>
+              <a:rPr lang="en-US" dirty="0" smtClean="0">
+                <a:latin typeface="Segoe UI Light" panose="020B0502040204020203" pitchFamily="34" charset="0"/>
+                <a:cs typeface="Segoe UI Light" panose="020B0502040204020203" pitchFamily="34" charset="0"/>
+              </a:rPr>
+              <a:t>split() that </a:t>
+            </a:r>
+            <a:r>
+              <a:rPr lang="en-US" dirty="0">
+                <a:latin typeface="Segoe UI Light" panose="020B0502040204020203" pitchFamily="34" charset="0"/>
+                <a:cs typeface="Segoe UI Light" panose="020B0502040204020203" pitchFamily="34" charset="0"/>
+              </a:rPr>
+              <a:t>produces all possible segmentations of a given </a:t>
+            </a:r>
+            <a:r>
+              <a:rPr lang="en-US" dirty="0" smtClean="0">
+                <a:latin typeface="Segoe UI Light" panose="020B0502040204020203" pitchFamily="34" charset="0"/>
+                <a:cs typeface="Segoe UI Light" panose="020B0502040204020203" pitchFamily="34" charset="0"/>
+              </a:rPr>
+              <a:t>word, by using the substring option.</a:t>
+            </a:r>
+          </a:p>
+          <a:p>
+            <a:pPr lvl="1"/>
+            <a:endParaRPr lang="en-US" sz="2400" dirty="0" smtClean="0">
+              <a:solidFill>
+                <a:schemeClr val="accent2">
+                  <a:lumMod val="40000"/>
+                  <a:lumOff val="60000"/>
+                </a:schemeClr>
+              </a:solidFill>
+              <a:latin typeface="Segoe UI Light" panose="020B0502040204020203" pitchFamily="34" charset="0"/>
+              <a:cs typeface="Segoe UI Light" panose="020B0502040204020203" pitchFamily="34" charset="0"/>
+            </a:endParaRPr>
+          </a:p>
+          <a:p>
+            <a:r>
+              <a:rPr lang="en-US" sz="2400" dirty="0" smtClean="0">
+                <a:solidFill>
+                  <a:schemeClr val="accent2">
+                    <a:lumMod val="40000"/>
+                    <a:lumOff val="60000"/>
+                  </a:schemeClr>
+                </a:solidFill>
+                <a:latin typeface="Segoe UI Light" panose="020B0502040204020203" pitchFamily="34" charset="0"/>
+                <a:cs typeface="Segoe UI Light" panose="020B0502040204020203" pitchFamily="34" charset="0"/>
+              </a:rPr>
+              <a:t>Tracking fitness value</a:t>
             </a:r>
             <a:endParaRPr lang="en-US" sz="2400" dirty="0">
               <a:solidFill>
@@ -10114,33 +10649,43 @@
           <a:p>
             <a:pPr lvl="1"/>
             <a:r>
+              <a:rPr lang="en-US" dirty="0" err="1" smtClean="0">
+                <a:latin typeface="Segoe UI Light" panose="020B0502040204020203" pitchFamily="34" charset="0"/>
+                <a:cs typeface="Segoe UI Light" panose="020B0502040204020203" pitchFamily="34" charset="0"/>
+              </a:rPr>
+              <a:t>wordSequenceFitness</a:t>
+            </a:r>
+            <a:r>
               <a:rPr lang="en-US" dirty="0" smtClean="0">
                 <a:latin typeface="Segoe UI Light" panose="020B0502040204020203" pitchFamily="34" charset="0"/>
                 <a:cs typeface="Segoe UI Light" panose="020B0502040204020203" pitchFamily="34" charset="0"/>
               </a:rPr>
-              <a:t>Candidates are generated, having considered the cases (Lowercase, Uppercase, </a:t>
-            </a:r>
-            <a:r>
-              <a:rPr lang="en-US" dirty="0" err="1" smtClean="0">
-                <a:latin typeface="Segoe UI Light" panose="020B0502040204020203" pitchFamily="34" charset="0"/>
-                <a:cs typeface="Segoe UI Light" panose="020B0502040204020203" pitchFamily="34" charset="0"/>
-              </a:rPr>
-              <a:t>Camelcase</a:t>
+              <a:t>() is the function used, </a:t>
+            </a:r>
+            <a:r>
+              <a:rPr lang="en-US" dirty="0">
+                <a:latin typeface="Segoe UI Light" panose="020B0502040204020203" pitchFamily="34" charset="0"/>
+                <a:cs typeface="Segoe UI Light" panose="020B0502040204020203" pitchFamily="34" charset="0"/>
+              </a:rPr>
+              <a:t>that operates on lists of words generated by segment and returns the combined probability of the constituent </a:t>
             </a:r>
             <a:r>
               <a:rPr lang="en-US" dirty="0" smtClean="0">
                 <a:latin typeface="Segoe UI Light" panose="020B0502040204020203" pitchFamily="34" charset="0"/>
                 <a:cs typeface="Segoe UI Light" panose="020B0502040204020203" pitchFamily="34" charset="0"/>
               </a:rPr>
-              <a:t>) of the incorrect word.</a:t>
-            </a:r>
-            <a:br>
-              <a:rPr lang="en-US" dirty="0" smtClean="0">
-                <a:latin typeface="Segoe UI Light" panose="020B0502040204020203" pitchFamily="34" charset="0"/>
-                <a:cs typeface="Segoe UI Light" panose="020B0502040204020203" pitchFamily="34" charset="0"/>
-              </a:rPr>
-            </a:br>
-            <a:endParaRPr lang="en-US" dirty="0">
+              <a:t>words.</a:t>
+            </a:r>
+          </a:p>
+          <a:p>
+            <a:pPr lvl="1"/>
+            <a:endParaRPr lang="en-US" sz="2400" dirty="0" smtClean="0">
+              <a:solidFill>
+                <a:schemeClr val="accent2">
+                  <a:lumMod val="40000"/>
+                  <a:lumOff val="60000"/>
+                </a:schemeClr>
+              </a:solidFill>
               <a:latin typeface="Segoe UI Light" panose="020B0502040204020203" pitchFamily="34" charset="0"/>
               <a:cs typeface="Segoe UI Light" panose="020B0502040204020203" pitchFamily="34" charset="0"/>
             </a:endParaRPr>
@@ -10157,7 +10702,7 @@
                 <a:latin typeface="Segoe UI Light" panose="020B0502040204020203" pitchFamily="34" charset="0"/>
                 <a:cs typeface="Segoe UI Light" panose="020B0502040204020203" pitchFamily="34" charset="0"/>
               </a:rPr>
-              <a:t>Automatic Capitalization</a:t>
+              <a:t>The Recursive algorithm</a:t>
             </a:r>
             <a:endParaRPr lang="en-US" sz="2400" dirty="0">
               <a:solidFill>
@@ -10177,92 +10722,49 @@
                 <a:latin typeface="Segoe UI Light" panose="020B0502040204020203" pitchFamily="34" charset="0"/>
                 <a:cs typeface="Segoe UI Light" panose="020B0502040204020203" pitchFamily="34" charset="0"/>
               </a:rPr>
-              <a:t>Capitalize the first word of a new line.</a:t>
-            </a:r>
-            <a:br>
+              <a:t>A function Segment() </a:t>
+            </a:r>
+            <a:r>
+              <a:rPr lang="en-US" dirty="0">
+                <a:latin typeface="Segoe UI Light" panose="020B0502040204020203" pitchFamily="34" charset="0"/>
+                <a:cs typeface="Segoe UI Light" panose="020B0502040204020203" pitchFamily="34" charset="0"/>
+              </a:rPr>
+              <a:t>returns a list of words that correctly make up the argument (</a:t>
+            </a:r>
+            <a:r>
+              <a:rPr lang="en-US" dirty="0" err="1">
+                <a:latin typeface="Segoe UI Light" panose="020B0502040204020203" pitchFamily="34" charset="0"/>
+                <a:cs typeface="Segoe UI Light" panose="020B0502040204020203" pitchFamily="34" charset="0"/>
+              </a:rPr>
+              <a:t>unsegmented</a:t>
+            </a:r>
+            <a:r>
+              <a:rPr lang="en-US" dirty="0">
+                <a:latin typeface="Segoe UI Light" panose="020B0502040204020203" pitchFamily="34" charset="0"/>
+                <a:cs typeface="Segoe UI Light" panose="020B0502040204020203" pitchFamily="34" charset="0"/>
+              </a:rPr>
+              <a:t> word) of the function. </a:t>
+            </a:r>
+            <a:r>
               <a:rPr lang="en-US" dirty="0" smtClean="0">
                 <a:latin typeface="Segoe UI Light" panose="020B0502040204020203" pitchFamily="34" charset="0"/>
                 <a:cs typeface="Segoe UI Light" panose="020B0502040204020203" pitchFamily="34" charset="0"/>
               </a:rPr>
-            </a:br>
-            <a:endParaRPr lang="en-US" sz="2400" dirty="0" smtClean="0">
-              <a:solidFill>
-                <a:schemeClr val="accent2">
-                  <a:lumMod val="40000"/>
-                  <a:lumOff val="60000"/>
-                </a:schemeClr>
-              </a:solidFill>
-              <a:latin typeface="Segoe UI Light" panose="020B0502040204020203" pitchFamily="34" charset="0"/>
-              <a:cs typeface="Segoe UI Light" panose="020B0502040204020203" pitchFamily="34" charset="0"/>
-            </a:endParaRPr>
-          </a:p>
-          <a:p>
-            <a:r>
-              <a:rPr lang="en-US" sz="2400" dirty="0" smtClean="0">
-                <a:solidFill>
-                  <a:schemeClr val="accent2">
-                    <a:lumMod val="40000"/>
-                    <a:lumOff val="60000"/>
-                  </a:schemeClr>
-                </a:solidFill>
-                <a:latin typeface="Segoe UI Light" panose="020B0502040204020203" pitchFamily="34" charset="0"/>
-                <a:cs typeface="Segoe UI Light" panose="020B0502040204020203" pitchFamily="34" charset="0"/>
-              </a:rPr>
-              <a:t>Add </a:t>
-            </a:r>
-            <a:r>
-              <a:rPr lang="en-US" sz="2400" dirty="0" smtClean="0">
-                <a:solidFill>
-                  <a:schemeClr val="accent2">
-                    <a:lumMod val="40000"/>
-                    <a:lumOff val="60000"/>
-                  </a:schemeClr>
-                </a:solidFill>
-                <a:latin typeface="Segoe UI Light" panose="020B0502040204020203" pitchFamily="34" charset="0"/>
-                <a:cs typeface="Segoe UI Light" panose="020B0502040204020203" pitchFamily="34" charset="0"/>
-              </a:rPr>
-              <a:t>to dictionary</a:t>
-            </a:r>
-            <a:endParaRPr lang="en-US" sz="2400" dirty="0">
-              <a:solidFill>
-                <a:schemeClr val="accent2">
-                  <a:lumMod val="40000"/>
-                  <a:lumOff val="60000"/>
-                </a:schemeClr>
-              </a:solidFill>
-              <a:latin typeface="Segoe UI Light" panose="020B0502040204020203" pitchFamily="34" charset="0"/>
-              <a:cs typeface="Segoe UI Light" panose="020B0502040204020203" pitchFamily="34" charset="0"/>
-            </a:endParaRPr>
-          </a:p>
-          <a:p>
-            <a:pPr lvl="1"/>
+              <a:t>This function </a:t>
+            </a:r>
+            <a:r>
+              <a:rPr lang="en-US" dirty="0">
+                <a:latin typeface="Segoe UI Light" panose="020B0502040204020203" pitchFamily="34" charset="0"/>
+                <a:cs typeface="Segoe UI Light" panose="020B0502040204020203" pitchFamily="34" charset="0"/>
+              </a:rPr>
+              <a:t>is recursively called with substrings of the argument every </a:t>
+            </a:r>
             <a:r>
               <a:rPr lang="en-US" dirty="0" smtClean="0">
                 <a:latin typeface="Segoe UI Light" panose="020B0502040204020203" pitchFamily="34" charset="0"/>
                 <a:cs typeface="Segoe UI Light" panose="020B0502040204020203" pitchFamily="34" charset="0"/>
               </a:rPr>
-              <a:t>Adding the word to the </a:t>
-            </a:r>
-            <a:r>
-              <a:rPr lang="en-US" dirty="0" err="1" smtClean="0">
-                <a:latin typeface="Segoe UI Light" panose="020B0502040204020203" pitchFamily="34" charset="0"/>
-                <a:cs typeface="Segoe UI Light" panose="020B0502040204020203" pitchFamily="34" charset="0"/>
-              </a:rPr>
-              <a:t>HashMap</a:t>
-            </a:r>
-            <a:r>
-              <a:rPr lang="en-US" dirty="0" smtClean="0">
-                <a:latin typeface="Segoe UI Light" panose="020B0502040204020203" pitchFamily="34" charset="0"/>
-                <a:cs typeface="Segoe UI Light" panose="020B0502040204020203" pitchFamily="34" charset="0"/>
-              </a:rPr>
-              <a:t> corpus, and serializing it, for later use. (Option of restoring the standard dictionary available</a:t>
-            </a:r>
-            <a:r>
-              <a:rPr lang="en-US" dirty="0" smtClean="0">
-                <a:latin typeface="Segoe UI Light" panose="020B0502040204020203" pitchFamily="34" charset="0"/>
-                <a:cs typeface="Segoe UI Light" panose="020B0502040204020203" pitchFamily="34" charset="0"/>
-              </a:rPr>
-              <a:t>)</a:t>
+              <a:t>time, maintaining the fitness value of each list. Finally, the list of words with the maximum fitness value is returned.</a:t>
             </a:r>
             <a:endParaRPr lang="en-US" dirty="0">
               <a:latin typeface="Segoe UI Light" panose="020B0502040204020203" pitchFamily="34" charset="0"/>
@@ -10288,500 +10790,29 @@
                 <a:latin typeface="Segoe UI Light" panose="020B0502040204020203" pitchFamily="34" charset="0"/>
                 <a:cs typeface="Segoe UI Light" panose="020B0502040204020203" pitchFamily="34" charset="0"/>
               </a:rPr>
-              <a:t>Underlining misspelt words</a:t>
-            </a:r>
-            <a:endParaRPr lang="en-US" sz="2400" dirty="0">
-              <a:solidFill>
-                <a:schemeClr val="accent2">
-                  <a:lumMod val="40000"/>
-                  <a:lumOff val="60000"/>
-                </a:schemeClr>
-              </a:solidFill>
+              <a:t>Feature of switching it off</a:t>
+            </a:r>
+          </a:p>
+          <a:p>
+            <a:pPr lvl="1"/>
+            <a:r>
+              <a:rPr lang="en-US" dirty="0" smtClean="0">
+                <a:latin typeface="Segoe UI Light" panose="020B0502040204020203" pitchFamily="34" charset="0"/>
+                <a:cs typeface="Segoe UI Light" panose="020B0502040204020203" pitchFamily="34" charset="0"/>
+              </a:rPr>
+              <a:t>An additional option, to help the user to prevent unwanted segmentation, done automatically by the editor</a:t>
+            </a:r>
+            <a:endParaRPr lang="en-US" dirty="0">
               <a:latin typeface="Segoe UI Light" panose="020B0502040204020203" pitchFamily="34" charset="0"/>
               <a:cs typeface="Segoe UI Light" panose="020B0502040204020203" pitchFamily="34" charset="0"/>
             </a:endParaRPr>
           </a:p>
-          <a:p>
-            <a:pPr lvl="1"/>
-            <a:r>
-              <a:rPr lang="en-US" dirty="0" smtClean="0">
-                <a:latin typeface="Segoe UI Light" panose="020B0502040204020203" pitchFamily="34" charset="0"/>
-                <a:cs typeface="Segoe UI Light" panose="020B0502040204020203" pitchFamily="34" charset="0"/>
-              </a:rPr>
-              <a:t>A </a:t>
-            </a:r>
-            <a:r>
-              <a:rPr lang="en-US" dirty="0" err="1" smtClean="0">
-                <a:latin typeface="Segoe UI Light" panose="020B0502040204020203" pitchFamily="34" charset="0"/>
-                <a:cs typeface="Segoe UI Light" panose="020B0502040204020203" pitchFamily="34" charset="0"/>
-              </a:rPr>
-              <a:t>UnderlineHighlighter</a:t>
-            </a:r>
-            <a:r>
-              <a:rPr lang="en-US" dirty="0" smtClean="0">
-                <a:latin typeface="Segoe UI Light" panose="020B0502040204020203" pitchFamily="34" charset="0"/>
-                <a:cs typeface="Segoe UI Light" panose="020B0502040204020203" pitchFamily="34" charset="0"/>
-              </a:rPr>
-              <a:t> object is used for the purpose of underlining words that are not present in the dictionary</a:t>
-            </a:r>
-            <a:r>
-              <a:rPr lang="en-US" dirty="0" smtClean="0">
-                <a:latin typeface="Segoe UI Light" panose="020B0502040204020203" pitchFamily="34" charset="0"/>
-                <a:cs typeface="Segoe UI Light" panose="020B0502040204020203" pitchFamily="34" charset="0"/>
-              </a:rPr>
-              <a:t>.</a:t>
-            </a:r>
-            <a:endParaRPr lang="en-US" dirty="0" smtClean="0">
-              <a:latin typeface="Segoe UI Light" panose="020B0502040204020203" pitchFamily="34" charset="0"/>
-              <a:cs typeface="Segoe UI Light" panose="020B0502040204020203" pitchFamily="34" charset="0"/>
-            </a:endParaRPr>
-          </a:p>
-          <a:p>
-            <a:pPr lvl="1"/>
-            <a:endParaRPr lang="en-US" sz="2000" dirty="0">
-              <a:latin typeface="Segoe UI Light" panose="020B0502040204020203" pitchFamily="34" charset="0"/>
-              <a:cs typeface="Segoe UI Light" panose="020B0502040204020203" pitchFamily="34" charset="0"/>
-            </a:endParaRPr>
-          </a:p>
-          <a:p>
-            <a:r>
-              <a:rPr lang="en-US" sz="2400" dirty="0" smtClean="0">
-                <a:solidFill>
-                  <a:schemeClr val="accent2">
-                    <a:lumMod val="40000"/>
-                    <a:lumOff val="60000"/>
-                  </a:schemeClr>
-                </a:solidFill>
-                <a:latin typeface="Segoe UI Light" panose="020B0502040204020203" pitchFamily="34" charset="0"/>
-                <a:cs typeface="Segoe UI Light" panose="020B0502040204020203" pitchFamily="34" charset="0"/>
-              </a:rPr>
-              <a:t>Right Click feature</a:t>
-            </a:r>
-            <a:endParaRPr lang="en-US" sz="2400" dirty="0">
-              <a:solidFill>
-                <a:schemeClr val="accent2">
-                  <a:lumMod val="40000"/>
-                  <a:lumOff val="60000"/>
-                </a:schemeClr>
-              </a:solidFill>
-              <a:latin typeface="Segoe UI Light" panose="020B0502040204020203" pitchFamily="34" charset="0"/>
-              <a:cs typeface="Segoe UI Light" panose="020B0502040204020203" pitchFamily="34" charset="0"/>
-            </a:endParaRPr>
-          </a:p>
-          <a:p>
-            <a:pPr lvl="1"/>
-            <a:r>
-              <a:rPr lang="en-US" dirty="0" smtClean="0">
-                <a:latin typeface="Segoe UI Light" panose="020B0502040204020203" pitchFamily="34" charset="0"/>
-                <a:cs typeface="Segoe UI Light" panose="020B0502040204020203" pitchFamily="34" charset="0"/>
-              </a:rPr>
-              <a:t>A listener, provides a popup of candidate words, in case the spelling </a:t>
-            </a:r>
-            <a:r>
-              <a:rPr lang="en-US" dirty="0" smtClean="0">
-                <a:latin typeface="Segoe UI Light" panose="020B0502040204020203" pitchFamily="34" charset="0"/>
-                <a:cs typeface="Segoe UI Light" panose="020B0502040204020203" pitchFamily="34" charset="0"/>
-              </a:rPr>
-              <a:t>of the word under consideration is incorrect.</a:t>
-            </a:r>
-            <a:endParaRPr lang="en-US" dirty="0"/>
-          </a:p>
-        </p:txBody>
-      </p:sp>
-      <p:sp>
-        <p:nvSpPr>
-          <p:cNvPr id="7" name="Title 1"/>
-          <p:cNvSpPr txBox="1">
-            <a:spLocks/>
-          </p:cNvSpPr>
-          <p:nvPr/>
-        </p:nvSpPr>
-        <p:spPr>
-          <a:xfrm>
-            <a:off x="445557" y="1732548"/>
-            <a:ext cx="3680885" cy="895238"/>
-          </a:xfrm>
-          <a:prstGeom prst="rect">
-            <a:avLst/>
-          </a:prstGeom>
-          <a:effectLst/>
-        </p:spPr>
-        <p:txBody>
-          <a:bodyPr vert="horz" lIns="91440" tIns="45720" rIns="91440" bIns="45720" rtlCol="0" anchor="b">
-            <a:normAutofit/>
-          </a:bodyPr>
-          <a:lstStyle>
-            <a:lvl1pPr algn="l" defTabSz="457200" rtl="0" eaLnBrk="1" latinLnBrk="0" hangingPunct="1">
-              <a:spcBef>
-                <a:spcPct val="0"/>
-              </a:spcBef>
-              <a:buNone/>
-              <a:defRPr sz="2400" b="0" kern="1200" cap="all">
-                <a:ln w="3175" cmpd="sng">
-                  <a:noFill/>
-                </a:ln>
-                <a:solidFill>
-                  <a:schemeClr val="tx1"/>
-                </a:solidFill>
-                <a:effectLst/>
-                <a:latin typeface="+mj-lt"/>
-                <a:ea typeface="+mj-ea"/>
-                <a:cs typeface="+mj-cs"/>
-              </a:defRPr>
-            </a:lvl1pPr>
-            <a:lvl2pPr eaLnBrk="1" hangingPunct="1">
-              <a:defRPr>
-                <a:solidFill>
-                  <a:schemeClr val="tx2"/>
-                </a:solidFill>
-              </a:defRPr>
-            </a:lvl2pPr>
-            <a:lvl3pPr eaLnBrk="1" hangingPunct="1">
-              <a:defRPr>
-                <a:solidFill>
-                  <a:schemeClr val="tx2"/>
-                </a:solidFill>
-              </a:defRPr>
-            </a:lvl3pPr>
-            <a:lvl4pPr eaLnBrk="1" hangingPunct="1">
-              <a:defRPr>
-                <a:solidFill>
-                  <a:schemeClr val="tx2"/>
-                </a:solidFill>
-              </a:defRPr>
-            </a:lvl4pPr>
-            <a:lvl5pPr eaLnBrk="1" hangingPunct="1">
-              <a:defRPr>
-                <a:solidFill>
-                  <a:schemeClr val="tx2"/>
-                </a:solidFill>
-              </a:defRPr>
-            </a:lvl5pPr>
-            <a:lvl6pPr eaLnBrk="1" hangingPunct="1">
-              <a:defRPr>
-                <a:solidFill>
-                  <a:schemeClr val="tx2"/>
-                </a:solidFill>
-              </a:defRPr>
-            </a:lvl6pPr>
-            <a:lvl7pPr eaLnBrk="1" hangingPunct="1">
-              <a:defRPr>
-                <a:solidFill>
-                  <a:schemeClr val="tx2"/>
-                </a:solidFill>
-              </a:defRPr>
-            </a:lvl7pPr>
-            <a:lvl8pPr eaLnBrk="1" hangingPunct="1">
-              <a:defRPr>
-                <a:solidFill>
-                  <a:schemeClr val="tx2"/>
-                </a:solidFill>
-              </a:defRPr>
-            </a:lvl8pPr>
-            <a:lvl9pPr eaLnBrk="1" hangingPunct="1">
-              <a:defRPr>
-                <a:solidFill>
-                  <a:schemeClr val="tx2"/>
-                </a:solidFill>
-              </a:defRPr>
-            </a:lvl9pPr>
-          </a:lstStyle>
-          <a:p>
-            <a:pPr algn="ctr"/>
-            <a:r>
-              <a:rPr lang="en-US" sz="4000" smtClean="0">
-                <a:latin typeface="Segoe UI Light" panose="020B0502040204020203" pitchFamily="34" charset="0"/>
-                <a:cs typeface="Segoe UI Light" panose="020B0502040204020203" pitchFamily="34" charset="0"/>
-              </a:rPr>
-              <a:t>Spell Checker</a:t>
-            </a:r>
-            <a:endParaRPr lang="en-US" sz="2000" dirty="0">
-              <a:latin typeface="Segoe UI Light" panose="020B0502040204020203" pitchFamily="34" charset="0"/>
-              <a:cs typeface="Segoe UI Light" panose="020B0502040204020203" pitchFamily="34" charset="0"/>
-            </a:endParaRPr>
-          </a:p>
-        </p:txBody>
-      </p:sp>
-      <p:sp>
-        <p:nvSpPr>
-          <p:cNvPr id="8" name="Text Placeholder 3"/>
-          <p:cNvSpPr txBox="1">
-            <a:spLocks/>
-          </p:cNvSpPr>
-          <p:nvPr/>
-        </p:nvSpPr>
-        <p:spPr>
-          <a:xfrm>
-            <a:off x="721894" y="2765035"/>
-            <a:ext cx="3128209" cy="2444638"/>
-          </a:xfrm>
-          <a:prstGeom prst="rect">
-            <a:avLst/>
-          </a:prstGeom>
-        </p:spPr>
-        <p:txBody>
-          <a:bodyPr vert="horz" lIns="91440" tIns="45720" rIns="91440" bIns="45720" rtlCol="0" anchor="t">
-            <a:normAutofit/>
-          </a:bodyPr>
-          <a:lstStyle>
-            <a:lvl1pPr marL="0" indent="0" algn="l" defTabSz="457200" rtl="0" eaLnBrk="1" latinLnBrk="0" hangingPunct="1">
-              <a:spcBef>
-                <a:spcPts val="0"/>
-              </a:spcBef>
-              <a:spcAft>
-                <a:spcPts val="1000"/>
-              </a:spcAft>
-              <a:buClr>
-                <a:schemeClr val="tx1"/>
-              </a:buClr>
-              <a:buSzPct val="100000"/>
-              <a:buFont typeface="Arial"/>
-              <a:buNone/>
-              <a:defRPr sz="1600" kern="1200" cap="none">
-                <a:solidFill>
-                  <a:schemeClr val="tx1"/>
-                </a:solidFill>
-                <a:effectLst/>
-                <a:latin typeface="+mn-lt"/>
-                <a:ea typeface="+mn-ea"/>
-                <a:cs typeface="+mn-cs"/>
-              </a:defRPr>
-            </a:lvl1pPr>
-            <a:lvl2pPr marL="457200" indent="0" algn="l" defTabSz="457200" rtl="0" eaLnBrk="1" latinLnBrk="0" hangingPunct="1">
-              <a:spcBef>
-                <a:spcPts val="0"/>
-              </a:spcBef>
-              <a:spcAft>
-                <a:spcPts val="1000"/>
-              </a:spcAft>
-              <a:buClr>
-                <a:schemeClr val="tx1"/>
-              </a:buClr>
-              <a:buSzPct val="100000"/>
-              <a:buFont typeface="Arial"/>
-              <a:buNone/>
-              <a:defRPr sz="1200" kern="1200" cap="none">
-                <a:solidFill>
-                  <a:schemeClr val="tx1"/>
-                </a:solidFill>
-                <a:effectLst/>
-                <a:latin typeface="+mn-lt"/>
-                <a:ea typeface="+mn-ea"/>
-                <a:cs typeface="+mn-cs"/>
-              </a:defRPr>
-            </a:lvl2pPr>
-            <a:lvl3pPr marL="914400" indent="0" algn="l" defTabSz="457200" rtl="0" eaLnBrk="1" latinLnBrk="0" hangingPunct="1">
-              <a:spcBef>
-                <a:spcPts val="0"/>
-              </a:spcBef>
-              <a:spcAft>
-                <a:spcPts val="1000"/>
-              </a:spcAft>
-              <a:buClr>
-                <a:schemeClr val="tx1"/>
-              </a:buClr>
-              <a:buSzPct val="100000"/>
-              <a:buFont typeface="Arial"/>
-              <a:buNone/>
-              <a:defRPr sz="1000" kern="1200" cap="none">
-                <a:solidFill>
-                  <a:schemeClr val="tx1"/>
-                </a:solidFill>
-                <a:effectLst/>
-                <a:latin typeface="+mn-lt"/>
-                <a:ea typeface="+mn-ea"/>
-                <a:cs typeface="+mn-cs"/>
-              </a:defRPr>
-            </a:lvl3pPr>
-            <a:lvl4pPr marL="1371600" indent="0" algn="l" defTabSz="457200" rtl="0" eaLnBrk="1" latinLnBrk="0" hangingPunct="1">
-              <a:spcBef>
-                <a:spcPts val="0"/>
-              </a:spcBef>
-              <a:spcAft>
-                <a:spcPts val="1000"/>
-              </a:spcAft>
-              <a:buClr>
-                <a:schemeClr val="tx1"/>
-              </a:buClr>
-              <a:buSzPct val="100000"/>
-              <a:buFont typeface="Arial"/>
-              <a:buNone/>
-              <a:defRPr sz="900" kern="1200" cap="none">
-                <a:solidFill>
-                  <a:schemeClr val="tx1"/>
-                </a:solidFill>
-                <a:effectLst/>
-                <a:latin typeface="+mn-lt"/>
-                <a:ea typeface="+mn-ea"/>
-                <a:cs typeface="+mn-cs"/>
-              </a:defRPr>
-            </a:lvl4pPr>
-            <a:lvl5pPr marL="1828800" indent="0" algn="l" defTabSz="457200" rtl="0" eaLnBrk="1" latinLnBrk="0" hangingPunct="1">
-              <a:spcBef>
-                <a:spcPts val="0"/>
-              </a:spcBef>
-              <a:spcAft>
-                <a:spcPts val="1000"/>
-              </a:spcAft>
-              <a:buClr>
-                <a:schemeClr val="tx1"/>
-              </a:buClr>
-              <a:buSzPct val="100000"/>
-              <a:buFont typeface="Arial"/>
-              <a:buNone/>
-              <a:defRPr sz="900" kern="1200" cap="none">
-                <a:solidFill>
-                  <a:schemeClr val="tx1"/>
-                </a:solidFill>
-                <a:effectLst/>
-                <a:latin typeface="+mn-lt"/>
-                <a:ea typeface="+mn-ea"/>
-                <a:cs typeface="+mn-cs"/>
-              </a:defRPr>
-            </a:lvl5pPr>
-            <a:lvl6pPr marL="2286000" indent="0" algn="l" defTabSz="457200" rtl="0" eaLnBrk="1" latinLnBrk="0" hangingPunct="1">
-              <a:spcBef>
-                <a:spcPts val="0"/>
-              </a:spcBef>
-              <a:spcAft>
-                <a:spcPts val="1000"/>
-              </a:spcAft>
-              <a:buClr>
-                <a:schemeClr val="tx1"/>
-              </a:buClr>
-              <a:buSzPct val="100000"/>
-              <a:buFont typeface="Arial"/>
-              <a:buNone/>
-              <a:defRPr sz="900" kern="1200" cap="none">
-                <a:solidFill>
-                  <a:schemeClr val="tx1"/>
-                </a:solidFill>
-                <a:effectLst/>
-                <a:latin typeface="+mn-lt"/>
-                <a:ea typeface="+mn-ea"/>
-                <a:cs typeface="+mn-cs"/>
-              </a:defRPr>
-            </a:lvl6pPr>
-            <a:lvl7pPr marL="2743200" indent="0" algn="l" defTabSz="457200" rtl="0" eaLnBrk="1" latinLnBrk="0" hangingPunct="1">
-              <a:spcBef>
-                <a:spcPts val="0"/>
-              </a:spcBef>
-              <a:spcAft>
-                <a:spcPts val="1000"/>
-              </a:spcAft>
-              <a:buClr>
-                <a:schemeClr val="tx1"/>
-              </a:buClr>
-              <a:buSzPct val="100000"/>
-              <a:buFont typeface="Arial"/>
-              <a:buNone/>
-              <a:defRPr sz="900" kern="1200" cap="none">
-                <a:solidFill>
-                  <a:schemeClr val="tx1"/>
-                </a:solidFill>
-                <a:effectLst/>
-                <a:latin typeface="+mn-lt"/>
-                <a:ea typeface="+mn-ea"/>
-                <a:cs typeface="+mn-cs"/>
-              </a:defRPr>
-            </a:lvl7pPr>
-            <a:lvl8pPr marL="3200400" indent="0" algn="l" defTabSz="457200" rtl="0" eaLnBrk="1" latinLnBrk="0" hangingPunct="1">
-              <a:spcBef>
-                <a:spcPts val="0"/>
-              </a:spcBef>
-              <a:spcAft>
-                <a:spcPts val="1000"/>
-              </a:spcAft>
-              <a:buClr>
-                <a:schemeClr val="tx1"/>
-              </a:buClr>
-              <a:buSzPct val="100000"/>
-              <a:buFont typeface="Arial"/>
-              <a:buNone/>
-              <a:defRPr sz="900" kern="1200" cap="none">
-                <a:solidFill>
-                  <a:schemeClr val="tx1"/>
-                </a:solidFill>
-                <a:effectLst/>
-                <a:latin typeface="+mn-lt"/>
-                <a:ea typeface="+mn-ea"/>
-                <a:cs typeface="+mn-cs"/>
-              </a:defRPr>
-            </a:lvl8pPr>
-            <a:lvl9pPr marL="3657600" indent="0" algn="l" defTabSz="457200" rtl="0" eaLnBrk="1" latinLnBrk="0" hangingPunct="1">
-              <a:spcBef>
-                <a:spcPts val="0"/>
-              </a:spcBef>
-              <a:spcAft>
-                <a:spcPts val="1000"/>
-              </a:spcAft>
-              <a:buClr>
-                <a:schemeClr val="tx1"/>
-              </a:buClr>
-              <a:buSzPct val="100000"/>
-              <a:buFont typeface="Arial"/>
-              <a:buNone/>
-              <a:defRPr sz="900" kern="1200" cap="none">
-                <a:solidFill>
-                  <a:schemeClr val="tx1"/>
-                </a:solidFill>
-                <a:effectLst/>
-                <a:latin typeface="+mn-lt"/>
-                <a:ea typeface="+mn-ea"/>
-                <a:cs typeface="+mn-cs"/>
-              </a:defRPr>
-            </a:lvl9pPr>
-          </a:lstStyle>
-          <a:p>
-            <a:pPr algn="ctr"/>
-            <a:r>
-              <a:rPr lang="en-US" sz="900" dirty="0" smtClean="0">
-                <a:latin typeface="Segoe UI Light" panose="020B0502040204020203" pitchFamily="34" charset="0"/>
-                <a:cs typeface="Segoe UI Light" panose="020B0502040204020203" pitchFamily="34" charset="0"/>
-              </a:rPr>
-              <a:t> </a:t>
-            </a:r>
-            <a:r>
-              <a:rPr lang="en-US" sz="1800" dirty="0" smtClean="0">
-                <a:latin typeface="Segoe UI Light" panose="020B0502040204020203" pitchFamily="34" charset="0"/>
-                <a:cs typeface="Segoe UI Light" panose="020B0502040204020203" pitchFamily="34" charset="0"/>
-              </a:rPr>
-              <a:t/>
-            </a:r>
-            <a:br>
-              <a:rPr lang="en-US" sz="1800" dirty="0" smtClean="0">
-                <a:latin typeface="Segoe UI Light" panose="020B0502040204020203" pitchFamily="34" charset="0"/>
-                <a:cs typeface="Segoe UI Light" panose="020B0502040204020203" pitchFamily="34" charset="0"/>
-              </a:rPr>
-            </a:br>
-            <a:r>
-              <a:rPr lang="en-US" sz="1800" dirty="0" smtClean="0">
-                <a:solidFill>
-                  <a:schemeClr val="accent2">
-                    <a:lumMod val="40000"/>
-                    <a:lumOff val="60000"/>
-                  </a:schemeClr>
-                </a:solidFill>
-                <a:latin typeface="Segoe UI Light" panose="020B0502040204020203" pitchFamily="34" charset="0"/>
-                <a:cs typeface="Segoe UI Light" panose="020B0502040204020203" pitchFamily="34" charset="0"/>
-              </a:rPr>
-              <a:t>A live automated spell checker that detects and corrects misspelt errors and also, corrects contextual errors. Underlines words that are not in the dictionary, option to add words into the dictionary</a:t>
-            </a:r>
-            <a:endParaRPr lang="en-US" sz="1800" dirty="0">
-              <a:solidFill>
-                <a:schemeClr val="accent2">
-                  <a:lumMod val="40000"/>
-                  <a:lumOff val="60000"/>
-                </a:schemeClr>
-              </a:solidFill>
-            </a:endParaRPr>
-          </a:p>
         </p:txBody>
       </p:sp>
     </p:spTree>
     <p:extLst>
       <p:ext uri="{BB962C8B-B14F-4D97-AF65-F5344CB8AC3E}">
-        <p14:creationId xmlns:p14="http://schemas.microsoft.com/office/powerpoint/2010/main" val="553432582"/>
+        <p14:creationId xmlns:p14="http://schemas.microsoft.com/office/powerpoint/2010/main" val="217232961"/>
       </p:ext>
     </p:extLst>
   </p:cSld>
@@ -10827,25 +10858,25 @@
         </p:nvSpPr>
         <p:spPr>
           <a:xfrm>
-            <a:off x="360947" y="1467853"/>
-            <a:ext cx="3621116" cy="1256185"/>
+            <a:off x="323687" y="1462210"/>
+            <a:ext cx="4006127" cy="1203158"/>
           </a:xfrm>
         </p:spPr>
         <p:txBody>
           <a:bodyPr>
-            <a:normAutofit fontScale="90000"/>
+            <a:noAutofit/>
           </a:bodyPr>
           <a:lstStyle/>
           <a:p>
             <a:pPr algn="ctr"/>
             <a:r>
-              <a:rPr lang="en-US" sz="4000" dirty="0" smtClean="0">
-                <a:latin typeface="Segoe UI Light" panose="020B0502040204020203" pitchFamily="34" charset="0"/>
-                <a:cs typeface="Segoe UI Light" panose="020B0502040204020203" pitchFamily="34" charset="0"/>
-              </a:rPr>
-              <a:t>WORD SEGMENTATION</a:t>
-            </a:r>
-            <a:endParaRPr lang="en-US" sz="2000" dirty="0">
+              <a:rPr lang="en-US" sz="3600" dirty="0" smtClean="0">
+                <a:latin typeface="Segoe UI Light" panose="020B0502040204020203" pitchFamily="34" charset="0"/>
+                <a:cs typeface="Segoe UI Light" panose="020B0502040204020203" pitchFamily="34" charset="0"/>
+              </a:rPr>
+              <a:t>AUTO COMPLETE</a:t>
+            </a:r>
+            <a:endParaRPr lang="en-US" sz="3600" dirty="0">
               <a:latin typeface="Segoe UI Light" panose="020B0502040204020203" pitchFamily="34" charset="0"/>
               <a:cs typeface="Segoe UI Light" panose="020B0502040204020203" pitchFamily="34" charset="0"/>
             </a:endParaRPr>
@@ -10864,37 +10895,17 @@
         </p:nvSpPr>
         <p:spPr>
           <a:xfrm>
-            <a:off x="607400" y="2777065"/>
-            <a:ext cx="3128209" cy="2444638"/>
+            <a:off x="707143" y="2873318"/>
+            <a:ext cx="3239213" cy="1722744"/>
           </a:xfrm>
         </p:spPr>
         <p:txBody>
           <a:bodyPr>
-            <a:normAutofit/>
+            <a:normAutofit lnSpcReduction="10000"/>
           </a:bodyPr>
           <a:lstStyle/>
           <a:p>
             <a:pPr algn="ctr"/>
-            <a:r>
-              <a:rPr lang="en-US" sz="900" dirty="0" smtClean="0">
-                <a:latin typeface="Segoe UI Light" panose="020B0502040204020203" pitchFamily="34" charset="0"/>
-                <a:cs typeface="Segoe UI Light" panose="020B0502040204020203" pitchFamily="34" charset="0"/>
-              </a:rPr>
-              <a:t> </a:t>
-            </a:r>
-            <a:r>
-              <a:rPr lang="en-US" sz="1800" dirty="0" smtClean="0">
-                <a:latin typeface="Segoe UI Light" panose="020B0502040204020203" pitchFamily="34" charset="0"/>
-                <a:cs typeface="Segoe UI Light" panose="020B0502040204020203" pitchFamily="34" charset="0"/>
-              </a:rPr>
-              <a:t/>
-            </a:r>
-            <a:br>
-              <a:rPr lang="en-US" sz="1800" dirty="0" smtClean="0">
-                <a:latin typeface="Segoe UI Light" panose="020B0502040204020203" pitchFamily="34" charset="0"/>
-                <a:cs typeface="Segoe UI Light" panose="020B0502040204020203" pitchFamily="34" charset="0"/>
-              </a:rPr>
-            </a:br>
             <a:r>
               <a:rPr lang="en-US" sz="1800" dirty="0" smtClean="0">
                 <a:solidFill>
@@ -10906,7 +10917,59 @@
                 <a:latin typeface="Segoe UI Light" panose="020B0502040204020203" pitchFamily="34" charset="0"/>
                 <a:cs typeface="Segoe UI Light" panose="020B0502040204020203" pitchFamily="34" charset="0"/>
               </a:rPr>
-              <a:t>A live feature, that checks if the user, has missed out spaces between words, and tries to automatically add the missing spaces</a:t>
+              <a:t>A live feature, that </a:t>
+            </a:r>
+            <a:r>
+              <a:rPr lang="en-US" sz="1800" dirty="0">
+                <a:solidFill>
+                  <a:schemeClr val="accent2">
+                    <a:lumMod val="40000"/>
+                    <a:lumOff val="60000"/>
+                  </a:schemeClr>
+                </a:solidFill>
+                <a:latin typeface="Segoe UI Light" panose="020B0502040204020203" pitchFamily="34" charset="0"/>
+                <a:cs typeface="Segoe UI Light" panose="020B0502040204020203" pitchFamily="34" charset="0"/>
+              </a:rPr>
+              <a:t>continuously scans for long words and </a:t>
+            </a:r>
+            <a:r>
+              <a:rPr lang="en-US" sz="1800" dirty="0" smtClean="0">
+                <a:solidFill>
+                  <a:schemeClr val="accent2">
+                    <a:lumMod val="40000"/>
+                    <a:lumOff val="60000"/>
+                  </a:schemeClr>
+                </a:solidFill>
+                <a:latin typeface="Segoe UI Light" panose="020B0502040204020203" pitchFamily="34" charset="0"/>
+                <a:cs typeface="Segoe UI Light" panose="020B0502040204020203" pitchFamily="34" charset="0"/>
+              </a:rPr>
+              <a:t>attempts to complete </a:t>
+            </a:r>
+            <a:r>
+              <a:rPr lang="en-US" sz="1800" dirty="0">
+                <a:solidFill>
+                  <a:schemeClr val="accent2">
+                    <a:lumMod val="40000"/>
+                    <a:lumOff val="60000"/>
+                  </a:schemeClr>
+                </a:solidFill>
+                <a:latin typeface="Segoe UI Light" panose="020B0502040204020203" pitchFamily="34" charset="0"/>
+                <a:cs typeface="Segoe UI Light" panose="020B0502040204020203" pitchFamily="34" charset="0"/>
+              </a:rPr>
+              <a:t>them automatically </a:t>
+            </a:r>
+            <a:r>
+              <a:rPr lang="en-US" sz="1800" dirty="0" smtClean="0">
+                <a:solidFill>
+                  <a:schemeClr val="accent2">
+                    <a:lumMod val="40000"/>
+                    <a:lumOff val="60000"/>
+                  </a:schemeClr>
+                </a:solidFill>
+                <a:latin typeface="Segoe UI Light" panose="020B0502040204020203" pitchFamily="34" charset="0"/>
+                <a:cs typeface="Segoe UI Light" panose="020B0502040204020203" pitchFamily="34" charset="0"/>
+              </a:rPr>
+              <a:t>as and when the user tries to enter the same word</a:t>
             </a:r>
             <a:endParaRPr lang="en-US" sz="1800" dirty="0">
               <a:solidFill>
@@ -10915,8 +10978,6 @@
                   <a:lumOff val="60000"/>
                 </a:schemeClr>
               </a:solidFill>
-              <a:latin typeface="Segoe UI Light" panose="020B0502040204020203" pitchFamily="34" charset="0"/>
-              <a:cs typeface="Segoe UI Light" panose="020B0502040204020203" pitchFamily="34" charset="0"/>
             </a:endParaRPr>
           </a:p>
         </p:txBody>
@@ -10929,8 +10990,8 @@
         </p:nvSpPr>
         <p:spPr>
           <a:xfrm>
-            <a:off x="4704349" y="522986"/>
-            <a:ext cx="6930188" cy="5940088"/>
+            <a:off x="4752473" y="1281736"/>
+            <a:ext cx="7110663" cy="4585871"/>
           </a:xfrm>
           <a:prstGeom prst="rect">
             <a:avLst/>
@@ -10944,7 +11005,7 @@
           <a:lstStyle/>
           <a:p>
             <a:r>
-              <a:rPr lang="en-US" sz="2400" dirty="0">
+              <a:rPr lang="en-US" sz="2400" dirty="0" smtClean="0">
                 <a:solidFill>
                   <a:schemeClr val="accent2">
                     <a:lumMod val="40000"/>
@@ -10954,7 +11015,7 @@
                 <a:latin typeface="Segoe UI Light" panose="020B0502040204020203" pitchFamily="34" charset="0"/>
                 <a:cs typeface="Segoe UI Light" panose="020B0502040204020203" pitchFamily="34" charset="0"/>
               </a:rPr>
-              <a:t>Generating segments</a:t>
+              <a:t>Building a saved list</a:t>
             </a:r>
           </a:p>
           <a:p>
@@ -10964,46 +11025,40 @@
                 <a:latin typeface="Segoe UI Light" panose="020B0502040204020203" pitchFamily="34" charset="0"/>
                 <a:cs typeface="Segoe UI Light" panose="020B0502040204020203" pitchFamily="34" charset="0"/>
               </a:rPr>
-              <a:t>A </a:t>
+              <a:t>Scans the document continuously for words that exceed a specific threshold</a:t>
             </a:r>
             <a:r>
               <a:rPr lang="en-US" dirty="0">
                 <a:latin typeface="Segoe UI Light" panose="020B0502040204020203" pitchFamily="34" charset="0"/>
                 <a:cs typeface="Segoe UI Light" panose="020B0502040204020203" pitchFamily="34" charset="0"/>
               </a:rPr>
-              <a:t>function </a:t>
+              <a:t> </a:t>
             </a:r>
             <a:r>
               <a:rPr lang="en-US" dirty="0" smtClean="0">
                 <a:latin typeface="Segoe UI Light" panose="020B0502040204020203" pitchFamily="34" charset="0"/>
                 <a:cs typeface="Segoe UI Light" panose="020B0502040204020203" pitchFamily="34" charset="0"/>
               </a:rPr>
-              <a:t>split() that </a:t>
-            </a:r>
-            <a:r>
-              <a:rPr lang="en-US" dirty="0">
-                <a:latin typeface="Segoe UI Light" panose="020B0502040204020203" pitchFamily="34" charset="0"/>
-                <a:cs typeface="Segoe UI Light" panose="020B0502040204020203" pitchFamily="34" charset="0"/>
-              </a:rPr>
-              <a:t>produces all possible segmentations of a given </a:t>
+              <a:t>(7 letters). Every time a long word is typed, the word is added to a </a:t>
+            </a:r>
+            <a:r>
+              <a:rPr lang="en-US" dirty="0" err="1" smtClean="0">
+                <a:latin typeface="Segoe UI Light" panose="020B0502040204020203" pitchFamily="34" charset="0"/>
+                <a:cs typeface="Segoe UI Light" panose="020B0502040204020203" pitchFamily="34" charset="0"/>
+              </a:rPr>
+              <a:t>Completable</a:t>
             </a:r>
             <a:r>
               <a:rPr lang="en-US" dirty="0" smtClean="0">
                 <a:latin typeface="Segoe UI Light" panose="020B0502040204020203" pitchFamily="34" charset="0"/>
                 <a:cs typeface="Segoe UI Light" panose="020B0502040204020203" pitchFamily="34" charset="0"/>
               </a:rPr>
-              <a:t>word.</a:t>
+              <a:t> List.</a:t>
             </a:r>
           </a:p>
           <a:p>
             <a:pPr lvl="1"/>
-            <a:endParaRPr lang="en-US" sz="2400" dirty="0" smtClean="0">
-              <a:solidFill>
-                <a:schemeClr val="accent2">
-                  <a:lumMod val="40000"/>
-                  <a:lumOff val="60000"/>
-                </a:schemeClr>
-              </a:solidFill>
+            <a:endParaRPr lang="en-US" sz="2000" dirty="0" smtClean="0">
               <a:latin typeface="Segoe UI Light" panose="020B0502040204020203" pitchFamily="34" charset="0"/>
               <a:cs typeface="Segoe UI Light" panose="020B0502040204020203" pitchFamily="34" charset="0"/>
             </a:endParaRPr>
@@ -11020,57 +11075,41 @@
                 <a:latin typeface="Segoe UI Light" panose="020B0502040204020203" pitchFamily="34" charset="0"/>
                 <a:cs typeface="Segoe UI Light" panose="020B0502040204020203" pitchFamily="34" charset="0"/>
               </a:rPr>
-              <a:t>Tracking fitness value</a:t>
-            </a:r>
-            <a:endParaRPr lang="en-US" sz="2400" dirty="0">
-              <a:solidFill>
-                <a:schemeClr val="accent2">
-                  <a:lumMod val="40000"/>
-                  <a:lumOff val="60000"/>
-                </a:schemeClr>
-              </a:solidFill>
+              <a:t>Continuous listeners</a:t>
+            </a:r>
+          </a:p>
+          <a:p>
+            <a:pPr lvl="1"/>
+            <a:r>
+              <a:rPr lang="en-US" dirty="0" smtClean="0">
+                <a:latin typeface="Segoe UI Light" panose="020B0502040204020203" pitchFamily="34" charset="0"/>
+                <a:cs typeface="Segoe UI Light" panose="020B0502040204020203" pitchFamily="34" charset="0"/>
+              </a:rPr>
+              <a:t>Suggestions are shown when the user has typed at least 3 character of a new word. Based on the word being typed, and the words present in the </a:t>
+            </a:r>
+            <a:r>
+              <a:rPr lang="en-US" dirty="0" err="1" smtClean="0">
+                <a:latin typeface="Segoe UI Light" panose="020B0502040204020203" pitchFamily="34" charset="0"/>
+                <a:cs typeface="Segoe UI Light" panose="020B0502040204020203" pitchFamily="34" charset="0"/>
+              </a:rPr>
+              <a:t>Completable</a:t>
+            </a:r>
+            <a:r>
+              <a:rPr lang="en-US" dirty="0" smtClean="0">
+                <a:latin typeface="Segoe UI Light" panose="020B0502040204020203" pitchFamily="34" charset="0"/>
+                <a:cs typeface="Segoe UI Light" panose="020B0502040204020203" pitchFamily="34" charset="0"/>
+              </a:rPr>
+              <a:t> List, a new list of AutoComplete words is generated based on the matches.</a:t>
+            </a:r>
+          </a:p>
+          <a:p>
+            <a:pPr lvl="1"/>
+            <a:endParaRPr lang="en-US" sz="2000" dirty="0" smtClean="0">
               <a:latin typeface="Segoe UI Light" panose="020B0502040204020203" pitchFamily="34" charset="0"/>
               <a:cs typeface="Segoe UI Light" panose="020B0502040204020203" pitchFamily="34" charset="0"/>
             </a:endParaRPr>
           </a:p>
           <a:p>
-            <a:pPr lvl="1"/>
-            <a:r>
-              <a:rPr lang="en-US" dirty="0" err="1">
-                <a:latin typeface="Segoe UI Light" panose="020B0502040204020203" pitchFamily="34" charset="0"/>
-                <a:cs typeface="Segoe UI Light" panose="020B0502040204020203" pitchFamily="34" charset="0"/>
-              </a:rPr>
-              <a:t>wordSequenceFitness</a:t>
-            </a:r>
-            <a:r>
-              <a:rPr lang="en-US" dirty="0">
-                <a:latin typeface="Segoe UI Light" panose="020B0502040204020203" pitchFamily="34" charset="0"/>
-                <a:cs typeface="Segoe UI Light" panose="020B0502040204020203" pitchFamily="34" charset="0"/>
-              </a:rPr>
-              <a:t> that operates on lists of words generated by segment and returns the combined probability of the constituent </a:t>
-            </a:r>
-            <a:r>
-              <a:rPr lang="en-US" dirty="0" smtClean="0">
-                <a:latin typeface="Segoe UI Light" panose="020B0502040204020203" pitchFamily="34" charset="0"/>
-                <a:cs typeface="Segoe UI Light" panose="020B0502040204020203" pitchFamily="34" charset="0"/>
-              </a:rPr>
-              <a:t>words</a:t>
-            </a:r>
-          </a:p>
-          <a:p>
-            <a:pPr lvl="1"/>
-            <a:endParaRPr lang="en-US" sz="2400" dirty="0" smtClean="0">
-              <a:solidFill>
-                <a:schemeClr val="accent2">
-                  <a:lumMod val="40000"/>
-                  <a:lumOff val="60000"/>
-                </a:schemeClr>
-              </a:solidFill>
-              <a:latin typeface="Segoe UI Light" panose="020B0502040204020203" pitchFamily="34" charset="0"/>
-              <a:cs typeface="Segoe UI Light" panose="020B0502040204020203" pitchFamily="34" charset="0"/>
-            </a:endParaRPr>
-          </a:p>
-          <a:p>
             <a:r>
               <a:rPr lang="en-US" sz="2400" dirty="0" smtClean="0">
                 <a:solidFill>
@@ -11082,31 +11121,8 @@
                 <a:latin typeface="Segoe UI Light" panose="020B0502040204020203" pitchFamily="34" charset="0"/>
                 <a:cs typeface="Segoe UI Light" panose="020B0502040204020203" pitchFamily="34" charset="0"/>
               </a:rPr>
-              <a:t>The Recursive </a:t>
-            </a:r>
-            <a:r>
-              <a:rPr lang="en-US" sz="2400" dirty="0" smtClean="0">
-                <a:solidFill>
-                  <a:schemeClr val="accent2">
-                    <a:lumMod val="40000"/>
-                    <a:lumOff val="60000"/>
-                  </a:schemeClr>
-                </a:solidFill>
-                <a:latin typeface="Segoe UI Light" panose="020B0502040204020203" pitchFamily="34" charset="0"/>
-                <a:cs typeface="Segoe UI Light" panose="020B0502040204020203" pitchFamily="34" charset="0"/>
-              </a:rPr>
-              <a:t>algorithm</a:t>
-            </a:r>
-            <a:endParaRPr lang="en-US" sz="2400" dirty="0">
-              <a:solidFill>
-                <a:schemeClr val="accent2">
-                  <a:lumMod val="40000"/>
-                  <a:lumOff val="60000"/>
-                </a:schemeClr>
-              </a:solidFill>
-              <a:latin typeface="Segoe UI Light" panose="020B0502040204020203" pitchFamily="34" charset="0"/>
-              <a:cs typeface="Segoe UI Light" panose="020B0502040204020203" pitchFamily="34" charset="0"/>
-            </a:endParaRPr>
+              <a:t>Popup feature</a:t>
+            </a:r>
           </a:p>
           <a:p>
             <a:pPr lvl="1"/>
@@ -11115,97 +11131,16 @@
                 <a:latin typeface="Segoe UI Light" panose="020B0502040204020203" pitchFamily="34" charset="0"/>
                 <a:cs typeface="Segoe UI Light" panose="020B0502040204020203" pitchFamily="34" charset="0"/>
               </a:rPr>
-              <a:t>A function Segment() </a:t>
-            </a:r>
-            <a:r>
-              <a:rPr lang="en-US" dirty="0">
-                <a:latin typeface="Segoe UI Light" panose="020B0502040204020203" pitchFamily="34" charset="0"/>
-                <a:cs typeface="Segoe UI Light" panose="020B0502040204020203" pitchFamily="34" charset="0"/>
-              </a:rPr>
-              <a:t>returns a list of words that correctly make up the argument (</a:t>
-            </a:r>
-            <a:r>
-              <a:rPr lang="en-US" dirty="0" err="1">
-                <a:latin typeface="Segoe UI Light" panose="020B0502040204020203" pitchFamily="34" charset="0"/>
-                <a:cs typeface="Segoe UI Light" panose="020B0502040204020203" pitchFamily="34" charset="0"/>
-              </a:rPr>
-              <a:t>unsegmented</a:t>
-            </a:r>
-            <a:r>
-              <a:rPr lang="en-US" dirty="0">
-                <a:latin typeface="Segoe UI Light" panose="020B0502040204020203" pitchFamily="34" charset="0"/>
-                <a:cs typeface="Segoe UI Light" panose="020B0502040204020203" pitchFamily="34" charset="0"/>
-              </a:rPr>
-              <a:t> word) of the function. </a:t>
-            </a:r>
-            <a:r>
-              <a:rPr lang="en-US" dirty="0" smtClean="0">
-                <a:latin typeface="Segoe UI Light" panose="020B0502040204020203" pitchFamily="34" charset="0"/>
-                <a:cs typeface="Segoe UI Light" panose="020B0502040204020203" pitchFamily="34" charset="0"/>
-              </a:rPr>
-              <a:t>This function </a:t>
-            </a:r>
-            <a:r>
-              <a:rPr lang="en-US" dirty="0">
-                <a:latin typeface="Segoe UI Light" panose="020B0502040204020203" pitchFamily="34" charset="0"/>
-                <a:cs typeface="Segoe UI Light" panose="020B0502040204020203" pitchFamily="34" charset="0"/>
-              </a:rPr>
-              <a:t>is recursively called with substrings of the argument every </a:t>
-            </a:r>
-            <a:r>
-              <a:rPr lang="en-US" dirty="0" smtClean="0">
-                <a:latin typeface="Segoe UI Light" panose="020B0502040204020203" pitchFamily="34" charset="0"/>
-                <a:cs typeface="Segoe UI Light" panose="020B0502040204020203" pitchFamily="34" charset="0"/>
-              </a:rPr>
-              <a:t>time, maintaining the fitness value of each list. Finally, the list of words with the maximum fitness value is returned.</a:t>
-            </a:r>
-            <a:endParaRPr lang="en-US" dirty="0">
-              <a:latin typeface="Segoe UI Light" panose="020B0502040204020203" pitchFamily="34" charset="0"/>
-              <a:cs typeface="Segoe UI Light" panose="020B0502040204020203" pitchFamily="34" charset="0"/>
-            </a:endParaRPr>
-          </a:p>
-          <a:p>
-            <a:pPr lvl="1"/>
-            <a:endParaRPr lang="en-US" sz="2000" dirty="0">
-              <a:latin typeface="Segoe UI Light" panose="020B0502040204020203" pitchFamily="34" charset="0"/>
-              <a:cs typeface="Segoe UI Light" panose="020B0502040204020203" pitchFamily="34" charset="0"/>
-            </a:endParaRPr>
-          </a:p>
-          <a:p>
-            <a:r>
-              <a:rPr lang="en-US" sz="2400" dirty="0" smtClean="0">
-                <a:solidFill>
-                  <a:schemeClr val="accent2">
-                    <a:lumMod val="40000"/>
-                    <a:lumOff val="60000"/>
-                  </a:schemeClr>
-                </a:solidFill>
-                <a:latin typeface="Segoe UI Light" panose="020B0502040204020203" pitchFamily="34" charset="0"/>
-                <a:cs typeface="Segoe UI Light" panose="020B0502040204020203" pitchFamily="34" charset="0"/>
-              </a:rPr>
-              <a:t>Feature of switching it off</a:t>
-            </a:r>
-          </a:p>
-          <a:p>
-            <a:pPr lvl="1"/>
-            <a:r>
-              <a:rPr lang="en-US" dirty="0" smtClean="0">
-                <a:latin typeface="Segoe UI Light" panose="020B0502040204020203" pitchFamily="34" charset="0"/>
-                <a:cs typeface="Segoe UI Light" panose="020B0502040204020203" pitchFamily="34" charset="0"/>
-              </a:rPr>
-              <a:t>An additional option, to help the user to prevent unwanted segmentation, done automatically by the editor</a:t>
-            </a:r>
-            <a:endParaRPr lang="en-US" dirty="0">
-              <a:latin typeface="Segoe UI Light" panose="020B0502040204020203" pitchFamily="34" charset="0"/>
-              <a:cs typeface="Segoe UI Light" panose="020B0502040204020203" pitchFamily="34" charset="0"/>
-            </a:endParaRPr>
+              <a:t>The list of AutoComplete suggestions, is shown just below the cursor location, as a popup. The user may used keys, or the mouse to select one of the suggestions in order to use it, and save time. </a:t>
+            </a:r>
+            <a:endParaRPr lang="en-US" dirty="0"/>
           </a:p>
         </p:txBody>
       </p:sp>
     </p:spTree>
     <p:extLst>
       <p:ext uri="{BB962C8B-B14F-4D97-AF65-F5344CB8AC3E}">
-        <p14:creationId xmlns:p14="http://schemas.microsoft.com/office/powerpoint/2010/main" val="217232961"/>
+        <p14:creationId xmlns:p14="http://schemas.microsoft.com/office/powerpoint/2010/main" val="829728112"/>
       </p:ext>
     </p:extLst>
   </p:cSld>

--- a/Integrated Text Editor New.pptx
+++ b/Integrated Text Editor New.pptx
@@ -18,7 +18,6 @@
     <p:sldId id="268" r:id="rId12"/>
     <p:sldId id="269" r:id="rId13"/>
     <p:sldId id="271" r:id="rId14"/>
-    <p:sldId id="262" r:id="rId15"/>
   </p:sldIdLst>
   <p:sldSz cx="12192000" cy="6858000"/>
   <p:notesSz cx="6858000" cy="9144000"/>
@@ -119,7 +118,7 @@
   </p:defaultTextStyle>
   <p:extLst>
     <p:ext uri="{EFAFB233-063F-42B5-8137-9DF3F51BA10A}">
-      <p15:sldGuideLst xmlns:p15="http://schemas.microsoft.com/office/powerpoint/2012/main"/>
+      <p15:sldGuideLst xmlns:p15="http://schemas.microsoft.com/office/powerpoint/2012/main" xmlns=""/>
     </p:ext>
   </p:extLst>
 </p:presentation>
@@ -6243,7 +6242,85 @@
                 <a:latin typeface="Segoe UI Light" panose="020B0502040204020203" pitchFamily="34" charset="0"/>
                 <a:cs typeface="Segoe UI Light" panose="020B0502040204020203" pitchFamily="34" charset="0"/>
               </a:rPr>
-              <a:t>An option to perform a search within the document. Highlighting happen as the user types. An advance option of replace the found text also available</a:t>
+              <a:t>An option to perform a search within the document. Highlighting </a:t>
+            </a:r>
+            <a:r>
+              <a:rPr lang="en-US" sz="1800" dirty="0" smtClean="0">
+                <a:solidFill>
+                  <a:schemeClr val="accent2">
+                    <a:lumMod val="40000"/>
+                    <a:lumOff val="60000"/>
+                  </a:schemeClr>
+                </a:solidFill>
+                <a:latin typeface="Segoe UI Light" panose="020B0502040204020203" pitchFamily="34" charset="0"/>
+                <a:cs typeface="Segoe UI Light" panose="020B0502040204020203" pitchFamily="34" charset="0"/>
+              </a:rPr>
+              <a:t>happens </a:t>
+            </a:r>
+            <a:r>
+              <a:rPr lang="en-US" sz="1800" dirty="0" smtClean="0">
+                <a:solidFill>
+                  <a:schemeClr val="accent2">
+                    <a:lumMod val="40000"/>
+                    <a:lumOff val="60000"/>
+                  </a:schemeClr>
+                </a:solidFill>
+                <a:latin typeface="Segoe UI Light" panose="020B0502040204020203" pitchFamily="34" charset="0"/>
+                <a:cs typeface="Segoe UI Light" panose="020B0502040204020203" pitchFamily="34" charset="0"/>
+              </a:rPr>
+              <a:t>as the user types. An </a:t>
+            </a:r>
+            <a:r>
+              <a:rPr lang="en-US" sz="1800" dirty="0" smtClean="0">
+                <a:solidFill>
+                  <a:schemeClr val="accent2">
+                    <a:lumMod val="40000"/>
+                    <a:lumOff val="60000"/>
+                  </a:schemeClr>
+                </a:solidFill>
+                <a:latin typeface="Segoe UI Light" panose="020B0502040204020203" pitchFamily="34" charset="0"/>
+                <a:cs typeface="Segoe UI Light" panose="020B0502040204020203" pitchFamily="34" charset="0"/>
+              </a:rPr>
+              <a:t>advanced </a:t>
+            </a:r>
+            <a:r>
+              <a:rPr lang="en-US" sz="1800" dirty="0" smtClean="0">
+                <a:solidFill>
+                  <a:schemeClr val="accent2">
+                    <a:lumMod val="40000"/>
+                    <a:lumOff val="60000"/>
+                  </a:schemeClr>
+                </a:solidFill>
+                <a:latin typeface="Segoe UI Light" panose="020B0502040204020203" pitchFamily="34" charset="0"/>
+                <a:cs typeface="Segoe UI Light" panose="020B0502040204020203" pitchFamily="34" charset="0"/>
+              </a:rPr>
+              <a:t>option of </a:t>
+            </a:r>
+            <a:r>
+              <a:rPr lang="en-US" sz="1800" dirty="0" smtClean="0">
+                <a:solidFill>
+                  <a:schemeClr val="accent2">
+                    <a:lumMod val="40000"/>
+                    <a:lumOff val="60000"/>
+                  </a:schemeClr>
+                </a:solidFill>
+                <a:latin typeface="Segoe UI Light" panose="020B0502040204020203" pitchFamily="34" charset="0"/>
+                <a:cs typeface="Segoe UI Light" panose="020B0502040204020203" pitchFamily="34" charset="0"/>
+              </a:rPr>
+              <a:t>‘find and replace’ is </a:t>
+            </a:r>
+            <a:r>
+              <a:rPr lang="en-US" sz="1800" dirty="0" smtClean="0">
+                <a:solidFill>
+                  <a:schemeClr val="accent2">
+                    <a:lumMod val="40000"/>
+                    <a:lumOff val="60000"/>
+                  </a:schemeClr>
+                </a:solidFill>
+                <a:latin typeface="Segoe UI Light" panose="020B0502040204020203" pitchFamily="34" charset="0"/>
+                <a:cs typeface="Segoe UI Light" panose="020B0502040204020203" pitchFamily="34" charset="0"/>
+              </a:rPr>
+              <a:t>also available</a:t>
             </a:r>
             <a:endParaRPr lang="en-US" sz="1800" dirty="0">
               <a:solidFill>
@@ -6327,7 +6404,21 @@
                 <a:latin typeface="Segoe UI Light" panose="020B0502040204020203" pitchFamily="34" charset="0"/>
                 <a:cs typeface="Segoe UI Light" panose="020B0502040204020203" pitchFamily="34" charset="0"/>
               </a:rPr>
-              <a:t>, will continuously look for character, and simultaneously highest the parts within the document, that match the text field</a:t>
+              <a:t>, will continuously look for character, and simultaneously </a:t>
+            </a:r>
+            <a:r>
+              <a:rPr lang="en-US" dirty="0" smtClean="0">
+                <a:latin typeface="Segoe UI Light" panose="020B0502040204020203" pitchFamily="34" charset="0"/>
+                <a:cs typeface="Segoe UI Light" panose="020B0502040204020203" pitchFamily="34" charset="0"/>
+              </a:rPr>
+              <a:t>highlights the </a:t>
+            </a:r>
+            <a:r>
+              <a:rPr lang="en-US" dirty="0" smtClean="0">
+                <a:latin typeface="Segoe UI Light" panose="020B0502040204020203" pitchFamily="34" charset="0"/>
+                <a:cs typeface="Segoe UI Light" panose="020B0502040204020203" pitchFamily="34" charset="0"/>
+              </a:rPr>
+              <a:t>parts within the document, that match the text field</a:t>
             </a:r>
           </a:p>
           <a:p>
@@ -6492,7 +6583,21 @@
                 <a:latin typeface="Segoe UI Light" panose="020B0502040204020203" pitchFamily="34" charset="0"/>
                 <a:cs typeface="Segoe UI Light" panose="020B0502040204020203" pitchFamily="34" charset="0"/>
               </a:rPr>
-              <a:t>An advance option is available, which allows the user to replace all strings that are highlighted, by a specific word.</a:t>
+              <a:t>An </a:t>
+            </a:r>
+            <a:r>
+              <a:rPr lang="en-US" dirty="0" smtClean="0">
+                <a:latin typeface="Segoe UI Light" panose="020B0502040204020203" pitchFamily="34" charset="0"/>
+                <a:cs typeface="Segoe UI Light" panose="020B0502040204020203" pitchFamily="34" charset="0"/>
+              </a:rPr>
+              <a:t>advanced </a:t>
+            </a:r>
+            <a:r>
+              <a:rPr lang="en-US" dirty="0" smtClean="0">
+                <a:latin typeface="Segoe UI Light" panose="020B0502040204020203" pitchFamily="34" charset="0"/>
+                <a:cs typeface="Segoe UI Light" panose="020B0502040204020203" pitchFamily="34" charset="0"/>
+              </a:rPr>
+              <a:t>option is available, which allows the user to replace all strings that are highlighted, by a specific word.</a:t>
             </a:r>
           </a:p>
         </p:txBody>
@@ -6632,7 +6737,33 @@
                 <a:latin typeface="Segoe UI Light" panose="020B0502040204020203" pitchFamily="34" charset="0"/>
                 <a:cs typeface="Segoe UI Light" panose="020B0502040204020203" pitchFamily="34" charset="0"/>
               </a:rPr>
-              <a:t>The editor tries to detect what the user is trying to type within the document. Letter, Resume, or just information about a topic. After recognition, Search results are shown as a popup</a:t>
+              <a:t>The editor tries to detect what the user is trying to type within the </a:t>
+            </a:r>
+            <a:r>
+              <a:rPr lang="en-US" sz="1800" dirty="0" smtClean="0">
+                <a:solidFill>
+                  <a:schemeClr val="accent2">
+                    <a:lumMod val="40000"/>
+                    <a:lumOff val="60000"/>
+                  </a:schemeClr>
+                </a:solidFill>
+                <a:latin typeface="Segoe UI Light" panose="020B0502040204020203" pitchFamily="34" charset="0"/>
+                <a:cs typeface="Segoe UI Light" panose="020B0502040204020203" pitchFamily="34" charset="0"/>
+              </a:rPr>
+              <a:t>document, be it a  </a:t>
+            </a:r>
+            <a:r>
+              <a:rPr lang="en-US" sz="1800" dirty="0" smtClean="0">
+                <a:solidFill>
+                  <a:schemeClr val="accent2">
+                    <a:lumMod val="40000"/>
+                    <a:lumOff val="60000"/>
+                  </a:schemeClr>
+                </a:solidFill>
+                <a:latin typeface="Segoe UI Light" panose="020B0502040204020203" pitchFamily="34" charset="0"/>
+                <a:cs typeface="Segoe UI Light" panose="020B0502040204020203" pitchFamily="34" charset="0"/>
+              </a:rPr>
+              <a:t>Letter, Resume, or just information about a topic. After recognition, Search results are shown as a popup</a:t>
             </a:r>
             <a:endParaRPr lang="en-US" sz="1800" dirty="0">
               <a:solidFill>
@@ -6654,7 +6785,7 @@
         <p:spPr>
           <a:xfrm>
             <a:off x="4632157" y="457200"/>
-            <a:ext cx="7110663" cy="6124754"/>
+            <a:ext cx="7110663" cy="6401753"/>
           </a:xfrm>
           <a:prstGeom prst="rect">
             <a:avLst/>
@@ -6758,6 +6889,13 @@
                 <a:latin typeface="Segoe UI Light" panose="020B0502040204020203" pitchFamily="34" charset="0"/>
                 <a:cs typeface="Segoe UI Light" panose="020B0502040204020203" pitchFamily="34" charset="0"/>
               </a:rPr>
+              <a:t>.</a:t>
+            </a:r>
+            <a:r>
+              <a:rPr lang="en-US" dirty="0" smtClean="0">
+                <a:latin typeface="Segoe UI Light" panose="020B0502040204020203" pitchFamily="34" charset="0"/>
+                <a:cs typeface="Segoe UI Light" panose="020B0502040204020203" pitchFamily="34" charset="0"/>
+              </a:rPr>
               <a:t/>
             </a:r>
             <a:br>
@@ -6771,7 +6909,49 @@
                 <a:latin typeface="Segoe UI Light" panose="020B0502040204020203" pitchFamily="34" charset="0"/>
                 <a:cs typeface="Segoe UI Light" panose="020B0502040204020203" pitchFamily="34" charset="0"/>
               </a:rPr>
-              <a:t>Keyword Extraction- Word Frequency Analysis, which includes using a mathematical formula, to detect the most frequent words that are key to the document.</a:t>
+              <a:t>Keyword Extraction- Word Frequency Analysis, which includes using a </a:t>
+            </a:r>
+            <a:r>
+              <a:rPr lang="en-US" dirty="0" smtClean="0">
+                <a:latin typeface="Segoe UI Light" panose="020B0502040204020203" pitchFamily="34" charset="0"/>
+                <a:cs typeface="Segoe UI Light" panose="020B0502040204020203" pitchFamily="34" charset="0"/>
+              </a:rPr>
+              <a:t>numerical statistic (</a:t>
+            </a:r>
+            <a:r>
+              <a:rPr lang="en-US" dirty="0" err="1" smtClean="0">
+                <a:latin typeface="Segoe UI Light" panose="020B0502040204020203" pitchFamily="34" charset="0"/>
+                <a:cs typeface="Segoe UI Light" panose="020B0502040204020203" pitchFamily="34" charset="0"/>
+              </a:rPr>
+              <a:t>tf-idf</a:t>
+            </a:r>
+            <a:r>
+              <a:rPr lang="en-US" dirty="0" smtClean="0">
+                <a:latin typeface="Segoe UI Light" panose="020B0502040204020203" pitchFamily="34" charset="0"/>
+                <a:cs typeface="Segoe UI Light" panose="020B0502040204020203" pitchFamily="34" charset="0"/>
+              </a:rPr>
+              <a:t>), </a:t>
+            </a:r>
+            <a:r>
+              <a:rPr lang="en-US" dirty="0" smtClean="0">
+                <a:latin typeface="Segoe UI Light" panose="020B0502040204020203" pitchFamily="34" charset="0"/>
+                <a:cs typeface="Segoe UI Light" panose="020B0502040204020203" pitchFamily="34" charset="0"/>
+              </a:rPr>
+              <a:t>to detect </a:t>
+            </a:r>
+            <a:r>
+              <a:rPr lang="en-US" dirty="0" smtClean="0">
+                <a:latin typeface="Segoe UI Light" panose="020B0502040204020203" pitchFamily="34" charset="0"/>
+                <a:cs typeface="Segoe UI Light" panose="020B0502040204020203" pitchFamily="34" charset="0"/>
+              </a:rPr>
+              <a:t>words </a:t>
+            </a:r>
+            <a:r>
+              <a:rPr lang="en-US" dirty="0" smtClean="0">
+                <a:latin typeface="Segoe UI Light" panose="020B0502040204020203" pitchFamily="34" charset="0"/>
+                <a:cs typeface="Segoe UI Light" panose="020B0502040204020203" pitchFamily="34" charset="0"/>
+              </a:rPr>
+              <a:t>that are key to the document.</a:t>
             </a:r>
             <a:endParaRPr lang="en-US" dirty="0">
               <a:latin typeface="Segoe UI Light" panose="020B0502040204020203" pitchFamily="34" charset="0"/>
@@ -6878,33 +7058,22 @@
                 <a:latin typeface="Segoe UI Light" panose="020B0502040204020203" pitchFamily="34" charset="0"/>
                 <a:cs typeface="Segoe UI Light" panose="020B0502040204020203" pitchFamily="34" charset="0"/>
               </a:rPr>
-              <a:t>The search results, are then populated on a temporary popup, which appears on the screen. User may choose to click on them, and he will </a:t>
-            </a:r>
-            <a:r>
-              <a:rPr lang="en-US" smtClean="0">
-                <a:latin typeface="Segoe UI Light" panose="020B0502040204020203" pitchFamily="34" charset="0"/>
-                <a:cs typeface="Segoe UI Light" panose="020B0502040204020203" pitchFamily="34" charset="0"/>
-              </a:rPr>
-              <a:t>be redirected </a:t>
-            </a:r>
-            <a:r>
-              <a:rPr lang="en-US" dirty="0" smtClean="0">
-                <a:latin typeface="Segoe UI Light" panose="020B0502040204020203" pitchFamily="34" charset="0"/>
-                <a:cs typeface="Segoe UI Light" panose="020B0502040204020203" pitchFamily="34" charset="0"/>
-              </a:rPr>
-              <a:t>to </a:t>
-            </a:r>
-            <a:r>
-              <a:rPr lang="en-US" smtClean="0">
-                <a:latin typeface="Segoe UI Light" panose="020B0502040204020203" pitchFamily="34" charset="0"/>
-                <a:cs typeface="Segoe UI Light" panose="020B0502040204020203" pitchFamily="34" charset="0"/>
-              </a:rPr>
-              <a:t>that website.</a:t>
-            </a:r>
-            <a:endParaRPr lang="en-US" dirty="0" smtClean="0">
-              <a:latin typeface="Segoe UI Light" panose="020B0502040204020203" pitchFamily="34" charset="0"/>
-              <a:cs typeface="Segoe UI Light" panose="020B0502040204020203" pitchFamily="34" charset="0"/>
-            </a:endParaRPr>
+              <a:t>The search results, are then populated on a temporary popup, which appears on the screen. User may choose to click on them, and </a:t>
+            </a:r>
+            <a:r>
+              <a:rPr lang="en-US" dirty="0" smtClean="0">
+                <a:latin typeface="Segoe UI Light" panose="020B0502040204020203" pitchFamily="34" charset="0"/>
+                <a:cs typeface="Segoe UI Light" panose="020B0502040204020203" pitchFamily="34" charset="0"/>
+              </a:rPr>
+              <a:t>will </a:t>
+            </a:r>
+            <a:r>
+              <a:rPr lang="en-US" dirty="0" smtClean="0">
+                <a:latin typeface="Segoe UI Light" panose="020B0502040204020203" pitchFamily="34" charset="0"/>
+                <a:cs typeface="Segoe UI Light" panose="020B0502040204020203" pitchFamily="34" charset="0"/>
+              </a:rPr>
+              <a:t>be redirected to that website.</a:t>
+            </a:r>
           </a:p>
           <a:p>
             <a:pPr lvl="1"/>
@@ -7160,7 +7329,46 @@
                 <a:latin typeface="Segoe UI Light" panose="020B0502040204020203" pitchFamily="34" charset="0"/>
                 <a:cs typeface="Segoe UI Light" panose="020B0502040204020203" pitchFamily="34" charset="0"/>
               </a:rPr>
-              <a:t>Optionality, to select the NLP</a:t>
+              <a:t>Optionality, to </a:t>
+            </a:r>
+            <a:r>
+              <a:rPr lang="en-US" sz="1800" dirty="0" smtClean="0">
+                <a:solidFill>
+                  <a:schemeClr val="accent2">
+                    <a:lumMod val="40000"/>
+                    <a:lumOff val="60000"/>
+                  </a:schemeClr>
+                </a:solidFill>
+                <a:latin typeface="Segoe UI Light" panose="020B0502040204020203" pitchFamily="34" charset="0"/>
+                <a:cs typeface="Segoe UI Light" panose="020B0502040204020203" pitchFamily="34" charset="0"/>
+              </a:rPr>
+              <a:t>select or deselect  </a:t>
+            </a:r>
+            <a:r>
+              <a:rPr lang="en-US" sz="1800" dirty="0" smtClean="0">
+                <a:solidFill>
+                  <a:schemeClr val="accent2">
+                    <a:lumMod val="40000"/>
+                    <a:lumOff val="60000"/>
+                  </a:schemeClr>
+                </a:solidFill>
+                <a:latin typeface="Segoe UI Light" panose="020B0502040204020203" pitchFamily="34" charset="0"/>
+                <a:cs typeface="Segoe UI Light" panose="020B0502040204020203" pitchFamily="34" charset="0"/>
+              </a:rPr>
+              <a:t>the </a:t>
+            </a:r>
+            <a:r>
+              <a:rPr lang="en-US" sz="1800" dirty="0" smtClean="0">
+                <a:solidFill>
+                  <a:schemeClr val="accent2">
+                    <a:lumMod val="40000"/>
+                    <a:lumOff val="60000"/>
+                  </a:schemeClr>
+                </a:solidFill>
+                <a:latin typeface="Segoe UI Light" panose="020B0502040204020203" pitchFamily="34" charset="0"/>
+                <a:cs typeface="Segoe UI Light" panose="020B0502040204020203" pitchFamily="34" charset="0"/>
+              </a:rPr>
+              <a:t>various NLP features offered</a:t>
             </a:r>
             <a:endParaRPr lang="en-US" sz="1800" dirty="0">
               <a:solidFill>
@@ -7478,7 +7686,21 @@
                 <a:latin typeface="Segoe UI Light" panose="020B0502040204020203" pitchFamily="34" charset="0"/>
                 <a:cs typeface="Segoe UI Light" panose="020B0502040204020203" pitchFamily="34" charset="0"/>
               </a:rPr>
-              <a:t> and Toolbar, for quick access. Buttons have been included for the purpose as well.</a:t>
+              <a:t> and Toolbar, for quick access. Buttons have been included for </a:t>
+            </a:r>
+            <a:r>
+              <a:rPr lang="en-US" dirty="0" smtClean="0">
+                <a:latin typeface="Segoe UI Light" panose="020B0502040204020203" pitchFamily="34" charset="0"/>
+                <a:cs typeface="Segoe UI Light" panose="020B0502040204020203" pitchFamily="34" charset="0"/>
+              </a:rPr>
+              <a:t>this purpose </a:t>
+            </a:r>
+            <a:r>
+              <a:rPr lang="en-US" dirty="0" smtClean="0">
+                <a:latin typeface="Segoe UI Light" panose="020B0502040204020203" pitchFamily="34" charset="0"/>
+                <a:cs typeface="Segoe UI Light" panose="020B0502040204020203" pitchFamily="34" charset="0"/>
+              </a:rPr>
+              <a:t>as well.</a:t>
             </a:r>
           </a:p>
           <a:p>
@@ -7520,7 +7742,42 @@
                 <a:latin typeface="Segoe UI Light" panose="020B0502040204020203" pitchFamily="34" charset="0"/>
                 <a:cs typeface="Segoe UI Light" panose="020B0502040204020203" pitchFamily="34" charset="0"/>
               </a:rPr>
-              <a:t>Based on the preferences of the user, he may choose to select only those features of NLP included in the editor, which he wishes to use. And can switch off the features he does not want.</a:t>
+              <a:t>Based on the preferences of the user, he may choose to select only those </a:t>
+            </a:r>
+            <a:r>
+              <a:rPr lang="en-US" dirty="0" smtClean="0">
+                <a:latin typeface="Segoe UI Light" panose="020B0502040204020203" pitchFamily="34" charset="0"/>
+                <a:cs typeface="Segoe UI Light" panose="020B0502040204020203" pitchFamily="34" charset="0"/>
+              </a:rPr>
+              <a:t>NLP features included </a:t>
+            </a:r>
+            <a:r>
+              <a:rPr lang="en-US" dirty="0" smtClean="0">
+                <a:latin typeface="Segoe UI Light" panose="020B0502040204020203" pitchFamily="34" charset="0"/>
+                <a:cs typeface="Segoe UI Light" panose="020B0502040204020203" pitchFamily="34" charset="0"/>
+              </a:rPr>
+              <a:t>in the editor, which </a:t>
+            </a:r>
+            <a:r>
+              <a:rPr lang="en-US" dirty="0" smtClean="0">
+                <a:latin typeface="Segoe UI Light" panose="020B0502040204020203" pitchFamily="34" charset="0"/>
+                <a:cs typeface="Segoe UI Light" panose="020B0502040204020203" pitchFamily="34" charset="0"/>
+              </a:rPr>
+              <a:t>he/she  </a:t>
+            </a:r>
+            <a:r>
+              <a:rPr lang="en-US" dirty="0" smtClean="0">
+                <a:latin typeface="Segoe UI Light" panose="020B0502040204020203" pitchFamily="34" charset="0"/>
+                <a:cs typeface="Segoe UI Light" panose="020B0502040204020203" pitchFamily="34" charset="0"/>
+              </a:rPr>
+              <a:t>wishes to </a:t>
+            </a:r>
+            <a:r>
+              <a:rPr lang="en-US" dirty="0" smtClean="0">
+                <a:latin typeface="Segoe UI Light" panose="020B0502040204020203" pitchFamily="34" charset="0"/>
+                <a:cs typeface="Segoe UI Light" panose="020B0502040204020203" pitchFamily="34" charset="0"/>
+              </a:rPr>
+              <a:t>use.</a:t>
             </a:r>
             <a:endParaRPr lang="en-US" dirty="0">
               <a:latin typeface="Segoe UI Light" panose="020B0502040204020203" pitchFamily="34" charset="0"/>
@@ -7615,7 +7872,9 @@
         </p:nvSpPr>
         <p:spPr/>
         <p:txBody>
-          <a:bodyPr/>
+          <a:bodyPr>
+            <a:normAutofit fontScale="92500" lnSpcReduction="10000"/>
+          </a:bodyPr>
           <a:lstStyle/>
           <a:p>
             <a:pPr marL="0" indent="0" algn="ctr">
@@ -7636,11 +7895,18 @@
               <a:t>and Language Processing by Daniel </a:t>
             </a:r>
             <a:r>
-              <a:rPr lang="en-US" dirty="0" err="1">
+              <a:rPr lang="en-US" dirty="0" err="1" smtClean="0">
                 <a:latin typeface="Segoe UI Light" panose="020B0502040204020203" pitchFamily="34" charset="0"/>
                 <a:cs typeface="Segoe UI Light" panose="020B0502040204020203" pitchFamily="34" charset="0"/>
               </a:rPr>
               <a:t>Jurafsky</a:t>
+            </a:r>
+            <a:r>
+              <a:rPr lang="en-US" dirty="0" smtClean="0">
+                <a:latin typeface="Segoe UI Light" panose="020B0502040204020203" pitchFamily="34" charset="0"/>
+                <a:cs typeface="Segoe UI Light" panose="020B0502040204020203" pitchFamily="34" charset="0"/>
+              </a:rPr>
+              <a:t>, James H Martin</a:t>
             </a:r>
             <a:endParaRPr lang="en-US" dirty="0">
               <a:latin typeface="Segoe UI Light" panose="020B0502040204020203" pitchFamily="34" charset="0"/>
@@ -7663,21 +7929,56 @@
                 <a:latin typeface="Segoe UI Light" panose="020B0502040204020203" pitchFamily="34" charset="0"/>
                 <a:cs typeface="Segoe UI Light" panose="020B0502040204020203" pitchFamily="34" charset="0"/>
               </a:rPr>
-              <a:t>Spelling Correction Methodology Based on a Noisy Channel Model Mark D. </a:t>
-            </a:r>
-            <a:r>
-              <a:rPr lang="en-US" dirty="0" err="1">
+              <a:t>Spelling Correction Methodology Based on a Noisy Channel </a:t>
+            </a:r>
+            <a:r>
+              <a:rPr lang="en-US" dirty="0" smtClean="0">
+                <a:latin typeface="Segoe UI Light" panose="020B0502040204020203" pitchFamily="34" charset="0"/>
+                <a:cs typeface="Segoe UI Light" panose="020B0502040204020203" pitchFamily="34" charset="0"/>
+              </a:rPr>
+              <a:t>Model-Mark </a:t>
+            </a:r>
+            <a:r>
+              <a:rPr lang="en-US" dirty="0">
+                <a:latin typeface="Segoe UI Light" panose="020B0502040204020203" pitchFamily="34" charset="0"/>
+                <a:cs typeface="Segoe UI Light" panose="020B0502040204020203" pitchFamily="34" charset="0"/>
+              </a:rPr>
+              <a:t>D. </a:t>
+            </a:r>
+            <a:r>
+              <a:rPr lang="en-US" dirty="0" err="1" smtClean="0">
                 <a:latin typeface="Segoe UI Light" panose="020B0502040204020203" pitchFamily="34" charset="0"/>
                 <a:cs typeface="Segoe UI Light" panose="020B0502040204020203" pitchFamily="34" charset="0"/>
               </a:rPr>
               <a:t>Kemighan</a:t>
             </a:r>
             <a:r>
+              <a:rPr lang="en-US" dirty="0" smtClean="0">
+                <a:latin typeface="Segoe UI Light" panose="020B0502040204020203" pitchFamily="34" charset="0"/>
+                <a:cs typeface="Segoe UI Light" panose="020B0502040204020203" pitchFamily="34" charset="0"/>
+              </a:rPr>
+              <a:t>, </a:t>
+            </a:r>
+            <a:r>
               <a:rPr lang="en-US" dirty="0">
                 <a:latin typeface="Segoe UI Light" panose="020B0502040204020203" pitchFamily="34" charset="0"/>
                 <a:cs typeface="Segoe UI Light" panose="020B0502040204020203" pitchFamily="34" charset="0"/>
               </a:rPr>
-              <a:t> Kenneth W. Church William A. Gale</a:t>
+              <a:t>Kenneth W. </a:t>
+            </a:r>
+            <a:r>
+              <a:rPr lang="en-US" dirty="0" smtClean="0">
+                <a:latin typeface="Segoe UI Light" panose="020B0502040204020203" pitchFamily="34" charset="0"/>
+                <a:cs typeface="Segoe UI Light" panose="020B0502040204020203" pitchFamily="34" charset="0"/>
+              </a:rPr>
+              <a:t>Church, William </a:t>
+            </a:r>
+            <a:r>
+              <a:rPr lang="en-US" dirty="0">
+                <a:latin typeface="Segoe UI Light" panose="020B0502040204020203" pitchFamily="34" charset="0"/>
+                <a:cs typeface="Segoe UI Light" panose="020B0502040204020203" pitchFamily="34" charset="0"/>
+              </a:rPr>
+              <a:t>A. Gale</a:t>
             </a:r>
           </a:p>
           <a:p>
@@ -7761,8 +8062,98 @@
                 <a:latin typeface="Segoe UI Light" panose="020B0502040204020203" pitchFamily="34" charset="0"/>
                 <a:cs typeface="Segoe UI Light" panose="020B0502040204020203" pitchFamily="34" charset="0"/>
               </a:rPr>
-              <a:t>into Python 3 by Mark Pilgrim</a:t>
-            </a:r>
+              <a:t>into Python 3 by Mark </a:t>
+            </a:r>
+            <a:r>
+              <a:rPr lang="en-US" dirty="0" smtClean="0">
+                <a:latin typeface="Segoe UI Light" panose="020B0502040204020203" pitchFamily="34" charset="0"/>
+                <a:cs typeface="Segoe UI Light" panose="020B0502040204020203" pitchFamily="34" charset="0"/>
+              </a:rPr>
+              <a:t>Pilgrim</a:t>
+            </a:r>
+          </a:p>
+          <a:p>
+            <a:pPr marL="0" indent="0" algn="ctr">
+              <a:buNone/>
+            </a:pPr>
+            <a:r>
+              <a:rPr lang="en-US" dirty="0">
+                <a:latin typeface="Segoe UI Light" panose="020B0502040204020203" pitchFamily="34" charset="0"/>
+                <a:cs typeface="Segoe UI Light" panose="020B0502040204020203" pitchFamily="34" charset="0"/>
+              </a:rPr>
+              <a:t>Survey of Keyword Extraction Techniques- Brian </a:t>
+            </a:r>
+            <a:r>
+              <a:rPr lang="en-US" dirty="0" smtClean="0">
+                <a:latin typeface="Segoe UI Light" panose="020B0502040204020203" pitchFamily="34" charset="0"/>
+                <a:cs typeface="Segoe UI Light" panose="020B0502040204020203" pitchFamily="34" charset="0"/>
+              </a:rPr>
+              <a:t>Lott</a:t>
+            </a:r>
+          </a:p>
+          <a:p>
+            <a:pPr marL="0" indent="0" algn="ctr">
+              <a:buNone/>
+            </a:pPr>
+            <a:r>
+              <a:rPr lang="en-IN" dirty="0">
+                <a:latin typeface="Segoe UI Light" panose="020B0502040204020203" pitchFamily="34" charset="0"/>
+                <a:cs typeface="Segoe UI Light" panose="020B0502040204020203" pitchFamily="34" charset="0"/>
+              </a:rPr>
+              <a:t>Math ∩ </a:t>
+            </a:r>
+            <a:r>
+              <a:rPr lang="en-IN" dirty="0" smtClean="0">
+                <a:latin typeface="Segoe UI Light" panose="020B0502040204020203" pitchFamily="34" charset="0"/>
+                <a:cs typeface="Segoe UI Light" panose="020B0502040204020203" pitchFamily="34" charset="0"/>
+              </a:rPr>
+              <a:t>Programming-A </a:t>
+            </a:r>
+            <a:r>
+              <a:rPr lang="en-IN" dirty="0">
+                <a:latin typeface="Segoe UI Light" panose="020B0502040204020203" pitchFamily="34" charset="0"/>
+                <a:cs typeface="Segoe UI Light" panose="020B0502040204020203" pitchFamily="34" charset="0"/>
+              </a:rPr>
+              <a:t>place for elegant </a:t>
+            </a:r>
+            <a:r>
+              <a:rPr lang="en-IN" dirty="0" smtClean="0">
+                <a:latin typeface="Segoe UI Light" panose="020B0502040204020203" pitchFamily="34" charset="0"/>
+                <a:cs typeface="Segoe UI Light" panose="020B0502040204020203" pitchFamily="34" charset="0"/>
+              </a:rPr>
+              <a:t>solutions (</a:t>
+            </a:r>
+            <a:r>
+              <a:rPr lang="en-IN" dirty="0" smtClean="0">
+                <a:latin typeface="Segoe UI Light" panose="020B0502040204020203" pitchFamily="34" charset="0"/>
+                <a:cs typeface="Segoe UI Light" panose="020B0502040204020203" pitchFamily="34" charset="0"/>
+                <a:hlinkClick r:id="rId2"/>
+              </a:rPr>
+              <a:t>www.jeremykun.com</a:t>
+            </a:r>
+            <a:r>
+              <a:rPr lang="en-IN" dirty="0" smtClean="0">
+                <a:latin typeface="Segoe UI Light" panose="020B0502040204020203" pitchFamily="34" charset="0"/>
+                <a:cs typeface="Segoe UI Light" panose="020B0502040204020203" pitchFamily="34" charset="0"/>
+              </a:rPr>
+              <a:t>)</a:t>
+            </a:r>
+          </a:p>
+          <a:p>
+            <a:pPr marL="0" indent="0" algn="ctr">
+              <a:buNone/>
+            </a:pPr>
+            <a:r>
+              <a:rPr lang="en-IN" dirty="0" smtClean="0">
+                <a:latin typeface="Segoe UI Light" panose="020B0502040204020203" pitchFamily="34" charset="0"/>
+                <a:cs typeface="Segoe UI Light" panose="020B0502040204020203" pitchFamily="34" charset="0"/>
+              </a:rPr>
+              <a:t>Stack Overflow</a:t>
+            </a:r>
+            <a:endParaRPr lang="en-US" dirty="0" smtClean="0">
+              <a:latin typeface="Segoe UI Light" panose="020B0502040204020203" pitchFamily="34" charset="0"/>
+              <a:cs typeface="Segoe UI Light" panose="020B0502040204020203" pitchFamily="34" charset="0"/>
+            </a:endParaRPr>
           </a:p>
           <a:p>
             <a:pPr algn="ctr"/>
@@ -7783,156 +8174,6 @@
   <p:clrMapOvr>
     <a:masterClrMapping/>
   </p:clrMapOvr>
-</p:sld>
-</file>
-
-<file path=ppt/slides/slide14.xml><?xml version="1.0" encoding="utf-8"?>
-<p:sld xmlns:a="http://schemas.openxmlformats.org/drawingml/2006/main" xmlns:r="http://schemas.openxmlformats.org/officeDocument/2006/relationships" xmlns:p="http://schemas.openxmlformats.org/presentationml/2006/main">
-  <p:cSld>
-    <p:spTree>
-      <p:nvGrpSpPr>
-        <p:cNvPr id="1" name=""/>
-        <p:cNvGrpSpPr/>
-        <p:nvPr/>
-      </p:nvGrpSpPr>
-      <p:grpSpPr>
-        <a:xfrm>
-          <a:off x="0" y="0"/>
-          <a:ext cx="0" cy="0"/>
-          <a:chOff x="0" y="0"/>
-          <a:chExt cx="0" cy="0"/>
-        </a:xfrm>
-      </p:grpSpPr>
-      <p:sp>
-        <p:nvSpPr>
-          <p:cNvPr id="2" name="Title 1"/>
-          <p:cNvSpPr txBox="1">
-            <a:spLocks/>
-          </p:cNvSpPr>
-          <p:nvPr/>
-        </p:nvSpPr>
-        <p:spPr>
-          <a:xfrm>
-            <a:off x="1170555" y="3092114"/>
-            <a:ext cx="9633803" cy="2117560"/>
-          </a:xfrm>
-          <a:prstGeom prst="rect">
-            <a:avLst/>
-          </a:prstGeom>
-        </p:spPr>
-        <p:txBody>
-          <a:bodyPr>
-            <a:noAutofit/>
-          </a:bodyPr>
-          <a:lstStyle>
-            <a:lvl1pPr algn="l" defTabSz="457200" rtl="0" eaLnBrk="1" latinLnBrk="0" hangingPunct="1">
-              <a:spcBef>
-                <a:spcPct val="0"/>
-              </a:spcBef>
-              <a:buNone/>
-              <a:defRPr sz="3600" kern="1200" cap="all">
-                <a:ln w="3175" cmpd="sng">
-                  <a:noFill/>
-                </a:ln>
-                <a:solidFill>
-                  <a:schemeClr val="tx1"/>
-                </a:solidFill>
-                <a:effectLst/>
-                <a:latin typeface="+mj-lt"/>
-                <a:ea typeface="+mj-ea"/>
-                <a:cs typeface="+mj-cs"/>
-              </a:defRPr>
-            </a:lvl1pPr>
-            <a:lvl2pPr eaLnBrk="1" hangingPunct="1">
-              <a:defRPr>
-                <a:solidFill>
-                  <a:schemeClr val="tx2"/>
-                </a:solidFill>
-              </a:defRPr>
-            </a:lvl2pPr>
-            <a:lvl3pPr eaLnBrk="1" hangingPunct="1">
-              <a:defRPr>
-                <a:solidFill>
-                  <a:schemeClr val="tx2"/>
-                </a:solidFill>
-              </a:defRPr>
-            </a:lvl3pPr>
-            <a:lvl4pPr eaLnBrk="1" hangingPunct="1">
-              <a:defRPr>
-                <a:solidFill>
-                  <a:schemeClr val="tx2"/>
-                </a:solidFill>
-              </a:defRPr>
-            </a:lvl4pPr>
-            <a:lvl5pPr eaLnBrk="1" hangingPunct="1">
-              <a:defRPr>
-                <a:solidFill>
-                  <a:schemeClr val="tx2"/>
-                </a:solidFill>
-              </a:defRPr>
-            </a:lvl5pPr>
-            <a:lvl6pPr eaLnBrk="1" hangingPunct="1">
-              <a:defRPr>
-                <a:solidFill>
-                  <a:schemeClr val="tx2"/>
-                </a:solidFill>
-              </a:defRPr>
-            </a:lvl6pPr>
-            <a:lvl7pPr eaLnBrk="1" hangingPunct="1">
-              <a:defRPr>
-                <a:solidFill>
-                  <a:schemeClr val="tx2"/>
-                </a:solidFill>
-              </a:defRPr>
-            </a:lvl7pPr>
-            <a:lvl8pPr eaLnBrk="1" hangingPunct="1">
-              <a:defRPr>
-                <a:solidFill>
-                  <a:schemeClr val="tx2"/>
-                </a:solidFill>
-              </a:defRPr>
-            </a:lvl8pPr>
-            <a:lvl9pPr eaLnBrk="1" hangingPunct="1">
-              <a:defRPr>
-                <a:solidFill>
-                  <a:schemeClr val="tx2"/>
-                </a:solidFill>
-              </a:defRPr>
-            </a:lvl9pPr>
-          </a:lstStyle>
-          <a:p>
-            <a:pPr algn="ctr"/>
-            <a:r>
-              <a:rPr lang="en-US" dirty="0" smtClean="0">
-                <a:latin typeface="Segoe UI Light" panose="020B0502040204020203" pitchFamily="34" charset="0"/>
-                <a:cs typeface="Segoe UI Light" panose="020B0502040204020203" pitchFamily="34" charset="0"/>
-              </a:rPr>
-              <a:t>PATENT PENDING</a:t>
-            </a:r>
-            <a:endParaRPr lang="en-US" dirty="0">
-              <a:latin typeface="Segoe UI Light" panose="020B0502040204020203" pitchFamily="34" charset="0"/>
-              <a:cs typeface="Segoe UI Light" panose="020B0502040204020203" pitchFamily="34" charset="0"/>
-            </a:endParaRPr>
-          </a:p>
-        </p:txBody>
-      </p:sp>
-    </p:spTree>
-    <p:extLst>
-      <p:ext uri="{BB962C8B-B14F-4D97-AF65-F5344CB8AC3E}">
-        <p14:creationId xmlns:p14="http://schemas.microsoft.com/office/powerpoint/2010/main" val="2188426186"/>
-      </p:ext>
-    </p:extLst>
-  </p:cSld>
-  <p:clrMapOvr>
-    <a:masterClrMapping/>
-  </p:clrMapOvr>
-  <p:timing>
-    <p:tnLst>
-      <p:par>
-        <p:cTn id="1" dur="indefinite" restart="never" nodeType="tmRoot"/>
-      </p:par>
-    </p:tnLst>
-  </p:timing>
 </p:sld>
 </file>
 
@@ -8115,20 +8356,7 @@
                 <a:latin typeface="Segoe UI Light" panose="020B0502040204020203" pitchFamily="34" charset="0"/>
                 <a:cs typeface="Segoe UI Light" panose="020B0502040204020203" pitchFamily="34" charset="0"/>
               </a:rPr>
-              <a:t>languages. Some Applications </a:t>
-            </a:r>
-            <a:r>
-              <a:rPr lang="en-US" sz="2000" dirty="0" smtClean="0">
-                <a:solidFill>
-                  <a:schemeClr val="accent2">
-                    <a:lumMod val="40000"/>
-                    <a:lumOff val="60000"/>
-                  </a:schemeClr>
-                </a:solidFill>
-                <a:latin typeface="Segoe UI Light" panose="020B0502040204020203" pitchFamily="34" charset="0"/>
-                <a:cs typeface="Segoe UI Light" panose="020B0502040204020203" pitchFamily="34" charset="0"/>
-              </a:rPr>
-              <a:t>include:</a:t>
+              <a:t>languages. Some Applications include:</a:t>
             </a:r>
             <a:r>
               <a:rPr lang="en-US" dirty="0">
@@ -8904,33 +9132,7 @@
                 <a:latin typeface="Segoe UI Light" panose="020B0502040204020203" pitchFamily="34" charset="0"/>
                 <a:cs typeface="Segoe UI Light" panose="020B0502040204020203" pitchFamily="34" charset="0"/>
               </a:rPr>
-              <a:t>Our </a:t>
-            </a:r>
-            <a:r>
-              <a:rPr lang="en-US" sz="2000" dirty="0" smtClean="0">
-                <a:solidFill>
-                  <a:schemeClr val="accent2">
-                    <a:lumMod val="40000"/>
-                    <a:lumOff val="60000"/>
-                  </a:schemeClr>
-                </a:solidFill>
-                <a:latin typeface="Segoe UI Light" panose="020B0502040204020203" pitchFamily="34" charset="0"/>
-                <a:cs typeface="Segoe UI Light" panose="020B0502040204020203" pitchFamily="34" charset="0"/>
-              </a:rPr>
-              <a:t>aim was to build a text editor which implements new concepts, ideas, features and tools that normal text processors (like MS Word) does not </a:t>
-            </a:r>
-            <a:r>
-              <a:rPr lang="en-US" sz="2000" dirty="0" smtClean="0">
-                <a:solidFill>
-                  <a:schemeClr val="accent2">
-                    <a:lumMod val="40000"/>
-                    <a:lumOff val="60000"/>
-                  </a:schemeClr>
-                </a:solidFill>
-                <a:latin typeface="Segoe UI Light" panose="020B0502040204020203" pitchFamily="34" charset="0"/>
-                <a:cs typeface="Segoe UI Light" panose="020B0502040204020203" pitchFamily="34" charset="0"/>
-              </a:rPr>
-              <a:t>offer.</a:t>
+              <a:t>Our aim was to build a text editor which implements new concepts, ideas, features and tools that normal text processors (like MS Word) does not offer.</a:t>
             </a:r>
             <a:endParaRPr lang="en-US" sz="2000" dirty="0">
               <a:solidFill>
@@ -9398,7 +9600,33 @@
                 <a:latin typeface="Segoe UI Light" panose="020B0502040204020203" pitchFamily="34" charset="0"/>
                 <a:cs typeface="Segoe UI Light" panose="020B0502040204020203" pitchFamily="34" charset="0"/>
               </a:rPr>
-              <a:t>A live automated spell checker that detects and corrects misspelt errors and also, corrects contextual errors. Underlines words that are not in the dictionary, option to </a:t>
+              <a:t>A live automated spell checker that detects and corrects </a:t>
+            </a:r>
+            <a:r>
+              <a:rPr lang="en-US" sz="1800" dirty="0" smtClean="0">
+                <a:solidFill>
+                  <a:schemeClr val="accent2">
+                    <a:lumMod val="40000"/>
+                    <a:lumOff val="60000"/>
+                  </a:schemeClr>
+                </a:solidFill>
+                <a:latin typeface="Segoe UI Light" panose="020B0502040204020203" pitchFamily="34" charset="0"/>
+                <a:cs typeface="Segoe UI Light" panose="020B0502040204020203" pitchFamily="34" charset="0"/>
+              </a:rPr>
+              <a:t>misspelt errors. </a:t>
+            </a:r>
+            <a:r>
+              <a:rPr lang="en-US" sz="1800" dirty="0">
+                <a:solidFill>
+                  <a:schemeClr val="accent2">
+                    <a:lumMod val="40000"/>
+                    <a:lumOff val="60000"/>
+                  </a:schemeClr>
+                </a:solidFill>
+                <a:latin typeface="Segoe UI Light" panose="020B0502040204020203" pitchFamily="34" charset="0"/>
+                <a:cs typeface="Segoe UI Light" panose="020B0502040204020203" pitchFamily="34" charset="0"/>
+              </a:rPr>
+              <a:t>Underlines words that are not in the dictionary, option to </a:t>
             </a:r>
             <a:r>
               <a:rPr lang="en-US" sz="1800" dirty="0" smtClean="0">
@@ -9446,7 +9674,7 @@
         <p:spPr>
           <a:xfrm>
             <a:off x="4800601" y="584676"/>
-            <a:ext cx="7110663" cy="5755422"/>
+            <a:ext cx="7110663" cy="6032421"/>
           </a:xfrm>
           <a:prstGeom prst="rect">
             <a:avLst/>
@@ -9532,7 +9760,21 @@
                 <a:latin typeface="Segoe UI Light" panose="020B0502040204020203" pitchFamily="34" charset="0"/>
                 <a:cs typeface="Segoe UI Light" panose="020B0502040204020203" pitchFamily="34" charset="0"/>
               </a:rPr>
-              <a:t> file. </a:t>
+              <a:t> </a:t>
+            </a:r>
+            <a:r>
+              <a:rPr lang="en-US" dirty="0" smtClean="0">
+                <a:latin typeface="Segoe UI Light" panose="020B0502040204020203" pitchFamily="34" charset="0"/>
+                <a:cs typeface="Segoe UI Light" panose="020B0502040204020203" pitchFamily="34" charset="0"/>
+              </a:rPr>
+              <a:t>file for faster access. </a:t>
+            </a:r>
+            <a:r>
+              <a:rPr lang="en-US" dirty="0" smtClean="0">
+                <a:latin typeface="Segoe UI Light" panose="020B0502040204020203" pitchFamily="34" charset="0"/>
+                <a:cs typeface="Segoe UI Light" panose="020B0502040204020203" pitchFamily="34" charset="0"/>
+              </a:rPr>
+              <a:t/>
             </a:r>
             <a:br>
               <a:rPr lang="en-US" dirty="0" smtClean="0">
@@ -9629,14 +9871,49 @@
                 <a:latin typeface="Segoe UI Light" panose="020B0502040204020203" pitchFamily="34" charset="0"/>
                 <a:cs typeface="Segoe UI Light" panose="020B0502040204020203" pitchFamily="34" charset="0"/>
               </a:rPr>
-              <a:t>Levenstein’s</a:t>
-            </a:r>
-            <a:r>
-              <a:rPr lang="en-US" dirty="0" smtClean="0">
-                <a:latin typeface="Segoe UI Light" panose="020B0502040204020203" pitchFamily="34" charset="0"/>
-                <a:cs typeface="Segoe UI Light" panose="020B0502040204020203" pitchFamily="34" charset="0"/>
-              </a:rPr>
-              <a:t> Edit Distance Algorithm, used to generate the candidate words (of edit distance 2) for the incorrect word.</a:t>
+              <a:t>Levenshtein’s</a:t>
+            </a:r>
+            <a:r>
+              <a:rPr lang="en-US" dirty="0" smtClean="0">
+                <a:latin typeface="Segoe UI Light" panose="020B0502040204020203" pitchFamily="34" charset="0"/>
+                <a:cs typeface="Segoe UI Light" panose="020B0502040204020203" pitchFamily="34" charset="0"/>
+              </a:rPr>
+              <a:t> </a:t>
+            </a:r>
+            <a:r>
+              <a:rPr lang="en-US" dirty="0" smtClean="0">
+                <a:latin typeface="Segoe UI Light" panose="020B0502040204020203" pitchFamily="34" charset="0"/>
+                <a:cs typeface="Segoe UI Light" panose="020B0502040204020203" pitchFamily="34" charset="0"/>
+              </a:rPr>
+              <a:t>Edit Distance </a:t>
+            </a:r>
+            <a:r>
+              <a:rPr lang="en-US" dirty="0" smtClean="0">
+                <a:latin typeface="Segoe UI Light" panose="020B0502040204020203" pitchFamily="34" charset="0"/>
+                <a:cs typeface="Segoe UI Light" panose="020B0502040204020203" pitchFamily="34" charset="0"/>
+              </a:rPr>
+              <a:t>Algorithm is </a:t>
+            </a:r>
+            <a:r>
+              <a:rPr lang="en-US" dirty="0" smtClean="0">
+                <a:latin typeface="Segoe UI Light" panose="020B0502040204020203" pitchFamily="34" charset="0"/>
+                <a:cs typeface="Segoe UI Light" panose="020B0502040204020203" pitchFamily="34" charset="0"/>
+              </a:rPr>
+              <a:t>used to generate the candidate words (</a:t>
+            </a:r>
+            <a:r>
+              <a:rPr lang="en-US" dirty="0" smtClean="0">
+                <a:latin typeface="Segoe UI Light" panose="020B0502040204020203" pitchFamily="34" charset="0"/>
+                <a:cs typeface="Segoe UI Light" panose="020B0502040204020203" pitchFamily="34" charset="0"/>
+              </a:rPr>
+              <a:t>of up to edit </a:t>
+            </a:r>
+            <a:r>
+              <a:rPr lang="en-US" dirty="0" smtClean="0">
+                <a:latin typeface="Segoe UI Light" panose="020B0502040204020203" pitchFamily="34" charset="0"/>
+                <a:cs typeface="Segoe UI Light" panose="020B0502040204020203" pitchFamily="34" charset="0"/>
+              </a:rPr>
+              <a:t>distance 2) for the incorrect word.</a:t>
             </a:r>
           </a:p>
           <a:p>
@@ -9674,7 +9951,35 @@
                 <a:latin typeface="Segoe UI Light" panose="020B0502040204020203" pitchFamily="34" charset="0"/>
                 <a:cs typeface="Segoe UI Light" panose="020B0502040204020203" pitchFamily="34" charset="0"/>
               </a:rPr>
-              <a:t>Bayesian Model and the Noisy Channel Model, to select the word from the candidate words, that has the most probability, of being used by the user. The correction happens automatically, when the user has completed the word (and used a separator).</a:t>
+              <a:t>Bayesian Model and the Noisy Channel Model, to select the word from the candidate words, that has the </a:t>
+            </a:r>
+            <a:r>
+              <a:rPr lang="en-US" dirty="0" smtClean="0">
+                <a:latin typeface="Segoe UI Light" panose="020B0502040204020203" pitchFamily="34" charset="0"/>
+                <a:cs typeface="Segoe UI Light" panose="020B0502040204020203" pitchFamily="34" charset="0"/>
+              </a:rPr>
+              <a:t>highest probability of </a:t>
+            </a:r>
+            <a:r>
+              <a:rPr lang="en-US" dirty="0">
+                <a:latin typeface="Segoe UI Light" panose="020B0502040204020203" pitchFamily="34" charset="0"/>
+                <a:cs typeface="Segoe UI Light" panose="020B0502040204020203" pitchFamily="34" charset="0"/>
+              </a:rPr>
+              <a:t>being </a:t>
+            </a:r>
+            <a:r>
+              <a:rPr lang="en-US" dirty="0" smtClean="0">
+                <a:latin typeface="Segoe UI Light" panose="020B0502040204020203" pitchFamily="34" charset="0"/>
+                <a:cs typeface="Segoe UI Light" panose="020B0502040204020203" pitchFamily="34" charset="0"/>
+              </a:rPr>
+              <a:t>the intended word. </a:t>
+            </a:r>
+            <a:r>
+              <a:rPr lang="en-US" dirty="0">
+                <a:latin typeface="Segoe UI Light" panose="020B0502040204020203" pitchFamily="34" charset="0"/>
+                <a:cs typeface="Segoe UI Light" panose="020B0502040204020203" pitchFamily="34" charset="0"/>
+              </a:rPr>
+              <a:t>The correction happens automatically, when the user has completed the word (and used a separator).</a:t>
             </a:r>
           </a:p>
         </p:txBody>
@@ -10378,7 +10683,33 @@
                 <a:latin typeface="Segoe UI Light" panose="020B0502040204020203" pitchFamily="34" charset="0"/>
                 <a:cs typeface="Segoe UI Light" panose="020B0502040204020203" pitchFamily="34" charset="0"/>
               </a:rPr>
-              <a:t>A live automated spell checker that detects and corrects misspelt errors and also, corrects contextual errors. Underlines words that are not in the dictionary, option to add words into the dictionary</a:t>
+              <a:t>A live automated spell checker that detects and corrects </a:t>
+            </a:r>
+            <a:r>
+              <a:rPr lang="en-US" sz="1800" dirty="0" smtClean="0">
+                <a:solidFill>
+                  <a:schemeClr val="accent2">
+                    <a:lumMod val="40000"/>
+                    <a:lumOff val="60000"/>
+                  </a:schemeClr>
+                </a:solidFill>
+                <a:latin typeface="Segoe UI Light" panose="020B0502040204020203" pitchFamily="34" charset="0"/>
+                <a:cs typeface="Segoe UI Light" panose="020B0502040204020203" pitchFamily="34" charset="0"/>
+              </a:rPr>
+              <a:t>misspelt errors. </a:t>
+            </a:r>
+            <a:r>
+              <a:rPr lang="en-US" sz="1800" dirty="0" smtClean="0">
+                <a:solidFill>
+                  <a:schemeClr val="accent2">
+                    <a:lumMod val="40000"/>
+                    <a:lumOff val="60000"/>
+                  </a:schemeClr>
+                </a:solidFill>
+                <a:latin typeface="Segoe UI Light" panose="020B0502040204020203" pitchFamily="34" charset="0"/>
+                <a:cs typeface="Segoe UI Light" panose="020B0502040204020203" pitchFamily="34" charset="0"/>
+              </a:rPr>
+              <a:t>Underlines words that are not in the dictionary, option to add words into the dictionary</a:t>
             </a:r>
             <a:endParaRPr lang="en-US" sz="1800" dirty="0">
               <a:solidFill>
@@ -10605,8 +10936,12 @@
                 <a:latin typeface="Segoe UI Light" panose="020B0502040204020203" pitchFamily="34" charset="0"/>
                 <a:cs typeface="Segoe UI Light" panose="020B0502040204020203" pitchFamily="34" charset="0"/>
               </a:rPr>
-              <a:t>word, by using the substring option.</a:t>
-            </a:r>
+              <a:t>word.</a:t>
+            </a:r>
+            <a:endParaRPr lang="en-US" dirty="0" smtClean="0">
+              <a:latin typeface="Segoe UI Light" panose="020B0502040204020203" pitchFamily="34" charset="0"/>
+              <a:cs typeface="Segoe UI Light" panose="020B0502040204020203" pitchFamily="34" charset="0"/>
+            </a:endParaRPr>
           </a:p>
           <a:p>
             <a:pPr lvl="1"/>
@@ -11131,7 +11466,21 @@
                 <a:latin typeface="Segoe UI Light" panose="020B0502040204020203" pitchFamily="34" charset="0"/>
                 <a:cs typeface="Segoe UI Light" panose="020B0502040204020203" pitchFamily="34" charset="0"/>
               </a:rPr>
-              <a:t>The list of AutoComplete suggestions, is shown just below the cursor location, as a popup. The user may used keys, or the mouse to select one of the suggestions in order to use it, and save time. </a:t>
+              <a:t>The list of AutoComplete suggestions, is shown just below the cursor location, as a popup. The user may </a:t>
+            </a:r>
+            <a:r>
+              <a:rPr lang="en-US" dirty="0" smtClean="0">
+                <a:latin typeface="Segoe UI Light" panose="020B0502040204020203" pitchFamily="34" charset="0"/>
+                <a:cs typeface="Segoe UI Light" panose="020B0502040204020203" pitchFamily="34" charset="0"/>
+              </a:rPr>
+              <a:t>use </a:t>
+            </a:r>
+            <a:r>
+              <a:rPr lang="en-US" dirty="0" smtClean="0">
+                <a:latin typeface="Segoe UI Light" panose="020B0502040204020203" pitchFamily="34" charset="0"/>
+                <a:cs typeface="Segoe UI Light" panose="020B0502040204020203" pitchFamily="34" charset="0"/>
+              </a:rPr>
+              <a:t>keys, or the mouse to select one of the suggestions in order to use it, and save time. </a:t>
             </a:r>
             <a:endParaRPr lang="en-US" dirty="0"/>
           </a:p>
@@ -11423,7 +11772,7 @@
   <a:extraClrSchemeLst/>
   <a:extLst>
     <a:ext uri="{05A4C25C-085E-4340-85A3-A5531E510DB2}">
-      <thm15:themeFamily xmlns:thm15="http://schemas.microsoft.com/office/thememl/2012/main" name="Celestial" id="{C4BB2A3D-0E93-4C5F-B0D2-9D3FCE089CC5}" vid="{42E5908D-19A2-46FD-89FA-638B126129EF}"/>
+      <thm15:themeFamily xmlns:thm15="http://schemas.microsoft.com/office/thememl/2012/main" xmlns="" name="Celestial" id="{C4BB2A3D-0E93-4C5F-B0D2-9D3FCE089CC5}" vid="{42E5908D-19A2-46FD-89FA-638B126129EF}"/>
     </a:ext>
   </a:extLst>
 </a:theme>

--- a/Integrated Text Editor New.pptx
+++ b/Integrated Text Editor New.pptx
@@ -17,7 +17,10 @@
     <p:sldId id="267" r:id="rId11"/>
     <p:sldId id="268" r:id="rId12"/>
     <p:sldId id="269" r:id="rId13"/>
-    <p:sldId id="271" r:id="rId14"/>
+    <p:sldId id="273" r:id="rId14"/>
+    <p:sldId id="272" r:id="rId15"/>
+    <p:sldId id="271" r:id="rId16"/>
+    <p:sldId id="275" r:id="rId17"/>
   </p:sldIdLst>
   <p:sldSz cx="12192000" cy="6858000"/>
   <p:notesSz cx="6858000" cy="9144000"/>
@@ -118,7 +121,18 @@
   </p:defaultTextStyle>
   <p:extLst>
     <p:ext uri="{EFAFB233-063F-42B5-8137-9DF3F51BA10A}">
-      <p15:sldGuideLst xmlns:p15="http://schemas.microsoft.com/office/powerpoint/2012/main" xmlns=""/>
+      <p15:sldGuideLst xmlns:p15="http://schemas.microsoft.com/office/powerpoint/2012/main">
+        <p15:guide id="1" orient="horz" pos="2160">
+          <p15:clr>
+            <a:srgbClr val="A4A3A4"/>
+          </p15:clr>
+        </p15:guide>
+        <p15:guide id="2" pos="3840">
+          <p15:clr>
+            <a:srgbClr val="A4A3A4"/>
+          </p15:clr>
+        </p15:guide>
+      </p15:sldGuideLst>
     </p:ext>
   </p:extLst>
 </p:presentation>
@@ -354,7 +368,7 @@
             <a:fld id="{5923F103-BC34-4FE4-A40E-EDDEECFDA5D0}" type="datetimeFigureOut">
               <a:rPr lang="en-US" smtClean="0"/>
               <a:pPr/>
-              <a:t>5/11/2014</a:t>
+              <a:t>5/12/2014</a:t>
             </a:fld>
             <a:endParaRPr lang="en-US" dirty="0"/>
           </a:p>
@@ -694,7 +708,7 @@
           <a:p>
             <a:fld id="{923A1CC3-2375-41D4-9E03-427CAF2A4C1A}" type="datetimeFigureOut">
               <a:rPr lang="en-US" smtClean="0"/>
-              <a:t>5/11/2014</a:t>
+              <a:t>5/12/2014</a:t>
             </a:fld>
             <a:endParaRPr lang="en-US" dirty="0"/>
           </a:p>
@@ -978,7 +992,7 @@
           <a:p>
             <a:fld id="{AFF16868-8199-4C2C-A5B1-63AEE139F88E}" type="datetimeFigureOut">
               <a:rPr lang="en-US" smtClean="0"/>
-              <a:t>5/11/2014</a:t>
+              <a:t>5/12/2014</a:t>
             </a:fld>
             <a:endParaRPr lang="en-US" dirty="0"/>
           </a:p>
@@ -1552,7 +1566,7 @@
           <a:p>
             <a:fld id="{AAD9FF7F-6988-44CC-821B-644E70CD2F73}" type="datetimeFigureOut">
               <a:rPr lang="en-US" smtClean="0"/>
-              <a:t>5/11/2014</a:t>
+              <a:t>5/12/2014</a:t>
             </a:fld>
             <a:endParaRPr lang="en-US" dirty="0"/>
           </a:p>
@@ -1836,7 +1850,7 @@
           <a:p>
             <a:fld id="{5C12C299-16B2-4475-990D-751901EACC14}" type="datetimeFigureOut">
               <a:rPr lang="en-US" smtClean="0"/>
-              <a:t>5/11/2014</a:t>
+              <a:t>5/12/2014</a:t>
             </a:fld>
             <a:endParaRPr lang="en-US" dirty="0"/>
           </a:p>
@@ -2404,7 +2418,7 @@
           <a:p>
             <a:fld id="{2BE451C3-0FF4-47C4-B829-773ADF60F88C}" type="datetimeFigureOut">
               <a:rPr lang="en-US" smtClean="0"/>
-              <a:t>5/11/2014</a:t>
+              <a:t>5/12/2014</a:t>
             </a:fld>
             <a:endParaRPr lang="en-US" dirty="0"/>
           </a:p>
@@ -2738,7 +2752,7 @@
           <a:p>
             <a:fld id="{2BE451C3-0FF4-47C4-B829-773ADF60F88C}" type="datetimeFigureOut">
               <a:rPr lang="en-US" smtClean="0"/>
-              <a:t>5/11/2014</a:t>
+              <a:t>5/12/2014</a:t>
             </a:fld>
             <a:endParaRPr lang="en-US" dirty="0"/>
           </a:p>
@@ -2922,7 +2936,7 @@
           <a:p>
             <a:fld id="{53086D93-FCAC-47E0-A2EE-787E62CA814C}" type="datetimeFigureOut">
               <a:rPr lang="en-US" smtClean="0"/>
-              <a:t>5/11/2014</a:t>
+              <a:t>5/12/2014</a:t>
             </a:fld>
             <a:endParaRPr lang="en-US" dirty="0"/>
           </a:p>
@@ -3166,7 +3180,7 @@
           <a:p>
             <a:fld id="{CDA879A6-0FD0-4734-A311-86BFCA472E6E}" type="datetimeFigureOut">
               <a:rPr lang="en-US" smtClean="0"/>
-              <a:t>5/11/2014</a:t>
+              <a:t>5/12/2014</a:t>
             </a:fld>
             <a:endParaRPr lang="en-US" dirty="0"/>
           </a:p>
@@ -3372,7 +3386,7 @@
           <a:p>
             <a:fld id="{19C9CA7B-DFD4-44B5-8C60-D14B8CD1FB59}" type="datetimeFigureOut">
               <a:rPr lang="en-US" smtClean="0"/>
-              <a:t>5/11/2014</a:t>
+              <a:t>5/12/2014</a:t>
             </a:fld>
             <a:endParaRPr lang="en-US" dirty="0"/>
           </a:p>
@@ -3654,7 +3668,7 @@
           <a:p>
             <a:fld id="{F34E6425-0181-43F2-84FC-787E803FD2F8}" type="datetimeFigureOut">
               <a:rPr lang="en-US" smtClean="0"/>
-              <a:t>5/11/2014</a:t>
+              <a:t>5/12/2014</a:t>
             </a:fld>
             <a:endParaRPr lang="en-US" dirty="0"/>
           </a:p>
@@ -3926,7 +3940,7 @@
           <a:p>
             <a:fld id="{3BDB8791-F1B0-41E7-B7FD-A781E65C4266}" type="datetimeFigureOut">
               <a:rPr lang="en-US" smtClean="0"/>
-              <a:t>5/11/2014</a:t>
+              <a:t>5/12/2014</a:t>
             </a:fld>
             <a:endParaRPr lang="en-US" dirty="0"/>
           </a:p>
@@ -4306,7 +4320,7 @@
           <a:p>
             <a:fld id="{5FDD63B2-E120-4ED8-B27B-C685F510A5FE}" type="datetimeFigureOut">
               <a:rPr lang="en-US" smtClean="0"/>
-              <a:t>5/11/2014</a:t>
+              <a:t>5/12/2014</a:t>
             </a:fld>
             <a:endParaRPr lang="en-US" dirty="0"/>
           </a:p>
@@ -4460,7 +4474,7 @@
           <a:p>
             <a:fld id="{7AA18ACC-A947-437B-A130-35BD54FDF1E9}" type="datetimeFigureOut">
               <a:rPr lang="en-US" smtClean="0"/>
-              <a:t>5/11/2014</a:t>
+              <a:t>5/12/2014</a:t>
             </a:fld>
             <a:endParaRPr lang="en-US" dirty="0"/>
           </a:p>
@@ -4591,7 +4605,7 @@
           <a:p>
             <a:fld id="{7C8D7E02-BCB8-4D50-A234-369438C08659}" type="datetimeFigureOut">
               <a:rPr lang="en-US" smtClean="0"/>
-              <a:t>5/11/2014</a:t>
+              <a:t>5/12/2014</a:t>
             </a:fld>
             <a:endParaRPr lang="en-US" dirty="0"/>
           </a:p>
@@ -4882,7 +4896,7 @@
           <a:p>
             <a:fld id="{76E86A4C-8E40-4F87-A4F0-01A0687C5742}" type="datetimeFigureOut">
               <a:rPr lang="en-US" smtClean="0"/>
-              <a:t>5/11/2014</a:t>
+              <a:t>5/12/2014</a:t>
             </a:fld>
             <a:endParaRPr lang="en-US" dirty="0"/>
           </a:p>
@@ -5212,7 +5226,7 @@
           <a:p>
             <a:fld id="{35E72C73-2D91-4E12-BA25-F0AA0C03599B}" type="datetimeFigureOut">
               <a:rPr lang="en-US" smtClean="0"/>
-              <a:t>5/11/2014</a:t>
+              <a:t>5/12/2014</a:t>
             </a:fld>
             <a:endParaRPr lang="en-US" dirty="0"/>
           </a:p>
@@ -5432,7 +5446,7 @@
           <a:p>
             <a:fld id="{2BE451C3-0FF4-47C4-B829-773ADF60F88C}" type="datetimeFigureOut">
               <a:rPr lang="en-US" smtClean="0"/>
-              <a:t>5/11/2014</a:t>
+              <a:t>5/12/2014</a:t>
             </a:fld>
             <a:endParaRPr lang="en-US" dirty="0"/>
           </a:p>
@@ -6242,85 +6256,7 @@
                 <a:latin typeface="Segoe UI Light" panose="020B0502040204020203" pitchFamily="34" charset="0"/>
                 <a:cs typeface="Segoe UI Light" panose="020B0502040204020203" pitchFamily="34" charset="0"/>
               </a:rPr>
-              <a:t>An option to perform a search within the document. Highlighting </a:t>
-            </a:r>
-            <a:r>
-              <a:rPr lang="en-US" sz="1800" dirty="0" smtClean="0">
-                <a:solidFill>
-                  <a:schemeClr val="accent2">
-                    <a:lumMod val="40000"/>
-                    <a:lumOff val="60000"/>
-                  </a:schemeClr>
-                </a:solidFill>
-                <a:latin typeface="Segoe UI Light" panose="020B0502040204020203" pitchFamily="34" charset="0"/>
-                <a:cs typeface="Segoe UI Light" panose="020B0502040204020203" pitchFamily="34" charset="0"/>
-              </a:rPr>
-              <a:t>happens </a:t>
-            </a:r>
-            <a:r>
-              <a:rPr lang="en-US" sz="1800" dirty="0" smtClean="0">
-                <a:solidFill>
-                  <a:schemeClr val="accent2">
-                    <a:lumMod val="40000"/>
-                    <a:lumOff val="60000"/>
-                  </a:schemeClr>
-                </a:solidFill>
-                <a:latin typeface="Segoe UI Light" panose="020B0502040204020203" pitchFamily="34" charset="0"/>
-                <a:cs typeface="Segoe UI Light" panose="020B0502040204020203" pitchFamily="34" charset="0"/>
-              </a:rPr>
-              <a:t>as the user types. An </a:t>
-            </a:r>
-            <a:r>
-              <a:rPr lang="en-US" sz="1800" dirty="0" smtClean="0">
-                <a:solidFill>
-                  <a:schemeClr val="accent2">
-                    <a:lumMod val="40000"/>
-                    <a:lumOff val="60000"/>
-                  </a:schemeClr>
-                </a:solidFill>
-                <a:latin typeface="Segoe UI Light" panose="020B0502040204020203" pitchFamily="34" charset="0"/>
-                <a:cs typeface="Segoe UI Light" panose="020B0502040204020203" pitchFamily="34" charset="0"/>
-              </a:rPr>
-              <a:t>advanced </a:t>
-            </a:r>
-            <a:r>
-              <a:rPr lang="en-US" sz="1800" dirty="0" smtClean="0">
-                <a:solidFill>
-                  <a:schemeClr val="accent2">
-                    <a:lumMod val="40000"/>
-                    <a:lumOff val="60000"/>
-                  </a:schemeClr>
-                </a:solidFill>
-                <a:latin typeface="Segoe UI Light" panose="020B0502040204020203" pitchFamily="34" charset="0"/>
-                <a:cs typeface="Segoe UI Light" panose="020B0502040204020203" pitchFamily="34" charset="0"/>
-              </a:rPr>
-              <a:t>option of </a:t>
-            </a:r>
-            <a:r>
-              <a:rPr lang="en-US" sz="1800" dirty="0" smtClean="0">
-                <a:solidFill>
-                  <a:schemeClr val="accent2">
-                    <a:lumMod val="40000"/>
-                    <a:lumOff val="60000"/>
-                  </a:schemeClr>
-                </a:solidFill>
-                <a:latin typeface="Segoe UI Light" panose="020B0502040204020203" pitchFamily="34" charset="0"/>
-                <a:cs typeface="Segoe UI Light" panose="020B0502040204020203" pitchFamily="34" charset="0"/>
-              </a:rPr>
-              <a:t>‘find and replace’ is </a:t>
-            </a:r>
-            <a:r>
-              <a:rPr lang="en-US" sz="1800" dirty="0" smtClean="0">
-                <a:solidFill>
-                  <a:schemeClr val="accent2">
-                    <a:lumMod val="40000"/>
-                    <a:lumOff val="60000"/>
-                  </a:schemeClr>
-                </a:solidFill>
-                <a:latin typeface="Segoe UI Light" panose="020B0502040204020203" pitchFamily="34" charset="0"/>
-                <a:cs typeface="Segoe UI Light" panose="020B0502040204020203" pitchFamily="34" charset="0"/>
-              </a:rPr>
-              <a:t>also available</a:t>
+              <a:t>An option to perform a search within the document. Highlighting happens as the user types. An advanced option of ‘find and replace’ is also available</a:t>
             </a:r>
             <a:endParaRPr lang="en-US" sz="1800" dirty="0">
               <a:solidFill>
@@ -6404,21 +6340,7 @@
                 <a:latin typeface="Segoe UI Light" panose="020B0502040204020203" pitchFamily="34" charset="0"/>
                 <a:cs typeface="Segoe UI Light" panose="020B0502040204020203" pitchFamily="34" charset="0"/>
               </a:rPr>
-              <a:t>, will continuously look for character, and simultaneously </a:t>
-            </a:r>
-            <a:r>
-              <a:rPr lang="en-US" dirty="0" smtClean="0">
-                <a:latin typeface="Segoe UI Light" panose="020B0502040204020203" pitchFamily="34" charset="0"/>
-                <a:cs typeface="Segoe UI Light" panose="020B0502040204020203" pitchFamily="34" charset="0"/>
-              </a:rPr>
-              <a:t>highlights the </a:t>
-            </a:r>
-            <a:r>
-              <a:rPr lang="en-US" dirty="0" smtClean="0">
-                <a:latin typeface="Segoe UI Light" panose="020B0502040204020203" pitchFamily="34" charset="0"/>
-                <a:cs typeface="Segoe UI Light" panose="020B0502040204020203" pitchFamily="34" charset="0"/>
-              </a:rPr>
-              <a:t>parts within the document, that match the text field</a:t>
+              <a:t>, will continuously look for character, and simultaneously highlights the parts within the document, that match the text field</a:t>
             </a:r>
           </a:p>
           <a:p>
@@ -6583,21 +6505,7 @@
                 <a:latin typeface="Segoe UI Light" panose="020B0502040204020203" pitchFamily="34" charset="0"/>
                 <a:cs typeface="Segoe UI Light" panose="020B0502040204020203" pitchFamily="34" charset="0"/>
               </a:rPr>
-              <a:t>An </a:t>
-            </a:r>
-            <a:r>
-              <a:rPr lang="en-US" dirty="0" smtClean="0">
-                <a:latin typeface="Segoe UI Light" panose="020B0502040204020203" pitchFamily="34" charset="0"/>
-                <a:cs typeface="Segoe UI Light" panose="020B0502040204020203" pitchFamily="34" charset="0"/>
-              </a:rPr>
-              <a:t>advanced </a:t>
-            </a:r>
-            <a:r>
-              <a:rPr lang="en-US" dirty="0" smtClean="0">
-                <a:latin typeface="Segoe UI Light" panose="020B0502040204020203" pitchFamily="34" charset="0"/>
-                <a:cs typeface="Segoe UI Light" panose="020B0502040204020203" pitchFamily="34" charset="0"/>
-              </a:rPr>
-              <a:t>option is available, which allows the user to replace all strings that are highlighted, by a specific word.</a:t>
+              <a:t>An advanced option is available, which allows the user to replace all strings that are highlighted, by a specific word.</a:t>
             </a:r>
           </a:p>
         </p:txBody>
@@ -6737,33 +6645,7 @@
                 <a:latin typeface="Segoe UI Light" panose="020B0502040204020203" pitchFamily="34" charset="0"/>
                 <a:cs typeface="Segoe UI Light" panose="020B0502040204020203" pitchFamily="34" charset="0"/>
               </a:rPr>
-              <a:t>The editor tries to detect what the user is trying to type within the </a:t>
-            </a:r>
-            <a:r>
-              <a:rPr lang="en-US" sz="1800" dirty="0" smtClean="0">
-                <a:solidFill>
-                  <a:schemeClr val="accent2">
-                    <a:lumMod val="40000"/>
-                    <a:lumOff val="60000"/>
-                  </a:schemeClr>
-                </a:solidFill>
-                <a:latin typeface="Segoe UI Light" panose="020B0502040204020203" pitchFamily="34" charset="0"/>
-                <a:cs typeface="Segoe UI Light" panose="020B0502040204020203" pitchFamily="34" charset="0"/>
-              </a:rPr>
-              <a:t>document, be it a  </a:t>
-            </a:r>
-            <a:r>
-              <a:rPr lang="en-US" sz="1800" dirty="0" smtClean="0">
-                <a:solidFill>
-                  <a:schemeClr val="accent2">
-                    <a:lumMod val="40000"/>
-                    <a:lumOff val="60000"/>
-                  </a:schemeClr>
-                </a:solidFill>
-                <a:latin typeface="Segoe UI Light" panose="020B0502040204020203" pitchFamily="34" charset="0"/>
-                <a:cs typeface="Segoe UI Light" panose="020B0502040204020203" pitchFamily="34" charset="0"/>
-              </a:rPr>
-              <a:t>Letter, Resume, or just information about a topic. After recognition, Search results are shown as a popup</a:t>
+              <a:t>The editor tries to detect what the user is trying to type within the document, be it a  Letter, Resume, or just information about a topic. After recognition, Search results are shown as a popup</a:t>
             </a:r>
             <a:endParaRPr lang="en-US" sz="1800" dirty="0">
               <a:solidFill>
@@ -6891,13 +6773,6 @@
               </a:rPr>
               <a:t>.</a:t>
             </a:r>
-            <a:r>
-              <a:rPr lang="en-US" dirty="0" smtClean="0">
-                <a:latin typeface="Segoe UI Light" panose="020B0502040204020203" pitchFamily="34" charset="0"/>
-                <a:cs typeface="Segoe UI Light" panose="020B0502040204020203" pitchFamily="34" charset="0"/>
-              </a:rPr>
-              <a:t/>
-            </a:r>
             <a:br>
               <a:rPr lang="en-US" dirty="0" smtClean="0">
                 <a:latin typeface="Segoe UI Light" panose="020B0502040204020203" pitchFamily="34" charset="0"/>
@@ -6909,14 +6784,7 @@
                 <a:latin typeface="Segoe UI Light" panose="020B0502040204020203" pitchFamily="34" charset="0"/>
                 <a:cs typeface="Segoe UI Light" panose="020B0502040204020203" pitchFamily="34" charset="0"/>
               </a:rPr>
-              <a:t>Keyword Extraction- Word Frequency Analysis, which includes using a </a:t>
-            </a:r>
-            <a:r>
-              <a:rPr lang="en-US" dirty="0" smtClean="0">
-                <a:latin typeface="Segoe UI Light" panose="020B0502040204020203" pitchFamily="34" charset="0"/>
-                <a:cs typeface="Segoe UI Light" panose="020B0502040204020203" pitchFamily="34" charset="0"/>
-              </a:rPr>
-              <a:t>numerical statistic (</a:t>
+              <a:t>Keyword Extraction- Word Frequency Analysis, which includes using a numerical statistic (</a:t>
             </a:r>
             <a:r>
               <a:rPr lang="en-US" dirty="0" err="1" smtClean="0">
@@ -6930,28 +6798,7 @@
                 <a:latin typeface="Segoe UI Light" panose="020B0502040204020203" pitchFamily="34" charset="0"/>
                 <a:cs typeface="Segoe UI Light" panose="020B0502040204020203" pitchFamily="34" charset="0"/>
               </a:rPr>
-              <a:t>), </a:t>
-            </a:r>
-            <a:r>
-              <a:rPr lang="en-US" dirty="0" smtClean="0">
-                <a:latin typeface="Segoe UI Light" panose="020B0502040204020203" pitchFamily="34" charset="0"/>
-                <a:cs typeface="Segoe UI Light" panose="020B0502040204020203" pitchFamily="34" charset="0"/>
-              </a:rPr>
-              <a:t>to detect </a:t>
-            </a:r>
-            <a:r>
-              <a:rPr lang="en-US" dirty="0" smtClean="0">
-                <a:latin typeface="Segoe UI Light" panose="020B0502040204020203" pitchFamily="34" charset="0"/>
-                <a:cs typeface="Segoe UI Light" panose="020B0502040204020203" pitchFamily="34" charset="0"/>
-              </a:rPr>
-              <a:t>words </a:t>
-            </a:r>
-            <a:r>
-              <a:rPr lang="en-US" dirty="0" smtClean="0">
-                <a:latin typeface="Segoe UI Light" panose="020B0502040204020203" pitchFamily="34" charset="0"/>
-                <a:cs typeface="Segoe UI Light" panose="020B0502040204020203" pitchFamily="34" charset="0"/>
-              </a:rPr>
-              <a:t>that are key to the document.</a:t>
+              <a:t>), to detect words that are key to the document.</a:t>
             </a:r>
             <a:endParaRPr lang="en-US" dirty="0">
               <a:latin typeface="Segoe UI Light" panose="020B0502040204020203" pitchFamily="34" charset="0"/>
@@ -7058,21 +6905,7 @@
                 <a:latin typeface="Segoe UI Light" panose="020B0502040204020203" pitchFamily="34" charset="0"/>
                 <a:cs typeface="Segoe UI Light" panose="020B0502040204020203" pitchFamily="34" charset="0"/>
               </a:rPr>
-              <a:t>The search results, are then populated on a temporary popup, which appears on the screen. User may choose to click on them, and </a:t>
-            </a:r>
-            <a:r>
-              <a:rPr lang="en-US" dirty="0" smtClean="0">
-                <a:latin typeface="Segoe UI Light" panose="020B0502040204020203" pitchFamily="34" charset="0"/>
-                <a:cs typeface="Segoe UI Light" panose="020B0502040204020203" pitchFamily="34" charset="0"/>
-              </a:rPr>
-              <a:t>will </a:t>
-            </a:r>
-            <a:r>
-              <a:rPr lang="en-US" dirty="0" smtClean="0">
-                <a:latin typeface="Segoe UI Light" panose="020B0502040204020203" pitchFamily="34" charset="0"/>
-                <a:cs typeface="Segoe UI Light" panose="020B0502040204020203" pitchFamily="34" charset="0"/>
-              </a:rPr>
-              <a:t>be redirected to that website.</a:t>
+              <a:t>The search results, are then populated on a temporary popup, which appears on the screen. User may choose to click on them, and will be redirected to that website.</a:t>
             </a:r>
           </a:p>
           <a:p>
@@ -7329,46 +7162,7 @@
                 <a:latin typeface="Segoe UI Light" panose="020B0502040204020203" pitchFamily="34" charset="0"/>
                 <a:cs typeface="Segoe UI Light" panose="020B0502040204020203" pitchFamily="34" charset="0"/>
               </a:rPr>
-              <a:t>Optionality, to </a:t>
-            </a:r>
-            <a:r>
-              <a:rPr lang="en-US" sz="1800" dirty="0" smtClean="0">
-                <a:solidFill>
-                  <a:schemeClr val="accent2">
-                    <a:lumMod val="40000"/>
-                    <a:lumOff val="60000"/>
-                  </a:schemeClr>
-                </a:solidFill>
-                <a:latin typeface="Segoe UI Light" panose="020B0502040204020203" pitchFamily="34" charset="0"/>
-                <a:cs typeface="Segoe UI Light" panose="020B0502040204020203" pitchFamily="34" charset="0"/>
-              </a:rPr>
-              <a:t>select or deselect  </a:t>
-            </a:r>
-            <a:r>
-              <a:rPr lang="en-US" sz="1800" dirty="0" smtClean="0">
-                <a:solidFill>
-                  <a:schemeClr val="accent2">
-                    <a:lumMod val="40000"/>
-                    <a:lumOff val="60000"/>
-                  </a:schemeClr>
-                </a:solidFill>
-                <a:latin typeface="Segoe UI Light" panose="020B0502040204020203" pitchFamily="34" charset="0"/>
-                <a:cs typeface="Segoe UI Light" panose="020B0502040204020203" pitchFamily="34" charset="0"/>
-              </a:rPr>
-              <a:t>the </a:t>
-            </a:r>
-            <a:r>
-              <a:rPr lang="en-US" sz="1800" dirty="0" smtClean="0">
-                <a:solidFill>
-                  <a:schemeClr val="accent2">
-                    <a:lumMod val="40000"/>
-                    <a:lumOff val="60000"/>
-                  </a:schemeClr>
-                </a:solidFill>
-                <a:latin typeface="Segoe UI Light" panose="020B0502040204020203" pitchFamily="34" charset="0"/>
-                <a:cs typeface="Segoe UI Light" panose="020B0502040204020203" pitchFamily="34" charset="0"/>
-              </a:rPr>
-              <a:t>various NLP features offered</a:t>
+              <a:t>Optionality, to select or deselect  the various NLP features offered</a:t>
             </a:r>
             <a:endParaRPr lang="en-US" sz="1800" dirty="0">
               <a:solidFill>
@@ -7686,21 +7480,7 @@
                 <a:latin typeface="Segoe UI Light" panose="020B0502040204020203" pitchFamily="34" charset="0"/>
                 <a:cs typeface="Segoe UI Light" panose="020B0502040204020203" pitchFamily="34" charset="0"/>
               </a:rPr>
-              <a:t> and Toolbar, for quick access. Buttons have been included for </a:t>
-            </a:r>
-            <a:r>
-              <a:rPr lang="en-US" dirty="0" smtClean="0">
-                <a:latin typeface="Segoe UI Light" panose="020B0502040204020203" pitchFamily="34" charset="0"/>
-                <a:cs typeface="Segoe UI Light" panose="020B0502040204020203" pitchFamily="34" charset="0"/>
-              </a:rPr>
-              <a:t>this purpose </a:t>
-            </a:r>
-            <a:r>
-              <a:rPr lang="en-US" dirty="0" smtClean="0">
-                <a:latin typeface="Segoe UI Light" panose="020B0502040204020203" pitchFamily="34" charset="0"/>
-                <a:cs typeface="Segoe UI Light" panose="020B0502040204020203" pitchFamily="34" charset="0"/>
-              </a:rPr>
-              <a:t>as well.</a:t>
+              <a:t> and Toolbar, for quick access. Buttons have been included for this purpose as well.</a:t>
             </a:r>
           </a:p>
           <a:p>
@@ -7742,42 +7522,7 @@
                 <a:latin typeface="Segoe UI Light" panose="020B0502040204020203" pitchFamily="34" charset="0"/>
                 <a:cs typeface="Segoe UI Light" panose="020B0502040204020203" pitchFamily="34" charset="0"/>
               </a:rPr>
-              <a:t>Based on the preferences of the user, he may choose to select only those </a:t>
-            </a:r>
-            <a:r>
-              <a:rPr lang="en-US" dirty="0" smtClean="0">
-                <a:latin typeface="Segoe UI Light" panose="020B0502040204020203" pitchFamily="34" charset="0"/>
-                <a:cs typeface="Segoe UI Light" panose="020B0502040204020203" pitchFamily="34" charset="0"/>
-              </a:rPr>
-              <a:t>NLP features included </a:t>
-            </a:r>
-            <a:r>
-              <a:rPr lang="en-US" dirty="0" smtClean="0">
-                <a:latin typeface="Segoe UI Light" panose="020B0502040204020203" pitchFamily="34" charset="0"/>
-                <a:cs typeface="Segoe UI Light" panose="020B0502040204020203" pitchFamily="34" charset="0"/>
-              </a:rPr>
-              <a:t>in the editor, which </a:t>
-            </a:r>
-            <a:r>
-              <a:rPr lang="en-US" dirty="0" smtClean="0">
-                <a:latin typeface="Segoe UI Light" panose="020B0502040204020203" pitchFamily="34" charset="0"/>
-                <a:cs typeface="Segoe UI Light" panose="020B0502040204020203" pitchFamily="34" charset="0"/>
-              </a:rPr>
-              <a:t>he/she  </a:t>
-            </a:r>
-            <a:r>
-              <a:rPr lang="en-US" dirty="0" smtClean="0">
-                <a:latin typeface="Segoe UI Light" panose="020B0502040204020203" pitchFamily="34" charset="0"/>
-                <a:cs typeface="Segoe UI Light" panose="020B0502040204020203" pitchFamily="34" charset="0"/>
-              </a:rPr>
-              <a:t>wishes to </a:t>
-            </a:r>
-            <a:r>
-              <a:rPr lang="en-US" dirty="0" smtClean="0">
-                <a:latin typeface="Segoe UI Light" panose="020B0502040204020203" pitchFamily="34" charset="0"/>
-                <a:cs typeface="Segoe UI Light" panose="020B0502040204020203" pitchFamily="34" charset="0"/>
-              </a:rPr>
-              <a:t>use.</a:t>
+              <a:t>Based on the preferences of the user, he may choose to select only those NLP features included in the editor, which he/she  wishes to use.</a:t>
             </a:r>
             <a:endParaRPr lang="en-US" dirty="0">
               <a:latin typeface="Segoe UI Light" panose="020B0502040204020203" pitchFamily="34" charset="0"/>
@@ -7840,193 +7585,952 @@
             <p:ph type="title"/>
           </p:nvPr>
         </p:nvSpPr>
-        <p:spPr/>
-        <p:txBody>
-          <a:bodyPr/>
+        <p:spPr>
+          <a:xfrm>
+            <a:off x="577517" y="1852863"/>
+            <a:ext cx="3512831" cy="931333"/>
+          </a:xfrm>
+        </p:spPr>
+        <p:txBody>
+          <a:bodyPr>
+            <a:normAutofit fontScale="90000"/>
+          </a:bodyPr>
           <a:lstStyle/>
           <a:p>
             <a:pPr algn="ctr"/>
             <a:r>
-              <a:rPr lang="en-US" dirty="0" smtClean="0">
-                <a:latin typeface="Segoe UI Light" panose="020B0502040204020203" pitchFamily="34" charset="0"/>
-                <a:cs typeface="Segoe UI Light" panose="020B0502040204020203" pitchFamily="34" charset="0"/>
-              </a:rPr>
-              <a:t>References</a:t>
+              <a:rPr lang="en-US" sz="4000" dirty="0" smtClean="0">
+                <a:latin typeface="Segoe UI Light" panose="020B0502040204020203" pitchFamily="34" charset="0"/>
+                <a:cs typeface="Segoe UI Light" panose="020B0502040204020203" pitchFamily="34" charset="0"/>
+              </a:rPr>
+              <a:t>Background processes</a:t>
+            </a:r>
+            <a:endParaRPr lang="en-US" sz="2000" dirty="0">
+              <a:latin typeface="Segoe UI Light" panose="020B0502040204020203" pitchFamily="34" charset="0"/>
+              <a:cs typeface="Segoe UI Light" panose="020B0502040204020203" pitchFamily="34" charset="0"/>
+            </a:endParaRPr>
+          </a:p>
+        </p:txBody>
+      </p:sp>
+      <p:sp>
+        <p:nvSpPr>
+          <p:cNvPr id="4" name="Text Placeholder 3"/>
+          <p:cNvSpPr>
+            <a:spLocks noGrp="1"/>
+          </p:cNvSpPr>
+          <p:nvPr>
+            <p:ph type="body" sz="half" idx="2"/>
+          </p:nvPr>
+        </p:nvSpPr>
+        <p:spPr>
+          <a:xfrm>
+            <a:off x="769827" y="3073704"/>
+            <a:ext cx="3128209" cy="1847212"/>
+          </a:xfrm>
+        </p:spPr>
+        <p:txBody>
+          <a:bodyPr>
+            <a:normAutofit/>
+          </a:bodyPr>
+          <a:lstStyle/>
+          <a:p>
+            <a:pPr algn="ctr"/>
+            <a:r>
+              <a:rPr lang="en-US" sz="900" dirty="0">
+                <a:latin typeface="Segoe UI Light" panose="020B0502040204020203" pitchFamily="34" charset="0"/>
+                <a:cs typeface="Segoe UI Light" panose="020B0502040204020203" pitchFamily="34" charset="0"/>
+              </a:rPr>
+              <a:t> </a:t>
+            </a:r>
+            <a:r>
+              <a:rPr lang="en-US" sz="1800" dirty="0">
+                <a:latin typeface="Segoe UI Light" panose="020B0502040204020203" pitchFamily="34" charset="0"/>
+                <a:cs typeface="Segoe UI Light" panose="020B0502040204020203" pitchFamily="34" charset="0"/>
+              </a:rPr>
+              <a:t/>
+            </a:r>
+            <a:br>
+              <a:rPr lang="en-US" sz="1800" dirty="0">
+                <a:latin typeface="Segoe UI Light" panose="020B0502040204020203" pitchFamily="34" charset="0"/>
+                <a:cs typeface="Segoe UI Light" panose="020B0502040204020203" pitchFamily="34" charset="0"/>
+              </a:rPr>
+            </a:br>
+            <a:r>
+              <a:rPr lang="en-US" sz="1800" dirty="0" smtClean="0">
+                <a:solidFill>
+                  <a:schemeClr val="accent2">
+                    <a:lumMod val="40000"/>
+                    <a:lumOff val="60000"/>
+                  </a:schemeClr>
+                </a:solidFill>
+                <a:latin typeface="Segoe UI Light" panose="020B0502040204020203" pitchFamily="34" charset="0"/>
+                <a:cs typeface="Segoe UI Light" panose="020B0502040204020203" pitchFamily="34" charset="0"/>
+              </a:rPr>
+              <a:t>Features like </a:t>
+            </a:r>
+            <a:r>
+              <a:rPr lang="en-US" sz="1800" dirty="0">
+                <a:solidFill>
+                  <a:schemeClr val="accent2">
+                    <a:lumMod val="40000"/>
+                    <a:lumOff val="60000"/>
+                  </a:schemeClr>
+                </a:solidFill>
+                <a:latin typeface="Segoe UI Light" panose="020B0502040204020203" pitchFamily="34" charset="0"/>
+                <a:cs typeface="Segoe UI Light" panose="020B0502040204020203" pitchFamily="34" charset="0"/>
+              </a:rPr>
+              <a:t>T</a:t>
+            </a:r>
+            <a:r>
+              <a:rPr lang="en-US" sz="1800" dirty="0" smtClean="0">
+                <a:solidFill>
+                  <a:schemeClr val="accent2">
+                    <a:lumMod val="40000"/>
+                    <a:lumOff val="60000"/>
+                  </a:schemeClr>
+                </a:solidFill>
+                <a:latin typeface="Segoe UI Light" panose="020B0502040204020203" pitchFamily="34" charset="0"/>
+                <a:cs typeface="Segoe UI Light" panose="020B0502040204020203" pitchFamily="34" charset="0"/>
+              </a:rPr>
+              <a:t>opic Extraction and Underlining of errors, are background processes, so as to not generate any lag while the user is using the editor.</a:t>
+            </a:r>
+            <a:endParaRPr lang="en-US" sz="1800" dirty="0">
+              <a:solidFill>
+                <a:schemeClr val="accent2">
+                  <a:lumMod val="40000"/>
+                  <a:lumOff val="60000"/>
+                </a:schemeClr>
+              </a:solidFill>
+            </a:endParaRPr>
+          </a:p>
+        </p:txBody>
+      </p:sp>
+      <p:sp>
+        <p:nvSpPr>
+          <p:cNvPr id="5" name="TextBox 4"/>
+          <p:cNvSpPr txBox="1"/>
+          <p:nvPr/>
+        </p:nvSpPr>
+        <p:spPr>
+          <a:xfrm>
+            <a:off x="4728410" y="745958"/>
+            <a:ext cx="7110663" cy="5539978"/>
+          </a:xfrm>
+          <a:prstGeom prst="rect">
+            <a:avLst/>
+          </a:prstGeom>
+          <a:noFill/>
+        </p:spPr>
+        <p:txBody>
+          <a:bodyPr wrap="square" rtlCol="0">
+            <a:spAutoFit/>
+          </a:bodyPr>
+          <a:lstStyle/>
+          <a:p>
+            <a:r>
+              <a:rPr lang="en-US" sz="2400" dirty="0" smtClean="0">
+                <a:solidFill>
+                  <a:schemeClr val="accent2">
+                    <a:lumMod val="40000"/>
+                    <a:lumOff val="60000"/>
+                  </a:schemeClr>
+                </a:solidFill>
+                <a:latin typeface="Segoe UI Light" panose="020B0502040204020203" pitchFamily="34" charset="0"/>
+                <a:cs typeface="Segoe UI Light" panose="020B0502040204020203" pitchFamily="34" charset="0"/>
+              </a:rPr>
+              <a:t>Concurrency</a:t>
+            </a:r>
+            <a:endParaRPr lang="en-US" sz="2400" dirty="0">
+              <a:solidFill>
+                <a:schemeClr val="accent2">
+                  <a:lumMod val="40000"/>
+                  <a:lumOff val="60000"/>
+                </a:schemeClr>
+              </a:solidFill>
+              <a:latin typeface="Segoe UI Light" panose="020B0502040204020203" pitchFamily="34" charset="0"/>
+              <a:cs typeface="Segoe UI Light" panose="020B0502040204020203" pitchFamily="34" charset="0"/>
+            </a:endParaRPr>
+          </a:p>
+          <a:p>
+            <a:pPr lvl="1"/>
+            <a:r>
+              <a:rPr lang="en-US" dirty="0" smtClean="0">
+                <a:latin typeface="Segoe UI Light" panose="020B0502040204020203" pitchFamily="34" charset="0"/>
+                <a:cs typeface="Segoe UI Light" panose="020B0502040204020203" pitchFamily="34" charset="0"/>
+              </a:rPr>
+              <a:t>A UI that never freezes requires a good program flexibility, and a good framework of effective utilization of Threads</a:t>
             </a:r>
             <a:endParaRPr lang="en-US" dirty="0">
               <a:latin typeface="Segoe UI Light" panose="020B0502040204020203" pitchFamily="34" charset="0"/>
               <a:cs typeface="Segoe UI Light" panose="020B0502040204020203" pitchFamily="34" charset="0"/>
             </a:endParaRPr>
           </a:p>
-        </p:txBody>
-      </p:sp>
-      <p:sp>
-        <p:nvSpPr>
-          <p:cNvPr id="3" name="Content Placeholder 2"/>
-          <p:cNvSpPr>
-            <a:spLocks noGrp="1"/>
-          </p:cNvSpPr>
-          <p:nvPr>
-            <p:ph idx="1"/>
-          </p:nvPr>
-        </p:nvSpPr>
-        <p:spPr/>
-        <p:txBody>
-          <a:bodyPr>
-            <a:normAutofit fontScale="92500" lnSpcReduction="10000"/>
-          </a:bodyPr>
-          <a:lstStyle/>
-          <a:p>
-            <a:pPr marL="0" indent="0" algn="ctr">
-              <a:buNone/>
-            </a:pPr>
-            <a:r>
-              <a:rPr lang="en-US" dirty="0" smtClean="0">
-                <a:latin typeface="Segoe UI Light" panose="020B0502040204020203" pitchFamily="34" charset="0"/>
-                <a:cs typeface="Segoe UI Light" panose="020B0502040204020203" pitchFamily="34" charset="0"/>
-              </a:rPr>
-              <a:t>Speech </a:t>
-            </a:r>
+          <a:p>
+            <a:pPr lvl="1"/>
+            <a:endParaRPr lang="en-US" sz="2000" dirty="0">
+              <a:latin typeface="Segoe UI Light" panose="020B0502040204020203" pitchFamily="34" charset="0"/>
+              <a:cs typeface="Segoe UI Light" panose="020B0502040204020203" pitchFamily="34" charset="0"/>
+            </a:endParaRPr>
+          </a:p>
+          <a:p>
+            <a:r>
+              <a:rPr lang="en-US" sz="2400" dirty="0">
+                <a:solidFill>
+                  <a:schemeClr val="accent2">
+                    <a:lumMod val="40000"/>
+                    <a:lumOff val="60000"/>
+                  </a:schemeClr>
+                </a:solidFill>
+                <a:latin typeface="Segoe UI Light" panose="020B0502040204020203" pitchFamily="34" charset="0"/>
+                <a:cs typeface="Segoe UI Light" panose="020B0502040204020203" pitchFamily="34" charset="0"/>
+              </a:rPr>
+              <a:t>Initial Threads</a:t>
+            </a:r>
+          </a:p>
+          <a:p>
+            <a:pPr lvl="1"/>
             <a:r>
               <a:rPr lang="en-US" dirty="0">
                 <a:latin typeface="Segoe UI Light" panose="020B0502040204020203" pitchFamily="34" charset="0"/>
                 <a:cs typeface="Segoe UI Light" panose="020B0502040204020203" pitchFamily="34" charset="0"/>
               </a:rPr>
-              <a:t>and Language Processing by Daniel </a:t>
+              <a:t>Only one main exists, that </a:t>
+            </a:r>
+            <a:r>
+              <a:rPr lang="en-US" dirty="0" smtClean="0">
+                <a:latin typeface="Segoe UI Light" panose="020B0502040204020203" pitchFamily="34" charset="0"/>
+                <a:cs typeface="Segoe UI Light" panose="020B0502040204020203" pitchFamily="34" charset="0"/>
+              </a:rPr>
+              <a:t>creates a Runnable object to initialize the GUI. </a:t>
+            </a:r>
+            <a:r>
+              <a:rPr lang="en-US" dirty="0">
+                <a:latin typeface="Segoe UI Light" panose="020B0502040204020203" pitchFamily="34" charset="0"/>
+                <a:cs typeface="Segoe UI Light" panose="020B0502040204020203" pitchFamily="34" charset="0"/>
+              </a:rPr>
+              <a:t>Objects to all time consuming classes are created at the beginning to save time during call.</a:t>
+            </a:r>
+          </a:p>
+          <a:p>
+            <a:pPr lvl="1"/>
+            <a:endParaRPr lang="en-US" sz="2000" dirty="0">
+              <a:latin typeface="Segoe UI Light" panose="020B0502040204020203" pitchFamily="34" charset="0"/>
+              <a:cs typeface="Segoe UI Light" panose="020B0502040204020203" pitchFamily="34" charset="0"/>
+            </a:endParaRPr>
+          </a:p>
+          <a:p>
+            <a:r>
+              <a:rPr lang="en-US" sz="2400" dirty="0" smtClean="0">
+                <a:solidFill>
+                  <a:schemeClr val="accent2">
+                    <a:lumMod val="40000"/>
+                    <a:lumOff val="60000"/>
+                  </a:schemeClr>
+                </a:solidFill>
+                <a:latin typeface="Segoe UI Light" panose="020B0502040204020203" pitchFamily="34" charset="0"/>
+                <a:cs typeface="Segoe UI Light" panose="020B0502040204020203" pitchFamily="34" charset="0"/>
+              </a:rPr>
+              <a:t>Event Dispatch Threads</a:t>
+            </a:r>
+            <a:endParaRPr lang="en-US" sz="2400" dirty="0">
+              <a:solidFill>
+                <a:schemeClr val="accent2">
+                  <a:lumMod val="40000"/>
+                  <a:lumOff val="60000"/>
+                </a:schemeClr>
+              </a:solidFill>
+              <a:latin typeface="Segoe UI Light" panose="020B0502040204020203" pitchFamily="34" charset="0"/>
+              <a:cs typeface="Segoe UI Light" panose="020B0502040204020203" pitchFamily="34" charset="0"/>
+            </a:endParaRPr>
+          </a:p>
+          <a:p>
+            <a:pPr lvl="1"/>
+            <a:r>
+              <a:rPr lang="en-US" dirty="0" smtClean="0">
+                <a:latin typeface="Segoe UI Light" panose="020B0502040204020203" pitchFamily="34" charset="0"/>
+                <a:cs typeface="Segoe UI Light" panose="020B0502040204020203" pitchFamily="34" charset="0"/>
+              </a:rPr>
+              <a:t>It was made sure that all of the event listeners are not time consuming. Hence, the editor has a free flow, without lags during the complex processing that happens at the backend</a:t>
+            </a:r>
+          </a:p>
+          <a:p>
+            <a:pPr lvl="1"/>
+            <a:endParaRPr lang="en-US" sz="2000" dirty="0" smtClean="0">
+              <a:latin typeface="Segoe UI Light" panose="020B0502040204020203" pitchFamily="34" charset="0"/>
+              <a:cs typeface="Segoe UI Light" panose="020B0502040204020203" pitchFamily="34" charset="0"/>
+            </a:endParaRPr>
+          </a:p>
+          <a:p>
+            <a:r>
+              <a:rPr lang="en-US" sz="2400" dirty="0" smtClean="0">
+                <a:solidFill>
+                  <a:schemeClr val="accent2">
+                    <a:lumMod val="40000"/>
+                    <a:lumOff val="60000"/>
+                  </a:schemeClr>
+                </a:solidFill>
+                <a:latin typeface="Segoe UI Light" panose="020B0502040204020203" pitchFamily="34" charset="0"/>
+                <a:cs typeface="Segoe UI Light" panose="020B0502040204020203" pitchFamily="34" charset="0"/>
+              </a:rPr>
+              <a:t>Worker Threads</a:t>
+            </a:r>
+            <a:endParaRPr lang="en-US" sz="2400" dirty="0">
+              <a:solidFill>
+                <a:schemeClr val="accent2">
+                  <a:lumMod val="40000"/>
+                  <a:lumOff val="60000"/>
+                </a:schemeClr>
+              </a:solidFill>
+              <a:latin typeface="Segoe UI Light" panose="020B0502040204020203" pitchFamily="34" charset="0"/>
+              <a:cs typeface="Segoe UI Light" panose="020B0502040204020203" pitchFamily="34" charset="0"/>
+            </a:endParaRPr>
+          </a:p>
+          <a:p>
+            <a:pPr lvl="1"/>
+            <a:r>
+              <a:rPr lang="en-US" dirty="0" smtClean="0">
+                <a:latin typeface="Segoe UI Light" panose="020B0502040204020203" pitchFamily="34" charset="0"/>
+                <a:cs typeface="Segoe UI Light" panose="020B0502040204020203" pitchFamily="34" charset="0"/>
+              </a:rPr>
+              <a:t>The more time consuming algorithms are handled as background processes, using the Java </a:t>
             </a:r>
             <a:r>
               <a:rPr lang="en-US" dirty="0" err="1" smtClean="0">
                 <a:latin typeface="Segoe UI Light" panose="020B0502040204020203" pitchFamily="34" charset="0"/>
                 <a:cs typeface="Segoe UI Light" panose="020B0502040204020203" pitchFamily="34" charset="0"/>
               </a:rPr>
-              <a:t>Jurafsky</a:t>
-            </a:r>
-            <a:r>
-              <a:rPr lang="en-US" dirty="0" smtClean="0">
-                <a:latin typeface="Segoe UI Light" panose="020B0502040204020203" pitchFamily="34" charset="0"/>
-                <a:cs typeface="Segoe UI Light" panose="020B0502040204020203" pitchFamily="34" charset="0"/>
-              </a:rPr>
-              <a:t>, James H Martin</a:t>
-            </a:r>
+              <a:t>SwingWorker</a:t>
+            </a:r>
+            <a:r>
+              <a:rPr lang="en-US" dirty="0" smtClean="0">
+                <a:latin typeface="Segoe UI Light" panose="020B0502040204020203" pitchFamily="34" charset="0"/>
+                <a:cs typeface="Segoe UI Light" panose="020B0502040204020203" pitchFamily="34" charset="0"/>
+              </a:rPr>
+              <a:t> Abstract Class.</a:t>
+            </a:r>
+          </a:p>
+          <a:p>
+            <a:pPr lvl="1"/>
             <a:endParaRPr lang="en-US" dirty="0">
               <a:latin typeface="Segoe UI Light" panose="020B0502040204020203" pitchFamily="34" charset="0"/>
               <a:cs typeface="Segoe UI Light" panose="020B0502040204020203" pitchFamily="34" charset="0"/>
             </a:endParaRPr>
           </a:p>
-          <a:p>
-            <a:pPr marL="0" indent="0" algn="ctr">
-              <a:buNone/>
-            </a:pPr>
-            <a:r>
-              <a:rPr lang="en-US" dirty="0" smtClean="0">
-                <a:latin typeface="Segoe UI Light" panose="020B0502040204020203" pitchFamily="34" charset="0"/>
-                <a:cs typeface="Segoe UI Light" panose="020B0502040204020203" pitchFamily="34" charset="0"/>
-              </a:rPr>
-              <a:t>A </a:t>
-            </a:r>
-            <a:r>
-              <a:rPr lang="en-US" dirty="0">
-                <a:latin typeface="Segoe UI Light" panose="020B0502040204020203" pitchFamily="34" charset="0"/>
-                <a:cs typeface="Segoe UI Light" panose="020B0502040204020203" pitchFamily="34" charset="0"/>
-              </a:rPr>
-              <a:t>Spelling Correction Methodology Based on a Noisy Channel </a:t>
-            </a:r>
-            <a:r>
-              <a:rPr lang="en-US" dirty="0" smtClean="0">
-                <a:latin typeface="Segoe UI Light" panose="020B0502040204020203" pitchFamily="34" charset="0"/>
-                <a:cs typeface="Segoe UI Light" panose="020B0502040204020203" pitchFamily="34" charset="0"/>
-              </a:rPr>
-              <a:t>Model-Mark </a:t>
-            </a:r>
-            <a:r>
-              <a:rPr lang="en-US" dirty="0">
-                <a:latin typeface="Segoe UI Light" panose="020B0502040204020203" pitchFamily="34" charset="0"/>
-                <a:cs typeface="Segoe UI Light" panose="020B0502040204020203" pitchFamily="34" charset="0"/>
-              </a:rPr>
-              <a:t>D. </a:t>
-            </a:r>
-            <a:r>
-              <a:rPr lang="en-US" dirty="0" err="1" smtClean="0">
-                <a:latin typeface="Segoe UI Light" panose="020B0502040204020203" pitchFamily="34" charset="0"/>
-                <a:cs typeface="Segoe UI Light" panose="020B0502040204020203" pitchFamily="34" charset="0"/>
-              </a:rPr>
-              <a:t>Kemighan</a:t>
-            </a:r>
-            <a:r>
-              <a:rPr lang="en-US" dirty="0" smtClean="0">
-                <a:latin typeface="Segoe UI Light" panose="020B0502040204020203" pitchFamily="34" charset="0"/>
-                <a:cs typeface="Segoe UI Light" panose="020B0502040204020203" pitchFamily="34" charset="0"/>
-              </a:rPr>
-              <a:t>, </a:t>
-            </a:r>
-            <a:r>
-              <a:rPr lang="en-US" dirty="0">
-                <a:latin typeface="Segoe UI Light" panose="020B0502040204020203" pitchFamily="34" charset="0"/>
-                <a:cs typeface="Segoe UI Light" panose="020B0502040204020203" pitchFamily="34" charset="0"/>
-              </a:rPr>
-              <a:t>Kenneth W. </a:t>
-            </a:r>
-            <a:r>
-              <a:rPr lang="en-US" dirty="0" smtClean="0">
-                <a:latin typeface="Segoe UI Light" panose="020B0502040204020203" pitchFamily="34" charset="0"/>
-                <a:cs typeface="Segoe UI Light" panose="020B0502040204020203" pitchFamily="34" charset="0"/>
-              </a:rPr>
-              <a:t>Church, William </a:t>
-            </a:r>
-            <a:r>
-              <a:rPr lang="en-US" dirty="0">
-                <a:latin typeface="Segoe UI Light" panose="020B0502040204020203" pitchFamily="34" charset="0"/>
-                <a:cs typeface="Segoe UI Light" panose="020B0502040204020203" pitchFamily="34" charset="0"/>
-              </a:rPr>
-              <a:t>A. Gale</a:t>
-            </a:r>
-          </a:p>
-          <a:p>
-            <a:pPr marL="0" indent="0" algn="ctr">
-              <a:buNone/>
-            </a:pPr>
-            <a:r>
-              <a:rPr lang="en-US" dirty="0" smtClean="0">
-                <a:latin typeface="Segoe UI Light" panose="020B0502040204020203" pitchFamily="34" charset="0"/>
-                <a:cs typeface="Segoe UI Light" panose="020B0502040204020203" pitchFamily="34" charset="0"/>
-              </a:rPr>
-              <a:t>Natural </a:t>
-            </a:r>
-            <a:r>
-              <a:rPr lang="en-US" dirty="0">
-                <a:latin typeface="Segoe UI Light" panose="020B0502040204020203" pitchFamily="34" charset="0"/>
-                <a:cs typeface="Segoe UI Light" panose="020B0502040204020203" pitchFamily="34" charset="0"/>
-              </a:rPr>
-              <a:t>Language Corpus Data: Beautiful Data by Peter </a:t>
-            </a:r>
-            <a:r>
-              <a:rPr lang="en-US" dirty="0" err="1">
-                <a:latin typeface="Segoe UI Light" panose="020B0502040204020203" pitchFamily="34" charset="0"/>
-                <a:cs typeface="Segoe UI Light" panose="020B0502040204020203" pitchFamily="34" charset="0"/>
-              </a:rPr>
-              <a:t>Norvig</a:t>
+        </p:txBody>
+      </p:sp>
+    </p:spTree>
+    <p:extLst>
+      <p:ext uri="{BB962C8B-B14F-4D97-AF65-F5344CB8AC3E}">
+        <p14:creationId xmlns:p14="http://schemas.microsoft.com/office/powerpoint/2010/main" val="169272860"/>
+      </p:ext>
+    </p:extLst>
+  </p:cSld>
+  <p:clrMapOvr>
+    <a:masterClrMapping/>
+  </p:clrMapOvr>
+  <p:timing>
+    <p:tnLst>
+      <p:par>
+        <p:cTn id="1" dur="indefinite" restart="never" nodeType="tmRoot"/>
+      </p:par>
+    </p:tnLst>
+  </p:timing>
+</p:sld>
+</file>
+
+<file path=ppt/slides/slide14.xml><?xml version="1.0" encoding="utf-8"?>
+<p:sld xmlns:a="http://schemas.openxmlformats.org/drawingml/2006/main" xmlns:r="http://schemas.openxmlformats.org/officeDocument/2006/relationships" xmlns:p="http://schemas.openxmlformats.org/presentationml/2006/main">
+  <p:cSld>
+    <p:spTree>
+      <p:nvGrpSpPr>
+        <p:cNvPr id="1" name=""/>
+        <p:cNvGrpSpPr/>
+        <p:nvPr/>
+      </p:nvGrpSpPr>
+      <p:grpSpPr>
+        <a:xfrm>
+          <a:off x="0" y="0"/>
+          <a:ext cx="0" cy="0"/>
+          <a:chOff x="0" y="0"/>
+          <a:chExt cx="0" cy="0"/>
+        </a:xfrm>
+      </p:grpSpPr>
+      <p:sp>
+        <p:nvSpPr>
+          <p:cNvPr id="2" name="Title 1"/>
+          <p:cNvSpPr>
+            <a:spLocks noGrp="1"/>
+          </p:cNvSpPr>
+          <p:nvPr>
+            <p:ph type="title"/>
+          </p:nvPr>
+        </p:nvSpPr>
+        <p:spPr>
+          <a:xfrm>
+            <a:off x="1018673" y="212558"/>
+            <a:ext cx="10131425" cy="1456267"/>
+          </a:xfrm>
+        </p:spPr>
+        <p:txBody>
+          <a:bodyPr/>
+          <a:lstStyle/>
+          <a:p>
+            <a:pPr algn="ctr"/>
+            <a:r>
+              <a:rPr lang="en-US" dirty="0" smtClean="0">
+                <a:latin typeface="Segoe UI Light" panose="020B0502040204020203" pitchFamily="34" charset="0"/>
+                <a:cs typeface="Segoe UI Light" panose="020B0502040204020203" pitchFamily="34" charset="0"/>
+              </a:rPr>
+              <a:t>conclusion</a:t>
             </a:r>
             <a:endParaRPr lang="en-US" dirty="0">
               <a:latin typeface="Segoe UI Light" panose="020B0502040204020203" pitchFamily="34" charset="0"/>
               <a:cs typeface="Segoe UI Light" panose="020B0502040204020203" pitchFamily="34" charset="0"/>
             </a:endParaRPr>
           </a:p>
-          <a:p>
-            <a:pPr marL="0" indent="0" algn="ctr">
-              <a:buNone/>
-            </a:pPr>
-            <a:r>
-              <a:rPr lang="en-US" dirty="0" smtClean="0">
-                <a:latin typeface="Segoe UI Light" panose="020B0502040204020203" pitchFamily="34" charset="0"/>
-                <a:cs typeface="Segoe UI Light" panose="020B0502040204020203" pitchFamily="34" charset="0"/>
-              </a:rPr>
-              <a:t>Wikipedia</a:t>
+        </p:txBody>
+      </p:sp>
+      <p:sp>
+        <p:nvSpPr>
+          <p:cNvPr id="3" name="Content Placeholder 2"/>
+          <p:cNvSpPr>
+            <a:spLocks noGrp="1"/>
+          </p:cNvSpPr>
+          <p:nvPr>
+            <p:ph idx="1"/>
+          </p:nvPr>
+        </p:nvSpPr>
+        <p:spPr>
+          <a:xfrm>
+            <a:off x="2047790" y="4100987"/>
+            <a:ext cx="8073188" cy="2381806"/>
+          </a:xfrm>
+        </p:spPr>
+        <p:txBody>
+          <a:bodyPr/>
+          <a:lstStyle/>
+          <a:p>
+            <a:pPr algn="ctr"/>
+            <a:r>
+              <a:rPr lang="en-US" dirty="0" smtClean="0">
+                <a:latin typeface="Segoe UI Light" panose="020B0502040204020203" pitchFamily="34" charset="0"/>
+                <a:cs typeface="Segoe UI Light" panose="020B0502040204020203" pitchFamily="34" charset="0"/>
+              </a:rPr>
+              <a:t>Including contextual spell checking.</a:t>
+            </a:r>
+          </a:p>
+          <a:p>
+            <a:pPr algn="ctr"/>
+            <a:r>
+              <a:rPr lang="en-US" dirty="0" smtClean="0">
+                <a:latin typeface="Segoe UI Light" panose="020B0502040204020203" pitchFamily="34" charset="0"/>
+                <a:cs typeface="Segoe UI Light" panose="020B0502040204020203" pitchFamily="34" charset="0"/>
+              </a:rPr>
+              <a:t>Providing for design features, like font, color, alignment etc.</a:t>
+            </a:r>
+          </a:p>
+          <a:p>
+            <a:pPr algn="ctr"/>
+            <a:r>
+              <a:rPr lang="en-US" dirty="0" smtClean="0">
+                <a:latin typeface="Segoe UI Light" panose="020B0502040204020203" pitchFamily="34" charset="0"/>
+                <a:cs typeface="Segoe UI Light" panose="020B0502040204020203" pitchFamily="34" charset="0"/>
+              </a:rPr>
+              <a:t>Expanding the NLP features over different languages.</a:t>
+            </a:r>
+          </a:p>
+          <a:p>
+            <a:pPr algn="ctr"/>
+            <a:r>
+              <a:rPr lang="en-US" dirty="0" smtClean="0">
+                <a:latin typeface="Segoe UI Light" panose="020B0502040204020203" pitchFamily="34" charset="0"/>
+                <a:cs typeface="Segoe UI Light" panose="020B0502040204020203" pitchFamily="34" charset="0"/>
+              </a:rPr>
+              <a:t>Exploring Grammar, to implement an accurate Topic Extractor.</a:t>
             </a:r>
             <a:endParaRPr lang="en-US" dirty="0">
               <a:latin typeface="Segoe UI Light" panose="020B0502040204020203" pitchFamily="34" charset="0"/>
               <a:cs typeface="Segoe UI Light" panose="020B0502040204020203" pitchFamily="34" charset="0"/>
             </a:endParaRPr>
           </a:p>
+        </p:txBody>
+      </p:sp>
+      <p:sp>
+        <p:nvSpPr>
+          <p:cNvPr id="4" name="Title 1"/>
+          <p:cNvSpPr txBox="1">
+            <a:spLocks/>
+          </p:cNvSpPr>
+          <p:nvPr/>
+        </p:nvSpPr>
+        <p:spPr>
+          <a:xfrm>
+            <a:off x="1018673" y="3372854"/>
+            <a:ext cx="10131425" cy="1456267"/>
+          </a:xfrm>
+          <a:prstGeom prst="rect">
+            <a:avLst/>
+          </a:prstGeom>
+          <a:effectLst/>
+        </p:spPr>
+        <p:txBody>
+          <a:bodyPr vert="horz" lIns="91440" tIns="45720" rIns="91440" bIns="45720" rtlCol="0" anchor="ctr">
+            <a:normAutofit/>
+          </a:bodyPr>
+          <a:lstStyle>
+            <a:lvl1pPr algn="l" defTabSz="457200" rtl="0" eaLnBrk="1" latinLnBrk="0" hangingPunct="1">
+              <a:spcBef>
+                <a:spcPct val="0"/>
+              </a:spcBef>
+              <a:buNone/>
+              <a:defRPr sz="3600" kern="1200" cap="all">
+                <a:ln w="3175" cmpd="sng">
+                  <a:noFill/>
+                </a:ln>
+                <a:solidFill>
+                  <a:schemeClr val="tx1"/>
+                </a:solidFill>
+                <a:effectLst/>
+                <a:latin typeface="+mj-lt"/>
+                <a:ea typeface="+mj-ea"/>
+                <a:cs typeface="+mj-cs"/>
+              </a:defRPr>
+            </a:lvl1pPr>
+            <a:lvl2pPr eaLnBrk="1" hangingPunct="1">
+              <a:defRPr>
+                <a:solidFill>
+                  <a:schemeClr val="tx2"/>
+                </a:solidFill>
+              </a:defRPr>
+            </a:lvl2pPr>
+            <a:lvl3pPr eaLnBrk="1" hangingPunct="1">
+              <a:defRPr>
+                <a:solidFill>
+                  <a:schemeClr val="tx2"/>
+                </a:solidFill>
+              </a:defRPr>
+            </a:lvl3pPr>
+            <a:lvl4pPr eaLnBrk="1" hangingPunct="1">
+              <a:defRPr>
+                <a:solidFill>
+                  <a:schemeClr val="tx2"/>
+                </a:solidFill>
+              </a:defRPr>
+            </a:lvl4pPr>
+            <a:lvl5pPr eaLnBrk="1" hangingPunct="1">
+              <a:defRPr>
+                <a:solidFill>
+                  <a:schemeClr val="tx2"/>
+                </a:solidFill>
+              </a:defRPr>
+            </a:lvl5pPr>
+            <a:lvl6pPr eaLnBrk="1" hangingPunct="1">
+              <a:defRPr>
+                <a:solidFill>
+                  <a:schemeClr val="tx2"/>
+                </a:solidFill>
+              </a:defRPr>
+            </a:lvl6pPr>
+            <a:lvl7pPr eaLnBrk="1" hangingPunct="1">
+              <a:defRPr>
+                <a:solidFill>
+                  <a:schemeClr val="tx2"/>
+                </a:solidFill>
+              </a:defRPr>
+            </a:lvl7pPr>
+            <a:lvl8pPr eaLnBrk="1" hangingPunct="1">
+              <a:defRPr>
+                <a:solidFill>
+                  <a:schemeClr val="tx2"/>
+                </a:solidFill>
+              </a:defRPr>
+            </a:lvl8pPr>
+            <a:lvl9pPr eaLnBrk="1" hangingPunct="1">
+              <a:defRPr>
+                <a:solidFill>
+                  <a:schemeClr val="tx2"/>
+                </a:solidFill>
+              </a:defRPr>
+            </a:lvl9pPr>
+          </a:lstStyle>
+          <a:p>
+            <a:pPr algn="ctr"/>
+            <a:r>
+              <a:rPr lang="en-US" dirty="0" smtClean="0">
+                <a:latin typeface="Segoe UI Light" panose="020B0502040204020203" pitchFamily="34" charset="0"/>
+                <a:cs typeface="Segoe UI Light" panose="020B0502040204020203" pitchFamily="34" charset="0"/>
+              </a:rPr>
+              <a:t>Scope</a:t>
+            </a:r>
+            <a:endParaRPr lang="en-US" dirty="0">
+              <a:latin typeface="Segoe UI Light" panose="020B0502040204020203" pitchFamily="34" charset="0"/>
+              <a:cs typeface="Segoe UI Light" panose="020B0502040204020203" pitchFamily="34" charset="0"/>
+            </a:endParaRPr>
+          </a:p>
+        </p:txBody>
+      </p:sp>
+      <p:sp>
+        <p:nvSpPr>
+          <p:cNvPr id="5" name="Content Placeholder 2"/>
+          <p:cNvSpPr txBox="1">
+            <a:spLocks/>
+          </p:cNvSpPr>
+          <p:nvPr/>
+        </p:nvSpPr>
+        <p:spPr>
+          <a:xfrm>
+            <a:off x="1746792" y="721004"/>
+            <a:ext cx="8675184" cy="3160296"/>
+          </a:xfrm>
+          <a:prstGeom prst="rect">
+            <a:avLst/>
+          </a:prstGeom>
+        </p:spPr>
+        <p:txBody>
+          <a:bodyPr vert="horz" lIns="91440" tIns="45720" rIns="91440" bIns="45720" rtlCol="0" anchor="ctr">
+            <a:normAutofit/>
+          </a:bodyPr>
+          <a:lstStyle>
+            <a:lvl1pPr marL="285750" indent="-285750" algn="l" defTabSz="457200" rtl="0" eaLnBrk="1" latinLnBrk="0" hangingPunct="1">
+              <a:spcBef>
+                <a:spcPts val="0"/>
+              </a:spcBef>
+              <a:spcAft>
+                <a:spcPts val="1000"/>
+              </a:spcAft>
+              <a:buClr>
+                <a:schemeClr val="tx1"/>
+              </a:buClr>
+              <a:buSzPct val="100000"/>
+              <a:buFont typeface="Arial"/>
+              <a:buChar char="•"/>
+              <a:defRPr sz="1800" kern="1200" cap="none">
+                <a:solidFill>
+                  <a:schemeClr val="tx1"/>
+                </a:solidFill>
+                <a:effectLst/>
+                <a:latin typeface="+mn-lt"/>
+                <a:ea typeface="+mn-ea"/>
+                <a:cs typeface="+mn-cs"/>
+              </a:defRPr>
+            </a:lvl1pPr>
+            <a:lvl2pPr marL="742950" indent="-285750" algn="l" defTabSz="457200" rtl="0" eaLnBrk="1" latinLnBrk="0" hangingPunct="1">
+              <a:spcBef>
+                <a:spcPts val="0"/>
+              </a:spcBef>
+              <a:spcAft>
+                <a:spcPts val="1000"/>
+              </a:spcAft>
+              <a:buClr>
+                <a:schemeClr val="tx1"/>
+              </a:buClr>
+              <a:buSzPct val="100000"/>
+              <a:buFont typeface="Arial"/>
+              <a:buChar char="•"/>
+              <a:defRPr sz="1600" kern="1200" cap="none">
+                <a:solidFill>
+                  <a:schemeClr val="tx1"/>
+                </a:solidFill>
+                <a:effectLst/>
+                <a:latin typeface="+mn-lt"/>
+                <a:ea typeface="+mn-ea"/>
+                <a:cs typeface="+mn-cs"/>
+              </a:defRPr>
+            </a:lvl2pPr>
+            <a:lvl3pPr marL="1200150" indent="-285750" algn="l" defTabSz="457200" rtl="0" eaLnBrk="1" latinLnBrk="0" hangingPunct="1">
+              <a:spcBef>
+                <a:spcPts val="0"/>
+              </a:spcBef>
+              <a:spcAft>
+                <a:spcPts val="1000"/>
+              </a:spcAft>
+              <a:buClr>
+                <a:schemeClr val="tx1"/>
+              </a:buClr>
+              <a:buSzPct val="100000"/>
+              <a:buFont typeface="Arial"/>
+              <a:buChar char="•"/>
+              <a:defRPr sz="1400" kern="1200" cap="none">
+                <a:solidFill>
+                  <a:schemeClr val="tx1"/>
+                </a:solidFill>
+                <a:effectLst/>
+                <a:latin typeface="+mn-lt"/>
+                <a:ea typeface="+mn-ea"/>
+                <a:cs typeface="+mn-cs"/>
+              </a:defRPr>
+            </a:lvl3pPr>
+            <a:lvl4pPr marL="1543050" indent="-171450" algn="l" defTabSz="457200" rtl="0" eaLnBrk="1" latinLnBrk="0" hangingPunct="1">
+              <a:spcBef>
+                <a:spcPts val="0"/>
+              </a:spcBef>
+              <a:spcAft>
+                <a:spcPts val="1000"/>
+              </a:spcAft>
+              <a:buClr>
+                <a:schemeClr val="tx1"/>
+              </a:buClr>
+              <a:buSzPct val="100000"/>
+              <a:buFont typeface="Arial"/>
+              <a:buChar char="•"/>
+              <a:defRPr sz="1200" kern="1200" cap="none">
+                <a:solidFill>
+                  <a:schemeClr val="tx1"/>
+                </a:solidFill>
+                <a:effectLst/>
+                <a:latin typeface="+mn-lt"/>
+                <a:ea typeface="+mn-ea"/>
+                <a:cs typeface="+mn-cs"/>
+              </a:defRPr>
+            </a:lvl4pPr>
+            <a:lvl5pPr marL="2000250" indent="-171450" algn="l" defTabSz="457200" rtl="0" eaLnBrk="1" latinLnBrk="0" hangingPunct="1">
+              <a:spcBef>
+                <a:spcPts val="0"/>
+              </a:spcBef>
+              <a:spcAft>
+                <a:spcPts val="1000"/>
+              </a:spcAft>
+              <a:buClr>
+                <a:schemeClr val="tx1"/>
+              </a:buClr>
+              <a:buSzPct val="100000"/>
+              <a:buFont typeface="Arial"/>
+              <a:buChar char="•"/>
+              <a:defRPr sz="1200" kern="1200" cap="none">
+                <a:solidFill>
+                  <a:schemeClr val="tx1"/>
+                </a:solidFill>
+                <a:effectLst/>
+                <a:latin typeface="+mn-lt"/>
+                <a:ea typeface="+mn-ea"/>
+                <a:cs typeface="+mn-cs"/>
+              </a:defRPr>
+            </a:lvl5pPr>
+            <a:lvl6pPr marL="2514600" indent="-228600" algn="l" defTabSz="457200" rtl="0" eaLnBrk="1" latinLnBrk="0" hangingPunct="1">
+              <a:spcBef>
+                <a:spcPts val="0"/>
+              </a:spcBef>
+              <a:spcAft>
+                <a:spcPts val="1000"/>
+              </a:spcAft>
+              <a:buClr>
+                <a:schemeClr val="tx1"/>
+              </a:buClr>
+              <a:buSzPct val="100000"/>
+              <a:buFont typeface="Arial"/>
+              <a:buChar char="•"/>
+              <a:defRPr sz="1200" kern="1200" cap="none">
+                <a:solidFill>
+                  <a:schemeClr val="tx1"/>
+                </a:solidFill>
+                <a:effectLst/>
+                <a:latin typeface="+mn-lt"/>
+                <a:ea typeface="+mn-ea"/>
+                <a:cs typeface="+mn-cs"/>
+              </a:defRPr>
+            </a:lvl6pPr>
+            <a:lvl7pPr marL="2971800" indent="-228600" algn="l" defTabSz="457200" rtl="0" eaLnBrk="1" latinLnBrk="0" hangingPunct="1">
+              <a:spcBef>
+                <a:spcPts val="0"/>
+              </a:spcBef>
+              <a:spcAft>
+                <a:spcPts val="1000"/>
+              </a:spcAft>
+              <a:buClr>
+                <a:schemeClr val="tx1"/>
+              </a:buClr>
+              <a:buSzPct val="100000"/>
+              <a:buFont typeface="Arial"/>
+              <a:buChar char="•"/>
+              <a:defRPr sz="1200" kern="1200" cap="none">
+                <a:solidFill>
+                  <a:schemeClr val="tx1"/>
+                </a:solidFill>
+                <a:effectLst/>
+                <a:latin typeface="+mn-lt"/>
+                <a:ea typeface="+mn-ea"/>
+                <a:cs typeface="+mn-cs"/>
+              </a:defRPr>
+            </a:lvl7pPr>
+            <a:lvl8pPr marL="3429000" indent="-228600" algn="l" defTabSz="457200" rtl="0" eaLnBrk="1" latinLnBrk="0" hangingPunct="1">
+              <a:spcBef>
+                <a:spcPts val="0"/>
+              </a:spcBef>
+              <a:spcAft>
+                <a:spcPts val="1000"/>
+              </a:spcAft>
+              <a:buClr>
+                <a:schemeClr val="tx1"/>
+              </a:buClr>
+              <a:buSzPct val="100000"/>
+              <a:buFont typeface="Arial"/>
+              <a:buChar char="•"/>
+              <a:defRPr sz="1200" kern="1200" cap="none">
+                <a:solidFill>
+                  <a:schemeClr val="tx1"/>
+                </a:solidFill>
+                <a:effectLst/>
+                <a:latin typeface="+mn-lt"/>
+                <a:ea typeface="+mn-ea"/>
+                <a:cs typeface="+mn-cs"/>
+              </a:defRPr>
+            </a:lvl8pPr>
+            <a:lvl9pPr marL="3886200" indent="-228600" algn="l" defTabSz="457200" rtl="0" eaLnBrk="1" latinLnBrk="0" hangingPunct="1">
+              <a:spcBef>
+                <a:spcPts val="0"/>
+              </a:spcBef>
+              <a:spcAft>
+                <a:spcPts val="1000"/>
+              </a:spcAft>
+              <a:buClr>
+                <a:schemeClr val="tx1"/>
+              </a:buClr>
+              <a:buSzPct val="100000"/>
+              <a:buFont typeface="Arial"/>
+              <a:buChar char="•"/>
+              <a:defRPr sz="1200" kern="1200" cap="none">
+                <a:solidFill>
+                  <a:schemeClr val="tx1"/>
+                </a:solidFill>
+                <a:effectLst/>
+                <a:latin typeface="+mn-lt"/>
+                <a:ea typeface="+mn-ea"/>
+                <a:cs typeface="+mn-cs"/>
+              </a:defRPr>
+            </a:lvl9pPr>
+          </a:lstStyle>
+          <a:p>
+            <a:pPr algn="ctr"/>
+            <a:r>
+              <a:rPr lang="en-US" dirty="0" smtClean="0">
+                <a:latin typeface="Segoe UI Light" panose="020B0502040204020203" pitchFamily="34" charset="0"/>
+                <a:cs typeface="Segoe UI Light" panose="020B0502040204020203" pitchFamily="34" charset="0"/>
+              </a:rPr>
+              <a:t>Our efforts were to explore new ideas in the field of text processing.</a:t>
+            </a:r>
+          </a:p>
+          <a:p>
+            <a:pPr algn="ctr"/>
+            <a:r>
+              <a:rPr lang="en-US" dirty="0" smtClean="0">
+                <a:latin typeface="Segoe UI Light" panose="020B0502040204020203" pitchFamily="34" charset="0"/>
+                <a:cs typeface="Segoe UI Light" panose="020B0502040204020203" pitchFamily="34" charset="0"/>
+              </a:rPr>
+              <a:t>Few of these ideas implemented by us, are not 100% accurate. </a:t>
+            </a:r>
+          </a:p>
+          <a:p>
+            <a:pPr algn="ctr"/>
+            <a:r>
+              <a:rPr lang="en-US" dirty="0" smtClean="0">
+                <a:latin typeface="Segoe UI Light" panose="020B0502040204020203" pitchFamily="34" charset="0"/>
+                <a:cs typeface="Segoe UI Light" panose="020B0502040204020203" pitchFamily="34" charset="0"/>
+              </a:rPr>
+              <a:t>But they do possess an innovative edge.</a:t>
+            </a:r>
+          </a:p>
+          <a:p>
+            <a:pPr algn="ctr"/>
+            <a:r>
+              <a:rPr lang="en-US" dirty="0" smtClean="0">
+                <a:latin typeface="Segoe UI Light" panose="020B0502040204020203" pitchFamily="34" charset="0"/>
+                <a:cs typeface="Segoe UI Light" panose="020B0502040204020203" pitchFamily="34" charset="0"/>
+              </a:rPr>
+              <a:t>Effective exploration of these ideas, can have a significant impact on how text processors can be made.</a:t>
+            </a:r>
+            <a:endParaRPr lang="en-US" dirty="0">
+              <a:latin typeface="Segoe UI Light" panose="020B0502040204020203" pitchFamily="34" charset="0"/>
+              <a:cs typeface="Segoe UI Light" panose="020B0502040204020203" pitchFamily="34" charset="0"/>
+            </a:endParaRPr>
+          </a:p>
+        </p:txBody>
+      </p:sp>
+    </p:spTree>
+    <p:extLst>
+      <p:ext uri="{BB962C8B-B14F-4D97-AF65-F5344CB8AC3E}">
+        <p14:creationId xmlns:p14="http://schemas.microsoft.com/office/powerpoint/2010/main" val="3158425544"/>
+      </p:ext>
+    </p:extLst>
+  </p:cSld>
+  <p:clrMapOvr>
+    <a:masterClrMapping/>
+  </p:clrMapOvr>
+</p:sld>
+</file>
+
+<file path=ppt/slides/slide15.xml><?xml version="1.0" encoding="utf-8"?>
+<p:sld xmlns:a="http://schemas.openxmlformats.org/drawingml/2006/main" xmlns:r="http://schemas.openxmlformats.org/officeDocument/2006/relationships" xmlns:p="http://schemas.openxmlformats.org/presentationml/2006/main">
+  <p:cSld>
+    <p:spTree>
+      <p:nvGrpSpPr>
+        <p:cNvPr id="1" name=""/>
+        <p:cNvGrpSpPr/>
+        <p:nvPr/>
+      </p:nvGrpSpPr>
+      <p:grpSpPr>
+        <a:xfrm>
+          <a:off x="0" y="0"/>
+          <a:ext cx="0" cy="0"/>
+          <a:chOff x="0" y="0"/>
+          <a:chExt cx="0" cy="0"/>
+        </a:xfrm>
+      </p:grpSpPr>
+      <p:sp>
+        <p:nvSpPr>
+          <p:cNvPr id="2" name="Title 1"/>
+          <p:cNvSpPr>
+            <a:spLocks noGrp="1"/>
+          </p:cNvSpPr>
+          <p:nvPr>
+            <p:ph type="title"/>
+          </p:nvPr>
+        </p:nvSpPr>
+        <p:spPr>
+          <a:xfrm>
+            <a:off x="1004218" y="469232"/>
+            <a:ext cx="10131425" cy="1456267"/>
+          </a:xfrm>
+        </p:spPr>
+        <p:txBody>
+          <a:bodyPr/>
+          <a:lstStyle/>
+          <a:p>
+            <a:pPr algn="ctr"/>
+            <a:r>
+              <a:rPr lang="en-US" dirty="0" smtClean="0">
+                <a:latin typeface="Segoe UI Light" panose="020B0502040204020203" pitchFamily="34" charset="0"/>
+                <a:cs typeface="Segoe UI Light" panose="020B0502040204020203" pitchFamily="34" charset="0"/>
+              </a:rPr>
+              <a:t>References</a:t>
+            </a:r>
+            <a:endParaRPr lang="en-US" dirty="0">
+              <a:latin typeface="Segoe UI Light" panose="020B0502040204020203" pitchFamily="34" charset="0"/>
+              <a:cs typeface="Segoe UI Light" panose="020B0502040204020203" pitchFamily="34" charset="0"/>
+            </a:endParaRPr>
+          </a:p>
+        </p:txBody>
+      </p:sp>
+      <p:sp>
+        <p:nvSpPr>
+          <p:cNvPr id="3" name="Content Placeholder 2"/>
+          <p:cNvSpPr>
+            <a:spLocks noGrp="1"/>
+          </p:cNvSpPr>
+          <p:nvPr>
+            <p:ph idx="1"/>
+          </p:nvPr>
+        </p:nvSpPr>
+        <p:spPr>
+          <a:xfrm>
+            <a:off x="926430" y="1925499"/>
+            <a:ext cx="10286999" cy="4198575"/>
+          </a:xfrm>
+        </p:spPr>
+        <p:txBody>
+          <a:bodyPr>
+            <a:normAutofit/>
+          </a:bodyPr>
+          <a:lstStyle/>
           <a:p>
             <a:pPr marL="0" indent="0" algn="ctr">
               <a:buNone/>
@@ -8036,6 +8540,164 @@
                 <a:latin typeface="Segoe UI Light" panose="020B0502040204020203" pitchFamily="34" charset="0"/>
                 <a:cs typeface="Segoe UI Light" panose="020B0502040204020203" pitchFamily="34" charset="0"/>
               </a:rPr>
+              <a:t>Speech </a:t>
+            </a:r>
+            <a:r>
+              <a:rPr lang="en-US" dirty="0">
+                <a:latin typeface="Segoe UI Light" panose="020B0502040204020203" pitchFamily="34" charset="0"/>
+                <a:cs typeface="Segoe UI Light" panose="020B0502040204020203" pitchFamily="34" charset="0"/>
+              </a:rPr>
+              <a:t>and Language Processing by Daniel </a:t>
+            </a:r>
+            <a:r>
+              <a:rPr lang="en-US" dirty="0" err="1" smtClean="0">
+                <a:latin typeface="Segoe UI Light" panose="020B0502040204020203" pitchFamily="34" charset="0"/>
+                <a:cs typeface="Segoe UI Light" panose="020B0502040204020203" pitchFamily="34" charset="0"/>
+              </a:rPr>
+              <a:t>Jurafsky</a:t>
+            </a:r>
+            <a:r>
+              <a:rPr lang="en-US" dirty="0" smtClean="0">
+                <a:latin typeface="Segoe UI Light" panose="020B0502040204020203" pitchFamily="34" charset="0"/>
+                <a:cs typeface="Segoe UI Light" panose="020B0502040204020203" pitchFamily="34" charset="0"/>
+              </a:rPr>
+              <a:t>, James H Martin</a:t>
+            </a:r>
+            <a:endParaRPr lang="en-US" dirty="0">
+              <a:latin typeface="Segoe UI Light" panose="020B0502040204020203" pitchFamily="34" charset="0"/>
+              <a:cs typeface="Segoe UI Light" panose="020B0502040204020203" pitchFamily="34" charset="0"/>
+            </a:endParaRPr>
+          </a:p>
+          <a:p>
+            <a:pPr marL="0" indent="0" algn="ctr">
+              <a:buNone/>
+            </a:pPr>
+            <a:r>
+              <a:rPr lang="en-US" dirty="0" smtClean="0">
+                <a:latin typeface="Segoe UI Light" panose="020B0502040204020203" pitchFamily="34" charset="0"/>
+                <a:cs typeface="Segoe UI Light" panose="020B0502040204020203" pitchFamily="34" charset="0"/>
+              </a:rPr>
+              <a:t>A </a:t>
+            </a:r>
+            <a:r>
+              <a:rPr lang="en-US" dirty="0">
+                <a:latin typeface="Segoe UI Light" panose="020B0502040204020203" pitchFamily="34" charset="0"/>
+                <a:cs typeface="Segoe UI Light" panose="020B0502040204020203" pitchFamily="34" charset="0"/>
+              </a:rPr>
+              <a:t>Spelling Correction Methodology Based on a Noisy Channel </a:t>
+            </a:r>
+            <a:r>
+              <a:rPr lang="en-US" dirty="0" smtClean="0">
+                <a:latin typeface="Segoe UI Light" panose="020B0502040204020203" pitchFamily="34" charset="0"/>
+                <a:cs typeface="Segoe UI Light" panose="020B0502040204020203" pitchFamily="34" charset="0"/>
+              </a:rPr>
+              <a:t>Model-Mark </a:t>
+            </a:r>
+            <a:r>
+              <a:rPr lang="en-US" dirty="0">
+                <a:latin typeface="Segoe UI Light" panose="020B0502040204020203" pitchFamily="34" charset="0"/>
+                <a:cs typeface="Segoe UI Light" panose="020B0502040204020203" pitchFamily="34" charset="0"/>
+              </a:rPr>
+              <a:t>D. </a:t>
+            </a:r>
+            <a:r>
+              <a:rPr lang="en-US" dirty="0" err="1" smtClean="0">
+                <a:latin typeface="Segoe UI Light" panose="020B0502040204020203" pitchFamily="34" charset="0"/>
+                <a:cs typeface="Segoe UI Light" panose="020B0502040204020203" pitchFamily="34" charset="0"/>
+              </a:rPr>
+              <a:t>Kemighan</a:t>
+            </a:r>
+            <a:r>
+              <a:rPr lang="en-US" dirty="0" smtClean="0">
+                <a:latin typeface="Segoe UI Light" panose="020B0502040204020203" pitchFamily="34" charset="0"/>
+                <a:cs typeface="Segoe UI Light" panose="020B0502040204020203" pitchFamily="34" charset="0"/>
+              </a:rPr>
+              <a:t>, </a:t>
+            </a:r>
+            <a:r>
+              <a:rPr lang="en-US" dirty="0">
+                <a:latin typeface="Segoe UI Light" panose="020B0502040204020203" pitchFamily="34" charset="0"/>
+                <a:cs typeface="Segoe UI Light" panose="020B0502040204020203" pitchFamily="34" charset="0"/>
+              </a:rPr>
+              <a:t>Kenneth W. </a:t>
+            </a:r>
+            <a:r>
+              <a:rPr lang="en-US" dirty="0" smtClean="0">
+                <a:latin typeface="Segoe UI Light" panose="020B0502040204020203" pitchFamily="34" charset="0"/>
+                <a:cs typeface="Segoe UI Light" panose="020B0502040204020203" pitchFamily="34" charset="0"/>
+              </a:rPr>
+              <a:t>Church, William </a:t>
+            </a:r>
+            <a:r>
+              <a:rPr lang="en-US" dirty="0">
+                <a:latin typeface="Segoe UI Light" panose="020B0502040204020203" pitchFamily="34" charset="0"/>
+                <a:cs typeface="Segoe UI Light" panose="020B0502040204020203" pitchFamily="34" charset="0"/>
+              </a:rPr>
+              <a:t>A. </a:t>
+            </a:r>
+            <a:r>
+              <a:rPr lang="en-US" dirty="0" smtClean="0">
+                <a:latin typeface="Segoe UI Light" panose="020B0502040204020203" pitchFamily="34" charset="0"/>
+                <a:cs typeface="Segoe UI Light" panose="020B0502040204020203" pitchFamily="34" charset="0"/>
+              </a:rPr>
+              <a:t>Gale</a:t>
+            </a:r>
+          </a:p>
+          <a:p>
+            <a:pPr marL="0" indent="0" algn="ctr">
+              <a:buNone/>
+            </a:pPr>
+            <a:r>
+              <a:rPr lang="en-US" dirty="0" smtClean="0">
+                <a:latin typeface="Segoe UI Light" panose="020B0502040204020203" pitchFamily="34" charset="0"/>
+                <a:cs typeface="Segoe UI Light" panose="020B0502040204020203" pitchFamily="34" charset="0"/>
+              </a:rPr>
+              <a:t>Natural </a:t>
+            </a:r>
+            <a:r>
+              <a:rPr lang="en-US" dirty="0">
+                <a:latin typeface="Segoe UI Light" panose="020B0502040204020203" pitchFamily="34" charset="0"/>
+                <a:cs typeface="Segoe UI Light" panose="020B0502040204020203" pitchFamily="34" charset="0"/>
+              </a:rPr>
+              <a:t>Language Corpus Data: Beautiful Data by Peter </a:t>
+            </a:r>
+            <a:r>
+              <a:rPr lang="en-US" dirty="0" err="1">
+                <a:latin typeface="Segoe UI Light" panose="020B0502040204020203" pitchFamily="34" charset="0"/>
+                <a:cs typeface="Segoe UI Light" panose="020B0502040204020203" pitchFamily="34" charset="0"/>
+              </a:rPr>
+              <a:t>Norvig</a:t>
+            </a:r>
+            <a:endParaRPr lang="en-US" dirty="0">
+              <a:latin typeface="Segoe UI Light" panose="020B0502040204020203" pitchFamily="34" charset="0"/>
+              <a:cs typeface="Segoe UI Light" panose="020B0502040204020203" pitchFamily="34" charset="0"/>
+            </a:endParaRPr>
+          </a:p>
+          <a:p>
+            <a:pPr marL="0" indent="0" algn="ctr">
+              <a:buNone/>
+            </a:pPr>
+            <a:r>
+              <a:rPr lang="en-US" dirty="0" smtClean="0">
+                <a:latin typeface="Segoe UI Light" panose="020B0502040204020203" pitchFamily="34" charset="0"/>
+                <a:cs typeface="Segoe UI Light" panose="020B0502040204020203" pitchFamily="34" charset="0"/>
+              </a:rPr>
+              <a:t>Wikipedia</a:t>
+            </a:r>
+            <a:endParaRPr lang="en-US" dirty="0">
+              <a:latin typeface="Segoe UI Light" panose="020B0502040204020203" pitchFamily="34" charset="0"/>
+              <a:cs typeface="Segoe UI Light" panose="020B0502040204020203" pitchFamily="34" charset="0"/>
+            </a:endParaRPr>
+          </a:p>
+          <a:p>
+            <a:pPr marL="0" indent="0" algn="ctr">
+              <a:buNone/>
+            </a:pPr>
+            <a:r>
+              <a:rPr lang="en-US" dirty="0" smtClean="0">
+                <a:latin typeface="Segoe UI Light" panose="020B0502040204020203" pitchFamily="34" charset="0"/>
+                <a:cs typeface="Segoe UI Light" panose="020B0502040204020203" pitchFamily="34" charset="0"/>
+              </a:rPr>
               <a:t>Java</a:t>
             </a:r>
             <a:r>
@@ -8043,7 +8705,14 @@
                 <a:latin typeface="Segoe UI Light" panose="020B0502040204020203" pitchFamily="34" charset="0"/>
                 <a:cs typeface="Segoe UI Light" panose="020B0502040204020203" pitchFamily="34" charset="0"/>
               </a:rPr>
-              <a:t>: The complete reference, 8th edition</a:t>
+              <a:t>: The complete reference, 8th </a:t>
+            </a:r>
+            <a:r>
+              <a:rPr lang="en-US" dirty="0" smtClean="0">
+                <a:latin typeface="Segoe UI Light" panose="020B0502040204020203" pitchFamily="34" charset="0"/>
+                <a:cs typeface="Segoe UI Light" panose="020B0502040204020203" pitchFamily="34" charset="0"/>
+              </a:rPr>
+              <a:t>edition</a:t>
             </a:r>
           </a:p>
           <a:p>
@@ -8055,40 +8724,44 @@
                 <a:latin typeface="Segoe UI Light" panose="020B0502040204020203" pitchFamily="34" charset="0"/>
                 <a:cs typeface="Segoe UI Light" panose="020B0502040204020203" pitchFamily="34" charset="0"/>
               </a:rPr>
-              <a:t>Dive </a:t>
+              <a:t>Survey </a:t>
             </a:r>
             <a:r>
               <a:rPr lang="en-US" dirty="0">
                 <a:latin typeface="Segoe UI Light" panose="020B0502040204020203" pitchFamily="34" charset="0"/>
                 <a:cs typeface="Segoe UI Light" panose="020B0502040204020203" pitchFamily="34" charset="0"/>
               </a:rPr>
-              <a:t>into Python 3 by Mark </a:t>
-            </a:r>
-            <a:r>
-              <a:rPr lang="en-US" dirty="0" smtClean="0">
-                <a:latin typeface="Segoe UI Light" panose="020B0502040204020203" pitchFamily="34" charset="0"/>
-                <a:cs typeface="Segoe UI Light" panose="020B0502040204020203" pitchFamily="34" charset="0"/>
-              </a:rPr>
-              <a:t>Pilgrim</a:t>
-            </a:r>
+              <a:t>of Keyword Extraction Techniques- Brian </a:t>
+            </a:r>
+            <a:r>
+              <a:rPr lang="en-US" dirty="0" smtClean="0">
+                <a:latin typeface="Segoe UI Light" panose="020B0502040204020203" pitchFamily="34" charset="0"/>
+                <a:cs typeface="Segoe UI Light" panose="020B0502040204020203" pitchFamily="34" charset="0"/>
+              </a:rPr>
+              <a:t>Lott</a:t>
+            </a:r>
+            <a:endParaRPr lang="en-IN" dirty="0">
+              <a:latin typeface="Segoe UI Light" panose="020B0502040204020203" pitchFamily="34" charset="0"/>
+              <a:cs typeface="Segoe UI Light" panose="020B0502040204020203" pitchFamily="34" charset="0"/>
+            </a:endParaRPr>
           </a:p>
           <a:p>
             <a:pPr marL="0" indent="0" algn="ctr">
               <a:buNone/>
             </a:pPr>
             <a:r>
-              <a:rPr lang="en-US" dirty="0">
-                <a:latin typeface="Segoe UI Light" panose="020B0502040204020203" pitchFamily="34" charset="0"/>
-                <a:cs typeface="Segoe UI Light" panose="020B0502040204020203" pitchFamily="34" charset="0"/>
-              </a:rPr>
-              <a:t>Survey of Keyword Extraction Techniques- Brian </a:t>
-            </a:r>
-            <a:r>
-              <a:rPr lang="en-US" dirty="0" smtClean="0">
-                <a:latin typeface="Segoe UI Light" panose="020B0502040204020203" pitchFamily="34" charset="0"/>
-                <a:cs typeface="Segoe UI Light" panose="020B0502040204020203" pitchFamily="34" charset="0"/>
-              </a:rPr>
-              <a:t>Lott</a:t>
+              <a:rPr lang="en-IN" dirty="0">
+                <a:latin typeface="Segoe UI Light" panose="020B0502040204020203" pitchFamily="34" charset="0"/>
+                <a:cs typeface="Segoe UI Light" panose="020B0502040204020203" pitchFamily="34" charset="0"/>
+              </a:rPr>
+              <a:t>Stack </a:t>
+            </a:r>
+            <a:r>
+              <a:rPr lang="en-IN" dirty="0" smtClean="0">
+                <a:latin typeface="Segoe UI Light" panose="020B0502040204020203" pitchFamily="34" charset="0"/>
+                <a:cs typeface="Segoe UI Light" panose="020B0502040204020203" pitchFamily="34" charset="0"/>
+              </a:rPr>
+              <a:t>Overflow</a:t>
             </a:r>
           </a:p>
           <a:p>
@@ -8096,59 +8769,11 @@
               <a:buNone/>
             </a:pPr>
             <a:r>
-              <a:rPr lang="en-IN" dirty="0">
-                <a:latin typeface="Segoe UI Light" panose="020B0502040204020203" pitchFamily="34" charset="0"/>
-                <a:cs typeface="Segoe UI Light" panose="020B0502040204020203" pitchFamily="34" charset="0"/>
-              </a:rPr>
-              <a:t>Math ∩ </a:t>
-            </a:r>
-            <a:r>
               <a:rPr lang="en-IN" dirty="0" smtClean="0">
                 <a:latin typeface="Segoe UI Light" panose="020B0502040204020203" pitchFamily="34" charset="0"/>
                 <a:cs typeface="Segoe UI Light" panose="020B0502040204020203" pitchFamily="34" charset="0"/>
               </a:rPr>
-              <a:t>Programming-A </a:t>
-            </a:r>
-            <a:r>
-              <a:rPr lang="en-IN" dirty="0">
-                <a:latin typeface="Segoe UI Light" panose="020B0502040204020203" pitchFamily="34" charset="0"/>
-                <a:cs typeface="Segoe UI Light" panose="020B0502040204020203" pitchFamily="34" charset="0"/>
-              </a:rPr>
-              <a:t>place for elegant </a:t>
-            </a:r>
-            <a:r>
-              <a:rPr lang="en-IN" dirty="0" smtClean="0">
-                <a:latin typeface="Segoe UI Light" panose="020B0502040204020203" pitchFamily="34" charset="0"/>
-                <a:cs typeface="Segoe UI Light" panose="020B0502040204020203" pitchFamily="34" charset="0"/>
-              </a:rPr>
-              <a:t>solutions (</a:t>
-            </a:r>
-            <a:r>
-              <a:rPr lang="en-IN" dirty="0" smtClean="0">
-                <a:latin typeface="Segoe UI Light" panose="020B0502040204020203" pitchFamily="34" charset="0"/>
-                <a:cs typeface="Segoe UI Light" panose="020B0502040204020203" pitchFamily="34" charset="0"/>
-                <a:hlinkClick r:id="rId2"/>
-              </a:rPr>
-              <a:t>www.jeremykun.com</a:t>
-            </a:r>
-            <a:r>
-              <a:rPr lang="en-IN" dirty="0" smtClean="0">
-                <a:latin typeface="Segoe UI Light" panose="020B0502040204020203" pitchFamily="34" charset="0"/>
-                <a:cs typeface="Segoe UI Light" panose="020B0502040204020203" pitchFamily="34" charset="0"/>
-              </a:rPr>
-              <a:t>)</a:t>
-            </a:r>
-          </a:p>
-          <a:p>
-            <a:pPr marL="0" indent="0" algn="ctr">
-              <a:buNone/>
-            </a:pPr>
-            <a:r>
-              <a:rPr lang="en-IN" dirty="0" smtClean="0">
-                <a:latin typeface="Segoe UI Light" panose="020B0502040204020203" pitchFamily="34" charset="0"/>
-                <a:cs typeface="Segoe UI Light" panose="020B0502040204020203" pitchFamily="34" charset="0"/>
-              </a:rPr>
-              <a:t>Stack Overflow</a:t>
+              <a:t>The Brown Corpus</a:t>
             </a:r>
             <a:endParaRPr lang="en-US" dirty="0" smtClean="0">
               <a:latin typeface="Segoe UI Light" panose="020B0502040204020203" pitchFamily="34" charset="0"/>
@@ -8156,7 +8781,37 @@
             </a:endParaRPr>
           </a:p>
           <a:p>
-            <a:pPr algn="ctr"/>
+            <a:pPr marL="0" indent="0" algn="ctr">
+              <a:buNone/>
+            </a:pPr>
+            <a:r>
+              <a:rPr lang="en-IN" dirty="0">
+                <a:latin typeface="Segoe UI Light" panose="020B0502040204020203" pitchFamily="34" charset="0"/>
+                <a:cs typeface="Segoe UI Light" panose="020B0502040204020203" pitchFamily="34" charset="0"/>
+              </a:rPr>
+              <a:t>Math ∩ </a:t>
+            </a:r>
+            <a:r>
+              <a:rPr lang="en-IN" dirty="0" smtClean="0">
+                <a:latin typeface="Segoe UI Light" panose="020B0502040204020203" pitchFamily="34" charset="0"/>
+                <a:cs typeface="Segoe UI Light" panose="020B0502040204020203" pitchFamily="34" charset="0"/>
+              </a:rPr>
+              <a:t>Programming-A </a:t>
+            </a:r>
+            <a:r>
+              <a:rPr lang="en-IN" dirty="0">
+                <a:latin typeface="Segoe UI Light" panose="020B0502040204020203" pitchFamily="34" charset="0"/>
+                <a:cs typeface="Segoe UI Light" panose="020B0502040204020203" pitchFamily="34" charset="0"/>
+              </a:rPr>
+              <a:t>place for elegant </a:t>
+            </a:r>
+            <a:r>
+              <a:rPr lang="en-IN" dirty="0" smtClean="0">
+                <a:latin typeface="Segoe UI Light" panose="020B0502040204020203" pitchFamily="34" charset="0"/>
+                <a:cs typeface="Segoe UI Light" panose="020B0502040204020203" pitchFamily="34" charset="0"/>
+              </a:rPr>
+              <a:t>solutions (www.jeremykun.com)</a:t>
+            </a:r>
             <a:endParaRPr lang="en-US" dirty="0">
               <a:latin typeface="Segoe UI Light" panose="020B0502040204020203" pitchFamily="34" charset="0"/>
               <a:cs typeface="Segoe UI Light" panose="020B0502040204020203" pitchFamily="34" charset="0"/>
@@ -8168,6 +8823,71 @@
     <p:extLst>
       <p:ext uri="{BB962C8B-B14F-4D97-AF65-F5344CB8AC3E}">
         <p14:creationId xmlns:p14="http://schemas.microsoft.com/office/powerpoint/2010/main" val="4290761473"/>
+      </p:ext>
+    </p:extLst>
+  </p:cSld>
+  <p:clrMapOvr>
+    <a:masterClrMapping/>
+  </p:clrMapOvr>
+</p:sld>
+</file>
+
+<file path=ppt/slides/slide16.xml><?xml version="1.0" encoding="utf-8"?>
+<p:sld xmlns:a="http://schemas.openxmlformats.org/drawingml/2006/main" xmlns:r="http://schemas.openxmlformats.org/officeDocument/2006/relationships" xmlns:p="http://schemas.openxmlformats.org/presentationml/2006/main">
+  <p:cSld>
+    <p:spTree>
+      <p:nvGrpSpPr>
+        <p:cNvPr id="1" name=""/>
+        <p:cNvGrpSpPr/>
+        <p:nvPr/>
+      </p:nvGrpSpPr>
+      <p:grpSpPr>
+        <a:xfrm>
+          <a:off x="0" y="0"/>
+          <a:ext cx="0" cy="0"/>
+          <a:chOff x="0" y="0"/>
+          <a:chExt cx="0" cy="0"/>
+        </a:xfrm>
+      </p:grpSpPr>
+      <p:sp>
+        <p:nvSpPr>
+          <p:cNvPr id="2" name="Title 1"/>
+          <p:cNvSpPr>
+            <a:spLocks noGrp="1"/>
+          </p:cNvSpPr>
+          <p:nvPr>
+            <p:ph type="title"/>
+          </p:nvPr>
+        </p:nvSpPr>
+        <p:spPr>
+          <a:xfrm>
+            <a:off x="1130969" y="2089483"/>
+            <a:ext cx="10131425" cy="1456267"/>
+          </a:xfrm>
+        </p:spPr>
+        <p:txBody>
+          <a:bodyPr/>
+          <a:lstStyle/>
+          <a:p>
+            <a:pPr algn="ctr"/>
+            <a:r>
+              <a:rPr lang="en-US" dirty="0" smtClean="0">
+                <a:latin typeface="Segoe UI Light" panose="020B0502040204020203" pitchFamily="34" charset="0"/>
+                <a:cs typeface="Segoe UI Light" panose="020B0502040204020203" pitchFamily="34" charset="0"/>
+              </a:rPr>
+              <a:t>Thank you</a:t>
+            </a:r>
+            <a:endParaRPr lang="en-US" dirty="0">
+              <a:latin typeface="Segoe UI Light" panose="020B0502040204020203" pitchFamily="34" charset="0"/>
+              <a:cs typeface="Segoe UI Light" panose="020B0502040204020203" pitchFamily="34" charset="0"/>
+            </a:endParaRPr>
+          </a:p>
+        </p:txBody>
+      </p:sp>
+    </p:spTree>
+    <p:extLst>
+      <p:ext uri="{BB962C8B-B14F-4D97-AF65-F5344CB8AC3E}">
+        <p14:creationId xmlns:p14="http://schemas.microsoft.com/office/powerpoint/2010/main" val="3868805120"/>
       </p:ext>
     </p:extLst>
   </p:cSld>
@@ -8206,7 +8926,7 @@
         </p:nvSpPr>
         <p:spPr>
           <a:xfrm>
-            <a:off x="1190291" y="356936"/>
+            <a:off x="1009817" y="356936"/>
             <a:ext cx="10131425" cy="1456267"/>
           </a:xfrm>
         </p:spPr>
@@ -8254,7 +8974,7 @@
         </p:nvSpPr>
         <p:spPr>
           <a:xfrm>
-            <a:off x="1154955" y="1961148"/>
+            <a:off x="931990" y="2009274"/>
             <a:ext cx="10287077" cy="4668252"/>
           </a:xfrm>
         </p:spPr>
@@ -8501,7 +9221,19 @@
                 <a:latin typeface="Segoe UI Light" panose="020B0502040204020203" pitchFamily="34" charset="0"/>
                 <a:cs typeface="Segoe UI Light" panose="020B0502040204020203" pitchFamily="34" charset="0"/>
               </a:rPr>
-              <a:t>Text to Speech and vice-versa</a:t>
+              <a:t>Text to Speech conversion and vice-versa</a:t>
+            </a:r>
+          </a:p>
+          <a:p>
+            <a:pPr marL="0" indent="0" algn="ctr">
+              <a:buNone/>
+            </a:pPr>
+            <a:r>
+              <a:rPr lang="en-US" sz="1600" dirty="0" smtClean="0">
+                <a:latin typeface="Segoe UI Light" panose="020B0502040204020203" pitchFamily="34" charset="0"/>
+                <a:cs typeface="Segoe UI Light" panose="020B0502040204020203" pitchFamily="34" charset="0"/>
+              </a:rPr>
+              <a:t>Language Translation from one to another</a:t>
             </a:r>
             <a:endParaRPr lang="en-US" sz="1600" dirty="0">
               <a:latin typeface="Segoe UI Light" panose="020B0502040204020203" pitchFamily="34" charset="0"/>
@@ -8874,7 +9606,7 @@
         </p:nvSpPr>
         <p:spPr>
           <a:xfrm>
-            <a:off x="5570621" y="914868"/>
+            <a:off x="5570621" y="1011124"/>
             <a:ext cx="6268453" cy="5153526"/>
           </a:xfrm>
         </p:spPr>
@@ -9249,21 +9981,7 @@
                 <a:latin typeface="Segoe UI Light" panose="020B0502040204020203" pitchFamily="34" charset="0"/>
                 <a:cs typeface="Segoe UI Light" panose="020B0502040204020203" pitchFamily="34" charset="0"/>
               </a:rPr>
-              <a:t>The entire project has been completed using </a:t>
-            </a:r>
-            <a:r>
-              <a:rPr lang="en-US" b="1" dirty="0" smtClean="0">
-                <a:latin typeface="Segoe UI Light" panose="020B0502040204020203" pitchFamily="34" charset="0"/>
-                <a:cs typeface="Segoe UI Light" panose="020B0502040204020203" pitchFamily="34" charset="0"/>
-              </a:rPr>
-              <a:t>Java Swing</a:t>
-            </a:r>
-            <a:r>
-              <a:rPr lang="en-US" dirty="0" smtClean="0">
-                <a:latin typeface="Segoe UI Light" panose="020B0502040204020203" pitchFamily="34" charset="0"/>
-                <a:cs typeface="Segoe UI Light" panose="020B0502040204020203" pitchFamily="34" charset="0"/>
-              </a:rPr>
-              <a:t>, on the eclipse IDE</a:t>
+              <a:t>The entire project has been completed using Java Swing, on the eclipse IDE</a:t>
             </a:r>
           </a:p>
           <a:p>
@@ -9760,21 +10478,7 @@
                 <a:latin typeface="Segoe UI Light" panose="020B0502040204020203" pitchFamily="34" charset="0"/>
                 <a:cs typeface="Segoe UI Light" panose="020B0502040204020203" pitchFamily="34" charset="0"/>
               </a:rPr>
-              <a:t> </a:t>
-            </a:r>
-            <a:r>
-              <a:rPr lang="en-US" dirty="0" smtClean="0">
-                <a:latin typeface="Segoe UI Light" panose="020B0502040204020203" pitchFamily="34" charset="0"/>
-                <a:cs typeface="Segoe UI Light" panose="020B0502040204020203" pitchFamily="34" charset="0"/>
-              </a:rPr>
-              <a:t>file for faster access. </a:t>
-            </a:r>
-            <a:r>
-              <a:rPr lang="en-US" dirty="0" smtClean="0">
-                <a:latin typeface="Segoe UI Light" panose="020B0502040204020203" pitchFamily="34" charset="0"/>
-                <a:cs typeface="Segoe UI Light" panose="020B0502040204020203" pitchFamily="34" charset="0"/>
-              </a:rPr>
-              <a:t/>
+              <a:t> file for faster access. </a:t>
             </a:r>
             <a:br>
               <a:rPr lang="en-US" dirty="0" smtClean="0">
@@ -9878,42 +10582,7 @@
                 <a:latin typeface="Segoe UI Light" panose="020B0502040204020203" pitchFamily="34" charset="0"/>
                 <a:cs typeface="Segoe UI Light" panose="020B0502040204020203" pitchFamily="34" charset="0"/>
               </a:rPr>
-              <a:t> </a:t>
-            </a:r>
-            <a:r>
-              <a:rPr lang="en-US" dirty="0" smtClean="0">
-                <a:latin typeface="Segoe UI Light" panose="020B0502040204020203" pitchFamily="34" charset="0"/>
-                <a:cs typeface="Segoe UI Light" panose="020B0502040204020203" pitchFamily="34" charset="0"/>
-              </a:rPr>
-              <a:t>Edit Distance </a:t>
-            </a:r>
-            <a:r>
-              <a:rPr lang="en-US" dirty="0" smtClean="0">
-                <a:latin typeface="Segoe UI Light" panose="020B0502040204020203" pitchFamily="34" charset="0"/>
-                <a:cs typeface="Segoe UI Light" panose="020B0502040204020203" pitchFamily="34" charset="0"/>
-              </a:rPr>
-              <a:t>Algorithm is </a:t>
-            </a:r>
-            <a:r>
-              <a:rPr lang="en-US" dirty="0" smtClean="0">
-                <a:latin typeface="Segoe UI Light" panose="020B0502040204020203" pitchFamily="34" charset="0"/>
-                <a:cs typeface="Segoe UI Light" panose="020B0502040204020203" pitchFamily="34" charset="0"/>
-              </a:rPr>
-              <a:t>used to generate the candidate words (</a:t>
-            </a:r>
-            <a:r>
-              <a:rPr lang="en-US" dirty="0" smtClean="0">
-                <a:latin typeface="Segoe UI Light" panose="020B0502040204020203" pitchFamily="34" charset="0"/>
-                <a:cs typeface="Segoe UI Light" panose="020B0502040204020203" pitchFamily="34" charset="0"/>
-              </a:rPr>
-              <a:t>of up to edit </a:t>
-            </a:r>
-            <a:r>
-              <a:rPr lang="en-US" dirty="0" smtClean="0">
-                <a:latin typeface="Segoe UI Light" panose="020B0502040204020203" pitchFamily="34" charset="0"/>
-                <a:cs typeface="Segoe UI Light" panose="020B0502040204020203" pitchFamily="34" charset="0"/>
-              </a:rPr>
-              <a:t>distance 2) for the incorrect word.</a:t>
+              <a:t> Edit Distance Algorithm is used to generate the candidate words (of up to edit distance 2) for the incorrect word.</a:t>
             </a:r>
           </a:p>
           <a:p>
@@ -10683,33 +11352,7 @@
                 <a:latin typeface="Segoe UI Light" panose="020B0502040204020203" pitchFamily="34" charset="0"/>
                 <a:cs typeface="Segoe UI Light" panose="020B0502040204020203" pitchFamily="34" charset="0"/>
               </a:rPr>
-              <a:t>A live automated spell checker that detects and corrects </a:t>
-            </a:r>
-            <a:r>
-              <a:rPr lang="en-US" sz="1800" dirty="0" smtClean="0">
-                <a:solidFill>
-                  <a:schemeClr val="accent2">
-                    <a:lumMod val="40000"/>
-                    <a:lumOff val="60000"/>
-                  </a:schemeClr>
-                </a:solidFill>
-                <a:latin typeface="Segoe UI Light" panose="020B0502040204020203" pitchFamily="34" charset="0"/>
-                <a:cs typeface="Segoe UI Light" panose="020B0502040204020203" pitchFamily="34" charset="0"/>
-              </a:rPr>
-              <a:t>misspelt errors. </a:t>
-            </a:r>
-            <a:r>
-              <a:rPr lang="en-US" sz="1800" dirty="0" smtClean="0">
-                <a:solidFill>
-                  <a:schemeClr val="accent2">
-                    <a:lumMod val="40000"/>
-                    <a:lumOff val="60000"/>
-                  </a:schemeClr>
-                </a:solidFill>
-                <a:latin typeface="Segoe UI Light" panose="020B0502040204020203" pitchFamily="34" charset="0"/>
-                <a:cs typeface="Segoe UI Light" panose="020B0502040204020203" pitchFamily="34" charset="0"/>
-              </a:rPr>
-              <a:t>Underlines words that are not in the dictionary, option to add words into the dictionary</a:t>
+              <a:t>A live automated spell checker that detects and corrects misspelt errors. Underlines words that are not in the dictionary, option to add words into the dictionary</a:t>
             </a:r>
             <a:endParaRPr lang="en-US" sz="1800" dirty="0">
               <a:solidFill>
@@ -10938,10 +11581,6 @@
               </a:rPr>
               <a:t>word.</a:t>
             </a:r>
-            <a:endParaRPr lang="en-US" dirty="0" smtClean="0">
-              <a:latin typeface="Segoe UI Light" panose="020B0502040204020203" pitchFamily="34" charset="0"/>
-              <a:cs typeface="Segoe UI Light" panose="020B0502040204020203" pitchFamily="34" charset="0"/>
-            </a:endParaRPr>
           </a:p>
           <a:p>
             <a:pPr lvl="1"/>
@@ -11466,21 +12105,7 @@
                 <a:latin typeface="Segoe UI Light" panose="020B0502040204020203" pitchFamily="34" charset="0"/>
                 <a:cs typeface="Segoe UI Light" panose="020B0502040204020203" pitchFamily="34" charset="0"/>
               </a:rPr>
-              <a:t>The list of AutoComplete suggestions, is shown just below the cursor location, as a popup. The user may </a:t>
-            </a:r>
-            <a:r>
-              <a:rPr lang="en-US" dirty="0" smtClean="0">
-                <a:latin typeface="Segoe UI Light" panose="020B0502040204020203" pitchFamily="34" charset="0"/>
-                <a:cs typeface="Segoe UI Light" panose="020B0502040204020203" pitchFamily="34" charset="0"/>
-              </a:rPr>
-              <a:t>use </a:t>
-            </a:r>
-            <a:r>
-              <a:rPr lang="en-US" dirty="0" smtClean="0">
-                <a:latin typeface="Segoe UI Light" panose="020B0502040204020203" pitchFamily="34" charset="0"/>
-                <a:cs typeface="Segoe UI Light" panose="020B0502040204020203" pitchFamily="34" charset="0"/>
-              </a:rPr>
-              <a:t>keys, or the mouse to select one of the suggestions in order to use it, and save time. </a:t>
+              <a:t>The list of AutoComplete suggestions, is shown just below the cursor location, as a popup. The user may use keys, or the mouse to select one of the suggestions in order to use it, and save time. </a:t>
             </a:r>
             <a:endParaRPr lang="en-US" dirty="0"/>
           </a:p>
@@ -11772,7 +12397,7 @@
   <a:extraClrSchemeLst/>
   <a:extLst>
     <a:ext uri="{05A4C25C-085E-4340-85A3-A5531E510DB2}">
-      <thm15:themeFamily xmlns:thm15="http://schemas.microsoft.com/office/thememl/2012/main" xmlns="" name="Celestial" id="{C4BB2A3D-0E93-4C5F-B0D2-9D3FCE089CC5}" vid="{42E5908D-19A2-46FD-89FA-638B126129EF}"/>
+      <thm15:themeFamily xmlns:thm15="http://schemas.microsoft.com/office/thememl/2012/main" name="Celestial" id="{C4BB2A3D-0E93-4C5F-B0D2-9D3FCE089CC5}" vid="{42E5908D-19A2-46FD-89FA-638B126129EF}"/>
     </a:ext>
   </a:extLst>
 </a:theme>

--- a/Integrated Text Editor New.pptx
+++ b/Integrated Text Editor New.pptx
@@ -9425,7 +9425,14 @@
                 <a:latin typeface="Segoe UI Light" panose="020B0502040204020203" pitchFamily="34" charset="0"/>
                 <a:cs typeface="Segoe UI Light" panose="020B0502040204020203" pitchFamily="34" charset="0"/>
               </a:rPr>
-              <a:t>MS-Word uses many text processing concepts</a:t>
+              <a:t>MS-Office uses </a:t>
+            </a:r>
+            <a:r>
+              <a:rPr lang="en-US" sz="2000" dirty="0" smtClean="0">
+                <a:latin typeface="Segoe UI Light" panose="020B0502040204020203" pitchFamily="34" charset="0"/>
+                <a:cs typeface="Segoe UI Light" panose="020B0502040204020203" pitchFamily="34" charset="0"/>
+              </a:rPr>
+              <a:t>many text processing concepts</a:t>
             </a:r>
           </a:p>
           <a:p>
@@ -10168,24 +10175,31 @@
               <a:t>BACKEND ALGORITHMS</a:t>
             </a:r>
             <a:r>
+              <a:rPr lang="en-US" smtClean="0">
+                <a:latin typeface="Segoe UI Light" panose="020B0502040204020203" pitchFamily="34" charset="0"/>
+                <a:cs typeface="Segoe UI Light" panose="020B0502040204020203" pitchFamily="34" charset="0"/>
+              </a:rPr>
+              <a:t/>
+            </a:r>
+            <a:br>
+              <a:rPr lang="en-US" smtClean="0">
+                <a:latin typeface="Segoe UI Light" panose="020B0502040204020203" pitchFamily="34" charset="0"/>
+                <a:cs typeface="Segoe UI Light" panose="020B0502040204020203" pitchFamily="34" charset="0"/>
+              </a:rPr>
+            </a:br>
+            <a:r>
+              <a:rPr lang="en-US" smtClean="0">
+                <a:latin typeface="Segoe UI Light" panose="020B0502040204020203" pitchFamily="34" charset="0"/>
+                <a:cs typeface="Segoe UI Light" panose="020B0502040204020203" pitchFamily="34" charset="0"/>
+              </a:rPr>
+              <a:t>Powerful concepts </a:t>
+            </a:r>
+            <a:r>
               <a:rPr lang="en-US" dirty="0" smtClean="0">
                 <a:latin typeface="Segoe UI Light" panose="020B0502040204020203" pitchFamily="34" charset="0"/>
                 <a:cs typeface="Segoe UI Light" panose="020B0502040204020203" pitchFamily="34" charset="0"/>
               </a:rPr>
-              <a:t/>
-            </a:r>
-            <a:br>
-              <a:rPr lang="en-US" dirty="0" smtClean="0">
-                <a:latin typeface="Segoe UI Light" panose="020B0502040204020203" pitchFamily="34" charset="0"/>
-                <a:cs typeface="Segoe UI Light" panose="020B0502040204020203" pitchFamily="34" charset="0"/>
-              </a:rPr>
-            </a:br>
-            <a:r>
-              <a:rPr lang="en-US" dirty="0" smtClean="0">
-                <a:latin typeface="Segoe UI Light" panose="020B0502040204020203" pitchFamily="34" charset="0"/>
-                <a:cs typeface="Segoe UI Light" panose="020B0502040204020203" pitchFamily="34" charset="0"/>
-              </a:rPr>
-              <a:t>Concepts of Natural Language Processing</a:t>
+              <a:t>of Natural Language Processing</a:t>
             </a:r>
           </a:p>
         </p:txBody>
